--- a/jimmysch-ironruby.pptx
+++ b/jimmysch-ironruby.pptx
@@ -5,29 +5,37 @@
     <p:sldMasterId id="2147483684" r:id="rId1"/>
   </p:sldMasterIdLst>
   <p:notesMasterIdLst>
-    <p:notesMasterId r:id="rId22"/>
+    <p:notesMasterId r:id="rId30"/>
   </p:notesMasterIdLst>
   <p:sldIdLst>
     <p:sldId id="256" r:id="rId2"/>
     <p:sldId id="259" r:id="rId3"/>
     <p:sldId id="258" r:id="rId4"/>
-    <p:sldId id="257" r:id="rId5"/>
-    <p:sldId id="261" r:id="rId6"/>
-    <p:sldId id="264" r:id="rId7"/>
-    <p:sldId id="278" r:id="rId8"/>
-    <p:sldId id="266" r:id="rId9"/>
-    <p:sldId id="262" r:id="rId10"/>
-    <p:sldId id="267" r:id="rId11"/>
-    <p:sldId id="279" r:id="rId12"/>
-    <p:sldId id="263" r:id="rId13"/>
-    <p:sldId id="269" r:id="rId14"/>
-    <p:sldId id="270" r:id="rId15"/>
-    <p:sldId id="271" r:id="rId16"/>
-    <p:sldId id="272" r:id="rId17"/>
-    <p:sldId id="273" r:id="rId18"/>
-    <p:sldId id="274" r:id="rId19"/>
-    <p:sldId id="275" r:id="rId20"/>
-    <p:sldId id="276" r:id="rId21"/>
+    <p:sldId id="283" r:id="rId5"/>
+    <p:sldId id="284" r:id="rId6"/>
+    <p:sldId id="285" r:id="rId7"/>
+    <p:sldId id="287" r:id="rId8"/>
+    <p:sldId id="257" r:id="rId9"/>
+    <p:sldId id="261" r:id="rId10"/>
+    <p:sldId id="264" r:id="rId11"/>
+    <p:sldId id="278" r:id="rId12"/>
+    <p:sldId id="266" r:id="rId13"/>
+    <p:sldId id="262" r:id="rId14"/>
+    <p:sldId id="280" r:id="rId15"/>
+    <p:sldId id="281" r:id="rId16"/>
+    <p:sldId id="282" r:id="rId17"/>
+    <p:sldId id="267" r:id="rId18"/>
+    <p:sldId id="279" r:id="rId19"/>
+    <p:sldId id="263" r:id="rId20"/>
+    <p:sldId id="269" r:id="rId21"/>
+    <p:sldId id="270" r:id="rId22"/>
+    <p:sldId id="271" r:id="rId23"/>
+    <p:sldId id="272" r:id="rId24"/>
+    <p:sldId id="273" r:id="rId25"/>
+    <p:sldId id="274" r:id="rId26"/>
+    <p:sldId id="275" r:id="rId27"/>
+    <p:sldId id="286" r:id="rId28"/>
+    <p:sldId id="276" r:id="rId29"/>
   </p:sldIdLst>
   <p:sldSz cx="9144000" cy="6858000" type="screen4x3"/>
   <p:notesSz cx="6858000" cy="9144000"/>
@@ -639,7 +647,11 @@
           <a:bodyPr/>
           <a:lstStyle/>
           <a:p>
-            <a:endParaRPr lang="en-US"/>
+            <a:r>
+              <a:rPr lang="en-US" dirty="0" smtClean="0"/>
+              <a:t>Agenda …</a:t>
+            </a:r>
+            <a:endParaRPr lang="en-US" dirty="0"/>
           </a:p>
         </p:txBody>
       </p:sp>
@@ -660,7 +672,7 @@
           <a:p>
             <a:fld id="{8A79B42D-FAB0-42F8-B8FC-0BAA5E7F7E3E}" type="slidenum">
               <a:rPr lang="en-US" smtClean="0"/>
-              <a:t>10</a:t>
+              <a:t>13</a:t>
             </a:fld>
             <a:endParaRPr lang="en-US"/>
           </a:p>
@@ -669,7 +681,7 @@
     </p:spTree>
     <p:extLst>
       <p:ext uri="{BB962C8B-B14F-4D97-AF65-F5344CB8AC3E}">
-        <p14:creationId xmlns:p14="http://schemas.microsoft.com/office/powerpoint/2010/main" val="3194521028"/>
+        <p14:creationId xmlns:p14="http://schemas.microsoft.com/office/powerpoint/2010/main" val="2835724897"/>
       </p:ext>
     </p:extLst>
   </p:cSld>
@@ -744,7 +756,7 @@
           <a:p>
             <a:fld id="{8A79B42D-FAB0-42F8-B8FC-0BAA5E7F7E3E}" type="slidenum">
               <a:rPr lang="en-US" smtClean="0"/>
-              <a:t>11</a:t>
+              <a:t>17</a:t>
             </a:fld>
             <a:endParaRPr lang="en-US"/>
           </a:p>
@@ -753,7 +765,7 @@
     </p:spTree>
     <p:extLst>
       <p:ext uri="{BB962C8B-B14F-4D97-AF65-F5344CB8AC3E}">
-        <p14:creationId xmlns:p14="http://schemas.microsoft.com/office/powerpoint/2010/main" val="647954053"/>
+        <p14:creationId xmlns:p14="http://schemas.microsoft.com/office/powerpoint/2010/main" val="3194521028"/>
       </p:ext>
     </p:extLst>
   </p:cSld>
@@ -807,11 +819,7 @@
           <a:bodyPr/>
           <a:lstStyle/>
           <a:p>
-            <a:r>
-              <a:rPr lang="en-US" dirty="0" smtClean="0"/>
-              <a:t>Agenda …</a:t>
-            </a:r>
-            <a:endParaRPr lang="en-US" dirty="0"/>
+            <a:endParaRPr lang="en-US"/>
           </a:p>
         </p:txBody>
       </p:sp>
@@ -832,7 +840,7 @@
           <a:p>
             <a:fld id="{8A79B42D-FAB0-42F8-B8FC-0BAA5E7F7E3E}" type="slidenum">
               <a:rPr lang="en-US" smtClean="0"/>
-              <a:t>12</a:t>
+              <a:t>18</a:t>
             </a:fld>
             <a:endParaRPr lang="en-US"/>
           </a:p>
@@ -841,7 +849,7 @@
     </p:spTree>
     <p:extLst>
       <p:ext uri="{BB962C8B-B14F-4D97-AF65-F5344CB8AC3E}">
-        <p14:creationId xmlns:p14="http://schemas.microsoft.com/office/powerpoint/2010/main" val="2835724897"/>
+        <p14:creationId xmlns:p14="http://schemas.microsoft.com/office/powerpoint/2010/main" val="647954053"/>
       </p:ext>
     </p:extLst>
   </p:cSld>
@@ -896,38 +904,10 @@
           <a:lstStyle/>
           <a:p>
             <a:r>
-              <a:rPr lang="en-US" sz="1200" kern="1200" dirty="0" smtClean="0">
-                <a:solidFill>
-                  <a:schemeClr val="tx1"/>
-                </a:solidFill>
-                <a:effectLst/>
-                <a:latin typeface="+mn-lt"/>
-                <a:ea typeface="+mn-ea"/>
-                <a:cs typeface="+mn-cs"/>
-              </a:rPr>
-              <a:t>Welcome, intro, maybe</a:t>
-            </a:r>
-            <a:r>
-              <a:rPr lang="en-US" sz="1200" kern="1200" baseline="0" dirty="0" smtClean="0">
-                <a:solidFill>
-                  <a:schemeClr val="tx1"/>
-                </a:solidFill>
-                <a:effectLst/>
-                <a:latin typeface="+mn-lt"/>
-                <a:ea typeface="+mn-ea"/>
-                <a:cs typeface="+mn-cs"/>
-              </a:rPr>
-              <a:t> some joke?</a:t>
-            </a:r>
-            <a:endParaRPr lang="en-US" sz="1200" kern="1200" dirty="0" smtClean="0">
-              <a:solidFill>
-                <a:schemeClr val="tx1"/>
-              </a:solidFill>
-              <a:effectLst/>
-              <a:latin typeface="+mn-lt"/>
-              <a:ea typeface="+mn-ea"/>
-              <a:cs typeface="+mn-cs"/>
-            </a:endParaRPr>
+              <a:rPr lang="en-US" dirty="0" smtClean="0"/>
+              <a:t>Agenda …</a:t>
+            </a:r>
+            <a:endParaRPr lang="en-US" dirty="0"/>
           </a:p>
         </p:txBody>
       </p:sp>
@@ -948,7 +928,7 @@
           <a:p>
             <a:fld id="{8A79B42D-FAB0-42F8-B8FC-0BAA5E7F7E3E}" type="slidenum">
               <a:rPr lang="en-US" smtClean="0"/>
-              <a:t>13</a:t>
+              <a:t>19</a:t>
             </a:fld>
             <a:endParaRPr lang="en-US"/>
           </a:p>
@@ -957,7 +937,7 @@
     </p:spTree>
     <p:extLst>
       <p:ext uri="{BB962C8B-B14F-4D97-AF65-F5344CB8AC3E}">
-        <p14:creationId xmlns:p14="http://schemas.microsoft.com/office/powerpoint/2010/main" val="4012968388"/>
+        <p14:creationId xmlns:p14="http://schemas.microsoft.com/office/powerpoint/2010/main" val="2835724897"/>
       </p:ext>
     </p:extLst>
   </p:cSld>
@@ -1011,64 +991,39 @@
           <a:bodyPr/>
           <a:lstStyle/>
           <a:p>
-            <a:pPr marL="0" marR="0" lvl="2" indent="0" algn="l" defTabSz="914400" rtl="0" eaLnBrk="1" fontAlgn="auto" latinLnBrk="0" hangingPunct="1">
-              <a:lnSpc>
-                <a:spcPct val="100000"/>
-              </a:lnSpc>
-              <a:spcBef>
-                <a:spcPts val="0"/>
-              </a:spcBef>
-              <a:spcAft>
-                <a:spcPts val="0"/>
-              </a:spcAft>
-              <a:buClrTx/>
-              <a:buSzTx/>
-              <a:buFontTx/>
-              <a:buNone/>
-              <a:tabLst/>
-              <a:defRPr/>
-            </a:pPr>
-            <a:r>
-              <a:rPr lang="en-US" dirty="0" smtClean="0"/>
-              <a:t>Web </a:t>
-            </a:r>
-            <a:r>
-              <a:rPr lang="en-US" dirty="0" err="1" smtClean="0"/>
-              <a:t>dev</a:t>
-            </a:r>
-            <a:r>
-              <a:rPr lang="en-US" dirty="0" smtClean="0"/>
-              <a:t>:</a:t>
-            </a:r>
-            <a:r>
-              <a:rPr lang="en-US" baseline="0" dirty="0" smtClean="0"/>
-              <a:t> </a:t>
-            </a:r>
-            <a:r>
-              <a:rPr lang="en-US" dirty="0" smtClean="0"/>
-              <a:t>Ruby frameworks (</a:t>
-            </a:r>
-            <a:r>
-              <a:rPr lang="en-US" dirty="0" err="1" smtClean="0"/>
-              <a:t>Rack</a:t>
-            </a:r>
-            <a:r>
-              <a:rPr lang="en-US" dirty="0" err="1" smtClean="0">
-                <a:sym typeface="Wingdings" pitchFamily="2" charset="2"/>
-              </a:rPr>
-              <a:t></a:t>
-            </a:r>
-            <a:r>
-              <a:rPr lang="en-US" dirty="0" err="1" smtClean="0"/>
-              <a:t>IIS</a:t>
-            </a:r>
-            <a:r>
-              <a:rPr lang="en-US" dirty="0" smtClean="0"/>
-              <a:t>) and .NET frameworks (ASP.NET MVC)</a:t>
-            </a:r>
-          </a:p>
-          <a:p>
-            <a:endParaRPr lang="en-US" dirty="0"/>
+            <a:r>
+              <a:rPr lang="en-US" sz="1200" kern="1200" dirty="0" smtClean="0">
+                <a:solidFill>
+                  <a:schemeClr val="tx1"/>
+                </a:solidFill>
+                <a:effectLst/>
+                <a:latin typeface="+mn-lt"/>
+                <a:ea typeface="+mn-ea"/>
+                <a:cs typeface="+mn-cs"/>
+              </a:rPr>
+              <a:t>Welcome, intro, maybe</a:t>
+            </a:r>
+            <a:r>
+              <a:rPr lang="en-US" sz="1200" kern="1200" baseline="0" dirty="0" smtClean="0">
+                <a:solidFill>
+                  <a:schemeClr val="tx1"/>
+                </a:solidFill>
+                <a:effectLst/>
+                <a:latin typeface="+mn-lt"/>
+                <a:ea typeface="+mn-ea"/>
+                <a:cs typeface="+mn-cs"/>
+              </a:rPr>
+              <a:t> some joke?</a:t>
+            </a:r>
+            <a:endParaRPr lang="en-US" sz="1200" kern="1200" dirty="0" smtClean="0">
+              <a:solidFill>
+                <a:schemeClr val="tx1"/>
+              </a:solidFill>
+              <a:effectLst/>
+              <a:latin typeface="+mn-lt"/>
+              <a:ea typeface="+mn-ea"/>
+              <a:cs typeface="+mn-cs"/>
+            </a:endParaRPr>
           </a:p>
         </p:txBody>
       </p:sp>
@@ -1089,7 +1044,7 @@
           <a:p>
             <a:fld id="{8A79B42D-FAB0-42F8-B8FC-0BAA5E7F7E3E}" type="slidenum">
               <a:rPr lang="en-US" smtClean="0"/>
-              <a:t>14</a:t>
+              <a:t>20</a:t>
             </a:fld>
             <a:endParaRPr lang="en-US"/>
           </a:p>
@@ -1098,7 +1053,7 @@
     </p:spTree>
     <p:extLst>
       <p:ext uri="{BB962C8B-B14F-4D97-AF65-F5344CB8AC3E}">
-        <p14:creationId xmlns:p14="http://schemas.microsoft.com/office/powerpoint/2010/main" val="4055809135"/>
+        <p14:creationId xmlns:p14="http://schemas.microsoft.com/office/powerpoint/2010/main" val="4012968388"/>
       </p:ext>
     </p:extLst>
   </p:cSld>
@@ -1230,7 +1185,7 @@
           <a:p>
             <a:fld id="{8A79B42D-FAB0-42F8-B8FC-0BAA5E7F7E3E}" type="slidenum">
               <a:rPr lang="en-US" smtClean="0"/>
-              <a:t>15</a:t>
+              <a:t>21</a:t>
             </a:fld>
             <a:endParaRPr lang="en-US"/>
           </a:p>
@@ -1371,7 +1326,7 @@
           <a:p>
             <a:fld id="{8A79B42D-FAB0-42F8-B8FC-0BAA5E7F7E3E}" type="slidenum">
               <a:rPr lang="en-US" smtClean="0"/>
-              <a:t>16</a:t>
+              <a:t>22</a:t>
             </a:fld>
             <a:endParaRPr lang="en-US"/>
           </a:p>
@@ -1512,7 +1467,7 @@
           <a:p>
             <a:fld id="{8A79B42D-FAB0-42F8-B8FC-0BAA5E7F7E3E}" type="slidenum">
               <a:rPr lang="en-US" smtClean="0"/>
-              <a:t>17</a:t>
+              <a:t>23</a:t>
             </a:fld>
             <a:endParaRPr lang="en-US"/>
           </a:p>
@@ -1575,6 +1530,147 @@
           <a:bodyPr/>
           <a:lstStyle/>
           <a:p>
+            <a:pPr marL="0" marR="0" lvl="2" indent="0" algn="l" defTabSz="914400" rtl="0" eaLnBrk="1" fontAlgn="auto" latinLnBrk="0" hangingPunct="1">
+              <a:lnSpc>
+                <a:spcPct val="100000"/>
+              </a:lnSpc>
+              <a:spcBef>
+                <a:spcPts val="0"/>
+              </a:spcBef>
+              <a:spcAft>
+                <a:spcPts val="0"/>
+              </a:spcAft>
+              <a:buClrTx/>
+              <a:buSzTx/>
+              <a:buFontTx/>
+              <a:buNone/>
+              <a:tabLst/>
+              <a:defRPr/>
+            </a:pPr>
+            <a:r>
+              <a:rPr lang="en-US" dirty="0" smtClean="0"/>
+              <a:t>Web </a:t>
+            </a:r>
+            <a:r>
+              <a:rPr lang="en-US" dirty="0" err="1" smtClean="0"/>
+              <a:t>dev</a:t>
+            </a:r>
+            <a:r>
+              <a:rPr lang="en-US" dirty="0" smtClean="0"/>
+              <a:t>:</a:t>
+            </a:r>
+            <a:r>
+              <a:rPr lang="en-US" baseline="0" dirty="0" smtClean="0"/>
+              <a:t> </a:t>
+            </a:r>
+            <a:r>
+              <a:rPr lang="en-US" dirty="0" smtClean="0"/>
+              <a:t>Ruby frameworks (</a:t>
+            </a:r>
+            <a:r>
+              <a:rPr lang="en-US" dirty="0" err="1" smtClean="0"/>
+              <a:t>Rack</a:t>
+            </a:r>
+            <a:r>
+              <a:rPr lang="en-US" dirty="0" err="1" smtClean="0">
+                <a:sym typeface="Wingdings" pitchFamily="2" charset="2"/>
+              </a:rPr>
+              <a:t></a:t>
+            </a:r>
+            <a:r>
+              <a:rPr lang="en-US" dirty="0" err="1" smtClean="0"/>
+              <a:t>IIS</a:t>
+            </a:r>
+            <a:r>
+              <a:rPr lang="en-US" dirty="0" smtClean="0"/>
+              <a:t>) and .NET frameworks (ASP.NET MVC)</a:t>
+            </a:r>
+          </a:p>
+          <a:p>
+            <a:endParaRPr lang="en-US" dirty="0"/>
+          </a:p>
+        </p:txBody>
+      </p:sp>
+      <p:sp>
+        <p:nvSpPr>
+          <p:cNvPr id="4" name="Slide Number Placeholder 3"/>
+          <p:cNvSpPr>
+            <a:spLocks noGrp="1"/>
+          </p:cNvSpPr>
+          <p:nvPr>
+            <p:ph type="sldNum" sz="quarter" idx="10"/>
+          </p:nvPr>
+        </p:nvSpPr>
+        <p:spPr/>
+        <p:txBody>
+          <a:bodyPr/>
+          <a:lstStyle/>
+          <a:p>
+            <a:fld id="{8A79B42D-FAB0-42F8-B8FC-0BAA5E7F7E3E}" type="slidenum">
+              <a:rPr lang="en-US" smtClean="0"/>
+              <a:t>24</a:t>
+            </a:fld>
+            <a:endParaRPr lang="en-US"/>
+          </a:p>
+        </p:txBody>
+      </p:sp>
+    </p:spTree>
+    <p:extLst>
+      <p:ext uri="{BB962C8B-B14F-4D97-AF65-F5344CB8AC3E}">
+        <p14:creationId xmlns:p14="http://schemas.microsoft.com/office/powerpoint/2010/main" val="4055809135"/>
+      </p:ext>
+    </p:extLst>
+  </p:cSld>
+  <p:clrMapOvr>
+    <a:masterClrMapping/>
+  </p:clrMapOvr>
+</p:notes>
+</file>
+
+<file path=ppt/notesSlides/notesSlide19.xml><?xml version="1.0" encoding="utf-8"?>
+<p:notes xmlns:a="http://schemas.openxmlformats.org/drawingml/2006/main" xmlns:r="http://schemas.openxmlformats.org/officeDocument/2006/relationships" xmlns:p="http://schemas.openxmlformats.org/presentationml/2006/main">
+  <p:cSld>
+    <p:spTree>
+      <p:nvGrpSpPr>
+        <p:cNvPr id="1" name=""/>
+        <p:cNvGrpSpPr/>
+        <p:nvPr/>
+      </p:nvGrpSpPr>
+      <p:grpSpPr>
+        <a:xfrm>
+          <a:off x="0" y="0"/>
+          <a:ext cx="0" cy="0"/>
+          <a:chOff x="0" y="0"/>
+          <a:chExt cx="0" cy="0"/>
+        </a:xfrm>
+      </p:grpSpPr>
+      <p:sp>
+        <p:nvSpPr>
+          <p:cNvPr id="2" name="Slide Image Placeholder 1"/>
+          <p:cNvSpPr>
+            <a:spLocks noGrp="1" noRot="1" noChangeAspect="1"/>
+          </p:cNvSpPr>
+          <p:nvPr>
+            <p:ph type="sldImg"/>
+          </p:nvPr>
+        </p:nvSpPr>
+        <p:spPr/>
+      </p:sp>
+      <p:sp>
+        <p:nvSpPr>
+          <p:cNvPr id="3" name="Notes Placeholder 2"/>
+          <p:cNvSpPr>
+            <a:spLocks noGrp="1"/>
+          </p:cNvSpPr>
+          <p:nvPr>
+            <p:ph type="body" idx="1"/>
+          </p:nvPr>
+        </p:nvSpPr>
+        <p:spPr/>
+        <p:txBody>
+          <a:bodyPr/>
+          <a:lstStyle/>
+          <a:p>
             <a:r>
               <a:rPr lang="en-US" sz="1200" kern="1200" dirty="0" smtClean="0">
                 <a:solidFill>
@@ -1628,7 +1724,7 @@
           <a:p>
             <a:fld id="{8A79B42D-FAB0-42F8-B8FC-0BAA5E7F7E3E}" type="slidenum">
               <a:rPr lang="en-US" smtClean="0"/>
-              <a:t>20</a:t>
+              <a:t>28</a:t>
             </a:fld>
             <a:endParaRPr lang="en-US"/>
           </a:p>
@@ -1972,63 +2068,22 @@
           <a:bodyPr/>
           <a:lstStyle/>
           <a:p>
-            <a:pPr marL="0" marR="0" lvl="2" indent="0" algn="l" defTabSz="914400" rtl="0" eaLnBrk="1" fontAlgn="auto" latinLnBrk="0" hangingPunct="1">
-              <a:lnSpc>
-                <a:spcPct val="100000"/>
-              </a:lnSpc>
-              <a:spcBef>
-                <a:spcPts val="0"/>
-              </a:spcBef>
-              <a:spcAft>
-                <a:spcPts val="0"/>
-              </a:spcAft>
-              <a:buClrTx/>
-              <a:buSzTx/>
-              <a:buFontTx/>
-              <a:buNone/>
-              <a:tabLst/>
-              <a:defRPr/>
-            </a:pPr>
             <a:r>
               <a:rPr lang="en-US" dirty="0" smtClean="0"/>
-              <a:t>Web </a:t>
-            </a:r>
-            <a:r>
-              <a:rPr lang="en-US" dirty="0" err="1" smtClean="0"/>
-              <a:t>dev</a:t>
-            </a:r>
-            <a:r>
-              <a:rPr lang="en-US" dirty="0" smtClean="0"/>
-              <a:t>:</a:t>
+              <a:t>Other than being a great Ruby implementation, what</a:t>
             </a:r>
             <a:r>
               <a:rPr lang="en-US" baseline="0" dirty="0" smtClean="0"/>
-              <a:t> </a:t>
-            </a:r>
-            <a:r>
-              <a:rPr lang="en-US" dirty="0" smtClean="0"/>
-              <a:t>Ruby frameworks (</a:t>
-            </a:r>
-            <a:r>
-              <a:rPr lang="en-US" dirty="0" err="1" smtClean="0"/>
-              <a:t>Rack</a:t>
-            </a:r>
-            <a:r>
-              <a:rPr lang="en-US" dirty="0" err="1" smtClean="0">
-                <a:sym typeface="Wingdings" pitchFamily="2" charset="2"/>
-              </a:rPr>
-              <a:t></a:t>
-            </a:r>
-            <a:r>
-              <a:rPr lang="en-US" dirty="0" err="1" smtClean="0"/>
-              <a:t>IIS</a:t>
-            </a:r>
-            <a:r>
-              <a:rPr lang="en-US" dirty="0" smtClean="0"/>
-              <a:t>) and .NET frameworks (ASP.NET MVC)</a:t>
-            </a:r>
-          </a:p>
-          <a:p>
+              <a:t> specific </a:t>
+            </a:r>
+            <a:r>
+              <a:rPr lang="en-US" baseline="0" dirty="0" err="1" smtClean="0"/>
+              <a:t>goodnesses</a:t>
+            </a:r>
+            <a:r>
+              <a:rPr lang="en-US" baseline="0" dirty="0" smtClean="0"/>
+              <a:t> does Ruby provide?</a:t>
+            </a:r>
             <a:endParaRPr lang="en-US" dirty="0"/>
           </a:p>
         </p:txBody>
@@ -2050,7 +2105,7 @@
           <a:p>
             <a:fld id="{8A79B42D-FAB0-42F8-B8FC-0BAA5E7F7E3E}" type="slidenum">
               <a:rPr lang="en-US" smtClean="0"/>
-              <a:t>4</a:t>
+              <a:t>7</a:t>
             </a:fld>
             <a:endParaRPr lang="en-US"/>
           </a:p>
@@ -2059,7 +2114,7 @@
     </p:spTree>
     <p:extLst>
       <p:ext uri="{BB962C8B-B14F-4D97-AF65-F5344CB8AC3E}">
-        <p14:creationId xmlns:p14="http://schemas.microsoft.com/office/powerpoint/2010/main" val="4055809135"/>
+        <p14:creationId xmlns:p14="http://schemas.microsoft.com/office/powerpoint/2010/main" val="890931061"/>
       </p:ext>
     </p:extLst>
   </p:cSld>
@@ -2113,10 +2168,63 @@
           <a:bodyPr/>
           <a:lstStyle/>
           <a:p>
+            <a:pPr marL="0" marR="0" lvl="2" indent="0" algn="l" defTabSz="914400" rtl="0" eaLnBrk="1" fontAlgn="auto" latinLnBrk="0" hangingPunct="1">
+              <a:lnSpc>
+                <a:spcPct val="100000"/>
+              </a:lnSpc>
+              <a:spcBef>
+                <a:spcPts val="0"/>
+              </a:spcBef>
+              <a:spcAft>
+                <a:spcPts val="0"/>
+              </a:spcAft>
+              <a:buClrTx/>
+              <a:buSzTx/>
+              <a:buFontTx/>
+              <a:buNone/>
+              <a:tabLst/>
+              <a:defRPr/>
+            </a:pPr>
             <a:r>
               <a:rPr lang="en-US" dirty="0" smtClean="0"/>
-              <a:t>Agenda …</a:t>
-            </a:r>
+              <a:t>Web </a:t>
+            </a:r>
+            <a:r>
+              <a:rPr lang="en-US" dirty="0" err="1" smtClean="0"/>
+              <a:t>dev</a:t>
+            </a:r>
+            <a:r>
+              <a:rPr lang="en-US" dirty="0" smtClean="0"/>
+              <a:t>:</a:t>
+            </a:r>
+            <a:r>
+              <a:rPr lang="en-US" baseline="0" dirty="0" smtClean="0"/>
+              <a:t> </a:t>
+            </a:r>
+            <a:r>
+              <a:rPr lang="en-US" dirty="0" smtClean="0"/>
+              <a:t>Ruby frameworks (</a:t>
+            </a:r>
+            <a:r>
+              <a:rPr lang="en-US" dirty="0" err="1" smtClean="0"/>
+              <a:t>Rack</a:t>
+            </a:r>
+            <a:r>
+              <a:rPr lang="en-US" dirty="0" err="1" smtClean="0">
+                <a:sym typeface="Wingdings" pitchFamily="2" charset="2"/>
+              </a:rPr>
+              <a:t></a:t>
+            </a:r>
+            <a:r>
+              <a:rPr lang="en-US" dirty="0" err="1" smtClean="0"/>
+              <a:t>IIS</a:t>
+            </a:r>
+            <a:r>
+              <a:rPr lang="en-US" dirty="0" smtClean="0"/>
+              <a:t>) and .NET frameworks (ASP.NET MVC)</a:t>
+            </a:r>
+          </a:p>
+          <a:p>
             <a:endParaRPr lang="en-US" dirty="0"/>
           </a:p>
         </p:txBody>
@@ -2138,7 +2246,7 @@
           <a:p>
             <a:fld id="{8A79B42D-FAB0-42F8-B8FC-0BAA5E7F7E3E}" type="slidenum">
               <a:rPr lang="en-US" smtClean="0"/>
-              <a:t>5</a:t>
+              <a:t>8</a:t>
             </a:fld>
             <a:endParaRPr lang="en-US"/>
           </a:p>
@@ -2147,7 +2255,7 @@
     </p:spTree>
     <p:extLst>
       <p:ext uri="{BB962C8B-B14F-4D97-AF65-F5344CB8AC3E}">
-        <p14:creationId xmlns:p14="http://schemas.microsoft.com/office/powerpoint/2010/main" val="2835724897"/>
+        <p14:creationId xmlns:p14="http://schemas.microsoft.com/office/powerpoint/2010/main" val="4055809135"/>
       </p:ext>
     </p:extLst>
   </p:cSld>
@@ -2201,7 +2309,11 @@
           <a:bodyPr/>
           <a:lstStyle/>
           <a:p>
-            <a:endParaRPr lang="en-US"/>
+            <a:r>
+              <a:rPr lang="en-US" dirty="0" smtClean="0"/>
+              <a:t>Agenda …</a:t>
+            </a:r>
+            <a:endParaRPr lang="en-US" dirty="0"/>
           </a:p>
         </p:txBody>
       </p:sp>
@@ -2222,7 +2334,7 @@
           <a:p>
             <a:fld id="{8A79B42D-FAB0-42F8-B8FC-0BAA5E7F7E3E}" type="slidenum">
               <a:rPr lang="en-US" smtClean="0"/>
-              <a:t>6</a:t>
+              <a:t>9</a:t>
             </a:fld>
             <a:endParaRPr lang="en-US"/>
           </a:p>
@@ -2231,7 +2343,7 @@
     </p:spTree>
     <p:extLst>
       <p:ext uri="{BB962C8B-B14F-4D97-AF65-F5344CB8AC3E}">
-        <p14:creationId xmlns:p14="http://schemas.microsoft.com/office/powerpoint/2010/main" val="949000196"/>
+        <p14:creationId xmlns:p14="http://schemas.microsoft.com/office/powerpoint/2010/main" val="2835724897"/>
       </p:ext>
     </p:extLst>
   </p:cSld>
@@ -2306,7 +2418,7 @@
           <a:p>
             <a:fld id="{8A79B42D-FAB0-42F8-B8FC-0BAA5E7F7E3E}" type="slidenum">
               <a:rPr lang="en-US" smtClean="0"/>
-              <a:t>7</a:t>
+              <a:t>10</a:t>
             </a:fld>
             <a:endParaRPr lang="en-US"/>
           </a:p>
@@ -2315,7 +2427,7 @@
     </p:spTree>
     <p:extLst>
       <p:ext uri="{BB962C8B-B14F-4D97-AF65-F5344CB8AC3E}">
-        <p14:creationId xmlns:p14="http://schemas.microsoft.com/office/powerpoint/2010/main" val="125534822"/>
+        <p14:creationId xmlns:p14="http://schemas.microsoft.com/office/powerpoint/2010/main" val="949000196"/>
       </p:ext>
     </p:extLst>
   </p:cSld>
@@ -2369,64 +2481,7 @@
           <a:bodyPr/>
           <a:lstStyle/>
           <a:p>
-            <a:pPr marL="0" marR="0" lvl="2" indent="0" algn="l" defTabSz="914400" rtl="0" eaLnBrk="1" fontAlgn="auto" latinLnBrk="0" hangingPunct="1">
-              <a:lnSpc>
-                <a:spcPct val="100000"/>
-              </a:lnSpc>
-              <a:spcBef>
-                <a:spcPts val="0"/>
-              </a:spcBef>
-              <a:spcAft>
-                <a:spcPts val="0"/>
-              </a:spcAft>
-              <a:buClrTx/>
-              <a:buSzTx/>
-              <a:buFontTx/>
-              <a:buNone/>
-              <a:tabLst/>
-              <a:defRPr/>
-            </a:pPr>
-            <a:r>
-              <a:rPr lang="en-US" dirty="0" smtClean="0"/>
-              <a:t>Web </a:t>
-            </a:r>
-            <a:r>
-              <a:rPr lang="en-US" dirty="0" err="1" smtClean="0"/>
-              <a:t>dev</a:t>
-            </a:r>
-            <a:r>
-              <a:rPr lang="en-US" dirty="0" smtClean="0"/>
-              <a:t>:</a:t>
-            </a:r>
-            <a:r>
-              <a:rPr lang="en-US" baseline="0" dirty="0" smtClean="0"/>
-              <a:t> </a:t>
-            </a:r>
-            <a:r>
-              <a:rPr lang="en-US" dirty="0" smtClean="0"/>
-              <a:t>Ruby frameworks (</a:t>
-            </a:r>
-            <a:r>
-              <a:rPr lang="en-US" dirty="0" err="1" smtClean="0"/>
-              <a:t>Rack</a:t>
-            </a:r>
-            <a:r>
-              <a:rPr lang="en-US" dirty="0" err="1" smtClean="0">
-                <a:sym typeface="Wingdings" pitchFamily="2" charset="2"/>
-              </a:rPr>
-              <a:t></a:t>
-            </a:r>
-            <a:r>
-              <a:rPr lang="en-US" dirty="0" err="1" smtClean="0"/>
-              <a:t>IIS</a:t>
-            </a:r>
-            <a:r>
-              <a:rPr lang="en-US" dirty="0" smtClean="0"/>
-              <a:t>) and .NET frameworks (ASP.NET MVC)</a:t>
-            </a:r>
-          </a:p>
-          <a:p>
-            <a:endParaRPr lang="en-US" dirty="0"/>
+            <a:endParaRPr lang="en-US"/>
           </a:p>
         </p:txBody>
       </p:sp>
@@ -2447,7 +2502,7 @@
           <a:p>
             <a:fld id="{8A79B42D-FAB0-42F8-B8FC-0BAA5E7F7E3E}" type="slidenum">
               <a:rPr lang="en-US" smtClean="0"/>
-              <a:t>8</a:t>
+              <a:t>11</a:t>
             </a:fld>
             <a:endParaRPr lang="en-US"/>
           </a:p>
@@ -2456,7 +2511,7 @@
     </p:spTree>
     <p:extLst>
       <p:ext uri="{BB962C8B-B14F-4D97-AF65-F5344CB8AC3E}">
-        <p14:creationId xmlns:p14="http://schemas.microsoft.com/office/powerpoint/2010/main" val="4055809135"/>
+        <p14:creationId xmlns:p14="http://schemas.microsoft.com/office/powerpoint/2010/main" val="125534822"/>
       </p:ext>
     </p:extLst>
   </p:cSld>
@@ -2510,10 +2565,63 @@
           <a:bodyPr/>
           <a:lstStyle/>
           <a:p>
+            <a:pPr marL="0" marR="0" lvl="2" indent="0" algn="l" defTabSz="914400" rtl="0" eaLnBrk="1" fontAlgn="auto" latinLnBrk="0" hangingPunct="1">
+              <a:lnSpc>
+                <a:spcPct val="100000"/>
+              </a:lnSpc>
+              <a:spcBef>
+                <a:spcPts val="0"/>
+              </a:spcBef>
+              <a:spcAft>
+                <a:spcPts val="0"/>
+              </a:spcAft>
+              <a:buClrTx/>
+              <a:buSzTx/>
+              <a:buFontTx/>
+              <a:buNone/>
+              <a:tabLst/>
+              <a:defRPr/>
+            </a:pPr>
             <a:r>
               <a:rPr lang="en-US" dirty="0" smtClean="0"/>
-              <a:t>Agenda …</a:t>
-            </a:r>
+              <a:t>Web </a:t>
+            </a:r>
+            <a:r>
+              <a:rPr lang="en-US" dirty="0" err="1" smtClean="0"/>
+              <a:t>dev</a:t>
+            </a:r>
+            <a:r>
+              <a:rPr lang="en-US" dirty="0" smtClean="0"/>
+              <a:t>:</a:t>
+            </a:r>
+            <a:r>
+              <a:rPr lang="en-US" baseline="0" dirty="0" smtClean="0"/>
+              <a:t> </a:t>
+            </a:r>
+            <a:r>
+              <a:rPr lang="en-US" dirty="0" smtClean="0"/>
+              <a:t>Ruby frameworks (</a:t>
+            </a:r>
+            <a:r>
+              <a:rPr lang="en-US" dirty="0" err="1" smtClean="0"/>
+              <a:t>Rack</a:t>
+            </a:r>
+            <a:r>
+              <a:rPr lang="en-US" dirty="0" err="1" smtClean="0">
+                <a:sym typeface="Wingdings" pitchFamily="2" charset="2"/>
+              </a:rPr>
+              <a:t></a:t>
+            </a:r>
+            <a:r>
+              <a:rPr lang="en-US" dirty="0" err="1" smtClean="0"/>
+              <a:t>IIS</a:t>
+            </a:r>
+            <a:r>
+              <a:rPr lang="en-US" dirty="0" smtClean="0"/>
+              <a:t>) and .NET frameworks (ASP.NET MVC)</a:t>
+            </a:r>
+          </a:p>
+          <a:p>
             <a:endParaRPr lang="en-US" dirty="0"/>
           </a:p>
         </p:txBody>
@@ -2535,7 +2643,7 @@
           <a:p>
             <a:fld id="{8A79B42D-FAB0-42F8-B8FC-0BAA5E7F7E3E}" type="slidenum">
               <a:rPr lang="en-US" smtClean="0"/>
-              <a:t>9</a:t>
+              <a:t>12</a:t>
             </a:fld>
             <a:endParaRPr lang="en-US"/>
           </a:p>
@@ -2544,7 +2652,7 @@
     </p:spTree>
     <p:extLst>
       <p:ext uri="{BB962C8B-B14F-4D97-AF65-F5344CB8AC3E}">
-        <p14:creationId xmlns:p14="http://schemas.microsoft.com/office/powerpoint/2010/main" val="2835724897"/>
+        <p14:creationId xmlns:p14="http://schemas.microsoft.com/office/powerpoint/2010/main" val="4055809135"/>
       </p:ext>
     </p:extLst>
   </p:cSld>
@@ -5623,21 +5731,30 @@
         <p:spPr>
           <a:xfrm>
             <a:off x="609600" y="3886200"/>
-            <a:ext cx="7848600" cy="1752600"/>
+            <a:ext cx="7848600" cy="2209800"/>
           </a:xfrm>
         </p:spPr>
         <p:txBody>
-          <a:bodyPr/>
+          <a:bodyPr>
+            <a:normAutofit lnSpcReduction="10000"/>
+          </a:bodyPr>
           <a:lstStyle/>
           <a:p>
             <a:pPr algn="l"/>
             <a:r>
-              <a:rPr lang="en-US" dirty="0"/>
-              <a:t>i</a:t>
-            </a:r>
-            <a:r>
               <a:rPr lang="en-US" dirty="0" smtClean="0"/>
-              <a:t>ronruby.net</a:t>
+              <a:t>ironruby.net</a:t>
+            </a:r>
+          </a:p>
+          <a:p>
+            <a:pPr algn="l"/>
+            <a:r>
+              <a:rPr lang="en-US" dirty="0" smtClean="0"/>
+              <a:t>github.com/</a:t>
+            </a:r>
+            <a:r>
+              <a:rPr lang="en-US" dirty="0" err="1" smtClean="0"/>
+              <a:t>ironruby</a:t>
             </a:r>
             <a:endParaRPr lang="en-US" dirty="0"/>
           </a:p>
@@ -5647,6 +5764,22 @@
               <a:rPr lang="en-US" dirty="0" smtClean="0"/>
               <a:t>jimmy.schementi.com/blog</a:t>
             </a:r>
+          </a:p>
+          <a:p>
+            <a:pPr algn="l"/>
+            <a:r>
+              <a:rPr lang="en-US" dirty="0" smtClean="0"/>
+              <a:t>github.com/</a:t>
+            </a:r>
+            <a:r>
+              <a:rPr lang="en-US" dirty="0" err="1" smtClean="0"/>
+              <a:t>jschementi</a:t>
+            </a:r>
+            <a:r>
+              <a:rPr lang="en-US" dirty="0" smtClean="0"/>
+              <a:t>/rubyconf2009</a:t>
+            </a:r>
+            <a:endParaRPr lang="en-US" dirty="0" smtClean="0"/>
           </a:p>
           <a:p>
             <a:pPr algn="r"/>
@@ -5675,7 +5808,7 @@
 </file>
 
 <file path=ppt/slides/slide10.xml><?xml version="1.0" encoding="utf-8"?>
-<p:sld xmlns:a="http://schemas.openxmlformats.org/drawingml/2006/main" xmlns:r="http://schemas.openxmlformats.org/officeDocument/2006/relationships" xmlns:p="http://schemas.openxmlformats.org/presentationml/2006/main">
+<p:sld xmlns:a="http://schemas.openxmlformats.org/drawingml/2006/main" xmlns:r="http://schemas.openxmlformats.org/officeDocument/2006/relationships" xmlns:p="http://schemas.openxmlformats.org/presentationml/2006/main" show="0">
   <p:cSld>
     <p:spTree>
       <p:nvGrpSpPr>
@@ -5693,23 +5826,121 @@
       </p:grpSpPr>
       <p:sp>
         <p:nvSpPr>
-          <p:cNvPr id="3" name="Content Placeholder 2"/>
-          <p:cNvSpPr>
-            <a:spLocks noGrp="1"/>
-          </p:cNvSpPr>
-          <p:nvPr>
-            <p:ph idx="1"/>
-          </p:nvPr>
+          <p:cNvPr id="4" name="Snip Diagonal Corner Rectangle 3"/>
+          <p:cNvSpPr/>
+          <p:nvPr/>
         </p:nvSpPr>
         <p:spPr>
           <a:xfrm>
-            <a:off x="381000" y="381000"/>
-            <a:ext cx="8382000" cy="5867400"/>
+            <a:off x="278968" y="4107050"/>
+            <a:ext cx="6731431" cy="1303149"/>
+          </a:xfrm>
+          <a:prstGeom prst="snip2DiagRect">
+            <a:avLst>
+              <a:gd name="adj1" fmla="val 0"/>
+              <a:gd name="adj2" fmla="val 10721"/>
+            </a:avLst>
+          </a:prstGeom>
+          <a:solidFill>
+            <a:schemeClr val="tx1">
+              <a:lumMod val="85000"/>
+              <a:lumOff val="15000"/>
+            </a:schemeClr>
+          </a:solidFill>
+        </p:spPr>
+        <p:style>
+          <a:lnRef idx="2">
+            <a:schemeClr val="dk1">
+              <a:shade val="50000"/>
+            </a:schemeClr>
+          </a:lnRef>
+          <a:fillRef idx="1">
+            <a:schemeClr val="dk1"/>
+          </a:fillRef>
+          <a:effectRef idx="0">
+            <a:schemeClr val="dk1"/>
+          </a:effectRef>
+          <a:fontRef idx="minor">
+            <a:schemeClr val="lt1"/>
+          </a:fontRef>
+        </p:style>
+        <p:txBody>
+          <a:bodyPr rtlCol="0" anchor="ctr"/>
+          <a:lstStyle/>
+          <a:p>
+            <a:pPr algn="ctr"/>
+            <a:endParaRPr lang="en-US"/>
+          </a:p>
+        </p:txBody>
+      </p:sp>
+      <p:sp>
+        <p:nvSpPr>
+          <p:cNvPr id="6" name="Snip Diagonal Corner Rectangle 5"/>
+          <p:cNvSpPr/>
+          <p:nvPr/>
+        </p:nvSpPr>
+        <p:spPr>
+          <a:xfrm>
+            <a:off x="278968" y="1447799"/>
+            <a:ext cx="8712632" cy="1822343"/>
+          </a:xfrm>
+          <a:prstGeom prst="snip2DiagRect">
+            <a:avLst>
+              <a:gd name="adj1" fmla="val 0"/>
+              <a:gd name="adj2" fmla="val 10721"/>
+            </a:avLst>
+          </a:prstGeom>
+          <a:solidFill>
+            <a:schemeClr val="tx1">
+              <a:lumMod val="85000"/>
+              <a:lumOff val="15000"/>
+            </a:schemeClr>
+          </a:solidFill>
+        </p:spPr>
+        <p:style>
+          <a:lnRef idx="2">
+            <a:schemeClr val="dk1">
+              <a:shade val="50000"/>
+            </a:schemeClr>
+          </a:lnRef>
+          <a:fillRef idx="1">
+            <a:schemeClr val="dk1"/>
+          </a:fillRef>
+          <a:effectRef idx="0">
+            <a:schemeClr val="dk1"/>
+          </a:effectRef>
+          <a:fontRef idx="minor">
+            <a:schemeClr val="lt1"/>
+          </a:fontRef>
+        </p:style>
+        <p:txBody>
+          <a:bodyPr rtlCol="0" anchor="ctr"/>
+          <a:lstStyle/>
+          <a:p>
+            <a:pPr algn="ctr"/>
+            <a:endParaRPr lang="en-US"/>
+          </a:p>
+        </p:txBody>
+      </p:sp>
+      <p:sp>
+        <p:nvSpPr>
+          <p:cNvPr id="3" name="Content Placeholder 2"/>
+          <p:cNvSpPr>
+            <a:spLocks noGrp="1"/>
+          </p:cNvSpPr>
+          <p:nvPr>
+            <p:ph idx="1"/>
+          </p:nvPr>
+        </p:nvSpPr>
+        <p:spPr>
+          <a:xfrm>
+            <a:off x="304800" y="0"/>
+            <a:ext cx="8839200" cy="6858000"/>
           </a:xfrm>
         </p:spPr>
         <p:txBody>
-          <a:bodyPr>
-            <a:normAutofit lnSpcReduction="10000"/>
+          <a:bodyPr anchor="ctr">
+            <a:noAutofit/>
           </a:bodyPr>
           <a:lstStyle/>
           <a:p>
@@ -5717,214 +5948,690 @@
               <a:buNone/>
             </a:pPr>
             <a:r>
-              <a:rPr lang="en-US" dirty="0" smtClean="0"/>
-              <a:t>Extensibility with scripts</a:t>
-            </a:r>
-          </a:p>
-          <a:p>
-            <a:pPr lvl="1">
-              <a:buFont typeface="Wingdings" pitchFamily="2" charset="2"/>
-              <a:buChar char="v"/>
-            </a:pPr>
-            <a:r>
-              <a:rPr lang="en-US" dirty="0">
-                <a:solidFill>
-                  <a:schemeClr val="bg1">
+              <a:rPr lang="en-US" sz="2400" dirty="0" smtClean="0">
+                <a:latin typeface="Consolas" pitchFamily="49" charset="0"/>
+                <a:cs typeface="Consolas" pitchFamily="49" charset="0"/>
+              </a:rPr>
+              <a:t>&lt;</a:t>
+            </a:r>
+            <a:r>
+              <a:rPr lang="en-US" sz="2400" dirty="0" smtClean="0">
+                <a:solidFill>
+                  <a:schemeClr val="accent6">
                     <a:lumMod val="75000"/>
                   </a:schemeClr>
                 </a:solidFill>
-              </a:rPr>
-              <a:t> </a:t>
-            </a:r>
-            <a:r>
-              <a:rPr lang="en-US" dirty="0" smtClean="0">
-                <a:solidFill>
-                  <a:schemeClr val="bg1">
-                    <a:lumMod val="75000"/>
-                  </a:schemeClr>
-                </a:solidFill>
-              </a:rPr>
-              <a:t>let everyone make your app great too</a:t>
-            </a:r>
-          </a:p>
-          <a:p>
-            <a:pPr marL="57150" indent="0">
-              <a:buNone/>
-            </a:pPr>
-            <a:endParaRPr lang="en-US" dirty="0" smtClean="0"/>
+                <a:latin typeface="Consolas" pitchFamily="49" charset="0"/>
+                <a:cs typeface="Consolas" pitchFamily="49" charset="0"/>
+              </a:rPr>
+              <a:t>html</a:t>
+            </a:r>
+            <a:r>
+              <a:rPr lang="en-US" sz="2400" dirty="0" smtClean="0">
+                <a:latin typeface="Consolas" pitchFamily="49" charset="0"/>
+                <a:cs typeface="Consolas" pitchFamily="49" charset="0"/>
+              </a:rPr>
+              <a:t>&gt;</a:t>
+            </a:r>
           </a:p>
           <a:p>
             <a:pPr marL="0" indent="0">
               <a:buNone/>
             </a:pPr>
             <a:r>
-              <a:rPr lang="en-US" dirty="0" smtClean="0"/>
-              <a:t>Ruby is simple enough for non-programmers</a:t>
-            </a:r>
-          </a:p>
-          <a:p>
-            <a:pPr lvl="1">
-              <a:buFont typeface="Wingdings" pitchFamily="2" charset="2"/>
-              <a:buChar char="v"/>
-            </a:pPr>
-            <a:r>
-              <a:rPr lang="en-US" dirty="0">
-                <a:solidFill>
-                  <a:schemeClr val="bg1">
+              <a:rPr lang="en-US" sz="2400" dirty="0" smtClean="0">
+                <a:latin typeface="Consolas" pitchFamily="49" charset="0"/>
+                <a:cs typeface="Consolas" pitchFamily="49" charset="0"/>
+              </a:rPr>
+              <a:t>&lt;</a:t>
+            </a:r>
+            <a:r>
+              <a:rPr lang="en-US" sz="2400" dirty="0" smtClean="0">
+                <a:solidFill>
+                  <a:schemeClr val="accent6">
                     <a:lumMod val="75000"/>
                   </a:schemeClr>
                 </a:solidFill>
-              </a:rPr>
-              <a:t> </a:t>
-            </a:r>
-            <a:r>
-              <a:rPr lang="en-US" dirty="0" smtClean="0">
-                <a:solidFill>
-                  <a:schemeClr val="bg1">
+                <a:latin typeface="Consolas" pitchFamily="49" charset="0"/>
+                <a:cs typeface="Consolas" pitchFamily="49" charset="0"/>
+              </a:rPr>
+              <a:t>head</a:t>
+            </a:r>
+            <a:r>
+              <a:rPr lang="en-US" sz="2400" dirty="0" smtClean="0">
+                <a:latin typeface="Consolas" pitchFamily="49" charset="0"/>
+                <a:cs typeface="Consolas" pitchFamily="49" charset="0"/>
+              </a:rPr>
+              <a:t>&gt;</a:t>
+            </a:r>
+          </a:p>
+          <a:p>
+            <a:pPr marL="0" indent="0">
+              <a:buNone/>
+            </a:pPr>
+            <a:r>
+              <a:rPr lang="en-US" sz="2400" dirty="0" smtClean="0">
+                <a:latin typeface="Consolas" pitchFamily="49" charset="0"/>
+                <a:cs typeface="Consolas" pitchFamily="49" charset="0"/>
+              </a:rPr>
+              <a:t>&lt;</a:t>
+            </a:r>
+            <a:r>
+              <a:rPr lang="en-US" sz="2400" dirty="0" smtClean="0">
+                <a:solidFill>
+                  <a:schemeClr val="accent6">
                     <a:lumMod val="75000"/>
                   </a:schemeClr>
                 </a:solidFill>
-              </a:rPr>
-              <a:t>writing tiny scripts for themselves</a:t>
-            </a:r>
-          </a:p>
-          <a:p>
-            <a:pPr marL="57150" indent="0">
+                <a:latin typeface="Consolas" pitchFamily="49" charset="0"/>
+                <a:cs typeface="Consolas" pitchFamily="49" charset="0"/>
+              </a:rPr>
+              <a:t>script</a:t>
+            </a:r>
+            <a:r>
+              <a:rPr lang="en-US" sz="2400" dirty="0" smtClean="0">
+                <a:latin typeface="Consolas" pitchFamily="49" charset="0"/>
+                <a:cs typeface="Consolas" pitchFamily="49" charset="0"/>
+              </a:rPr>
+              <a:t> </a:t>
+            </a:r>
+          </a:p>
+          <a:p>
+            <a:pPr marL="0" indent="0">
               <a:buNone/>
             </a:pPr>
             <a:r>
-              <a:rPr lang="en-US" dirty="0" smtClean="0"/>
-              <a:t>Powerful enough for adding full features</a:t>
-            </a:r>
-          </a:p>
-          <a:p>
-            <a:pPr lvl="1">
-              <a:buFont typeface="Wingdings" pitchFamily="2" charset="2"/>
-              <a:buChar char="v"/>
+              <a:rPr lang="en-US" sz="2400" dirty="0">
+                <a:solidFill>
+                  <a:srgbClr xmlns:mc="http://schemas.openxmlformats.org/markup-compatibility/2006" xmlns:a14="http://schemas.microsoft.com/office/drawing/2010/main" val="C00000" mc:Ignorable=""/>
+                </a:solidFill>
+                <a:latin typeface="Consolas" pitchFamily="49" charset="0"/>
+                <a:cs typeface="Consolas" pitchFamily="49" charset="0"/>
+              </a:rPr>
+              <a:t> </a:t>
+            </a:r>
+            <a:r>
+              <a:rPr lang="en-US" sz="2400" dirty="0" smtClean="0">
+                <a:solidFill>
+                  <a:srgbClr xmlns:mc="http://schemas.openxmlformats.org/markup-compatibility/2006" xmlns:a14="http://schemas.microsoft.com/office/drawing/2010/main" val="C00000" mc:Ignorable=""/>
+                </a:solidFill>
+                <a:latin typeface="Consolas" pitchFamily="49" charset="0"/>
+                <a:cs typeface="Consolas" pitchFamily="49" charset="0"/>
+              </a:rPr>
+              <a:t>  type</a:t>
+            </a:r>
+            <a:r>
+              <a:rPr lang="en-US" sz="2400" dirty="0" smtClean="0">
+                <a:latin typeface="Consolas" pitchFamily="49" charset="0"/>
+                <a:cs typeface="Consolas" pitchFamily="49" charset="0"/>
+              </a:rPr>
+              <a:t>=</a:t>
+            </a:r>
+            <a:r>
+              <a:rPr lang="en-US" sz="2400" dirty="0" smtClean="0">
+                <a:solidFill>
+                  <a:srgbClr xmlns:mc="http://schemas.openxmlformats.org/markup-compatibility/2006" xmlns:a14="http://schemas.microsoft.com/office/drawing/2010/main" val="00FF00" mc:Ignorable=""/>
+                </a:solidFill>
+                <a:latin typeface="Consolas" pitchFamily="49" charset="0"/>
+                <a:cs typeface="Consolas" pitchFamily="49" charset="0"/>
+              </a:rPr>
+              <a:t>"text/</a:t>
+            </a:r>
+            <a:r>
+              <a:rPr lang="en-US" sz="2400" dirty="0" err="1" smtClean="0">
+                <a:solidFill>
+                  <a:srgbClr xmlns:mc="http://schemas.openxmlformats.org/markup-compatibility/2006" xmlns:a14="http://schemas.microsoft.com/office/drawing/2010/main" val="00FF00" mc:Ignorable=""/>
+                </a:solidFill>
+                <a:latin typeface="Consolas" pitchFamily="49" charset="0"/>
+                <a:cs typeface="Consolas" pitchFamily="49" charset="0"/>
+              </a:rPr>
+              <a:t>javascript</a:t>
+            </a:r>
+            <a:r>
+              <a:rPr lang="en-US" sz="2400" dirty="0" smtClean="0">
+                <a:solidFill>
+                  <a:srgbClr xmlns:mc="http://schemas.openxmlformats.org/markup-compatibility/2006" xmlns:a14="http://schemas.microsoft.com/office/drawing/2010/main" val="00FF00" mc:Ignorable=""/>
+                </a:solidFill>
+                <a:latin typeface="Consolas" pitchFamily="49" charset="0"/>
+                <a:cs typeface="Consolas" pitchFamily="49" charset="0"/>
+              </a:rPr>
+              <a:t>"</a:t>
+            </a:r>
+          </a:p>
+          <a:p>
+            <a:pPr marL="0" indent="0">
+              <a:buNone/>
             </a:pPr>
             <a:r>
-              <a:rPr lang="en-US" dirty="0">
-                <a:solidFill>
-                  <a:schemeClr val="bg1">
+              <a:rPr lang="en-US" sz="2400" dirty="0">
+                <a:latin typeface="Consolas" pitchFamily="49" charset="0"/>
+                <a:cs typeface="Consolas" pitchFamily="49" charset="0"/>
+              </a:rPr>
+              <a:t> </a:t>
+            </a:r>
+            <a:r>
+              <a:rPr lang="en-US" sz="2400" dirty="0" smtClean="0">
+                <a:latin typeface="Consolas" pitchFamily="49" charset="0"/>
+                <a:cs typeface="Consolas" pitchFamily="49" charset="0"/>
+              </a:rPr>
+              <a:t>  </a:t>
+            </a:r>
+            <a:r>
+              <a:rPr lang="en-US" sz="2400" dirty="0" err="1" smtClean="0">
+                <a:solidFill>
+                  <a:srgbClr xmlns:mc="http://schemas.openxmlformats.org/markup-compatibility/2006" xmlns:a14="http://schemas.microsoft.com/office/drawing/2010/main" val="C00000" mc:Ignorable=""/>
+                </a:solidFill>
+                <a:latin typeface="Consolas" pitchFamily="49" charset="0"/>
+                <a:cs typeface="Consolas" pitchFamily="49" charset="0"/>
+              </a:rPr>
+              <a:t>src</a:t>
+            </a:r>
+            <a:r>
+              <a:rPr lang="en-US" sz="2400" dirty="0" smtClean="0">
+                <a:latin typeface="Consolas" pitchFamily="49" charset="0"/>
+                <a:cs typeface="Consolas" pitchFamily="49" charset="0"/>
+              </a:rPr>
+              <a:t>=</a:t>
+            </a:r>
+            <a:r>
+              <a:rPr lang="en-US" sz="2400" dirty="0" smtClean="0">
+                <a:solidFill>
+                  <a:srgbClr xmlns:mc="http://schemas.openxmlformats.org/markup-compatibility/2006" xmlns:a14="http://schemas.microsoft.com/office/drawing/2010/main" val="00FF00" mc:Ignorable=""/>
+                </a:solidFill>
+                <a:latin typeface="Consolas" pitchFamily="49" charset="0"/>
+                <a:cs typeface="Consolas" pitchFamily="49" charset="0"/>
+              </a:rPr>
+              <a:t>"http://gestalt.ironruby.com/d1/</a:t>
+            </a:r>
+            <a:r>
+              <a:rPr lang="en-US" sz="2400" dirty="0" err="1" smtClean="0">
+                <a:solidFill>
+                  <a:srgbClr xmlns:mc="http://schemas.openxmlformats.org/markup-compatibility/2006" xmlns:a14="http://schemas.microsoft.com/office/drawing/2010/main" val="00FF00" mc:Ignorable=""/>
+                </a:solidFill>
+                <a:latin typeface="Consolas" pitchFamily="49" charset="0"/>
+                <a:cs typeface="Consolas" pitchFamily="49" charset="0"/>
+              </a:rPr>
+              <a:t>dlr</a:t>
+            </a:r>
+            <a:r>
+              <a:rPr lang="en-US" sz="2400" dirty="0" smtClean="0">
+                <a:solidFill>
+                  <a:srgbClr xmlns:mc="http://schemas.openxmlformats.org/markup-compatibility/2006" xmlns:a14="http://schemas.microsoft.com/office/drawing/2010/main" val="00FF00" mc:Ignorable=""/>
+                </a:solidFill>
+                <a:latin typeface="Consolas" pitchFamily="49" charset="0"/>
+                <a:cs typeface="Consolas" pitchFamily="49" charset="0"/>
+              </a:rPr>
+              <a:t>/dlr.js"</a:t>
+            </a:r>
+          </a:p>
+          <a:p>
+            <a:pPr marL="0" indent="0">
+              <a:buNone/>
+            </a:pPr>
+            <a:r>
+              <a:rPr lang="en-US" sz="2400" dirty="0" smtClean="0">
+                <a:latin typeface="Consolas" pitchFamily="49" charset="0"/>
+                <a:cs typeface="Consolas" pitchFamily="49" charset="0"/>
+              </a:rPr>
+              <a:t>&gt;&lt;/</a:t>
+            </a:r>
+            <a:r>
+              <a:rPr lang="en-US" sz="2400" dirty="0" smtClean="0">
+                <a:solidFill>
+                  <a:schemeClr val="accent6">
                     <a:lumMod val="75000"/>
                   </a:schemeClr>
                 </a:solidFill>
-              </a:rPr>
-              <a:t> </a:t>
-            </a:r>
-            <a:r>
-              <a:rPr lang="en-US" dirty="0" smtClean="0">
-                <a:solidFill>
-                  <a:schemeClr val="bg1">
+                <a:latin typeface="Consolas" pitchFamily="49" charset="0"/>
+                <a:cs typeface="Consolas" pitchFamily="49" charset="0"/>
+              </a:rPr>
+              <a:t>script</a:t>
+            </a:r>
+            <a:r>
+              <a:rPr lang="en-US" sz="2400" dirty="0" smtClean="0">
+                <a:latin typeface="Consolas" pitchFamily="49" charset="0"/>
+                <a:cs typeface="Consolas" pitchFamily="49" charset="0"/>
+              </a:rPr>
+              <a:t>&gt;</a:t>
+            </a:r>
+          </a:p>
+          <a:p>
+            <a:pPr marL="0" indent="0">
+              <a:buNone/>
+            </a:pPr>
+            <a:r>
+              <a:rPr lang="en-US" sz="2400" dirty="0" smtClean="0">
+                <a:latin typeface="Consolas" pitchFamily="49" charset="0"/>
+                <a:cs typeface="Consolas" pitchFamily="49" charset="0"/>
+              </a:rPr>
+              <a:t>&lt;/</a:t>
+            </a:r>
+            <a:r>
+              <a:rPr lang="en-US" sz="2400" dirty="0" smtClean="0">
+                <a:solidFill>
+                  <a:schemeClr val="accent6">
                     <a:lumMod val="75000"/>
                   </a:schemeClr>
                 </a:solidFill>
-              </a:rPr>
-              <a:t>ecosystem for extensions develops</a:t>
-            </a:r>
-          </a:p>
-          <a:p>
-            <a:pPr lvl="1">
-              <a:buFont typeface="Wingdings" pitchFamily="2" charset="2"/>
-              <a:buChar char="v"/>
+                <a:latin typeface="Consolas" pitchFamily="49" charset="0"/>
+                <a:cs typeface="Consolas" pitchFamily="49" charset="0"/>
+              </a:rPr>
+              <a:t>head</a:t>
+            </a:r>
+            <a:r>
+              <a:rPr lang="en-US" sz="2400" dirty="0" smtClean="0">
+                <a:latin typeface="Consolas" pitchFamily="49" charset="0"/>
+                <a:cs typeface="Consolas" pitchFamily="49" charset="0"/>
+              </a:rPr>
+              <a:t>&gt;</a:t>
+            </a:r>
+          </a:p>
+          <a:p>
+            <a:pPr marL="0" indent="0">
+              <a:buNone/>
             </a:pPr>
             <a:r>
-              <a:rPr lang="en-US" dirty="0">
-                <a:solidFill>
-                  <a:schemeClr val="bg1">
+              <a:rPr lang="en-US" sz="2400" dirty="0" smtClean="0">
+                <a:latin typeface="Consolas" pitchFamily="49" charset="0"/>
+                <a:cs typeface="Consolas" pitchFamily="49" charset="0"/>
+              </a:rPr>
+              <a:t>&lt;</a:t>
+            </a:r>
+            <a:r>
+              <a:rPr lang="en-US" sz="2400" dirty="0" smtClean="0">
+                <a:solidFill>
+                  <a:schemeClr val="accent6">
                     <a:lumMod val="75000"/>
                   </a:schemeClr>
                 </a:solidFill>
-              </a:rPr>
-              <a:t> </a:t>
-            </a:r>
-            <a:r>
-              <a:rPr lang="en-US" dirty="0" smtClean="0">
-                <a:solidFill>
-                  <a:schemeClr val="bg1">
+                <a:latin typeface="Consolas" pitchFamily="49" charset="0"/>
+                <a:cs typeface="Consolas" pitchFamily="49" charset="0"/>
+              </a:rPr>
+              <a:t>body</a:t>
+            </a:r>
+            <a:r>
+              <a:rPr lang="en-US" sz="2400" dirty="0" smtClean="0">
+                <a:latin typeface="Consolas" pitchFamily="49" charset="0"/>
+                <a:cs typeface="Consolas" pitchFamily="49" charset="0"/>
+              </a:rPr>
+              <a:t>&gt;</a:t>
+            </a:r>
+          </a:p>
+          <a:p>
+            <a:pPr marL="0" indent="0">
+              <a:buNone/>
+            </a:pPr>
+            <a:r>
+              <a:rPr lang="en-US" sz="2400" dirty="0" smtClean="0">
+                <a:latin typeface="Consolas" pitchFamily="49" charset="0"/>
+                <a:cs typeface="Consolas" pitchFamily="49" charset="0"/>
+              </a:rPr>
+              <a:t>&lt;</a:t>
+            </a:r>
+            <a:r>
+              <a:rPr lang="en-US" sz="2400" dirty="0" smtClean="0">
+                <a:solidFill>
+                  <a:schemeClr val="accent6">
                     <a:lumMod val="75000"/>
                   </a:schemeClr>
                 </a:solidFill>
-              </a:rPr>
-              <a:t>deployment of fixes / new features simplified</a:t>
-            </a:r>
-          </a:p>
-          <a:p>
-            <a:pPr marL="57150" indent="0">
+                <a:latin typeface="Consolas" pitchFamily="49" charset="0"/>
+                <a:cs typeface="Consolas" pitchFamily="49" charset="0"/>
+              </a:rPr>
+              <a:t>script</a:t>
+            </a:r>
+            <a:r>
+              <a:rPr lang="en-US" sz="2400" dirty="0" smtClean="0">
+                <a:latin typeface="Consolas" pitchFamily="49" charset="0"/>
+                <a:cs typeface="Consolas" pitchFamily="49" charset="0"/>
+              </a:rPr>
+              <a:t> </a:t>
+            </a:r>
+            <a:r>
+              <a:rPr lang="en-US" sz="2400" dirty="0" smtClean="0">
+                <a:solidFill>
+                  <a:srgbClr xmlns:mc="http://schemas.openxmlformats.org/markup-compatibility/2006" xmlns:a14="http://schemas.microsoft.com/office/drawing/2010/main" val="C00000" mc:Ignorable=""/>
+                </a:solidFill>
+                <a:latin typeface="Consolas" pitchFamily="49" charset="0"/>
+                <a:cs typeface="Consolas" pitchFamily="49" charset="0"/>
+              </a:rPr>
+              <a:t>type</a:t>
+            </a:r>
+            <a:r>
+              <a:rPr lang="en-US" sz="2400" dirty="0" smtClean="0">
+                <a:latin typeface="Consolas" pitchFamily="49" charset="0"/>
+                <a:cs typeface="Consolas" pitchFamily="49" charset="0"/>
+              </a:rPr>
+              <a:t>=</a:t>
+            </a:r>
+            <a:r>
+              <a:rPr lang="en-US" sz="2400" dirty="0" smtClean="0">
+                <a:solidFill>
+                  <a:srgbClr xmlns:mc="http://schemas.openxmlformats.org/markup-compatibility/2006" xmlns:a14="http://schemas.microsoft.com/office/drawing/2010/main" val="00FF00" mc:Ignorable=""/>
+                </a:solidFill>
+                <a:latin typeface="Consolas" pitchFamily="49" charset="0"/>
+                <a:cs typeface="Consolas" pitchFamily="49" charset="0"/>
+              </a:rPr>
+              <a:t>"text/ruby"</a:t>
+            </a:r>
+            <a:r>
+              <a:rPr lang="en-US" sz="2400" dirty="0" smtClean="0">
+                <a:latin typeface="Consolas" pitchFamily="49" charset="0"/>
+                <a:cs typeface="Consolas" pitchFamily="49" charset="0"/>
+              </a:rPr>
+              <a:t>&gt;</a:t>
+            </a:r>
+          </a:p>
+          <a:p>
+            <a:pPr marL="0" indent="0">
               <a:buNone/>
             </a:pPr>
-            <a:endParaRPr lang="en-US" dirty="0"/>
-          </a:p>
-          <a:p>
-            <a:pPr marL="57150" indent="0">
+            <a:r>
+              <a:rPr lang="en-US" sz="2400" dirty="0" smtClean="0">
+                <a:latin typeface="Consolas" pitchFamily="49" charset="0"/>
+                <a:cs typeface="Consolas" pitchFamily="49" charset="0"/>
+              </a:rPr>
+              <a:t>  </a:t>
+            </a:r>
+            <a:r>
+              <a:rPr lang="en-US" sz="2400" dirty="0" err="1" smtClean="0">
+                <a:solidFill>
+                  <a:schemeClr val="accent6">
+                    <a:lumMod val="75000"/>
+                  </a:schemeClr>
+                </a:solidFill>
+                <a:latin typeface="Consolas" pitchFamily="49" charset="0"/>
+                <a:cs typeface="Consolas" pitchFamily="49" charset="0"/>
+              </a:rPr>
+              <a:t>window</a:t>
+            </a:r>
+            <a:r>
+              <a:rPr lang="en-US" sz="2400" dirty="0" err="1" smtClean="0">
+                <a:latin typeface="Consolas" pitchFamily="49" charset="0"/>
+                <a:cs typeface="Consolas" pitchFamily="49" charset="0"/>
+              </a:rPr>
+              <a:t>.</a:t>
+            </a:r>
+            <a:r>
+              <a:rPr lang="en-US" sz="2400" dirty="0" err="1" smtClean="0">
+                <a:solidFill>
+                  <a:srgbClr xmlns:mc="http://schemas.openxmlformats.org/markup-compatibility/2006" xmlns:a14="http://schemas.microsoft.com/office/drawing/2010/main" val="C00000" mc:Ignorable=""/>
+                </a:solidFill>
+                <a:latin typeface="Consolas" pitchFamily="49" charset="0"/>
+                <a:cs typeface="Consolas" pitchFamily="49" charset="0"/>
+              </a:rPr>
+              <a:t>alert</a:t>
+            </a:r>
+            <a:r>
+              <a:rPr lang="en-US" sz="2400" dirty="0" smtClean="0">
+                <a:latin typeface="Consolas" pitchFamily="49" charset="0"/>
+                <a:cs typeface="Consolas" pitchFamily="49" charset="0"/>
+              </a:rPr>
+              <a:t> </a:t>
+            </a:r>
+            <a:r>
+              <a:rPr lang="en-US" sz="2400" dirty="0" smtClean="0">
+                <a:solidFill>
+                  <a:srgbClr xmlns:mc="http://schemas.openxmlformats.org/markup-compatibility/2006" xmlns:a14="http://schemas.microsoft.com/office/drawing/2010/main" val="00FF00" mc:Ignorable=""/>
+                </a:solidFill>
+                <a:latin typeface="Consolas" pitchFamily="49" charset="0"/>
+                <a:cs typeface="Consolas" pitchFamily="49" charset="0"/>
+              </a:rPr>
+              <a:t>"Hello World from Ruby"</a:t>
+            </a:r>
+          </a:p>
+          <a:p>
+            <a:pPr marL="0" indent="0">
               <a:buNone/>
             </a:pPr>
             <a:r>
-              <a:rPr lang="en-US" dirty="0" smtClean="0"/>
-              <a:t>More choices than Ruby</a:t>
-            </a:r>
-          </a:p>
-          <a:p>
-            <a:pPr lvl="1">
-              <a:buFont typeface="Wingdings" pitchFamily="2" charset="2"/>
-              <a:buChar char="v"/>
-            </a:pPr>
-            <a:r>
-              <a:rPr lang="en-US" dirty="0">
-                <a:solidFill>
-                  <a:schemeClr val="bg1">
+              <a:rPr lang="en-US" sz="2400" dirty="0" smtClean="0">
+                <a:latin typeface="Consolas" pitchFamily="49" charset="0"/>
+                <a:cs typeface="Consolas" pitchFamily="49" charset="0"/>
+              </a:rPr>
+              <a:t>&lt;/</a:t>
+            </a:r>
+            <a:r>
+              <a:rPr lang="en-US" sz="2400" dirty="0" smtClean="0">
+                <a:solidFill>
+                  <a:schemeClr val="accent6">
                     <a:lumMod val="75000"/>
                   </a:schemeClr>
                 </a:solidFill>
-              </a:rPr>
-              <a:t> </a:t>
-            </a:r>
-            <a:r>
-              <a:rPr lang="en-US" dirty="0" smtClean="0">
-                <a:solidFill>
-                  <a:schemeClr val="bg1">
+                <a:latin typeface="Consolas" pitchFamily="49" charset="0"/>
+                <a:cs typeface="Consolas" pitchFamily="49" charset="0"/>
+              </a:rPr>
+              <a:t>script</a:t>
+            </a:r>
+            <a:r>
+              <a:rPr lang="en-US" sz="2400" dirty="0" smtClean="0">
+                <a:latin typeface="Consolas" pitchFamily="49" charset="0"/>
+                <a:cs typeface="Consolas" pitchFamily="49" charset="0"/>
+              </a:rPr>
+              <a:t>&gt;</a:t>
+            </a:r>
+          </a:p>
+          <a:p>
+            <a:pPr marL="0" indent="0">
+              <a:buNone/>
+            </a:pPr>
+            <a:r>
+              <a:rPr lang="en-US" sz="2400" dirty="0" smtClean="0">
+                <a:latin typeface="Consolas" pitchFamily="49" charset="0"/>
+                <a:cs typeface="Consolas" pitchFamily="49" charset="0"/>
+              </a:rPr>
+              <a:t>&lt;/</a:t>
+            </a:r>
+            <a:r>
+              <a:rPr lang="en-US" sz="2400" dirty="0" smtClean="0">
+                <a:solidFill>
+                  <a:schemeClr val="accent6">
                     <a:lumMod val="75000"/>
                   </a:schemeClr>
                 </a:solidFill>
-              </a:rPr>
-              <a:t>Python, Scheme, </a:t>
-            </a:r>
-            <a:r>
-              <a:rPr lang="en-US" dirty="0" err="1" smtClean="0">
-                <a:solidFill>
-                  <a:schemeClr val="bg1">
+                <a:latin typeface="Consolas" pitchFamily="49" charset="0"/>
+                <a:cs typeface="Consolas" pitchFamily="49" charset="0"/>
+              </a:rPr>
+              <a:t>body</a:t>
+            </a:r>
+            <a:r>
+              <a:rPr lang="en-US" sz="2400" dirty="0" smtClean="0">
+                <a:latin typeface="Consolas" pitchFamily="49" charset="0"/>
+                <a:cs typeface="Consolas" pitchFamily="49" charset="0"/>
+              </a:rPr>
+              <a:t>&gt;</a:t>
+            </a:r>
+          </a:p>
+          <a:p>
+            <a:pPr marL="0" indent="0">
+              <a:buNone/>
+            </a:pPr>
+            <a:r>
+              <a:rPr lang="en-US" sz="2400" dirty="0" smtClean="0">
+                <a:latin typeface="Consolas" pitchFamily="49" charset="0"/>
+                <a:cs typeface="Consolas" pitchFamily="49" charset="0"/>
+              </a:rPr>
+              <a:t>&lt;/</a:t>
+            </a:r>
+            <a:r>
+              <a:rPr lang="en-US" sz="2400" dirty="0" smtClean="0">
+                <a:solidFill>
+                  <a:schemeClr val="accent6">
                     <a:lumMod val="75000"/>
                   </a:schemeClr>
                 </a:solidFill>
-              </a:rPr>
-              <a:t>Clojure</a:t>
-            </a:r>
-            <a:endParaRPr lang="en-US" dirty="0">
-              <a:solidFill>
-                <a:schemeClr val="bg1">
-                  <a:lumMod val="75000"/>
-                </a:schemeClr>
-              </a:solidFill>
-            </a:endParaRPr>
+                <a:latin typeface="Consolas" pitchFamily="49" charset="0"/>
+                <a:cs typeface="Consolas" pitchFamily="49" charset="0"/>
+              </a:rPr>
+              <a:t>html</a:t>
+            </a:r>
+            <a:r>
+              <a:rPr lang="en-US" sz="2400" dirty="0" smtClean="0">
+                <a:latin typeface="Consolas" pitchFamily="49" charset="0"/>
+                <a:cs typeface="Consolas" pitchFamily="49" charset="0"/>
+              </a:rPr>
+              <a:t>&gt;</a:t>
+            </a:r>
           </a:p>
         </p:txBody>
       </p:sp>
     </p:spTree>
     <p:extLst>
       <p:ext uri="{BB962C8B-B14F-4D97-AF65-F5344CB8AC3E}">
-        <p14:creationId xmlns:p14="http://schemas.microsoft.com/office/powerpoint/2010/main" val="2566796713"/>
+        <p14:creationId xmlns:p14="http://schemas.microsoft.com/office/powerpoint/2010/main" val="3328548600"/>
       </p:ext>
     </p:extLst>
   </p:cSld>
   <p:clrMapOvr>
     <a:masterClrMapping/>
   </p:clrMapOvr>
+  <mc:AlternateContent xmlns:mc="http://schemas.openxmlformats.org/markup-compatibility/2006">
+    <mc:Choice xmlns:p14="http://schemas.microsoft.com/office/powerpoint/2010/main" Requires="p14">
+      <p:transition spd="slow" p14:dur="2000"/>
+    </mc:Choice>
+    <mc:Fallback>
+      <p:transition xmlns:p14="http://schemas.microsoft.com/office/powerpoint/2010/main" spd="slow"/>
+    </mc:Fallback>
+  </mc:AlternateContent>
   <p:timing>
     <p:tnLst>
       <p:par>
-        <p:cTn xmlns:p14="http://schemas.microsoft.com/office/powerpoint/2010/main" id="1" dur="indefinite" restart="never" nodeType="tmRoot"/>
+        <p:cTn xmlns:p14="http://schemas.microsoft.com/office/powerpoint/2010/main" id="1" dur="indefinite" restart="never" nodeType="tmRoot">
+          <p:childTnLst>
+            <p:seq concurrent="1" nextAc="seek">
+              <p:cTn id="2" dur="indefinite" nodeType="mainSeq">
+                <p:childTnLst>
+                  <p:par>
+                    <p:cTn id="3" fill="hold">
+                      <p:stCondLst>
+                        <p:cond delay="indefinite"/>
+                      </p:stCondLst>
+                      <p:childTnLst>
+                        <p:par>
+                          <p:cTn id="4" fill="hold">
+                            <p:stCondLst>
+                              <p:cond delay="0"/>
+                            </p:stCondLst>
+                            <p:childTnLst>
+                              <p:par>
+                                <p:cTn id="5" presetID="10" presetClass="entr" presetSubtype="0" fill="hold" grpId="0" nodeType="clickEffect">
+                                  <p:stCondLst>
+                                    <p:cond delay="0"/>
+                                  </p:stCondLst>
+                                  <p:childTnLst>
+                                    <p:set>
+                                      <p:cBhvr>
+                                        <p:cTn id="6" dur="1" fill="hold">
+                                          <p:stCondLst>
+                                            <p:cond delay="0"/>
+                                          </p:stCondLst>
+                                        </p:cTn>
+                                        <p:tgtEl>
+                                          <p:spTgt spid="6"/>
+                                        </p:tgtEl>
+                                        <p:attrNameLst>
+                                          <p:attrName>style.visibility</p:attrName>
+                                        </p:attrNameLst>
+                                      </p:cBhvr>
+                                      <p:to>
+                                        <p:strVal val="visible"/>
+                                      </p:to>
+                                    </p:set>
+                                    <p:animEffect transition="in" filter="fade">
+                                      <p:cBhvr>
+                                        <p:cTn id="7" dur="250"/>
+                                        <p:tgtEl>
+                                          <p:spTgt spid="6"/>
+                                        </p:tgtEl>
+                                      </p:cBhvr>
+                                    </p:animEffect>
+                                  </p:childTnLst>
+                                </p:cTn>
+                              </p:par>
+                            </p:childTnLst>
+                          </p:cTn>
+                        </p:par>
+                      </p:childTnLst>
+                    </p:cTn>
+                  </p:par>
+                  <p:par>
+                    <p:cTn id="8" fill="hold">
+                      <p:stCondLst>
+                        <p:cond delay="indefinite"/>
+                      </p:stCondLst>
+                      <p:childTnLst>
+                        <p:par>
+                          <p:cTn id="9" fill="hold">
+                            <p:stCondLst>
+                              <p:cond delay="0"/>
+                            </p:stCondLst>
+                            <p:childTnLst>
+                              <p:par>
+                                <p:cTn id="10" presetID="10" presetClass="entr" presetSubtype="0" fill="hold" grpId="0" nodeType="clickEffect">
+                                  <p:stCondLst>
+                                    <p:cond delay="0"/>
+                                  </p:stCondLst>
+                                  <p:childTnLst>
+                                    <p:set>
+                                      <p:cBhvr>
+                                        <p:cTn id="11" dur="1" fill="hold">
+                                          <p:stCondLst>
+                                            <p:cond delay="0"/>
+                                          </p:stCondLst>
+                                        </p:cTn>
+                                        <p:tgtEl>
+                                          <p:spTgt spid="4"/>
+                                        </p:tgtEl>
+                                        <p:attrNameLst>
+                                          <p:attrName>style.visibility</p:attrName>
+                                        </p:attrNameLst>
+                                      </p:cBhvr>
+                                      <p:to>
+                                        <p:strVal val="visible"/>
+                                      </p:to>
+                                    </p:set>
+                                    <p:animEffect transition="in" filter="fade">
+                                      <p:cBhvr>
+                                        <p:cTn id="12" dur="250"/>
+                                        <p:tgtEl>
+                                          <p:spTgt spid="4"/>
+                                        </p:tgtEl>
+                                      </p:cBhvr>
+                                    </p:animEffect>
+                                  </p:childTnLst>
+                                </p:cTn>
+                              </p:par>
+                            </p:childTnLst>
+                          </p:cTn>
+                        </p:par>
+                      </p:childTnLst>
+                    </p:cTn>
+                  </p:par>
+                </p:childTnLst>
+              </p:cTn>
+              <p:prevCondLst>
+                <p:cond evt="onPrev" delay="0">
+                  <p:tgtEl>
+                    <p:sldTgt/>
+                  </p:tgtEl>
+                </p:cond>
+              </p:prevCondLst>
+              <p:nextCondLst>
+                <p:cond evt="onNext" delay="0">
+                  <p:tgtEl>
+                    <p:sldTgt/>
+                  </p:tgtEl>
+                </p:cond>
+              </p:nextCondLst>
+            </p:seq>
+          </p:childTnLst>
+        </p:cTn>
       </p:par>
     </p:tnLst>
+    <p:bldLst>
+      <p:bldP spid="4" grpId="0" animBg="1"/>
+      <p:bldP spid="6" grpId="0" animBg="1"/>
+    </p:bldLst>
   </p:timing>
 </p:sld>
 </file>
@@ -5963,6 +6670,1602 @@
           <a:p>
             <a:r>
               <a:rPr lang="en-US" dirty="0" smtClean="0"/>
+              <a:t>&lt;script type="Text/ruby“&gt;</a:t>
+            </a:r>
+            <a:endParaRPr lang="en-US" dirty="0"/>
+          </a:p>
+        </p:txBody>
+      </p:sp>
+      <p:sp>
+        <p:nvSpPr>
+          <p:cNvPr id="3" name="Text Placeholder 2"/>
+          <p:cNvSpPr>
+            <a:spLocks noGrp="1"/>
+          </p:cNvSpPr>
+          <p:nvPr>
+            <p:ph type="body" idx="1"/>
+          </p:nvPr>
+        </p:nvSpPr>
+        <p:spPr/>
+        <p:txBody>
+          <a:bodyPr/>
+          <a:lstStyle/>
+          <a:p>
+            <a:r>
+              <a:rPr lang="en-US" i="1" dirty="0" smtClean="0"/>
+              <a:t>Demo (</a:t>
+            </a:r>
+            <a:r>
+              <a:rPr lang="en-US" i="1" dirty="0" smtClean="0">
+                <a:hlinkClick r:id="rId3"/>
+              </a:rPr>
+              <a:t>http://ironruby.com/browser</a:t>
+            </a:r>
+            <a:r>
+              <a:rPr lang="en-US" i="1" dirty="0" smtClean="0"/>
+              <a:t>) </a:t>
+            </a:r>
+            <a:endParaRPr lang="en-US" i="1" dirty="0"/>
+          </a:p>
+        </p:txBody>
+      </p:sp>
+    </p:spTree>
+    <p:extLst>
+      <p:ext uri="{BB962C8B-B14F-4D97-AF65-F5344CB8AC3E}">
+        <p14:creationId xmlns:p14="http://schemas.microsoft.com/office/powerpoint/2010/main" val="1674941524"/>
+      </p:ext>
+    </p:extLst>
+  </p:cSld>
+  <p:clrMapOvr>
+    <a:masterClrMapping/>
+  </p:clrMapOvr>
+  <p:timing>
+    <p:tnLst>
+      <p:par>
+        <p:cTn xmlns:p14="http://schemas.microsoft.com/office/powerpoint/2010/main" id="1" dur="indefinite" restart="never" nodeType="tmRoot"/>
+      </p:par>
+    </p:tnLst>
+  </p:timing>
+</p:sld>
+</file>
+
+<file path=ppt/slides/slide12.xml><?xml version="1.0" encoding="utf-8"?>
+<p:sld xmlns:a="http://schemas.openxmlformats.org/drawingml/2006/main" xmlns:r="http://schemas.openxmlformats.org/officeDocument/2006/relationships" xmlns:p="http://schemas.openxmlformats.org/presentationml/2006/main">
+  <p:cSld>
+    <p:spTree>
+      <p:nvGrpSpPr>
+        <p:cNvPr id="1" name=""/>
+        <p:cNvGrpSpPr/>
+        <p:nvPr/>
+      </p:nvGrpSpPr>
+      <p:grpSpPr>
+        <a:xfrm>
+          <a:off x="0" y="0"/>
+          <a:ext cx="0" cy="0"/>
+          <a:chOff x="0" y="0"/>
+          <a:chExt cx="0" cy="0"/>
+        </a:xfrm>
+      </p:grpSpPr>
+      <p:sp>
+        <p:nvSpPr>
+          <p:cNvPr id="2" name="Title 1"/>
+          <p:cNvSpPr>
+            <a:spLocks noGrp="1"/>
+          </p:cNvSpPr>
+          <p:nvPr>
+            <p:ph type="title"/>
+          </p:nvPr>
+        </p:nvSpPr>
+        <p:spPr/>
+        <p:txBody>
+          <a:bodyPr/>
+          <a:lstStyle/>
+          <a:p>
+            <a:r>
+              <a:rPr lang="en-US" dirty="0" smtClean="0"/>
+              <a:t>Silverlight 4</a:t>
+            </a:r>
+            <a:endParaRPr lang="en-US" dirty="0"/>
+          </a:p>
+        </p:txBody>
+      </p:sp>
+      <p:sp>
+        <p:nvSpPr>
+          <p:cNvPr id="3" name="Content Placeholder 2"/>
+          <p:cNvSpPr>
+            <a:spLocks noGrp="1"/>
+          </p:cNvSpPr>
+          <p:nvPr>
+            <p:ph idx="1"/>
+          </p:nvPr>
+        </p:nvSpPr>
+        <p:spPr>
+          <a:xfrm>
+            <a:off x="381000" y="1143000"/>
+            <a:ext cx="8382000" cy="3429000"/>
+          </a:xfrm>
+        </p:spPr>
+        <p:txBody>
+          <a:bodyPr>
+            <a:normAutofit/>
+          </a:bodyPr>
+          <a:lstStyle/>
+          <a:p>
+            <a:pPr marL="0" indent="0">
+              <a:buNone/>
+            </a:pPr>
+            <a:r>
+              <a:rPr lang="en-US" dirty="0" smtClean="0"/>
+              <a:t>New features:</a:t>
+            </a:r>
+          </a:p>
+          <a:p>
+            <a:pPr lvl="1">
+              <a:buFont typeface="Wingdings" pitchFamily="2" charset="2"/>
+              <a:buChar char="v"/>
+            </a:pPr>
+            <a:r>
+              <a:rPr lang="en-US" dirty="0"/>
+              <a:t> </a:t>
+            </a:r>
+            <a:r>
+              <a:rPr lang="en-US" dirty="0" smtClean="0"/>
+              <a:t>Full trust applications (file-system access)</a:t>
+            </a:r>
+          </a:p>
+          <a:p>
+            <a:pPr lvl="1">
+              <a:buFont typeface="Wingdings" pitchFamily="2" charset="2"/>
+              <a:buChar char="v"/>
+            </a:pPr>
+            <a:r>
+              <a:rPr lang="en-US" dirty="0" smtClean="0"/>
+              <a:t> Webcam and Microphone </a:t>
+            </a:r>
+          </a:p>
+          <a:p>
+            <a:pPr lvl="1">
+              <a:buFont typeface="Wingdings" pitchFamily="2" charset="2"/>
+              <a:buChar char="v"/>
+            </a:pPr>
+            <a:r>
+              <a:rPr lang="en-US" dirty="0" smtClean="0"/>
+              <a:t> Rich Text</a:t>
+            </a:r>
+          </a:p>
+          <a:p>
+            <a:pPr lvl="1">
+              <a:buFont typeface="Wingdings" pitchFamily="2" charset="2"/>
+              <a:buChar char="v"/>
+            </a:pPr>
+            <a:r>
+              <a:rPr lang="en-US" dirty="0"/>
+              <a:t> </a:t>
+            </a:r>
+            <a:r>
+              <a:rPr lang="en-US" dirty="0" smtClean="0"/>
+              <a:t>Notifications</a:t>
+            </a:r>
+          </a:p>
+          <a:p>
+            <a:pPr lvl="1">
+              <a:buFont typeface="Wingdings" pitchFamily="2" charset="2"/>
+              <a:buChar char="v"/>
+            </a:pPr>
+            <a:r>
+              <a:rPr lang="en-US" dirty="0"/>
+              <a:t> </a:t>
+            </a:r>
+            <a:r>
+              <a:rPr lang="en-US" dirty="0" smtClean="0"/>
+              <a:t>Clipboard</a:t>
+            </a:r>
+            <a:endParaRPr lang="en-US" dirty="0"/>
+          </a:p>
+        </p:txBody>
+      </p:sp>
+      <p:sp>
+        <p:nvSpPr>
+          <p:cNvPr id="5" name="Round Diagonal Corner Rectangle 4"/>
+          <p:cNvSpPr/>
+          <p:nvPr/>
+        </p:nvSpPr>
+        <p:spPr>
+          <a:xfrm>
+            <a:off x="609600" y="4894881"/>
+            <a:ext cx="7315200" cy="1353519"/>
+          </a:xfrm>
+          <a:prstGeom prst="round2DiagRect">
+            <a:avLst/>
+          </a:prstGeom>
+        </p:spPr>
+        <p:style>
+          <a:lnRef idx="3">
+            <a:schemeClr val="lt1"/>
+          </a:lnRef>
+          <a:fillRef idx="1">
+            <a:schemeClr val="accent1"/>
+          </a:fillRef>
+          <a:effectRef idx="1">
+            <a:schemeClr val="accent1"/>
+          </a:effectRef>
+          <a:fontRef idx="minor">
+            <a:schemeClr val="lt1"/>
+          </a:fontRef>
+        </p:style>
+        <p:txBody>
+          <a:bodyPr rtlCol="0" anchor="ctr"/>
+          <a:lstStyle/>
+          <a:p>
+            <a:pPr lvl="0">
+              <a:spcBef>
+                <a:spcPct val="20000"/>
+              </a:spcBef>
+            </a:pPr>
+            <a:r>
+              <a:rPr lang="en-US" sz="3200" b="1" dirty="0">
+                <a:solidFill>
+                  <a:schemeClr val="bg1"/>
+                </a:solidFill>
+                <a:latin typeface="Cambria" pitchFamily="18" charset="0"/>
+              </a:rPr>
+              <a:t>45% </a:t>
+            </a:r>
+            <a:r>
+              <a:rPr lang="en-US" sz="3200" b="1" dirty="0" smtClean="0">
+                <a:solidFill>
+                  <a:schemeClr val="bg1"/>
+                </a:solidFill>
+                <a:latin typeface="Cambria" pitchFamily="18" charset="0"/>
+              </a:rPr>
+              <a:t>of </a:t>
+            </a:r>
+            <a:r>
+              <a:rPr lang="en-US" sz="3200" b="1" dirty="0">
+                <a:solidFill>
+                  <a:schemeClr val="bg1"/>
+                </a:solidFill>
+                <a:latin typeface="Cambria" pitchFamily="18" charset="0"/>
+              </a:rPr>
+              <a:t>internet-connected Windows and Mac </a:t>
+            </a:r>
+            <a:r>
+              <a:rPr lang="en-US" sz="3200" b="1" dirty="0" smtClean="0">
+                <a:solidFill>
+                  <a:schemeClr val="bg1"/>
+                </a:solidFill>
+                <a:latin typeface="Cambria" pitchFamily="18" charset="0"/>
+              </a:rPr>
+              <a:t>machines have Silverlight</a:t>
+            </a:r>
+            <a:endParaRPr lang="en-US" sz="3200" b="1" dirty="0">
+              <a:solidFill>
+                <a:schemeClr val="bg1"/>
+              </a:solidFill>
+              <a:latin typeface="Cambria" pitchFamily="18" charset="0"/>
+            </a:endParaRPr>
+          </a:p>
+        </p:txBody>
+      </p:sp>
+    </p:spTree>
+    <p:extLst>
+      <p:ext uri="{BB962C8B-B14F-4D97-AF65-F5344CB8AC3E}">
+        <p14:creationId xmlns:p14="http://schemas.microsoft.com/office/powerpoint/2010/main" val="3317035800"/>
+      </p:ext>
+    </p:extLst>
+  </p:cSld>
+  <p:clrMapOvr>
+    <a:masterClrMapping/>
+  </p:clrMapOvr>
+  <p:timing>
+    <p:tnLst>
+      <p:par>
+        <p:cTn xmlns:p14="http://schemas.microsoft.com/office/powerpoint/2010/main" id="1" dur="indefinite" restart="never" nodeType="tmRoot">
+          <p:childTnLst>
+            <p:seq concurrent="1" nextAc="seek">
+              <p:cTn id="2" dur="indefinite" nodeType="mainSeq">
+                <p:childTnLst>
+                  <p:par>
+                    <p:cTn id="3" fill="hold">
+                      <p:stCondLst>
+                        <p:cond delay="indefinite"/>
+                      </p:stCondLst>
+                      <p:childTnLst>
+                        <p:par>
+                          <p:cTn id="4" fill="hold">
+                            <p:stCondLst>
+                              <p:cond delay="0"/>
+                            </p:stCondLst>
+                            <p:childTnLst>
+                              <p:par>
+                                <p:cTn id="5" presetID="53" presetClass="entr" presetSubtype="16" fill="hold" grpId="0" nodeType="clickEffect">
+                                  <p:stCondLst>
+                                    <p:cond delay="0"/>
+                                  </p:stCondLst>
+                                  <p:childTnLst>
+                                    <p:set>
+                                      <p:cBhvr>
+                                        <p:cTn id="6" dur="1" fill="hold">
+                                          <p:stCondLst>
+                                            <p:cond delay="0"/>
+                                          </p:stCondLst>
+                                        </p:cTn>
+                                        <p:tgtEl>
+                                          <p:spTgt spid="5"/>
+                                        </p:tgtEl>
+                                        <p:attrNameLst>
+                                          <p:attrName>style.visibility</p:attrName>
+                                        </p:attrNameLst>
+                                      </p:cBhvr>
+                                      <p:to>
+                                        <p:strVal val="visible"/>
+                                      </p:to>
+                                    </p:set>
+                                    <p:anim calcmode="lin" valueType="num">
+                                      <p:cBhvr>
+                                        <p:cTn id="7" dur="150" fill="hold"/>
+                                        <p:tgtEl>
+                                          <p:spTgt spid="5"/>
+                                        </p:tgtEl>
+                                        <p:attrNameLst>
+                                          <p:attrName>ppt_w</p:attrName>
+                                        </p:attrNameLst>
+                                      </p:cBhvr>
+                                      <p:tavLst>
+                                        <p:tav tm="0">
+                                          <p:val>
+                                            <p:fltVal val="0"/>
+                                          </p:val>
+                                        </p:tav>
+                                        <p:tav tm="100000">
+                                          <p:val>
+                                            <p:strVal val="#ppt_w"/>
+                                          </p:val>
+                                        </p:tav>
+                                      </p:tavLst>
+                                    </p:anim>
+                                    <p:anim calcmode="lin" valueType="num">
+                                      <p:cBhvr>
+                                        <p:cTn id="8" dur="150" fill="hold"/>
+                                        <p:tgtEl>
+                                          <p:spTgt spid="5"/>
+                                        </p:tgtEl>
+                                        <p:attrNameLst>
+                                          <p:attrName>ppt_h</p:attrName>
+                                        </p:attrNameLst>
+                                      </p:cBhvr>
+                                      <p:tavLst>
+                                        <p:tav tm="0">
+                                          <p:val>
+                                            <p:fltVal val="0"/>
+                                          </p:val>
+                                        </p:tav>
+                                        <p:tav tm="100000">
+                                          <p:val>
+                                            <p:strVal val="#ppt_h"/>
+                                          </p:val>
+                                        </p:tav>
+                                      </p:tavLst>
+                                    </p:anim>
+                                    <p:animEffect transition="in" filter="fade">
+                                      <p:cBhvr>
+                                        <p:cTn id="9" dur="150"/>
+                                        <p:tgtEl>
+                                          <p:spTgt spid="5"/>
+                                        </p:tgtEl>
+                                      </p:cBhvr>
+                                    </p:animEffect>
+                                  </p:childTnLst>
+                                </p:cTn>
+                              </p:par>
+                            </p:childTnLst>
+                          </p:cTn>
+                        </p:par>
+                      </p:childTnLst>
+                    </p:cTn>
+                  </p:par>
+                </p:childTnLst>
+              </p:cTn>
+              <p:prevCondLst>
+                <p:cond evt="onPrev" delay="0">
+                  <p:tgtEl>
+                    <p:sldTgt/>
+                  </p:tgtEl>
+                </p:cond>
+              </p:prevCondLst>
+              <p:nextCondLst>
+                <p:cond evt="onNext" delay="0">
+                  <p:tgtEl>
+                    <p:sldTgt/>
+                  </p:tgtEl>
+                </p:cond>
+              </p:nextCondLst>
+            </p:seq>
+          </p:childTnLst>
+        </p:cTn>
+      </p:par>
+    </p:tnLst>
+    <p:bldLst>
+      <p:bldP spid="5" grpId="0" animBg="1"/>
+    </p:bldLst>
+  </p:timing>
+</p:sld>
+</file>
+
+<file path=ppt/slides/slide13.xml><?xml version="1.0" encoding="utf-8"?>
+<p:sld xmlns:a="http://schemas.openxmlformats.org/drawingml/2006/main" xmlns:r="http://schemas.openxmlformats.org/officeDocument/2006/relationships" xmlns:p="http://schemas.openxmlformats.org/presentationml/2006/main">
+  <p:cSld>
+    <p:spTree>
+      <p:nvGrpSpPr>
+        <p:cNvPr id="1" name=""/>
+        <p:cNvGrpSpPr/>
+        <p:nvPr/>
+      </p:nvGrpSpPr>
+      <p:grpSpPr>
+        <a:xfrm>
+          <a:off x="0" y="0"/>
+          <a:ext cx="0" cy="0"/>
+          <a:chOff x="0" y="0"/>
+          <a:chExt cx="0" cy="0"/>
+        </a:xfrm>
+      </p:grpSpPr>
+      <p:graphicFrame>
+        <p:nvGraphicFramePr>
+          <p:cNvPr id="4" name="Content Placeholder 3"/>
+          <p:cNvGraphicFramePr>
+            <a:graphicFrameLocks noGrp="1"/>
+          </p:cNvGraphicFramePr>
+          <p:nvPr>
+            <p:ph idx="1"/>
+            <p:extLst>
+              <p:ext uri="{D42A27DB-BD31-4B8C-83A1-F6EECF244321}">
+                <p14:modId xmlns:p14="http://schemas.microsoft.com/office/powerpoint/2010/main" val="1777251757"/>
+              </p:ext>
+            </p:extLst>
+          </p:nvPr>
+        </p:nvGraphicFramePr>
+        <p:xfrm>
+          <a:off x="0" y="-1"/>
+          <a:ext cx="9144000" cy="6858000"/>
+        </p:xfrm>
+        <a:graphic>
+          <a:graphicData uri="http://schemas.openxmlformats.org/drawingml/2006/table">
+            <a:tbl>
+              <a:tblPr firstCol="1">
+                <a:tableStyleId>{793D81CF-94F2-401A-BA57-92F5A7B2D0C5}</a:tableStyleId>
+              </a:tblPr>
+              <a:tblGrid>
+                <a:gridCol w="772747"/>
+                <a:gridCol w="8371253"/>
+              </a:tblGrid>
+              <a:tr h="935226">
+                <a:tc>
+                  <a:txBody>
+                    <a:bodyPr/>
+                    <a:lstStyle/>
+                    <a:p>
+                      <a:pPr marL="0" marR="0" algn="ctr">
+                        <a:lnSpc>
+                          <a:spcPct val="115000"/>
+                        </a:lnSpc>
+                        <a:spcBef>
+                          <a:spcPts val="0"/>
+                        </a:spcBef>
+                        <a:spcAft>
+                          <a:spcPts val="0"/>
+                        </a:spcAft>
+                      </a:pPr>
+                      <a:r>
+                        <a:rPr lang="en-US" sz="2400" dirty="0" smtClean="0">
+                          <a:solidFill>
+                            <a:schemeClr val="bg1"/>
+                          </a:solidFill>
+                          <a:effectLst/>
+                        </a:rPr>
+                        <a:t>5 </a:t>
+                      </a:r>
+                      <a:r>
+                        <a:rPr lang="en-US" sz="2400" dirty="0" err="1" smtClean="0">
+                          <a:solidFill>
+                            <a:schemeClr val="bg1"/>
+                          </a:solidFill>
+                          <a:effectLst/>
+                        </a:rPr>
+                        <a:t>mins</a:t>
+                      </a:r>
+                      <a:endParaRPr lang="en-US" sz="2400" dirty="0">
+                        <a:solidFill>
+                          <a:schemeClr val="bg1"/>
+                        </a:solidFill>
+                        <a:effectLst/>
+                        <a:latin typeface="Calibri"/>
+                        <a:ea typeface="Times New Roman"/>
+                        <a:cs typeface="Times New Roman"/>
+                      </a:endParaRPr>
+                    </a:p>
+                  </a:txBody>
+                  <a:tcPr marL="68580" marR="68580" marT="0" marB="0" vert="vert270" anchor="ctr">
+                    <a:solidFill>
+                      <a:schemeClr val="tx1">
+                        <a:lumMod val="85000"/>
+                        <a:lumOff val="15000"/>
+                      </a:schemeClr>
+                    </a:solidFill>
+                  </a:tcPr>
+                </a:tc>
+                <a:tc>
+                  <a:txBody>
+                    <a:bodyPr/>
+                    <a:lstStyle/>
+                    <a:p>
+                      <a:pPr marL="0" marR="0" algn="l">
+                        <a:lnSpc>
+                          <a:spcPct val="115000"/>
+                        </a:lnSpc>
+                        <a:spcBef>
+                          <a:spcPts val="0"/>
+                        </a:spcBef>
+                        <a:spcAft>
+                          <a:spcPts val="0"/>
+                        </a:spcAft>
+                      </a:pPr>
+                      <a:r>
+                        <a:rPr lang="en-US" sz="3600" dirty="0" smtClean="0">
+                          <a:solidFill>
+                            <a:schemeClr val="bg1"/>
+                          </a:solidFill>
+                          <a:effectLst/>
+                        </a:rPr>
+                        <a:t>  What’s </a:t>
+                      </a:r>
+                      <a:r>
+                        <a:rPr lang="en-US" sz="3600" dirty="0" err="1" smtClean="0">
+                          <a:solidFill>
+                            <a:schemeClr val="bg1"/>
+                          </a:solidFill>
+                          <a:effectLst/>
+                        </a:rPr>
+                        <a:t>IronRuby</a:t>
+                      </a:r>
+                      <a:r>
+                        <a:rPr lang="en-US" sz="3600" dirty="0" smtClean="0">
+                          <a:solidFill>
+                            <a:schemeClr val="bg1"/>
+                          </a:solidFill>
+                          <a:effectLst/>
+                        </a:rPr>
+                        <a:t> and what’s it useful</a:t>
+                      </a:r>
+                      <a:r>
+                        <a:rPr lang="en-US" sz="3600" baseline="0" dirty="0" smtClean="0">
+                          <a:solidFill>
+                            <a:schemeClr val="bg1"/>
+                          </a:solidFill>
+                          <a:effectLst/>
+                        </a:rPr>
+                        <a:t> for?</a:t>
+                      </a:r>
+                      <a:endParaRPr lang="en-US" sz="3600" dirty="0">
+                        <a:solidFill>
+                          <a:schemeClr val="bg1"/>
+                        </a:solidFill>
+                        <a:effectLst/>
+                        <a:latin typeface="+mn-lt"/>
+                        <a:ea typeface="Times New Roman"/>
+                        <a:cs typeface="Times New Roman"/>
+                      </a:endParaRPr>
+                    </a:p>
+                  </a:txBody>
+                  <a:tcPr marL="68580" marR="68580" marT="0" marB="0" anchor="ctr">
+                    <a:solidFill>
+                      <a:schemeClr val="tx1"/>
+                    </a:solidFill>
+                  </a:tcPr>
+                </a:tc>
+              </a:tr>
+              <a:tr h="1526514">
+                <a:tc>
+                  <a:txBody>
+                    <a:bodyPr/>
+                    <a:lstStyle/>
+                    <a:p>
+                      <a:pPr marL="0" marR="0" algn="ctr">
+                        <a:lnSpc>
+                          <a:spcPct val="115000"/>
+                        </a:lnSpc>
+                        <a:spcBef>
+                          <a:spcPts val="0"/>
+                        </a:spcBef>
+                        <a:spcAft>
+                          <a:spcPts val="0"/>
+                        </a:spcAft>
+                      </a:pPr>
+                      <a:r>
+                        <a:rPr lang="en-US" sz="2400" dirty="0" smtClean="0">
+                          <a:solidFill>
+                            <a:schemeClr val="bg1"/>
+                          </a:solidFill>
+                          <a:effectLst/>
+                        </a:rPr>
+                        <a:t>10 </a:t>
+                      </a:r>
+                      <a:r>
+                        <a:rPr lang="en-US" sz="2400" baseline="0" dirty="0" err="1" smtClean="0">
+                          <a:solidFill>
+                            <a:schemeClr val="bg1"/>
+                          </a:solidFill>
+                          <a:effectLst/>
+                        </a:rPr>
+                        <a:t>m</a:t>
+                      </a:r>
+                      <a:r>
+                        <a:rPr lang="en-US" sz="2400" dirty="0" err="1" smtClean="0">
+                          <a:solidFill>
+                            <a:schemeClr val="bg1"/>
+                          </a:solidFill>
+                          <a:effectLst/>
+                        </a:rPr>
+                        <a:t>ins</a:t>
+                      </a:r>
+                      <a:endParaRPr lang="en-US" sz="2400" dirty="0">
+                        <a:solidFill>
+                          <a:schemeClr val="bg1"/>
+                        </a:solidFill>
+                        <a:effectLst/>
+                        <a:latin typeface="Calibri"/>
+                        <a:ea typeface="Times New Roman"/>
+                        <a:cs typeface="Times New Roman"/>
+                      </a:endParaRPr>
+                    </a:p>
+                  </a:txBody>
+                  <a:tcPr marL="68580" marR="68580" marT="0" marB="0" vert="vert270" anchor="ctr">
+                    <a:solidFill>
+                      <a:schemeClr val="tx1">
+                        <a:lumMod val="85000"/>
+                        <a:lumOff val="15000"/>
+                      </a:schemeClr>
+                    </a:solidFill>
+                  </a:tcPr>
+                </a:tc>
+                <a:tc>
+                  <a:txBody>
+                    <a:bodyPr/>
+                    <a:lstStyle/>
+                    <a:p>
+                      <a:pPr marL="0" marR="0" algn="l">
+                        <a:lnSpc>
+                          <a:spcPct val="115000"/>
+                        </a:lnSpc>
+                        <a:spcBef>
+                          <a:spcPts val="0"/>
+                        </a:spcBef>
+                        <a:spcAft>
+                          <a:spcPts val="0"/>
+                        </a:spcAft>
+                      </a:pPr>
+                      <a:r>
+                        <a:rPr lang="en-US" sz="3600" dirty="0" smtClean="0">
+                          <a:solidFill>
+                            <a:schemeClr val="bg1"/>
+                          </a:solidFill>
+                          <a:effectLst/>
+                        </a:rPr>
+                        <a:t>  Ruby HTML</a:t>
+                      </a:r>
+                      <a:r>
+                        <a:rPr lang="en-US" sz="3600" baseline="0" dirty="0" smtClean="0">
+                          <a:solidFill>
+                            <a:schemeClr val="bg1"/>
+                          </a:solidFill>
+                          <a:effectLst/>
+                        </a:rPr>
+                        <a:t> script-tags</a:t>
+                      </a:r>
+                      <a:endParaRPr lang="en-US" sz="3600" dirty="0">
+                        <a:solidFill>
+                          <a:schemeClr val="bg1"/>
+                        </a:solidFill>
+                        <a:effectLst/>
+                        <a:latin typeface="Calibri"/>
+                        <a:ea typeface="Times New Roman"/>
+                        <a:cs typeface="Times New Roman"/>
+                      </a:endParaRPr>
+                    </a:p>
+                  </a:txBody>
+                  <a:tcPr marL="68580" marR="68580" marT="0" marB="0" anchor="ctr">
+                    <a:solidFill>
+                      <a:schemeClr val="tx1"/>
+                    </a:solidFill>
+                  </a:tcPr>
+                </a:tc>
+              </a:tr>
+              <a:tr h="2852667">
+                <a:tc>
+                  <a:txBody>
+                    <a:bodyPr/>
+                    <a:lstStyle/>
+                    <a:p>
+                      <a:pPr marL="0" marR="0" algn="ctr">
+                        <a:lnSpc>
+                          <a:spcPct val="115000"/>
+                        </a:lnSpc>
+                        <a:spcBef>
+                          <a:spcPts val="0"/>
+                        </a:spcBef>
+                        <a:spcAft>
+                          <a:spcPts val="0"/>
+                        </a:spcAft>
+                      </a:pPr>
+                      <a:r>
+                        <a:rPr lang="en-US" sz="2400" dirty="0" smtClean="0">
+                          <a:solidFill>
+                            <a:schemeClr val="bg1"/>
+                          </a:solidFill>
+                          <a:effectLst/>
+                        </a:rPr>
+                        <a:t>15 </a:t>
+                      </a:r>
+                      <a:r>
+                        <a:rPr lang="en-US" sz="2400" dirty="0" err="1" smtClean="0">
+                          <a:solidFill>
+                            <a:schemeClr val="bg1"/>
+                          </a:solidFill>
+                          <a:effectLst/>
+                        </a:rPr>
+                        <a:t>mins</a:t>
+                      </a:r>
+                      <a:endParaRPr lang="en-US" sz="2400" dirty="0">
+                        <a:solidFill>
+                          <a:schemeClr val="bg1"/>
+                        </a:solidFill>
+                        <a:effectLst/>
+                        <a:latin typeface="Calibri"/>
+                        <a:ea typeface="Times New Roman"/>
+                        <a:cs typeface="Times New Roman"/>
+                      </a:endParaRPr>
+                    </a:p>
+                  </a:txBody>
+                  <a:tcPr marL="68580" marR="68580" marT="0" marB="0" vert="vert270" anchor="ctr">
+                    <a:solidFill>
+                      <a:schemeClr val="tx1">
+                        <a:lumMod val="85000"/>
+                        <a:lumOff val="15000"/>
+                      </a:schemeClr>
+                    </a:solidFill>
+                  </a:tcPr>
+                </a:tc>
+                <a:tc>
+                  <a:txBody>
+                    <a:bodyPr/>
+                    <a:lstStyle/>
+                    <a:p>
+                      <a:pPr marL="0" marR="0">
+                        <a:lnSpc>
+                          <a:spcPct val="115000"/>
+                        </a:lnSpc>
+                        <a:spcBef>
+                          <a:spcPts val="0"/>
+                        </a:spcBef>
+                        <a:spcAft>
+                          <a:spcPts val="0"/>
+                        </a:spcAft>
+                      </a:pPr>
+                      <a:r>
+                        <a:rPr lang="en-US" sz="3600" dirty="0" smtClean="0">
+                          <a:solidFill>
+                            <a:schemeClr val="bg1"/>
+                          </a:solidFill>
+                          <a:effectLst/>
+                        </a:rPr>
+                        <a:t>  Embedding</a:t>
+                      </a:r>
+                      <a:r>
+                        <a:rPr lang="en-US" sz="3600" baseline="0" dirty="0" smtClean="0">
+                          <a:solidFill>
+                            <a:schemeClr val="bg1"/>
+                          </a:solidFill>
+                          <a:effectLst/>
+                        </a:rPr>
+                        <a:t> Ruby – “Scriptable” apps</a:t>
+                      </a:r>
+                      <a:endParaRPr lang="en-US" sz="3600" dirty="0">
+                        <a:solidFill>
+                          <a:schemeClr val="bg1"/>
+                        </a:solidFill>
+                        <a:effectLst/>
+                        <a:latin typeface="Calibri"/>
+                        <a:ea typeface="Times New Roman"/>
+                        <a:cs typeface="Times New Roman"/>
+                      </a:endParaRPr>
+                    </a:p>
+                  </a:txBody>
+                  <a:tcPr marL="68580" marR="68580" marT="0" marB="0" anchor="ctr">
+                    <a:solidFill>
+                      <a:schemeClr val="tx1">
+                        <a:lumMod val="85000"/>
+                        <a:lumOff val="15000"/>
+                      </a:schemeClr>
+                    </a:solidFill>
+                  </a:tcPr>
+                </a:tc>
+              </a:tr>
+              <a:tr h="1543593">
+                <a:tc>
+                  <a:txBody>
+                    <a:bodyPr/>
+                    <a:lstStyle/>
+                    <a:p>
+                      <a:pPr marL="0" marR="0" algn="ctr">
+                        <a:lnSpc>
+                          <a:spcPct val="115000"/>
+                        </a:lnSpc>
+                        <a:spcBef>
+                          <a:spcPts val="0"/>
+                        </a:spcBef>
+                        <a:spcAft>
+                          <a:spcPts val="0"/>
+                        </a:spcAft>
+                      </a:pPr>
+                      <a:r>
+                        <a:rPr lang="en-US" sz="2400" dirty="0" smtClean="0">
+                          <a:solidFill>
+                            <a:schemeClr val="bg1"/>
+                          </a:solidFill>
+                          <a:effectLst/>
+                        </a:rPr>
+                        <a:t>10 </a:t>
+                      </a:r>
+                      <a:r>
+                        <a:rPr lang="en-US" sz="2400" dirty="0" err="1" smtClean="0">
+                          <a:solidFill>
+                            <a:schemeClr val="bg1"/>
+                          </a:solidFill>
+                          <a:effectLst/>
+                        </a:rPr>
+                        <a:t>mins</a:t>
+                      </a:r>
+                      <a:endParaRPr lang="en-US" sz="2400" dirty="0">
+                        <a:solidFill>
+                          <a:schemeClr val="bg1"/>
+                        </a:solidFill>
+                        <a:effectLst/>
+                        <a:latin typeface="Calibri"/>
+                        <a:ea typeface="Times New Roman"/>
+                        <a:cs typeface="Times New Roman"/>
+                      </a:endParaRPr>
+                    </a:p>
+                  </a:txBody>
+                  <a:tcPr marL="68580" marR="68580" marT="0" marB="0" vert="vert270" anchor="ctr">
+                    <a:solidFill>
+                      <a:schemeClr val="tx1">
+                        <a:lumMod val="85000"/>
+                        <a:lumOff val="15000"/>
+                      </a:schemeClr>
+                    </a:solidFill>
+                  </a:tcPr>
+                </a:tc>
+                <a:tc>
+                  <a:txBody>
+                    <a:bodyPr/>
+                    <a:lstStyle/>
+                    <a:p>
+                      <a:pPr marL="0" marR="0">
+                        <a:lnSpc>
+                          <a:spcPct val="115000"/>
+                        </a:lnSpc>
+                        <a:spcBef>
+                          <a:spcPts val="0"/>
+                        </a:spcBef>
+                        <a:spcAft>
+                          <a:spcPts val="0"/>
+                        </a:spcAft>
+                      </a:pPr>
+                      <a:r>
+                        <a:rPr lang="en-US" sz="3600" dirty="0" smtClean="0">
+                          <a:solidFill>
+                            <a:schemeClr val="bg1"/>
+                          </a:solidFill>
+                          <a:effectLst/>
+                        </a:rPr>
+                        <a:t>  State of </a:t>
+                      </a:r>
+                      <a:r>
+                        <a:rPr lang="en-US" sz="3600" dirty="0" err="1" smtClean="0">
+                          <a:solidFill>
+                            <a:schemeClr val="bg1"/>
+                          </a:solidFill>
+                          <a:effectLst/>
+                        </a:rPr>
+                        <a:t>IronRuby</a:t>
+                      </a:r>
+                      <a:endParaRPr lang="en-US" sz="3600" dirty="0">
+                        <a:solidFill>
+                          <a:schemeClr val="bg1"/>
+                        </a:solidFill>
+                        <a:effectLst/>
+                        <a:latin typeface="Calibri"/>
+                        <a:ea typeface="Times New Roman"/>
+                        <a:cs typeface="Times New Roman"/>
+                      </a:endParaRPr>
+                    </a:p>
+                  </a:txBody>
+                  <a:tcPr marL="68580" marR="68580" marT="0" marB="0" anchor="ctr">
+                    <a:solidFill>
+                      <a:schemeClr val="tx1"/>
+                    </a:solidFill>
+                  </a:tcPr>
+                </a:tc>
+              </a:tr>
+            </a:tbl>
+          </a:graphicData>
+        </a:graphic>
+      </p:graphicFrame>
+    </p:spTree>
+    <p:extLst>
+      <p:ext uri="{BB962C8B-B14F-4D97-AF65-F5344CB8AC3E}">
+        <p14:creationId xmlns:p14="http://schemas.microsoft.com/office/powerpoint/2010/main" val="3343301994"/>
+      </p:ext>
+    </p:extLst>
+  </p:cSld>
+  <p:clrMapOvr>
+    <a:masterClrMapping/>
+  </p:clrMapOvr>
+  <p:timing>
+    <p:tnLst>
+      <p:par>
+        <p:cTn xmlns:p14="http://schemas.microsoft.com/office/powerpoint/2010/main" id="1" dur="indefinite" restart="never" nodeType="tmRoot"/>
+      </p:par>
+    </p:tnLst>
+  </p:timing>
+</p:sld>
+</file>
+
+<file path=ppt/slides/slide14.xml><?xml version="1.0" encoding="utf-8"?>
+<p:sld xmlns:a="http://schemas.openxmlformats.org/drawingml/2006/main" xmlns:r="http://schemas.openxmlformats.org/officeDocument/2006/relationships" xmlns:p="http://schemas.openxmlformats.org/presentationml/2006/main" show="0">
+  <p:cSld>
+    <p:spTree>
+      <p:nvGrpSpPr>
+        <p:cNvPr id="1" name=""/>
+        <p:cNvGrpSpPr/>
+        <p:nvPr/>
+      </p:nvGrpSpPr>
+      <p:grpSpPr>
+        <a:xfrm>
+          <a:off x="0" y="0"/>
+          <a:ext cx="0" cy="0"/>
+          <a:chOff x="0" y="0"/>
+          <a:chExt cx="0" cy="0"/>
+        </a:xfrm>
+      </p:grpSpPr>
+      <p:pic>
+        <p:nvPicPr>
+          <p:cNvPr id="1026" name="Picture 2"/>
+          <p:cNvPicPr>
+            <a:picLocks noChangeAspect="1" noChangeArrowheads="1"/>
+          </p:cNvPicPr>
+          <p:nvPr/>
+        </p:nvPicPr>
+        <p:blipFill>
+          <a:blip r:embed="rId2">
+            <a:extLst>
+              <a:ext uri="{28A0092B-C50C-407E-A947-70E740481C1C}">
+                <a14:useLocalDpi xmlns:a14="http://schemas.microsoft.com/office/drawing/2010/main" val="0"/>
+              </a:ext>
+            </a:extLst>
+          </a:blip>
+          <a:srcRect/>
+          <a:stretch>
+            <a:fillRect/>
+          </a:stretch>
+        </p:blipFill>
+        <p:spPr bwMode="auto">
+          <a:xfrm>
+            <a:off x="2224088" y="1238250"/>
+            <a:ext cx="4695825" cy="4381500"/>
+          </a:xfrm>
+          <a:prstGeom prst="rect">
+            <a:avLst/>
+          </a:prstGeom>
+          <a:noFill/>
+          <a:ln>
+            <a:noFill/>
+          </a:ln>
+          <a:effectLst/>
+          <a:extLst>
+            <a:ext uri="{909E8E84-426E-40DD-AFC4-6F175D3DCCD1}">
+              <a14:hiddenFill xmlns:a14="http://schemas.microsoft.com/office/drawing/2010/main">
+                <a:solidFill>
+                  <a:schemeClr val="accent1"/>
+                </a:solidFill>
+              </a14:hiddenFill>
+            </a:ext>
+            <a:ext uri="{91240B29-F687-4F45-9708-019B960494DF}">
+              <a14:hiddenLine xmlns:a14="http://schemas.microsoft.com/office/drawing/2010/main" w="9525">
+                <a:solidFill>
+                  <a:schemeClr val="tx1"/>
+                </a:solidFill>
+                <a:miter lim="800000"/>
+                <a:headEnd/>
+                <a:tailEnd/>
+              </a14:hiddenLine>
+            </a:ext>
+            <a:ext uri="{AF507438-7753-43E0-B8FC-AC1667EBCBE1}">
+              <a14:hiddenEffects xmlns:a14="http://schemas.microsoft.com/office/drawing/2010/main">
+                <a:effectLst>
+                  <a:outerShdw dist="35921" dir="2700000" algn="ctr" rotWithShape="0">
+                    <a:schemeClr val="bg2"/>
+                  </a:outerShdw>
+                </a:effectLst>
+              </a14:hiddenEffects>
+            </a:ext>
+          </a:extLst>
+        </p:spPr>
+      </p:pic>
+    </p:spTree>
+    <p:extLst>
+      <p:ext uri="{BB962C8B-B14F-4D97-AF65-F5344CB8AC3E}">
+        <p14:creationId xmlns:p14="http://schemas.microsoft.com/office/powerpoint/2010/main" val="1614046797"/>
+      </p:ext>
+    </p:extLst>
+  </p:cSld>
+  <p:clrMapOvr>
+    <a:masterClrMapping/>
+  </p:clrMapOvr>
+  <mc:AlternateContent xmlns:mc="http://schemas.openxmlformats.org/markup-compatibility/2006">
+    <mc:Choice xmlns:p14="http://schemas.microsoft.com/office/powerpoint/2010/main" Requires="p14">
+      <p:transition spd="slow" p14:dur="2000"/>
+    </mc:Choice>
+    <mc:Fallback>
+      <p:transition xmlns:p14="http://schemas.microsoft.com/office/powerpoint/2010/main" spd="slow"/>
+    </mc:Fallback>
+  </mc:AlternateContent>
+  <p:timing>
+    <p:tnLst>
+      <p:par>
+        <p:cTn xmlns:p14="http://schemas.microsoft.com/office/powerpoint/2010/main" id="1" dur="indefinite" restart="never" nodeType="tmRoot"/>
+      </p:par>
+    </p:tnLst>
+  </p:timing>
+</p:sld>
+</file>
+
+<file path=ppt/slides/slide15.xml><?xml version="1.0" encoding="utf-8"?>
+<p:sld xmlns:a="http://schemas.openxmlformats.org/drawingml/2006/main" xmlns:r="http://schemas.openxmlformats.org/officeDocument/2006/relationships" xmlns:p="http://schemas.openxmlformats.org/presentationml/2006/main" show="0">
+  <p:cSld>
+    <p:spTree>
+      <p:nvGrpSpPr>
+        <p:cNvPr id="1" name=""/>
+        <p:cNvGrpSpPr/>
+        <p:nvPr/>
+      </p:nvGrpSpPr>
+      <p:grpSpPr>
+        <a:xfrm>
+          <a:off x="0" y="0"/>
+          <a:ext cx="0" cy="0"/>
+          <a:chOff x="0" y="0"/>
+          <a:chExt cx="0" cy="0"/>
+        </a:xfrm>
+      </p:grpSpPr>
+      <p:sp>
+        <p:nvSpPr>
+          <p:cNvPr id="2" name="Title 1"/>
+          <p:cNvSpPr>
+            <a:spLocks noGrp="1"/>
+          </p:cNvSpPr>
+          <p:nvPr>
+            <p:ph type="title"/>
+          </p:nvPr>
+        </p:nvSpPr>
+        <p:spPr/>
+        <p:txBody>
+          <a:bodyPr/>
+          <a:lstStyle/>
+          <a:p>
+            <a:endParaRPr lang="en-US"/>
+          </a:p>
+        </p:txBody>
+      </p:sp>
+      <p:sp>
+        <p:nvSpPr>
+          <p:cNvPr id="3" name="Content Placeholder 2"/>
+          <p:cNvSpPr>
+            <a:spLocks noGrp="1"/>
+          </p:cNvSpPr>
+          <p:nvPr>
+            <p:ph idx="1"/>
+          </p:nvPr>
+        </p:nvSpPr>
+        <p:spPr/>
+        <p:txBody>
+          <a:bodyPr/>
+          <a:lstStyle/>
+          <a:p>
+            <a:endParaRPr lang="en-US"/>
+          </a:p>
+        </p:txBody>
+      </p:sp>
+      <p:pic>
+        <p:nvPicPr>
+          <p:cNvPr id="2050" name="Picture 2" descr="C:\Users\jimmysch\Pictures\1030404636_e648a2b65c_b.jpg"/>
+          <p:cNvPicPr>
+            <a:picLocks noChangeAspect="1" noChangeArrowheads="1"/>
+          </p:cNvPicPr>
+          <p:nvPr/>
+        </p:nvPicPr>
+        <p:blipFill>
+          <a:blip r:embed="rId2">
+            <a:extLst>
+              <a:ext uri="{28A0092B-C50C-407E-A947-70E740481C1C}">
+                <a14:useLocalDpi xmlns:a14="http://schemas.microsoft.com/office/drawing/2010/main" val="0"/>
+              </a:ext>
+            </a:extLst>
+          </a:blip>
+          <a:srcRect/>
+          <a:stretch>
+            <a:fillRect/>
+          </a:stretch>
+        </p:blipFill>
+        <p:spPr bwMode="auto">
+          <a:xfrm>
+            <a:off x="-3429000" y="-2171700"/>
+            <a:ext cx="14478000" cy="10858500"/>
+          </a:xfrm>
+          <a:prstGeom prst="rect">
+            <a:avLst/>
+          </a:prstGeom>
+          <a:noFill/>
+          <a:extLst>
+            <a:ext uri="{909E8E84-426E-40DD-AFC4-6F175D3DCCD1}">
+              <a14:hiddenFill xmlns:a14="http://schemas.microsoft.com/office/drawing/2010/main">
+                <a:solidFill>
+                  <a:srgbClr xmlns:mc="http://schemas.openxmlformats.org/markup-compatibility/2006" val="FFFFFF" mc:Ignorable=""/>
+                </a:solidFill>
+              </a14:hiddenFill>
+            </a:ext>
+          </a:extLst>
+        </p:spPr>
+      </p:pic>
+    </p:spTree>
+    <p:extLst>
+      <p:ext uri="{BB962C8B-B14F-4D97-AF65-F5344CB8AC3E}">
+        <p14:creationId xmlns:p14="http://schemas.microsoft.com/office/powerpoint/2010/main" val="2097978007"/>
+      </p:ext>
+    </p:extLst>
+  </p:cSld>
+  <p:clrMapOvr>
+    <a:masterClrMapping/>
+  </p:clrMapOvr>
+  <mc:AlternateContent xmlns:mc="http://schemas.openxmlformats.org/markup-compatibility/2006">
+    <mc:Choice xmlns:p14="http://schemas.microsoft.com/office/powerpoint/2010/main" Requires="p14">
+      <p:transition spd="slow" p14:dur="2000"/>
+    </mc:Choice>
+    <mc:Fallback>
+      <p:transition xmlns:p14="http://schemas.microsoft.com/office/powerpoint/2010/main" spd="slow"/>
+    </mc:Fallback>
+  </mc:AlternateContent>
+  <p:timing>
+    <p:tnLst>
+      <p:par>
+        <p:cTn xmlns:p14="http://schemas.microsoft.com/office/powerpoint/2010/main" id="1" dur="indefinite" restart="never" nodeType="tmRoot"/>
+      </p:par>
+    </p:tnLst>
+  </p:timing>
+</p:sld>
+</file>
+
+<file path=ppt/slides/slide16.xml><?xml version="1.0" encoding="utf-8"?>
+<p:sld xmlns:a="http://schemas.openxmlformats.org/drawingml/2006/main" xmlns:r="http://schemas.openxmlformats.org/officeDocument/2006/relationships" xmlns:p="http://schemas.openxmlformats.org/presentationml/2006/main" show="0">
+  <p:cSld>
+    <p:spTree>
+      <p:nvGrpSpPr>
+        <p:cNvPr id="1" name=""/>
+        <p:cNvGrpSpPr/>
+        <p:nvPr/>
+      </p:nvGrpSpPr>
+      <p:grpSpPr>
+        <a:xfrm>
+          <a:off x="0" y="0"/>
+          <a:ext cx="0" cy="0"/>
+          <a:chOff x="0" y="0"/>
+          <a:chExt cx="0" cy="0"/>
+        </a:xfrm>
+      </p:grpSpPr>
+      <p:sp>
+        <p:nvSpPr>
+          <p:cNvPr id="2" name="Title 1"/>
+          <p:cNvSpPr>
+            <a:spLocks noGrp="1"/>
+          </p:cNvSpPr>
+          <p:nvPr>
+            <p:ph type="title"/>
+          </p:nvPr>
+        </p:nvSpPr>
+        <p:spPr/>
+        <p:txBody>
+          <a:bodyPr/>
+          <a:lstStyle/>
+          <a:p>
+            <a:endParaRPr lang="en-US"/>
+          </a:p>
+        </p:txBody>
+      </p:sp>
+      <p:sp>
+        <p:nvSpPr>
+          <p:cNvPr id="3" name="Content Placeholder 2"/>
+          <p:cNvSpPr>
+            <a:spLocks noGrp="1"/>
+          </p:cNvSpPr>
+          <p:nvPr>
+            <p:ph idx="1"/>
+          </p:nvPr>
+        </p:nvSpPr>
+        <p:spPr/>
+        <p:txBody>
+          <a:bodyPr/>
+          <a:lstStyle/>
+          <a:p>
+            <a:endParaRPr lang="en-US"/>
+          </a:p>
+        </p:txBody>
+      </p:sp>
+      <p:pic>
+        <p:nvPicPr>
+          <p:cNvPr id="3074" name="Picture 2" descr="C:\Users\jimmysch\Pictures\1478055489_0eff7c3fac_b.jpg"/>
+          <p:cNvPicPr>
+            <a:picLocks noChangeAspect="1" noChangeArrowheads="1"/>
+          </p:cNvPicPr>
+          <p:nvPr/>
+        </p:nvPicPr>
+        <p:blipFill>
+          <a:blip r:embed="rId2">
+            <a:extLst>
+              <a:ext uri="{28A0092B-C50C-407E-A947-70E740481C1C}">
+                <a14:useLocalDpi xmlns:a14="http://schemas.microsoft.com/office/drawing/2010/main" val="0"/>
+              </a:ext>
+            </a:extLst>
+          </a:blip>
+          <a:srcRect/>
+          <a:stretch>
+            <a:fillRect/>
+          </a:stretch>
+        </p:blipFill>
+        <p:spPr bwMode="auto">
+          <a:xfrm>
+            <a:off x="-76200" y="0"/>
+            <a:ext cx="9753600" cy="7096125"/>
+          </a:xfrm>
+          <a:prstGeom prst="rect">
+            <a:avLst/>
+          </a:prstGeom>
+          <a:noFill/>
+          <a:extLst>
+            <a:ext uri="{909E8E84-426E-40DD-AFC4-6F175D3DCCD1}">
+              <a14:hiddenFill xmlns:a14="http://schemas.microsoft.com/office/drawing/2010/main">
+                <a:solidFill>
+                  <a:srgbClr xmlns:mc="http://schemas.openxmlformats.org/markup-compatibility/2006" val="FFFFFF" mc:Ignorable=""/>
+                </a:solidFill>
+              </a14:hiddenFill>
+            </a:ext>
+          </a:extLst>
+        </p:spPr>
+      </p:pic>
+    </p:spTree>
+    <p:extLst>
+      <p:ext uri="{BB962C8B-B14F-4D97-AF65-F5344CB8AC3E}">
+        <p14:creationId xmlns:p14="http://schemas.microsoft.com/office/powerpoint/2010/main" val="1296257453"/>
+      </p:ext>
+    </p:extLst>
+  </p:cSld>
+  <p:clrMapOvr>
+    <a:masterClrMapping/>
+  </p:clrMapOvr>
+  <mc:AlternateContent xmlns:mc="http://schemas.openxmlformats.org/markup-compatibility/2006">
+    <mc:Choice xmlns:p14="http://schemas.microsoft.com/office/powerpoint/2010/main" Requires="p14">
+      <p:transition spd="slow" p14:dur="2000"/>
+    </mc:Choice>
+    <mc:Fallback>
+      <p:transition xmlns:p14="http://schemas.microsoft.com/office/powerpoint/2010/main" spd="slow"/>
+    </mc:Fallback>
+  </mc:AlternateContent>
+  <p:timing>
+    <p:tnLst>
+      <p:par>
+        <p:cTn xmlns:p14="http://schemas.microsoft.com/office/powerpoint/2010/main" id="1" dur="indefinite" restart="never" nodeType="tmRoot"/>
+      </p:par>
+    </p:tnLst>
+  </p:timing>
+</p:sld>
+</file>
+
+<file path=ppt/slides/slide17.xml><?xml version="1.0" encoding="utf-8"?>
+<p:sld xmlns:a="http://schemas.openxmlformats.org/drawingml/2006/main" xmlns:r="http://schemas.openxmlformats.org/officeDocument/2006/relationships" xmlns:p="http://schemas.openxmlformats.org/presentationml/2006/main">
+  <p:cSld>
+    <p:spTree>
+      <p:nvGrpSpPr>
+        <p:cNvPr id="1" name=""/>
+        <p:cNvGrpSpPr/>
+        <p:nvPr/>
+      </p:nvGrpSpPr>
+      <p:grpSpPr>
+        <a:xfrm>
+          <a:off x="0" y="0"/>
+          <a:ext cx="0" cy="0"/>
+          <a:chOff x="0" y="0"/>
+          <a:chExt cx="0" cy="0"/>
+        </a:xfrm>
+      </p:grpSpPr>
+      <p:sp>
+        <p:nvSpPr>
+          <p:cNvPr id="3" name="Content Placeholder 2"/>
+          <p:cNvSpPr>
+            <a:spLocks noGrp="1"/>
+          </p:cNvSpPr>
+          <p:nvPr>
+            <p:ph idx="1"/>
+          </p:nvPr>
+        </p:nvSpPr>
+        <p:spPr>
+          <a:xfrm>
+            <a:off x="381000" y="381000"/>
+            <a:ext cx="8382000" cy="5867400"/>
+          </a:xfrm>
+        </p:spPr>
+        <p:txBody>
+          <a:bodyPr>
+            <a:normAutofit lnSpcReduction="10000"/>
+          </a:bodyPr>
+          <a:lstStyle/>
+          <a:p>
+            <a:pPr marL="0" indent="0">
+              <a:buNone/>
+            </a:pPr>
+            <a:r>
+              <a:rPr lang="en-US" dirty="0" smtClean="0"/>
+              <a:t>Extensibility with scripts</a:t>
+            </a:r>
+          </a:p>
+          <a:p>
+            <a:pPr lvl="1">
+              <a:buFont typeface="Wingdings" pitchFamily="2" charset="2"/>
+              <a:buChar char="v"/>
+            </a:pPr>
+            <a:r>
+              <a:rPr lang="en-US" dirty="0">
+                <a:solidFill>
+                  <a:schemeClr val="bg1">
+                    <a:lumMod val="75000"/>
+                  </a:schemeClr>
+                </a:solidFill>
+              </a:rPr>
+              <a:t> </a:t>
+            </a:r>
+            <a:r>
+              <a:rPr lang="en-US" dirty="0" smtClean="0">
+                <a:solidFill>
+                  <a:schemeClr val="bg1">
+                    <a:lumMod val="75000"/>
+                  </a:schemeClr>
+                </a:solidFill>
+              </a:rPr>
+              <a:t>let everyone make your app great too</a:t>
+            </a:r>
+          </a:p>
+          <a:p>
+            <a:pPr marL="57150" indent="0">
+              <a:buNone/>
+            </a:pPr>
+            <a:endParaRPr lang="en-US" dirty="0" smtClean="0"/>
+          </a:p>
+          <a:p>
+            <a:pPr marL="0" indent="0">
+              <a:buNone/>
+            </a:pPr>
+            <a:r>
+              <a:rPr lang="en-US" dirty="0" smtClean="0"/>
+              <a:t>Ruby is simple enough for non-programmers</a:t>
+            </a:r>
+          </a:p>
+          <a:p>
+            <a:pPr lvl="1">
+              <a:buFont typeface="Wingdings" pitchFamily="2" charset="2"/>
+              <a:buChar char="v"/>
+            </a:pPr>
+            <a:r>
+              <a:rPr lang="en-US" dirty="0">
+                <a:solidFill>
+                  <a:schemeClr val="bg1">
+                    <a:lumMod val="75000"/>
+                  </a:schemeClr>
+                </a:solidFill>
+              </a:rPr>
+              <a:t> </a:t>
+            </a:r>
+            <a:r>
+              <a:rPr lang="en-US" dirty="0" smtClean="0">
+                <a:solidFill>
+                  <a:schemeClr val="bg1">
+                    <a:lumMod val="75000"/>
+                  </a:schemeClr>
+                </a:solidFill>
+              </a:rPr>
+              <a:t>writing tiny scripts for themselves</a:t>
+            </a:r>
+          </a:p>
+          <a:p>
+            <a:pPr marL="57150" indent="0">
+              <a:buNone/>
+            </a:pPr>
+            <a:r>
+              <a:rPr lang="en-US" dirty="0" smtClean="0"/>
+              <a:t>Powerful enough for adding full features</a:t>
+            </a:r>
+          </a:p>
+          <a:p>
+            <a:pPr lvl="1">
+              <a:buFont typeface="Wingdings" pitchFamily="2" charset="2"/>
+              <a:buChar char="v"/>
+            </a:pPr>
+            <a:r>
+              <a:rPr lang="en-US" dirty="0">
+                <a:solidFill>
+                  <a:schemeClr val="bg1">
+                    <a:lumMod val="75000"/>
+                  </a:schemeClr>
+                </a:solidFill>
+              </a:rPr>
+              <a:t> </a:t>
+            </a:r>
+            <a:r>
+              <a:rPr lang="en-US" dirty="0" smtClean="0">
+                <a:solidFill>
+                  <a:schemeClr val="bg1">
+                    <a:lumMod val="75000"/>
+                  </a:schemeClr>
+                </a:solidFill>
+              </a:rPr>
+              <a:t>ecosystem for extensions develops</a:t>
+            </a:r>
+          </a:p>
+          <a:p>
+            <a:pPr lvl="1">
+              <a:buFont typeface="Wingdings" pitchFamily="2" charset="2"/>
+              <a:buChar char="v"/>
+            </a:pPr>
+            <a:r>
+              <a:rPr lang="en-US" dirty="0">
+                <a:solidFill>
+                  <a:schemeClr val="bg1">
+                    <a:lumMod val="75000"/>
+                  </a:schemeClr>
+                </a:solidFill>
+              </a:rPr>
+              <a:t> </a:t>
+            </a:r>
+            <a:r>
+              <a:rPr lang="en-US" dirty="0" smtClean="0">
+                <a:solidFill>
+                  <a:schemeClr val="bg1">
+                    <a:lumMod val="75000"/>
+                  </a:schemeClr>
+                </a:solidFill>
+              </a:rPr>
+              <a:t>deployment of fixes / new features simplified</a:t>
+            </a:r>
+          </a:p>
+          <a:p>
+            <a:pPr marL="57150" indent="0">
+              <a:buNone/>
+            </a:pPr>
+            <a:endParaRPr lang="en-US" dirty="0"/>
+          </a:p>
+          <a:p>
+            <a:pPr marL="57150" indent="0">
+              <a:buNone/>
+            </a:pPr>
+            <a:r>
+              <a:rPr lang="en-US" dirty="0" smtClean="0"/>
+              <a:t>More choices than Ruby</a:t>
+            </a:r>
+          </a:p>
+          <a:p>
+            <a:pPr lvl="1">
+              <a:buFont typeface="Wingdings" pitchFamily="2" charset="2"/>
+              <a:buChar char="v"/>
+            </a:pPr>
+            <a:r>
+              <a:rPr lang="en-US" dirty="0">
+                <a:solidFill>
+                  <a:schemeClr val="bg1">
+                    <a:lumMod val="75000"/>
+                  </a:schemeClr>
+                </a:solidFill>
+              </a:rPr>
+              <a:t> </a:t>
+            </a:r>
+            <a:r>
+              <a:rPr lang="en-US" dirty="0" smtClean="0">
+                <a:solidFill>
+                  <a:schemeClr val="bg1">
+                    <a:lumMod val="75000"/>
+                  </a:schemeClr>
+                </a:solidFill>
+              </a:rPr>
+              <a:t>Python, Scheme, </a:t>
+            </a:r>
+            <a:r>
+              <a:rPr lang="en-US" dirty="0" err="1" smtClean="0">
+                <a:solidFill>
+                  <a:schemeClr val="bg1">
+                    <a:lumMod val="75000"/>
+                  </a:schemeClr>
+                </a:solidFill>
+              </a:rPr>
+              <a:t>Clojure</a:t>
+            </a:r>
+            <a:endParaRPr lang="en-US" dirty="0">
+              <a:solidFill>
+                <a:schemeClr val="bg1">
+                  <a:lumMod val="75000"/>
+                </a:schemeClr>
+              </a:solidFill>
+            </a:endParaRPr>
+          </a:p>
+        </p:txBody>
+      </p:sp>
+    </p:spTree>
+    <p:extLst>
+      <p:ext uri="{BB962C8B-B14F-4D97-AF65-F5344CB8AC3E}">
+        <p14:creationId xmlns:p14="http://schemas.microsoft.com/office/powerpoint/2010/main" val="2566796713"/>
+      </p:ext>
+    </p:extLst>
+  </p:cSld>
+  <p:clrMapOvr>
+    <a:masterClrMapping/>
+  </p:clrMapOvr>
+  <p:timing>
+    <p:tnLst>
+      <p:par>
+        <p:cTn xmlns:p14="http://schemas.microsoft.com/office/powerpoint/2010/main" id="1" dur="indefinite" restart="never" nodeType="tmRoot"/>
+      </p:par>
+    </p:tnLst>
+  </p:timing>
+</p:sld>
+</file>
+
+<file path=ppt/slides/slide18.xml><?xml version="1.0" encoding="utf-8"?>
+<p:sld xmlns:a="http://schemas.openxmlformats.org/drawingml/2006/main" xmlns:r="http://schemas.openxmlformats.org/officeDocument/2006/relationships" xmlns:p="http://schemas.openxmlformats.org/presentationml/2006/main">
+  <p:cSld>
+    <p:spTree>
+      <p:nvGrpSpPr>
+        <p:cNvPr id="1" name=""/>
+        <p:cNvGrpSpPr/>
+        <p:nvPr/>
+      </p:nvGrpSpPr>
+      <p:grpSpPr>
+        <a:xfrm>
+          <a:off x="0" y="0"/>
+          <a:ext cx="0" cy="0"/>
+          <a:chOff x="0" y="0"/>
+          <a:chExt cx="0" cy="0"/>
+        </a:xfrm>
+      </p:grpSpPr>
+      <p:sp>
+        <p:nvSpPr>
+          <p:cNvPr id="2" name="Title 1"/>
+          <p:cNvSpPr>
+            <a:spLocks noGrp="1"/>
+          </p:cNvSpPr>
+          <p:nvPr>
+            <p:ph type="title"/>
+          </p:nvPr>
+        </p:nvSpPr>
+        <p:spPr/>
+        <p:txBody>
+          <a:bodyPr/>
+          <a:lstStyle/>
+          <a:p>
+            <a:r>
+              <a:rPr lang="en-US" dirty="0" smtClean="0"/>
               <a:t>Fixing the worst app ever</a:t>
             </a:r>
             <a:endParaRPr lang="en-US" dirty="0"/>
@@ -6012,7 +8315,7 @@
 </p:sld>
 </file>
 
-<file path=ppt/slides/slide12.xml><?xml version="1.0" encoding="utf-8"?>
+<file path=ppt/slides/slide19.xml><?xml version="1.0" encoding="utf-8"?>
 <p:sld xmlns:a="http://schemas.openxmlformats.org/drawingml/2006/main" xmlns:r="http://schemas.openxmlformats.org/officeDocument/2006/relationships" xmlns:p="http://schemas.openxmlformats.org/presentationml/2006/main">
   <p:cSld>
     <p:spTree>
@@ -6524,1289 +8827,6 @@
     <p:extLst>
       <p:ext uri="{BB962C8B-B14F-4D97-AF65-F5344CB8AC3E}">
         <p14:creationId xmlns:p14="http://schemas.microsoft.com/office/powerpoint/2010/main" val="3343301994"/>
-      </p:ext>
-    </p:extLst>
-  </p:cSld>
-  <p:clrMapOvr>
-    <a:masterClrMapping/>
-  </p:clrMapOvr>
-  <p:timing>
-    <p:tnLst>
-      <p:par>
-        <p:cTn xmlns:p14="http://schemas.microsoft.com/office/powerpoint/2010/main" id="1" dur="indefinite" restart="never" nodeType="tmRoot"/>
-      </p:par>
-    </p:tnLst>
-  </p:timing>
-</p:sld>
-</file>
-
-<file path=ppt/slides/slide13.xml><?xml version="1.0" encoding="utf-8"?>
-<p:sld xmlns:a="http://schemas.openxmlformats.org/drawingml/2006/main" xmlns:r="http://schemas.openxmlformats.org/officeDocument/2006/relationships" xmlns:p="http://schemas.openxmlformats.org/presentationml/2006/main">
-  <p:cSld>
-    <p:spTree>
-      <p:nvGrpSpPr>
-        <p:cNvPr id="1" name=""/>
-        <p:cNvGrpSpPr/>
-        <p:nvPr/>
-      </p:nvGrpSpPr>
-      <p:grpSpPr>
-        <a:xfrm>
-          <a:off x="0" y="0"/>
-          <a:ext cx="0" cy="0"/>
-          <a:chOff x="0" y="0"/>
-          <a:chExt cx="0" cy="0"/>
-        </a:xfrm>
-      </p:grpSpPr>
-      <p:sp>
-        <p:nvSpPr>
-          <p:cNvPr id="2" name="Title 1"/>
-          <p:cNvSpPr>
-            <a:spLocks noGrp="1"/>
-          </p:cNvSpPr>
-          <p:nvPr>
-            <p:ph type="ctrTitle"/>
-          </p:nvPr>
-        </p:nvSpPr>
-        <p:spPr>
-          <a:xfrm>
-            <a:off x="609600" y="2130425"/>
-            <a:ext cx="7924800" cy="1470025"/>
-          </a:xfrm>
-        </p:spPr>
-        <p:txBody>
-          <a:bodyPr>
-            <a:noAutofit/>
-          </a:bodyPr>
-          <a:lstStyle/>
-          <a:p>
-            <a:r>
-              <a:rPr lang="en-US" sz="6600" dirty="0" err="1" smtClean="0"/>
-              <a:t>IronRuby</a:t>
-            </a:r>
-            <a:r>
-              <a:rPr lang="en-US" sz="6600" dirty="0" smtClean="0"/>
-              <a:t> 1.0 RC1</a:t>
-            </a:r>
-            <a:endParaRPr lang="en-US" sz="6600" dirty="0"/>
-          </a:p>
-        </p:txBody>
-      </p:sp>
-      <p:sp>
-        <p:nvSpPr>
-          <p:cNvPr id="4" name="Subtitle 3"/>
-          <p:cNvSpPr>
-            <a:spLocks noGrp="1"/>
-          </p:cNvSpPr>
-          <p:nvPr>
-            <p:ph type="subTitle" idx="1"/>
-          </p:nvPr>
-        </p:nvSpPr>
-        <p:spPr>
-          <a:xfrm>
-            <a:off x="609600" y="3886200"/>
-            <a:ext cx="8534400" cy="1752600"/>
-          </a:xfrm>
-        </p:spPr>
-        <p:txBody>
-          <a:bodyPr/>
-          <a:lstStyle/>
-          <a:p>
-            <a:pPr algn="l"/>
-            <a:r>
-              <a:rPr lang="en-US" dirty="0" smtClean="0"/>
-              <a:t>http://ironruby.net/download</a:t>
-            </a:r>
-            <a:endParaRPr lang="en-US" dirty="0"/>
-          </a:p>
-        </p:txBody>
-      </p:sp>
-    </p:spTree>
-    <p:extLst>
-      <p:ext uri="{BB962C8B-B14F-4D97-AF65-F5344CB8AC3E}">
-        <p14:creationId xmlns:p14="http://schemas.microsoft.com/office/powerpoint/2010/main" val="404952260"/>
-      </p:ext>
-    </p:extLst>
-  </p:cSld>
-  <p:clrMapOvr>
-    <a:masterClrMapping/>
-  </p:clrMapOvr>
-  <p:timing>
-    <p:tnLst>
-      <p:par>
-        <p:cTn xmlns:p14="http://schemas.microsoft.com/office/powerpoint/2010/main" id="1" dur="indefinite" restart="never" nodeType="tmRoot"/>
-      </p:par>
-    </p:tnLst>
-  </p:timing>
-</p:sld>
-</file>
-
-<file path=ppt/slides/slide14.xml><?xml version="1.0" encoding="utf-8"?>
-<p:sld xmlns:a="http://schemas.openxmlformats.org/drawingml/2006/main" xmlns:r="http://schemas.openxmlformats.org/officeDocument/2006/relationships" xmlns:p="http://schemas.openxmlformats.org/presentationml/2006/main">
-  <p:cSld>
-    <p:spTree>
-      <p:nvGrpSpPr>
-        <p:cNvPr id="1" name=""/>
-        <p:cNvGrpSpPr/>
-        <p:nvPr/>
-      </p:nvGrpSpPr>
-      <p:grpSpPr>
-        <a:xfrm>
-          <a:off x="0" y="0"/>
-          <a:ext cx="0" cy="0"/>
-          <a:chOff x="0" y="0"/>
-          <a:chExt cx="0" cy="0"/>
-        </a:xfrm>
-      </p:grpSpPr>
-      <p:sp>
-        <p:nvSpPr>
-          <p:cNvPr id="3" name="Content Placeholder 2"/>
-          <p:cNvSpPr>
-            <a:spLocks noGrp="1"/>
-          </p:cNvSpPr>
-          <p:nvPr>
-            <p:ph idx="1"/>
-          </p:nvPr>
-        </p:nvSpPr>
-        <p:spPr>
-          <a:xfrm>
-            <a:off x="381000" y="0"/>
-            <a:ext cx="8382000" cy="6858000"/>
-          </a:xfrm>
-        </p:spPr>
-        <p:txBody>
-          <a:bodyPr anchor="ctr">
-            <a:normAutofit fontScale="92500" lnSpcReduction="20000"/>
-          </a:bodyPr>
-          <a:lstStyle/>
-          <a:p>
-            <a:pPr marL="0" indent="0">
-              <a:buNone/>
-            </a:pPr>
-            <a:r>
-              <a:rPr lang="en-US" sz="4300" dirty="0" smtClean="0"/>
-              <a:t>Performance</a:t>
-            </a:r>
-          </a:p>
-          <a:p>
-            <a:pPr lvl="1">
-              <a:buFont typeface="Wingdings" pitchFamily="2" charset="2"/>
-              <a:buChar char="v"/>
-            </a:pPr>
-            <a:r>
-              <a:rPr lang="en-US" sz="3000" dirty="0" smtClean="0"/>
-              <a:t> Goal: </a:t>
-            </a:r>
-            <a:r>
-              <a:rPr lang="en-US" sz="3000" i="1" dirty="0" smtClean="0"/>
-              <a:t>faster</a:t>
-            </a:r>
-            <a:r>
-              <a:rPr lang="en-US" sz="3000" dirty="0" smtClean="0"/>
-              <a:t> than MRI</a:t>
-            </a:r>
-          </a:p>
-          <a:p>
-            <a:pPr lvl="1">
-              <a:buFont typeface="Wingdings" pitchFamily="2" charset="2"/>
-              <a:buChar char="v"/>
-            </a:pPr>
-            <a:r>
-              <a:rPr lang="en-US" sz="3000" dirty="0"/>
-              <a:t> </a:t>
-            </a:r>
-            <a:r>
-              <a:rPr lang="en-US" sz="3000" dirty="0" smtClean="0"/>
-              <a:t>Goal: within order-of-magnitude of </a:t>
-            </a:r>
-            <a:r>
-              <a:rPr lang="en-US" sz="3000" dirty="0" err="1" smtClean="0"/>
-              <a:t>JRuby</a:t>
-            </a:r>
-            <a:endParaRPr lang="en-US" sz="3000" dirty="0"/>
-          </a:p>
-          <a:p>
-            <a:pPr marL="457200" lvl="1" indent="0">
-              <a:buNone/>
-            </a:pPr>
-            <a:endParaRPr lang="en-US" sz="3000" dirty="0" smtClean="0"/>
-          </a:p>
-          <a:p>
-            <a:pPr marL="0" indent="0">
-              <a:buNone/>
-            </a:pPr>
-            <a:r>
-              <a:rPr lang="en-US" dirty="0" smtClean="0"/>
-              <a:t>Throughput</a:t>
-            </a:r>
-          </a:p>
-          <a:p>
-            <a:pPr lvl="1">
-              <a:buFont typeface="Wingdings" pitchFamily="2" charset="2"/>
-              <a:buChar char="v"/>
-            </a:pPr>
-            <a:r>
-              <a:rPr lang="en-US" dirty="0" smtClean="0"/>
-              <a:t> Example: ruby-benchmark-suite</a:t>
-            </a:r>
-          </a:p>
-          <a:p>
-            <a:pPr lvl="1">
-              <a:buFont typeface="Wingdings" pitchFamily="2" charset="2"/>
-              <a:buChar char="v"/>
-            </a:pPr>
-            <a:r>
-              <a:rPr lang="en-US" dirty="0" smtClean="0"/>
-              <a:t> </a:t>
-            </a:r>
-            <a:r>
-              <a:rPr lang="en-US" dirty="0" smtClean="0">
-                <a:solidFill>
-                  <a:srgbClr xmlns:mc="http://schemas.openxmlformats.org/markup-compatibility/2006" xmlns:a14="http://schemas.microsoft.com/office/drawing/2010/main" val="00FF00" mc:Ignorable=""/>
-                </a:solidFill>
-              </a:rPr>
-              <a:t>2x</a:t>
-            </a:r>
-            <a:r>
-              <a:rPr lang="en-US" dirty="0" smtClean="0"/>
-              <a:t> faster than MRI via </a:t>
-            </a:r>
-            <a:r>
-              <a:rPr lang="en-US" dirty="0" err="1" smtClean="0"/>
-              <a:t>RubyInstaller</a:t>
-            </a:r>
-            <a:endParaRPr lang="en-US" dirty="0" smtClean="0"/>
-          </a:p>
-          <a:p>
-            <a:pPr lvl="1">
-              <a:buFont typeface="Wingdings" pitchFamily="2" charset="2"/>
-              <a:buChar char="v"/>
-            </a:pPr>
-            <a:r>
-              <a:rPr lang="en-US" dirty="0"/>
-              <a:t> </a:t>
-            </a:r>
-            <a:r>
-              <a:rPr lang="en-US" dirty="0" smtClean="0">
-                <a:solidFill>
-                  <a:srgbClr xmlns:mc="http://schemas.openxmlformats.org/markup-compatibility/2006" xmlns:a14="http://schemas.microsoft.com/office/drawing/2010/main" val="00FF00" mc:Ignorable=""/>
-                </a:solidFill>
-              </a:rPr>
-              <a:t>6x</a:t>
-            </a:r>
-            <a:r>
-              <a:rPr lang="en-US" dirty="0" smtClean="0"/>
-              <a:t> faster than MRI via One-Click Installer</a:t>
-            </a:r>
-          </a:p>
-          <a:p>
-            <a:pPr lvl="1">
-              <a:buFont typeface="Wingdings" pitchFamily="2" charset="2"/>
-              <a:buChar char="v"/>
-            </a:pPr>
-            <a:r>
-              <a:rPr lang="en-US" dirty="0"/>
-              <a:t> </a:t>
-            </a:r>
-            <a:r>
-              <a:rPr lang="en-US" dirty="0" smtClean="0">
-                <a:solidFill>
-                  <a:srgbClr xmlns:mc="http://schemas.openxmlformats.org/markup-compatibility/2006" xmlns:a14="http://schemas.microsoft.com/office/drawing/2010/main" val="FF0000" mc:Ignorable=""/>
-                </a:solidFill>
-              </a:rPr>
-              <a:t>-1.5x</a:t>
-            </a:r>
-            <a:r>
-              <a:rPr lang="en-US" dirty="0" smtClean="0"/>
-              <a:t> slower than </a:t>
-            </a:r>
-            <a:r>
-              <a:rPr lang="en-US" dirty="0" err="1" smtClean="0"/>
-              <a:t>JRuby</a:t>
-            </a:r>
-            <a:endParaRPr lang="en-US" dirty="0"/>
-          </a:p>
-          <a:p>
-            <a:pPr lvl="1">
-              <a:buFont typeface="Wingdings" pitchFamily="2" charset="2"/>
-              <a:buChar char="v"/>
-            </a:pPr>
-            <a:r>
-              <a:rPr lang="en-US" dirty="0" smtClean="0">
-                <a:solidFill>
-                  <a:srgbClr xmlns:mc="http://schemas.openxmlformats.org/markup-compatibility/2006" xmlns:a14="http://schemas.microsoft.com/office/drawing/2010/main" val="FFFF00" mc:Ignorable=""/>
-                </a:solidFill>
-              </a:rPr>
-              <a:t> Need to improve a bit on this by 1.0</a:t>
-            </a:r>
-          </a:p>
-          <a:p>
-            <a:pPr marL="457200" lvl="1" indent="0">
-              <a:buNone/>
-            </a:pPr>
-            <a:endParaRPr lang="en-US" dirty="0" smtClean="0"/>
-          </a:p>
-          <a:p>
-            <a:pPr marL="57150" indent="0">
-              <a:buNone/>
-            </a:pPr>
-            <a:r>
-              <a:rPr lang="en-US" dirty="0" smtClean="0"/>
-              <a:t>Startup</a:t>
-            </a:r>
-          </a:p>
-          <a:p>
-            <a:pPr lvl="1">
-              <a:buFont typeface="Wingdings" pitchFamily="2" charset="2"/>
-              <a:buChar char="v"/>
-            </a:pPr>
-            <a:r>
-              <a:rPr lang="en-US" dirty="0" smtClean="0"/>
-              <a:t> Example:   </a:t>
-            </a:r>
-            <a:r>
-              <a:rPr lang="en-US" dirty="0" smtClean="0">
-                <a:latin typeface="Consolas" pitchFamily="49" charset="0"/>
-                <a:cs typeface="Consolas" pitchFamily="49" charset="0"/>
-              </a:rPr>
-              <a:t>require '</a:t>
-            </a:r>
-            <a:r>
-              <a:rPr lang="en-US" dirty="0" err="1" smtClean="0">
-                <a:latin typeface="Consolas" pitchFamily="49" charset="0"/>
-                <a:cs typeface="Consolas" pitchFamily="49" charset="0"/>
-              </a:rPr>
-              <a:t>activesupport</a:t>
-            </a:r>
-            <a:r>
-              <a:rPr lang="en-US" dirty="0" smtClean="0">
-                <a:latin typeface="Consolas" pitchFamily="49" charset="0"/>
-                <a:cs typeface="Consolas" pitchFamily="49" charset="0"/>
-              </a:rPr>
-              <a:t>'</a:t>
-            </a:r>
-          </a:p>
-          <a:p>
-            <a:pPr lvl="1">
-              <a:buFont typeface="Wingdings" pitchFamily="2" charset="2"/>
-              <a:buChar char="v"/>
-            </a:pPr>
-            <a:r>
-              <a:rPr lang="en-US" dirty="0" smtClean="0"/>
-              <a:t> </a:t>
-            </a:r>
-            <a:r>
-              <a:rPr lang="en-US" dirty="0" smtClean="0">
-                <a:solidFill>
-                  <a:srgbClr xmlns:mc="http://schemas.openxmlformats.org/markup-compatibility/2006" xmlns:a14="http://schemas.microsoft.com/office/drawing/2010/main" val="FF0000" mc:Ignorable=""/>
-                </a:solidFill>
-              </a:rPr>
-              <a:t>4x</a:t>
-            </a:r>
-            <a:r>
-              <a:rPr lang="en-US" dirty="0" smtClean="0"/>
-              <a:t> slower than MRI via </a:t>
-            </a:r>
-            <a:r>
-              <a:rPr lang="en-US" dirty="0" err="1" smtClean="0"/>
-              <a:t>RubyInstaller</a:t>
-            </a:r>
-            <a:endParaRPr lang="en-US" dirty="0" smtClean="0"/>
-          </a:p>
-          <a:p>
-            <a:pPr lvl="1">
-              <a:buFont typeface="Wingdings" pitchFamily="2" charset="2"/>
-              <a:buChar char="v"/>
-            </a:pPr>
-            <a:r>
-              <a:rPr lang="en-US" dirty="0" smtClean="0"/>
-              <a:t> </a:t>
-            </a:r>
-            <a:r>
-              <a:rPr lang="en-US" dirty="0" smtClean="0">
-                <a:solidFill>
-                  <a:srgbClr xmlns:mc="http://schemas.openxmlformats.org/markup-compatibility/2006" xmlns:a14="http://schemas.microsoft.com/office/drawing/2010/main" val="FF0000" mc:Ignorable=""/>
-                </a:solidFill>
-              </a:rPr>
-              <a:t>2x</a:t>
-            </a:r>
-            <a:r>
-              <a:rPr lang="en-US" dirty="0" smtClean="0"/>
-              <a:t> slower than </a:t>
-            </a:r>
-            <a:r>
-              <a:rPr lang="en-US" dirty="0" err="1" smtClean="0"/>
-              <a:t>Jruby</a:t>
-            </a:r>
-            <a:endParaRPr lang="en-US" dirty="0" smtClean="0"/>
-          </a:p>
-          <a:p>
-            <a:pPr lvl="1">
-              <a:buFont typeface="Wingdings" pitchFamily="2" charset="2"/>
-              <a:buChar char="v"/>
-            </a:pPr>
-            <a:r>
-              <a:rPr lang="en-US" dirty="0" smtClean="0">
-                <a:solidFill>
-                  <a:srgbClr xmlns:mc="http://schemas.openxmlformats.org/markup-compatibility/2006" xmlns:a14="http://schemas.microsoft.com/office/drawing/2010/main" val="C00000" mc:Ignorable=""/>
-                </a:solidFill>
-              </a:rPr>
-              <a:t> A </a:t>
-            </a:r>
-            <a:r>
-              <a:rPr lang="en-US" u="sng" dirty="0" smtClean="0">
-                <a:solidFill>
-                  <a:srgbClr xmlns:mc="http://schemas.openxmlformats.org/markup-compatibility/2006" xmlns:a14="http://schemas.microsoft.com/office/drawing/2010/main" val="C00000" mc:Ignorable=""/>
-                </a:solidFill>
-              </a:rPr>
-              <a:t>must-fix </a:t>
-            </a:r>
-            <a:r>
-              <a:rPr lang="en-US" dirty="0" smtClean="0">
-                <a:solidFill>
-                  <a:srgbClr xmlns:mc="http://schemas.openxmlformats.org/markup-compatibility/2006" xmlns:a14="http://schemas.microsoft.com/office/drawing/2010/main" val="C00000" mc:Ignorable=""/>
-                </a:solidFill>
-              </a:rPr>
-              <a:t>for 1.0 – must be on par with </a:t>
-            </a:r>
-            <a:r>
-              <a:rPr lang="en-US" dirty="0" err="1" smtClean="0">
-                <a:solidFill>
-                  <a:srgbClr xmlns:mc="http://schemas.openxmlformats.org/markup-compatibility/2006" xmlns:a14="http://schemas.microsoft.com/office/drawing/2010/main" val="C00000" mc:Ignorable=""/>
-                </a:solidFill>
-              </a:rPr>
-              <a:t>JRuby</a:t>
-            </a:r>
-            <a:endParaRPr lang="en-US" u="sng" dirty="0" smtClean="0">
-              <a:solidFill>
-                <a:srgbClr xmlns:mc="http://schemas.openxmlformats.org/markup-compatibility/2006" xmlns:a14="http://schemas.microsoft.com/office/drawing/2010/main" val="C00000" mc:Ignorable=""/>
-              </a:solidFill>
-            </a:endParaRPr>
-          </a:p>
-        </p:txBody>
-      </p:sp>
-    </p:spTree>
-    <p:extLst>
-      <p:ext uri="{BB962C8B-B14F-4D97-AF65-F5344CB8AC3E}">
-        <p14:creationId xmlns:p14="http://schemas.microsoft.com/office/powerpoint/2010/main" val="2690338689"/>
-      </p:ext>
-    </p:extLst>
-  </p:cSld>
-  <p:clrMapOvr>
-    <a:masterClrMapping/>
-  </p:clrMapOvr>
-  <p:timing>
-    <p:tnLst>
-      <p:par>
-        <p:cTn xmlns:p14="http://schemas.microsoft.com/office/powerpoint/2010/main" id="1" dur="indefinite" restart="never" nodeType="tmRoot"/>
-      </p:par>
-    </p:tnLst>
-  </p:timing>
-</p:sld>
-</file>
-
-<file path=ppt/slides/slide15.xml><?xml version="1.0" encoding="utf-8"?>
-<p:sld xmlns:a="http://schemas.openxmlformats.org/drawingml/2006/main" xmlns:r="http://schemas.openxmlformats.org/officeDocument/2006/relationships" xmlns:p="http://schemas.openxmlformats.org/presentationml/2006/main">
-  <p:cSld>
-    <p:spTree>
-      <p:nvGrpSpPr>
-        <p:cNvPr id="1" name=""/>
-        <p:cNvGrpSpPr/>
-        <p:nvPr/>
-      </p:nvGrpSpPr>
-      <p:grpSpPr>
-        <a:xfrm>
-          <a:off x="0" y="0"/>
-          <a:ext cx="0" cy="0"/>
-          <a:chOff x="0" y="0"/>
-          <a:chExt cx="0" cy="0"/>
-        </a:xfrm>
-      </p:grpSpPr>
-      <p:sp>
-        <p:nvSpPr>
-          <p:cNvPr id="3" name="Content Placeholder 2"/>
-          <p:cNvSpPr>
-            <a:spLocks noGrp="1"/>
-          </p:cNvSpPr>
-          <p:nvPr>
-            <p:ph idx="1"/>
-          </p:nvPr>
-        </p:nvSpPr>
-        <p:spPr>
-          <a:xfrm>
-            <a:off x="381000" y="419100"/>
-            <a:ext cx="8382000" cy="6019800"/>
-          </a:xfrm>
-        </p:spPr>
-        <p:txBody>
-          <a:bodyPr anchor="ctr">
-            <a:normAutofit fontScale="92500" lnSpcReduction="20000"/>
-          </a:bodyPr>
-          <a:lstStyle/>
-          <a:p>
-            <a:pPr marL="0" indent="0">
-              <a:buNone/>
-            </a:pPr>
-            <a:r>
-              <a:rPr lang="en-US" sz="4300" dirty="0" smtClean="0"/>
-              <a:t>Compatibility</a:t>
-            </a:r>
-          </a:p>
-          <a:p>
-            <a:pPr lvl="1">
-              <a:buFont typeface="Wingdings" pitchFamily="2" charset="2"/>
-              <a:buChar char="v"/>
-            </a:pPr>
-            <a:r>
-              <a:rPr lang="en-US" sz="3000" dirty="0" smtClean="0"/>
-              <a:t> Goal: &gt; 90% passing</a:t>
-            </a:r>
-          </a:p>
-          <a:p>
-            <a:pPr lvl="1">
-              <a:buFont typeface="Wingdings" pitchFamily="2" charset="2"/>
-              <a:buChar char="v"/>
-            </a:pPr>
-            <a:r>
-              <a:rPr lang="en-US" sz="3000" dirty="0"/>
-              <a:t> </a:t>
-            </a:r>
-            <a:r>
-              <a:rPr lang="en-US" sz="3000" dirty="0" smtClean="0"/>
-              <a:t>Must have really good reason </a:t>
-            </a:r>
-            <a:r>
-              <a:rPr lang="en-US" sz="3000" dirty="0" err="1" smtClean="0"/>
-              <a:t>foreach</a:t>
-            </a:r>
-            <a:r>
-              <a:rPr lang="en-US" sz="3000" dirty="0" smtClean="0"/>
-              <a:t> failing </a:t>
-            </a:r>
-            <a:r>
-              <a:rPr lang="en-US" sz="3000" dirty="0" err="1" smtClean="0"/>
-              <a:t>RubySpecs</a:t>
-            </a:r>
-            <a:endParaRPr lang="en-US" sz="3000" dirty="0" smtClean="0"/>
-          </a:p>
-          <a:p>
-            <a:pPr marL="0" indent="0">
-              <a:buNone/>
-            </a:pPr>
-            <a:endParaRPr lang="en-US" dirty="0" smtClean="0"/>
-          </a:p>
-          <a:p>
-            <a:pPr marL="0" indent="0">
-              <a:buNone/>
-            </a:pPr>
-            <a:r>
-              <a:rPr lang="en-US" dirty="0" err="1" smtClean="0"/>
-              <a:t>RubySpec</a:t>
-            </a:r>
-            <a:endParaRPr lang="en-US" dirty="0" smtClean="0"/>
-          </a:p>
-          <a:p>
-            <a:pPr lvl="1">
-              <a:buFont typeface="Wingdings" pitchFamily="2" charset="2"/>
-              <a:buChar char="v"/>
-            </a:pPr>
-            <a:r>
-              <a:rPr lang="en-US" dirty="0"/>
-              <a:t> </a:t>
-            </a:r>
-            <a:r>
-              <a:rPr lang="en-US" dirty="0" smtClean="0"/>
-              <a:t>Language:</a:t>
-            </a:r>
-          </a:p>
-          <a:p>
-            <a:pPr lvl="1">
-              <a:buFont typeface="Wingdings" pitchFamily="2" charset="2"/>
-              <a:buChar char="v"/>
-            </a:pPr>
-            <a:r>
-              <a:rPr lang="en-US" dirty="0"/>
-              <a:t> </a:t>
-            </a:r>
-            <a:r>
-              <a:rPr lang="en-US" dirty="0" smtClean="0"/>
-              <a:t>Built-ins:</a:t>
-            </a:r>
-          </a:p>
-          <a:p>
-            <a:pPr lvl="1">
-              <a:buFont typeface="Wingdings" pitchFamily="2" charset="2"/>
-              <a:buChar char="v"/>
-            </a:pPr>
-            <a:r>
-              <a:rPr lang="en-US" dirty="0"/>
-              <a:t> </a:t>
-            </a:r>
-            <a:r>
-              <a:rPr lang="en-US" dirty="0" smtClean="0"/>
-              <a:t>Libraries:</a:t>
-            </a:r>
-            <a:endParaRPr lang="en-US" dirty="0"/>
-          </a:p>
-          <a:p>
-            <a:pPr marL="57150" indent="0">
-              <a:buNone/>
-            </a:pPr>
-            <a:endParaRPr lang="en-US" dirty="0" smtClean="0"/>
-          </a:p>
-          <a:p>
-            <a:pPr marL="57150" indent="0">
-              <a:buNone/>
-            </a:pPr>
-            <a:r>
-              <a:rPr lang="en-US" dirty="0" smtClean="0"/>
-              <a:t>Libraries</a:t>
-            </a:r>
-          </a:p>
-          <a:p>
-            <a:pPr lvl="1">
-              <a:buFont typeface="Wingdings" pitchFamily="2" charset="2"/>
-              <a:buChar char="v"/>
-            </a:pPr>
-            <a:r>
-              <a:rPr lang="en-US" dirty="0"/>
-              <a:t> </a:t>
-            </a:r>
-            <a:r>
-              <a:rPr lang="en-US" dirty="0" err="1" smtClean="0"/>
-              <a:t>RubyGems</a:t>
-            </a:r>
-            <a:r>
-              <a:rPr lang="en-US" dirty="0" smtClean="0"/>
-              <a:t>:</a:t>
-            </a:r>
-          </a:p>
-          <a:p>
-            <a:pPr lvl="1">
-              <a:buFont typeface="Wingdings" pitchFamily="2" charset="2"/>
-              <a:buChar char="v"/>
-            </a:pPr>
-            <a:r>
-              <a:rPr lang="en-US" dirty="0"/>
-              <a:t> </a:t>
-            </a:r>
-            <a:r>
-              <a:rPr lang="en-US" dirty="0" smtClean="0"/>
-              <a:t>Rake:</a:t>
-            </a:r>
-          </a:p>
-          <a:p>
-            <a:pPr lvl="1">
-              <a:buFont typeface="Wingdings" pitchFamily="2" charset="2"/>
-              <a:buChar char="v"/>
-            </a:pPr>
-            <a:r>
-              <a:rPr lang="en-US" dirty="0"/>
-              <a:t> </a:t>
-            </a:r>
-            <a:r>
-              <a:rPr lang="en-US" dirty="0" smtClean="0"/>
-              <a:t>Rails:</a:t>
-            </a:r>
-          </a:p>
-        </p:txBody>
-      </p:sp>
-    </p:spTree>
-    <p:extLst>
-      <p:ext uri="{BB962C8B-B14F-4D97-AF65-F5344CB8AC3E}">
-        <p14:creationId xmlns:p14="http://schemas.microsoft.com/office/powerpoint/2010/main" val="3445922722"/>
-      </p:ext>
-    </p:extLst>
-  </p:cSld>
-  <p:clrMapOvr>
-    <a:masterClrMapping/>
-  </p:clrMapOvr>
-  <p:timing>
-    <p:tnLst>
-      <p:par>
-        <p:cTn xmlns:p14="http://schemas.microsoft.com/office/powerpoint/2010/main" id="1" dur="indefinite" restart="never" nodeType="tmRoot"/>
-      </p:par>
-    </p:tnLst>
-  </p:timing>
-</p:sld>
-</file>
-
-<file path=ppt/slides/slide16.xml><?xml version="1.0" encoding="utf-8"?>
-<p:sld xmlns:a="http://schemas.openxmlformats.org/drawingml/2006/main" xmlns:r="http://schemas.openxmlformats.org/officeDocument/2006/relationships" xmlns:p="http://schemas.openxmlformats.org/presentationml/2006/main">
-  <p:cSld>
-    <p:spTree>
-      <p:nvGrpSpPr>
-        <p:cNvPr id="1" name=""/>
-        <p:cNvGrpSpPr/>
-        <p:nvPr/>
-      </p:nvGrpSpPr>
-      <p:grpSpPr>
-        <a:xfrm>
-          <a:off x="0" y="0"/>
-          <a:ext cx="0" cy="0"/>
-          <a:chOff x="0" y="0"/>
-          <a:chExt cx="0" cy="0"/>
-        </a:xfrm>
-      </p:grpSpPr>
-      <p:sp>
-        <p:nvSpPr>
-          <p:cNvPr id="3" name="Content Placeholder 2"/>
-          <p:cNvSpPr>
-            <a:spLocks noGrp="1"/>
-          </p:cNvSpPr>
-          <p:nvPr>
-            <p:ph idx="1"/>
-          </p:nvPr>
-        </p:nvSpPr>
-        <p:spPr>
-          <a:xfrm>
-            <a:off x="381000" y="419100"/>
-            <a:ext cx="8382000" cy="6019800"/>
-          </a:xfrm>
-        </p:spPr>
-        <p:txBody>
-          <a:bodyPr anchor="ctr">
-            <a:normAutofit/>
-          </a:bodyPr>
-          <a:lstStyle/>
-          <a:p>
-            <a:pPr marL="0" indent="0">
-              <a:buNone/>
-            </a:pPr>
-            <a:r>
-              <a:rPr lang="en-US" sz="4000" dirty="0" smtClean="0"/>
-              <a:t>CLR Integration</a:t>
-            </a:r>
-          </a:p>
-          <a:p>
-            <a:pPr lvl="1">
-              <a:buFont typeface="Wingdings" pitchFamily="2" charset="2"/>
-              <a:buChar char="v"/>
-            </a:pPr>
-            <a:r>
-              <a:rPr lang="en-US" sz="2600" dirty="0" smtClean="0"/>
-              <a:t> Goal: use majority of CLR features from Ruby  without needing C# stubs</a:t>
-            </a:r>
-          </a:p>
-          <a:p>
-            <a:pPr marL="57150" indent="0">
-              <a:buNone/>
-            </a:pPr>
-            <a:endParaRPr lang="en-US" sz="3000" dirty="0" smtClean="0"/>
-          </a:p>
-          <a:p>
-            <a:pPr marL="57150" indent="0">
-              <a:buNone/>
-            </a:pPr>
-            <a:r>
-              <a:rPr lang="en-US" sz="3000" dirty="0" smtClean="0"/>
-              <a:t>Only major missing feature</a:t>
-            </a:r>
-            <a:endParaRPr lang="en-US" sz="3000" dirty="0"/>
-          </a:p>
-          <a:p>
-            <a:pPr lvl="1">
-              <a:buFont typeface="Wingdings" pitchFamily="2" charset="2"/>
-              <a:buChar char="v"/>
-            </a:pPr>
-            <a:r>
-              <a:rPr lang="en-US" dirty="0" smtClean="0"/>
-              <a:t> </a:t>
-            </a:r>
-            <a:r>
-              <a:rPr lang="en-US" sz="2600" dirty="0" smtClean="0"/>
-              <a:t>No support for any CLR feature which depends on a CLR type actually existing (Attributes, property data binding, </a:t>
-            </a:r>
-            <a:r>
-              <a:rPr lang="en-US" sz="2600" dirty="0" err="1" smtClean="0"/>
-              <a:t>etc</a:t>
-            </a:r>
-            <a:r>
-              <a:rPr lang="en-US" sz="2600" dirty="0" smtClean="0"/>
-              <a:t>)</a:t>
-            </a:r>
-          </a:p>
-          <a:p>
-            <a:pPr lvl="1">
-              <a:buFont typeface="Wingdings" pitchFamily="2" charset="2"/>
-              <a:buChar char="v"/>
-            </a:pPr>
-            <a:r>
-              <a:rPr lang="en-US" sz="2600" dirty="0">
-                <a:solidFill>
-                  <a:srgbClr xmlns:mc="http://schemas.openxmlformats.org/markup-compatibility/2006" xmlns:a14="http://schemas.microsoft.com/office/drawing/2010/main" val="00FF00" mc:Ignorable=""/>
-                </a:solidFill>
-              </a:rPr>
-              <a:t> </a:t>
-            </a:r>
-            <a:r>
-              <a:rPr lang="en-US" sz="2600" dirty="0" smtClean="0">
-                <a:solidFill>
-                  <a:srgbClr xmlns:mc="http://schemas.openxmlformats.org/markup-compatibility/2006" xmlns:a14="http://schemas.microsoft.com/office/drawing/2010/main" val="00FF00" mc:Ignorable=""/>
-                </a:solidFill>
-              </a:rPr>
-              <a:t>OK to ship 1.0 without it</a:t>
-            </a:r>
-          </a:p>
-        </p:txBody>
-      </p:sp>
-    </p:spTree>
-    <p:extLst>
-      <p:ext uri="{BB962C8B-B14F-4D97-AF65-F5344CB8AC3E}">
-        <p14:creationId xmlns:p14="http://schemas.microsoft.com/office/powerpoint/2010/main" val="3116064284"/>
-      </p:ext>
-    </p:extLst>
-  </p:cSld>
-  <p:clrMapOvr>
-    <a:masterClrMapping/>
-  </p:clrMapOvr>
-  <p:timing>
-    <p:tnLst>
-      <p:par>
-        <p:cTn xmlns:p14="http://schemas.microsoft.com/office/powerpoint/2010/main" id="1" dur="indefinite" restart="never" nodeType="tmRoot"/>
-      </p:par>
-    </p:tnLst>
-  </p:timing>
-</p:sld>
-</file>
-
-<file path=ppt/slides/slide17.xml><?xml version="1.0" encoding="utf-8"?>
-<p:sld xmlns:a="http://schemas.openxmlformats.org/drawingml/2006/main" xmlns:r="http://schemas.openxmlformats.org/officeDocument/2006/relationships" xmlns:p="http://schemas.openxmlformats.org/presentationml/2006/main">
-  <p:cSld>
-    <p:spTree>
-      <p:nvGrpSpPr>
-        <p:cNvPr id="1" name=""/>
-        <p:cNvGrpSpPr/>
-        <p:nvPr/>
-      </p:nvGrpSpPr>
-      <p:grpSpPr>
-        <a:xfrm>
-          <a:off x="0" y="0"/>
-          <a:ext cx="0" cy="0"/>
-          <a:chOff x="0" y="0"/>
-          <a:chExt cx="0" cy="0"/>
-        </a:xfrm>
-      </p:grpSpPr>
-      <p:sp>
-        <p:nvSpPr>
-          <p:cNvPr id="3" name="Content Placeholder 2"/>
-          <p:cNvSpPr>
-            <a:spLocks noGrp="1"/>
-          </p:cNvSpPr>
-          <p:nvPr>
-            <p:ph idx="1"/>
-          </p:nvPr>
-        </p:nvSpPr>
-        <p:spPr>
-          <a:xfrm>
-            <a:off x="381000" y="419100"/>
-            <a:ext cx="8382000" cy="6019800"/>
-          </a:xfrm>
-        </p:spPr>
-        <p:txBody>
-          <a:bodyPr anchor="ctr">
-            <a:normAutofit/>
-          </a:bodyPr>
-          <a:lstStyle/>
-          <a:p>
-            <a:pPr marL="0" indent="0">
-              <a:buNone/>
-            </a:pPr>
-            <a:r>
-              <a:rPr lang="en-US" sz="4000" dirty="0" smtClean="0"/>
-              <a:t>Roadmap to 1.0</a:t>
-            </a:r>
-          </a:p>
-          <a:p>
-            <a:pPr lvl="1">
-              <a:buFont typeface="Wingdings" pitchFamily="2" charset="2"/>
-              <a:buChar char="v"/>
-            </a:pPr>
-            <a:r>
-              <a:rPr lang="en-US" sz="2600" dirty="0" smtClean="0"/>
-              <a:t> Today: 1.0 RC1</a:t>
-            </a:r>
-          </a:p>
-          <a:p>
-            <a:pPr lvl="1">
-              <a:buFont typeface="Wingdings" pitchFamily="2" charset="2"/>
-              <a:buChar char="v"/>
-            </a:pPr>
-            <a:r>
-              <a:rPr lang="en-US" sz="2600" dirty="0"/>
-              <a:t> </a:t>
-            </a:r>
-            <a:r>
-              <a:rPr lang="en-US" sz="2600" dirty="0" smtClean="0"/>
-              <a:t>RC2, 3, </a:t>
-            </a:r>
-            <a:r>
-              <a:rPr lang="en-US" sz="2600" dirty="0" err="1" smtClean="0"/>
-              <a:t>etc</a:t>
-            </a:r>
-            <a:r>
-              <a:rPr lang="en-US" sz="2600" dirty="0" smtClean="0"/>
-              <a:t>, will come as needed</a:t>
-            </a:r>
-          </a:p>
-          <a:p>
-            <a:pPr lvl="1">
-              <a:buFont typeface="Wingdings" pitchFamily="2" charset="2"/>
-              <a:buChar char="v"/>
-            </a:pPr>
-            <a:r>
-              <a:rPr lang="en-US" sz="2600" dirty="0"/>
-              <a:t> </a:t>
-            </a:r>
-            <a:r>
-              <a:rPr lang="en-US" sz="2600" dirty="0" smtClean="0"/>
-              <a:t>RC build becomes </a:t>
-            </a:r>
-            <a:r>
-              <a:rPr lang="en-US" sz="2600" i="1" dirty="0" smtClean="0"/>
-              <a:t>final</a:t>
-            </a:r>
-            <a:r>
-              <a:rPr lang="en-US" sz="2600" dirty="0" smtClean="0"/>
-              <a:t> if no must-fix-for-RC bugs are accepted for a few weeks.</a:t>
-            </a:r>
-          </a:p>
-          <a:p>
-            <a:pPr marL="57150" indent="0">
-              <a:buNone/>
-            </a:pPr>
-            <a:endParaRPr lang="en-US" sz="3000" dirty="0" smtClean="0"/>
-          </a:p>
-          <a:p>
-            <a:pPr marL="57150" indent="0">
-              <a:buNone/>
-            </a:pPr>
-            <a:r>
-              <a:rPr lang="en-US" sz="3000" dirty="0" smtClean="0"/>
-              <a:t>Work still left to do</a:t>
-            </a:r>
-          </a:p>
-          <a:p>
-            <a:pPr lvl="1">
-              <a:buFont typeface="Wingdings" pitchFamily="2" charset="2"/>
-              <a:buChar char="v"/>
-            </a:pPr>
-            <a:r>
-              <a:rPr lang="en-US" sz="2600" dirty="0" smtClean="0"/>
-              <a:t> Startup </a:t>
-            </a:r>
-            <a:r>
-              <a:rPr lang="en-US" sz="2600" dirty="0" err="1" smtClean="0"/>
-              <a:t>perf</a:t>
-            </a:r>
-            <a:r>
-              <a:rPr lang="en-US" sz="2600" dirty="0" smtClean="0"/>
-              <a:t>: </a:t>
-            </a:r>
-            <a:r>
-              <a:rPr lang="en-US" sz="2600" dirty="0" smtClean="0">
-                <a:solidFill>
-                  <a:schemeClr val="bg1">
-                    <a:lumMod val="75000"/>
-                  </a:schemeClr>
-                </a:solidFill>
-              </a:rPr>
-              <a:t>largest factor in perceived slowness</a:t>
-            </a:r>
-            <a:endParaRPr lang="en-US" sz="2600" dirty="0">
-              <a:solidFill>
-                <a:schemeClr val="bg1">
-                  <a:lumMod val="75000"/>
-                </a:schemeClr>
-              </a:solidFill>
-            </a:endParaRPr>
-          </a:p>
-          <a:p>
-            <a:pPr lvl="1">
-              <a:buFont typeface="Wingdings" pitchFamily="2" charset="2"/>
-              <a:buChar char="v"/>
-            </a:pPr>
-            <a:r>
-              <a:rPr lang="en-US" sz="2600" dirty="0" smtClean="0"/>
-              <a:t> Throughput </a:t>
-            </a:r>
-            <a:r>
-              <a:rPr lang="en-US" sz="2600" dirty="0" err="1" smtClean="0"/>
-              <a:t>perf</a:t>
-            </a:r>
-            <a:r>
-              <a:rPr lang="en-US" sz="2600" dirty="0" smtClean="0"/>
-              <a:t>: </a:t>
-            </a:r>
-            <a:r>
-              <a:rPr lang="en-US" sz="2600" dirty="0" smtClean="0">
-                <a:solidFill>
-                  <a:schemeClr val="bg1">
-                    <a:lumMod val="75000"/>
-                  </a:schemeClr>
-                </a:solidFill>
-              </a:rPr>
-              <a:t>related to startup, but will focus on library implementations.</a:t>
-            </a:r>
-          </a:p>
-          <a:p>
-            <a:pPr lvl="1">
-              <a:buFont typeface="Wingdings" pitchFamily="2" charset="2"/>
-              <a:buChar char="v"/>
-            </a:pPr>
-            <a:r>
-              <a:rPr lang="en-US" sz="2600" dirty="0"/>
-              <a:t> </a:t>
-            </a:r>
-            <a:r>
-              <a:rPr lang="en-US" sz="2600" dirty="0" smtClean="0"/>
-              <a:t>Bugs</a:t>
-            </a:r>
-            <a:r>
-              <a:rPr lang="en-US" sz="2600" dirty="0" smtClean="0">
-                <a:solidFill>
-                  <a:schemeClr val="bg1">
-                    <a:lumMod val="75000"/>
-                  </a:schemeClr>
-                </a:solidFill>
-              </a:rPr>
-              <a:t>: 50 open bugs, plus whatever bump the RC gives</a:t>
-            </a:r>
-          </a:p>
-        </p:txBody>
-      </p:sp>
-    </p:spTree>
-    <p:extLst>
-      <p:ext uri="{BB962C8B-B14F-4D97-AF65-F5344CB8AC3E}">
-        <p14:creationId xmlns:p14="http://schemas.microsoft.com/office/powerpoint/2010/main" val="4071894193"/>
-      </p:ext>
-    </p:extLst>
-  </p:cSld>
-  <p:clrMapOvr>
-    <a:masterClrMapping/>
-  </p:clrMapOvr>
-  <p:timing>
-    <p:tnLst>
-      <p:par>
-        <p:cTn xmlns:p14="http://schemas.microsoft.com/office/powerpoint/2010/main" id="1" dur="indefinite" restart="never" nodeType="tmRoot"/>
-      </p:par>
-    </p:tnLst>
-  </p:timing>
-</p:sld>
-</file>
-
-<file path=ppt/slides/slide18.xml><?xml version="1.0" encoding="utf-8"?>
-<p:sld xmlns:a="http://schemas.openxmlformats.org/drawingml/2006/main" xmlns:r="http://schemas.openxmlformats.org/officeDocument/2006/relationships" xmlns:p="http://schemas.openxmlformats.org/presentationml/2006/main">
-  <p:cSld>
-    <p:spTree>
-      <p:nvGrpSpPr>
-        <p:cNvPr id="1" name=""/>
-        <p:cNvGrpSpPr/>
-        <p:nvPr/>
-      </p:nvGrpSpPr>
-      <p:grpSpPr>
-        <a:xfrm>
-          <a:off x="0" y="0"/>
-          <a:ext cx="0" cy="0"/>
-          <a:chOff x="0" y="0"/>
-          <a:chExt cx="0" cy="0"/>
-        </a:xfrm>
-      </p:grpSpPr>
-      <p:sp>
-        <p:nvSpPr>
-          <p:cNvPr id="2" name="Title 1"/>
-          <p:cNvSpPr>
-            <a:spLocks noGrp="1"/>
-          </p:cNvSpPr>
-          <p:nvPr>
-            <p:ph type="title"/>
-          </p:nvPr>
-        </p:nvSpPr>
-        <p:spPr/>
-        <p:txBody>
-          <a:bodyPr/>
-          <a:lstStyle/>
-          <a:p>
-            <a:r>
-              <a:rPr lang="en-US" dirty="0" smtClean="0"/>
-              <a:t>Post 1.0</a:t>
-            </a:r>
-            <a:endParaRPr lang="en-US" dirty="0"/>
-          </a:p>
-        </p:txBody>
-      </p:sp>
-      <p:sp>
-        <p:nvSpPr>
-          <p:cNvPr id="3" name="Content Placeholder 2"/>
-          <p:cNvSpPr>
-            <a:spLocks noGrp="1"/>
-          </p:cNvSpPr>
-          <p:nvPr>
-            <p:ph idx="1"/>
-          </p:nvPr>
-        </p:nvSpPr>
-        <p:spPr>
-          <a:xfrm>
-            <a:off x="381000" y="990600"/>
-            <a:ext cx="8382000" cy="3886200"/>
-          </a:xfrm>
-        </p:spPr>
-        <p:txBody>
-          <a:bodyPr/>
-          <a:lstStyle/>
-          <a:p>
-            <a:pPr>
-              <a:buFont typeface="Wingdings" pitchFamily="2" charset="2"/>
-              <a:buChar char="v"/>
-            </a:pPr>
-            <a:r>
-              <a:rPr lang="en-US" dirty="0" smtClean="0"/>
-              <a:t> Post 1.0 releases will resume in a 2 month cycle.</a:t>
-            </a:r>
-          </a:p>
-          <a:p>
-            <a:pPr marL="0" indent="0">
-              <a:buNone/>
-            </a:pPr>
-            <a:endParaRPr lang="en-US" dirty="0" smtClean="0"/>
-          </a:p>
-          <a:p>
-            <a:pPr>
-              <a:buFont typeface="Wingdings" pitchFamily="2" charset="2"/>
-              <a:buChar char="v"/>
-            </a:pPr>
-            <a:r>
-              <a:rPr lang="en-US" dirty="0" smtClean="0"/>
-              <a:t> Visual Studio Integration</a:t>
-            </a:r>
-          </a:p>
-          <a:p>
-            <a:pPr lvl="1">
-              <a:buFont typeface="Wingdings" pitchFamily="2" charset="2"/>
-              <a:buChar char="Ø"/>
-            </a:pPr>
-            <a:r>
-              <a:rPr lang="en-US" dirty="0" smtClean="0"/>
-              <a:t> Colorization, code-completion, project system, cleaner debugger, REPL, etc.</a:t>
-            </a:r>
-            <a:endParaRPr lang="en-US" dirty="0"/>
-          </a:p>
-          <a:p>
-            <a:pPr lvl="1">
-              <a:buFont typeface="Wingdings" pitchFamily="2" charset="2"/>
-              <a:buChar char="Ø"/>
-            </a:pPr>
-            <a:r>
-              <a:rPr lang="en-US" dirty="0" smtClean="0"/>
-              <a:t> Largest requested VS2010 feature!</a:t>
-            </a:r>
-          </a:p>
-        </p:txBody>
-      </p:sp>
-    </p:spTree>
-    <p:extLst>
-      <p:ext uri="{BB962C8B-B14F-4D97-AF65-F5344CB8AC3E}">
-        <p14:creationId xmlns:p14="http://schemas.microsoft.com/office/powerpoint/2010/main" val="2449380266"/>
-      </p:ext>
-    </p:extLst>
-  </p:cSld>
-  <p:clrMapOvr>
-    <a:masterClrMapping/>
-  </p:clrMapOvr>
-  <p:timing>
-    <p:tnLst>
-      <p:par>
-        <p:cTn xmlns:p14="http://schemas.microsoft.com/office/powerpoint/2010/main" id="1" dur="indefinite" restart="never" nodeType="tmRoot"/>
-      </p:par>
-    </p:tnLst>
-  </p:timing>
-</p:sld>
-</file>
-
-<file path=ppt/slides/slide19.xml><?xml version="1.0" encoding="utf-8"?>
-<p:sld xmlns:a="http://schemas.openxmlformats.org/drawingml/2006/main" xmlns:r="http://schemas.openxmlformats.org/officeDocument/2006/relationships" xmlns:p="http://schemas.openxmlformats.org/presentationml/2006/main">
-  <p:cSld>
-    <p:spTree>
-      <p:nvGrpSpPr>
-        <p:cNvPr id="1" name=""/>
-        <p:cNvGrpSpPr/>
-        <p:nvPr/>
-      </p:nvGrpSpPr>
-      <p:grpSpPr>
-        <a:xfrm>
-          <a:off x="0" y="0"/>
-          <a:ext cx="0" cy="0"/>
-          <a:chOff x="0" y="0"/>
-          <a:chExt cx="0" cy="0"/>
-        </a:xfrm>
-      </p:grpSpPr>
-      <p:pic>
-        <p:nvPicPr>
-          <p:cNvPr id="4" name="Picture 3"/>
-          <p:cNvPicPr>
-            <a:picLocks noChangeAspect="1" noChangeArrowheads="1"/>
-          </p:cNvPicPr>
-          <p:nvPr/>
-        </p:nvPicPr>
-        <p:blipFill>
-          <a:blip r:embed="rId2">
-            <a:extLst>
-              <a:ext uri="{28A0092B-C50C-407E-A947-70E740481C1C}">
-                <a14:useLocalDpi xmlns:a14="http://schemas.microsoft.com/office/drawing/2010/main" val="0"/>
-              </a:ext>
-            </a:extLst>
-          </a:blip>
-          <a:srcRect/>
-          <a:stretch>
-            <a:fillRect/>
-          </a:stretch>
-        </p:blipFill>
-        <p:spPr bwMode="auto">
-          <a:xfrm>
-            <a:off x="0" y="1371600"/>
-            <a:ext cx="9174271" cy="3886200"/>
-          </a:xfrm>
-          <a:prstGeom prst="rect">
-            <a:avLst/>
-          </a:prstGeom>
-          <a:noFill/>
-          <a:ln>
-            <a:noFill/>
-          </a:ln>
-          <a:effectLst/>
-          <a:extLst>
-            <a:ext uri="{909E8E84-426E-40DD-AFC4-6F175D3DCCD1}">
-              <a14:hiddenFill xmlns:a14="http://schemas.microsoft.com/office/drawing/2010/main">
-                <a:solidFill>
-                  <a:schemeClr val="accent1"/>
-                </a:solidFill>
-              </a14:hiddenFill>
-            </a:ext>
-            <a:ext uri="{91240B29-F687-4F45-9708-019B960494DF}">
-              <a14:hiddenLine xmlns:a14="http://schemas.microsoft.com/office/drawing/2010/main" w="9525">
-                <a:solidFill>
-                  <a:schemeClr val="tx1"/>
-                </a:solidFill>
-                <a:miter lim="800000"/>
-                <a:headEnd/>
-                <a:tailEnd/>
-              </a14:hiddenLine>
-            </a:ext>
-            <a:ext uri="{AF507438-7753-43E0-B8FC-AC1667EBCBE1}">
-              <a14:hiddenEffects xmlns:a14="http://schemas.microsoft.com/office/drawing/2010/main">
-                <a:effectLst>
-                  <a:outerShdw dist="35921" dir="2700000" algn="ctr" rotWithShape="0">
-                    <a:schemeClr val="bg2"/>
-                  </a:outerShdw>
-                </a:effectLst>
-              </a14:hiddenEffects>
-            </a:ext>
-          </a:extLst>
-        </p:spPr>
-      </p:pic>
-    </p:spTree>
-    <p:extLst>
-      <p:ext uri="{BB962C8B-B14F-4D97-AF65-F5344CB8AC3E}">
-        <p14:creationId xmlns:p14="http://schemas.microsoft.com/office/powerpoint/2010/main" val="780564518"/>
       </p:ext>
     </p:extLst>
   </p:cSld>
@@ -8391,6 +9411,1966 @@
           <a:lstStyle/>
           <a:p>
             <a:r>
+              <a:rPr lang="en-US" sz="6600" dirty="0" err="1" smtClean="0"/>
+              <a:t>IronRuby</a:t>
+            </a:r>
+            <a:r>
+              <a:rPr lang="en-US" sz="6600" dirty="0" smtClean="0"/>
+              <a:t> 1.0 RC1</a:t>
+            </a:r>
+            <a:endParaRPr lang="en-US" sz="6600" dirty="0"/>
+          </a:p>
+        </p:txBody>
+      </p:sp>
+      <p:sp>
+        <p:nvSpPr>
+          <p:cNvPr id="4" name="Subtitle 3"/>
+          <p:cNvSpPr>
+            <a:spLocks noGrp="1"/>
+          </p:cNvSpPr>
+          <p:nvPr>
+            <p:ph type="subTitle" idx="1"/>
+          </p:nvPr>
+        </p:nvSpPr>
+        <p:spPr>
+          <a:xfrm>
+            <a:off x="609600" y="3886200"/>
+            <a:ext cx="8534400" cy="1752600"/>
+          </a:xfrm>
+        </p:spPr>
+        <p:txBody>
+          <a:bodyPr/>
+          <a:lstStyle/>
+          <a:p>
+            <a:pPr algn="l"/>
+            <a:r>
+              <a:rPr lang="en-US" dirty="0" smtClean="0"/>
+              <a:t>http://ironruby.net/download</a:t>
+            </a:r>
+            <a:endParaRPr lang="en-US" dirty="0"/>
+          </a:p>
+        </p:txBody>
+      </p:sp>
+    </p:spTree>
+    <p:extLst>
+      <p:ext uri="{BB962C8B-B14F-4D97-AF65-F5344CB8AC3E}">
+        <p14:creationId xmlns:p14="http://schemas.microsoft.com/office/powerpoint/2010/main" val="404952260"/>
+      </p:ext>
+    </p:extLst>
+  </p:cSld>
+  <p:clrMapOvr>
+    <a:masterClrMapping/>
+  </p:clrMapOvr>
+  <p:timing>
+    <p:tnLst>
+      <p:par>
+        <p:cTn xmlns:p14="http://schemas.microsoft.com/office/powerpoint/2010/main" id="1" dur="indefinite" restart="never" nodeType="tmRoot"/>
+      </p:par>
+    </p:tnLst>
+  </p:timing>
+</p:sld>
+</file>
+
+<file path=ppt/slides/slide21.xml><?xml version="1.0" encoding="utf-8"?>
+<p:sld xmlns:a="http://schemas.openxmlformats.org/drawingml/2006/main" xmlns:r="http://schemas.openxmlformats.org/officeDocument/2006/relationships" xmlns:p="http://schemas.openxmlformats.org/presentationml/2006/main">
+  <p:cSld>
+    <p:spTree>
+      <p:nvGrpSpPr>
+        <p:cNvPr id="1" name=""/>
+        <p:cNvGrpSpPr/>
+        <p:nvPr/>
+      </p:nvGrpSpPr>
+      <p:grpSpPr>
+        <a:xfrm>
+          <a:off x="0" y="0"/>
+          <a:ext cx="0" cy="0"/>
+          <a:chOff x="0" y="0"/>
+          <a:chExt cx="0" cy="0"/>
+        </a:xfrm>
+      </p:grpSpPr>
+      <p:sp>
+        <p:nvSpPr>
+          <p:cNvPr id="3" name="Content Placeholder 2"/>
+          <p:cNvSpPr>
+            <a:spLocks noGrp="1"/>
+          </p:cNvSpPr>
+          <p:nvPr>
+            <p:ph idx="1"/>
+          </p:nvPr>
+        </p:nvSpPr>
+        <p:spPr>
+          <a:xfrm>
+            <a:off x="381000" y="0"/>
+            <a:ext cx="8382000" cy="6858000"/>
+          </a:xfrm>
+        </p:spPr>
+        <p:txBody>
+          <a:bodyPr anchor="ctr">
+            <a:normAutofit fontScale="92500" lnSpcReduction="20000"/>
+          </a:bodyPr>
+          <a:lstStyle/>
+          <a:p>
+            <a:pPr marL="0" indent="0">
+              <a:buNone/>
+            </a:pPr>
+            <a:r>
+              <a:rPr lang="en-US" sz="4300" dirty="0" smtClean="0"/>
+              <a:t>Performance</a:t>
+            </a:r>
+          </a:p>
+          <a:p>
+            <a:pPr lvl="1">
+              <a:buFont typeface="Wingdings" pitchFamily="2" charset="2"/>
+              <a:buChar char="v"/>
+            </a:pPr>
+            <a:r>
+              <a:rPr lang="en-US" sz="3000" dirty="0" smtClean="0"/>
+              <a:t> Goal: </a:t>
+            </a:r>
+            <a:r>
+              <a:rPr lang="en-US" sz="3000" i="1" dirty="0" smtClean="0"/>
+              <a:t>faster</a:t>
+            </a:r>
+            <a:r>
+              <a:rPr lang="en-US" sz="3000" dirty="0" smtClean="0"/>
+              <a:t> than MRI</a:t>
+            </a:r>
+          </a:p>
+          <a:p>
+            <a:pPr lvl="1">
+              <a:buFont typeface="Wingdings" pitchFamily="2" charset="2"/>
+              <a:buChar char="v"/>
+            </a:pPr>
+            <a:r>
+              <a:rPr lang="en-US" sz="3000" dirty="0"/>
+              <a:t> </a:t>
+            </a:r>
+            <a:r>
+              <a:rPr lang="en-US" sz="3000" dirty="0" smtClean="0"/>
+              <a:t>Goal: within order-of-magnitude of </a:t>
+            </a:r>
+            <a:r>
+              <a:rPr lang="en-US" sz="3000" dirty="0" err="1" smtClean="0"/>
+              <a:t>JRuby</a:t>
+            </a:r>
+            <a:endParaRPr lang="en-US" sz="3000" dirty="0"/>
+          </a:p>
+          <a:p>
+            <a:pPr marL="457200" lvl="1" indent="0">
+              <a:buNone/>
+            </a:pPr>
+            <a:endParaRPr lang="en-US" sz="3000" dirty="0" smtClean="0"/>
+          </a:p>
+          <a:p>
+            <a:pPr marL="0" indent="0">
+              <a:buNone/>
+            </a:pPr>
+            <a:r>
+              <a:rPr lang="en-US" dirty="0" smtClean="0"/>
+              <a:t>Throughput</a:t>
+            </a:r>
+          </a:p>
+          <a:p>
+            <a:pPr lvl="1">
+              <a:buFont typeface="Wingdings" pitchFamily="2" charset="2"/>
+              <a:buChar char="v"/>
+            </a:pPr>
+            <a:r>
+              <a:rPr lang="en-US" dirty="0" smtClean="0"/>
+              <a:t> Example: ruby-benchmark-suite</a:t>
+            </a:r>
+          </a:p>
+          <a:p>
+            <a:pPr lvl="1">
+              <a:buFont typeface="Wingdings" pitchFamily="2" charset="2"/>
+              <a:buChar char="v"/>
+            </a:pPr>
+            <a:r>
+              <a:rPr lang="en-US" dirty="0" smtClean="0"/>
+              <a:t> </a:t>
+            </a:r>
+            <a:r>
+              <a:rPr lang="en-US" dirty="0" smtClean="0">
+                <a:solidFill>
+                  <a:srgbClr xmlns:mc="http://schemas.openxmlformats.org/markup-compatibility/2006" xmlns:a14="http://schemas.microsoft.com/office/drawing/2010/main" val="00FF00" mc:Ignorable=""/>
+                </a:solidFill>
+              </a:rPr>
+              <a:t>2x</a:t>
+            </a:r>
+            <a:r>
+              <a:rPr lang="en-US" dirty="0" smtClean="0"/>
+              <a:t> faster than MRI via </a:t>
+            </a:r>
+            <a:r>
+              <a:rPr lang="en-US" dirty="0" err="1" smtClean="0"/>
+              <a:t>RubyInstaller</a:t>
+            </a:r>
+            <a:endParaRPr lang="en-US" dirty="0" smtClean="0"/>
+          </a:p>
+          <a:p>
+            <a:pPr lvl="1">
+              <a:buFont typeface="Wingdings" pitchFamily="2" charset="2"/>
+              <a:buChar char="v"/>
+            </a:pPr>
+            <a:r>
+              <a:rPr lang="en-US" dirty="0"/>
+              <a:t> </a:t>
+            </a:r>
+            <a:r>
+              <a:rPr lang="en-US" dirty="0" smtClean="0">
+                <a:solidFill>
+                  <a:srgbClr xmlns:mc="http://schemas.openxmlformats.org/markup-compatibility/2006" xmlns:a14="http://schemas.microsoft.com/office/drawing/2010/main" val="00FF00" mc:Ignorable=""/>
+                </a:solidFill>
+              </a:rPr>
+              <a:t>6x</a:t>
+            </a:r>
+            <a:r>
+              <a:rPr lang="en-US" dirty="0" smtClean="0"/>
+              <a:t> faster than MRI via One-Click Installer</a:t>
+            </a:r>
+          </a:p>
+          <a:p>
+            <a:pPr lvl="1">
+              <a:buFont typeface="Wingdings" pitchFamily="2" charset="2"/>
+              <a:buChar char="v"/>
+            </a:pPr>
+            <a:r>
+              <a:rPr lang="en-US" dirty="0"/>
+              <a:t> </a:t>
+            </a:r>
+            <a:r>
+              <a:rPr lang="en-US" dirty="0" smtClean="0">
+                <a:solidFill>
+                  <a:srgbClr xmlns:mc="http://schemas.openxmlformats.org/markup-compatibility/2006" xmlns:a14="http://schemas.microsoft.com/office/drawing/2010/main" val="FF0000" mc:Ignorable=""/>
+                </a:solidFill>
+              </a:rPr>
+              <a:t>-1.5x</a:t>
+            </a:r>
+            <a:r>
+              <a:rPr lang="en-US" dirty="0" smtClean="0"/>
+              <a:t> slower than </a:t>
+            </a:r>
+            <a:r>
+              <a:rPr lang="en-US" dirty="0" err="1" smtClean="0"/>
+              <a:t>JRuby</a:t>
+            </a:r>
+            <a:endParaRPr lang="en-US" dirty="0"/>
+          </a:p>
+          <a:p>
+            <a:pPr lvl="1">
+              <a:buFont typeface="Wingdings" pitchFamily="2" charset="2"/>
+              <a:buChar char="v"/>
+            </a:pPr>
+            <a:r>
+              <a:rPr lang="en-US" dirty="0" smtClean="0">
+                <a:solidFill>
+                  <a:srgbClr xmlns:mc="http://schemas.openxmlformats.org/markup-compatibility/2006" xmlns:a14="http://schemas.microsoft.com/office/drawing/2010/main" val="FFFF00" mc:Ignorable=""/>
+                </a:solidFill>
+              </a:rPr>
+              <a:t> Need to improve a bit on this by 1.0</a:t>
+            </a:r>
+          </a:p>
+          <a:p>
+            <a:pPr marL="457200" lvl="1" indent="0">
+              <a:buNone/>
+            </a:pPr>
+            <a:endParaRPr lang="en-US" dirty="0" smtClean="0"/>
+          </a:p>
+          <a:p>
+            <a:pPr marL="57150" indent="0">
+              <a:buNone/>
+            </a:pPr>
+            <a:r>
+              <a:rPr lang="en-US" dirty="0" smtClean="0"/>
+              <a:t>Startup</a:t>
+            </a:r>
+          </a:p>
+          <a:p>
+            <a:pPr lvl="1">
+              <a:buFont typeface="Wingdings" pitchFamily="2" charset="2"/>
+              <a:buChar char="v"/>
+            </a:pPr>
+            <a:r>
+              <a:rPr lang="en-US" dirty="0" smtClean="0"/>
+              <a:t> Example:   </a:t>
+            </a:r>
+            <a:r>
+              <a:rPr lang="en-US" dirty="0" smtClean="0">
+                <a:latin typeface="Consolas" pitchFamily="49" charset="0"/>
+                <a:cs typeface="Consolas" pitchFamily="49" charset="0"/>
+              </a:rPr>
+              <a:t>require '</a:t>
+            </a:r>
+            <a:r>
+              <a:rPr lang="en-US" dirty="0" err="1" smtClean="0">
+                <a:latin typeface="Consolas" pitchFamily="49" charset="0"/>
+                <a:cs typeface="Consolas" pitchFamily="49" charset="0"/>
+              </a:rPr>
+              <a:t>activesupport</a:t>
+            </a:r>
+            <a:r>
+              <a:rPr lang="en-US" dirty="0" smtClean="0">
+                <a:latin typeface="Consolas" pitchFamily="49" charset="0"/>
+                <a:cs typeface="Consolas" pitchFamily="49" charset="0"/>
+              </a:rPr>
+              <a:t>'</a:t>
+            </a:r>
+          </a:p>
+          <a:p>
+            <a:pPr lvl="1">
+              <a:buFont typeface="Wingdings" pitchFamily="2" charset="2"/>
+              <a:buChar char="v"/>
+            </a:pPr>
+            <a:r>
+              <a:rPr lang="en-US" dirty="0" smtClean="0"/>
+              <a:t> </a:t>
+            </a:r>
+            <a:r>
+              <a:rPr lang="en-US" dirty="0" smtClean="0">
+                <a:solidFill>
+                  <a:srgbClr xmlns:mc="http://schemas.openxmlformats.org/markup-compatibility/2006" xmlns:a14="http://schemas.microsoft.com/office/drawing/2010/main" val="FF0000" mc:Ignorable=""/>
+                </a:solidFill>
+              </a:rPr>
+              <a:t>4x</a:t>
+            </a:r>
+            <a:r>
+              <a:rPr lang="en-US" dirty="0" smtClean="0"/>
+              <a:t> slower than MRI via </a:t>
+            </a:r>
+            <a:r>
+              <a:rPr lang="en-US" dirty="0" err="1" smtClean="0"/>
+              <a:t>RubyInstaller</a:t>
+            </a:r>
+            <a:endParaRPr lang="en-US" dirty="0" smtClean="0"/>
+          </a:p>
+          <a:p>
+            <a:pPr lvl="1">
+              <a:buFont typeface="Wingdings" pitchFamily="2" charset="2"/>
+              <a:buChar char="v"/>
+            </a:pPr>
+            <a:r>
+              <a:rPr lang="en-US" dirty="0" smtClean="0"/>
+              <a:t> </a:t>
+            </a:r>
+            <a:r>
+              <a:rPr lang="en-US" dirty="0" smtClean="0">
+                <a:solidFill>
+                  <a:srgbClr xmlns:mc="http://schemas.openxmlformats.org/markup-compatibility/2006" xmlns:a14="http://schemas.microsoft.com/office/drawing/2010/main" val="FF0000" mc:Ignorable=""/>
+                </a:solidFill>
+              </a:rPr>
+              <a:t>2x</a:t>
+            </a:r>
+            <a:r>
+              <a:rPr lang="en-US" dirty="0" smtClean="0"/>
+              <a:t> slower than </a:t>
+            </a:r>
+            <a:r>
+              <a:rPr lang="en-US" dirty="0" err="1" smtClean="0"/>
+              <a:t>Jruby</a:t>
+            </a:r>
+            <a:endParaRPr lang="en-US" dirty="0" smtClean="0"/>
+          </a:p>
+          <a:p>
+            <a:pPr lvl="1">
+              <a:buFont typeface="Wingdings" pitchFamily="2" charset="2"/>
+              <a:buChar char="v"/>
+            </a:pPr>
+            <a:r>
+              <a:rPr lang="en-US" dirty="0" smtClean="0">
+                <a:solidFill>
+                  <a:srgbClr xmlns:mc="http://schemas.openxmlformats.org/markup-compatibility/2006" xmlns:a14="http://schemas.microsoft.com/office/drawing/2010/main" val="C00000" mc:Ignorable=""/>
+                </a:solidFill>
+              </a:rPr>
+              <a:t> A </a:t>
+            </a:r>
+            <a:r>
+              <a:rPr lang="en-US" u="sng" dirty="0" smtClean="0">
+                <a:solidFill>
+                  <a:srgbClr xmlns:mc="http://schemas.openxmlformats.org/markup-compatibility/2006" xmlns:a14="http://schemas.microsoft.com/office/drawing/2010/main" val="C00000" mc:Ignorable=""/>
+                </a:solidFill>
+              </a:rPr>
+              <a:t>must-fix </a:t>
+            </a:r>
+            <a:r>
+              <a:rPr lang="en-US" dirty="0" smtClean="0">
+                <a:solidFill>
+                  <a:srgbClr xmlns:mc="http://schemas.openxmlformats.org/markup-compatibility/2006" xmlns:a14="http://schemas.microsoft.com/office/drawing/2010/main" val="C00000" mc:Ignorable=""/>
+                </a:solidFill>
+              </a:rPr>
+              <a:t>for 1.0 – must be on par with </a:t>
+            </a:r>
+            <a:r>
+              <a:rPr lang="en-US" dirty="0" err="1" smtClean="0">
+                <a:solidFill>
+                  <a:srgbClr xmlns:mc="http://schemas.openxmlformats.org/markup-compatibility/2006" xmlns:a14="http://schemas.microsoft.com/office/drawing/2010/main" val="C00000" mc:Ignorable=""/>
+                </a:solidFill>
+              </a:rPr>
+              <a:t>JRuby</a:t>
+            </a:r>
+            <a:endParaRPr lang="en-US" u="sng" dirty="0" smtClean="0">
+              <a:solidFill>
+                <a:srgbClr xmlns:mc="http://schemas.openxmlformats.org/markup-compatibility/2006" xmlns:a14="http://schemas.microsoft.com/office/drawing/2010/main" val="C00000" mc:Ignorable=""/>
+              </a:solidFill>
+            </a:endParaRPr>
+          </a:p>
+        </p:txBody>
+      </p:sp>
+    </p:spTree>
+    <p:extLst>
+      <p:ext uri="{BB962C8B-B14F-4D97-AF65-F5344CB8AC3E}">
+        <p14:creationId xmlns:p14="http://schemas.microsoft.com/office/powerpoint/2010/main" val="2690338689"/>
+      </p:ext>
+    </p:extLst>
+  </p:cSld>
+  <p:clrMapOvr>
+    <a:masterClrMapping/>
+  </p:clrMapOvr>
+  <p:timing>
+    <p:tnLst>
+      <p:par>
+        <p:cTn xmlns:p14="http://schemas.microsoft.com/office/powerpoint/2010/main" id="1" dur="indefinite" restart="never" nodeType="tmRoot"/>
+      </p:par>
+    </p:tnLst>
+  </p:timing>
+</p:sld>
+</file>
+
+<file path=ppt/slides/slide22.xml><?xml version="1.0" encoding="utf-8"?>
+<p:sld xmlns:a="http://schemas.openxmlformats.org/drawingml/2006/main" xmlns:r="http://schemas.openxmlformats.org/officeDocument/2006/relationships" xmlns:p="http://schemas.openxmlformats.org/presentationml/2006/main">
+  <p:cSld>
+    <p:spTree>
+      <p:nvGrpSpPr>
+        <p:cNvPr id="1" name=""/>
+        <p:cNvGrpSpPr/>
+        <p:nvPr/>
+      </p:nvGrpSpPr>
+      <p:grpSpPr>
+        <a:xfrm>
+          <a:off x="0" y="0"/>
+          <a:ext cx="0" cy="0"/>
+          <a:chOff x="0" y="0"/>
+          <a:chExt cx="0" cy="0"/>
+        </a:xfrm>
+      </p:grpSpPr>
+      <p:sp>
+        <p:nvSpPr>
+          <p:cNvPr id="3" name="Content Placeholder 2"/>
+          <p:cNvSpPr>
+            <a:spLocks noGrp="1"/>
+          </p:cNvSpPr>
+          <p:nvPr>
+            <p:ph idx="1"/>
+          </p:nvPr>
+        </p:nvSpPr>
+        <p:spPr>
+          <a:xfrm>
+            <a:off x="381000" y="419100"/>
+            <a:ext cx="8382000" cy="6019800"/>
+          </a:xfrm>
+        </p:spPr>
+        <p:txBody>
+          <a:bodyPr anchor="ctr">
+            <a:normAutofit fontScale="85000" lnSpcReduction="20000"/>
+          </a:bodyPr>
+          <a:lstStyle/>
+          <a:p>
+            <a:pPr marL="0" indent="0">
+              <a:buNone/>
+            </a:pPr>
+            <a:r>
+              <a:rPr lang="en-US" sz="4300" dirty="0" smtClean="0"/>
+              <a:t>Compatibility</a:t>
+            </a:r>
+          </a:p>
+          <a:p>
+            <a:pPr lvl="1">
+              <a:buFont typeface="Wingdings" pitchFamily="2" charset="2"/>
+              <a:buChar char="v"/>
+            </a:pPr>
+            <a:r>
+              <a:rPr lang="en-US" sz="3000" dirty="0" smtClean="0"/>
+              <a:t> Goal: </a:t>
+            </a:r>
+            <a:r>
+              <a:rPr lang="en-US" sz="3000" dirty="0" smtClean="0">
+                <a:solidFill>
+                  <a:srgbClr xmlns:mc="http://schemas.openxmlformats.org/markup-compatibility/2006" xmlns:a14="http://schemas.microsoft.com/office/drawing/2010/main" val="00FF00" mc:Ignorable=""/>
+                </a:solidFill>
+              </a:rPr>
+              <a:t>&gt;</a:t>
+            </a:r>
+            <a:r>
+              <a:rPr lang="en-US" sz="3000" dirty="0" smtClean="0"/>
+              <a:t> </a:t>
+            </a:r>
+            <a:r>
+              <a:rPr lang="en-US" sz="3000" dirty="0" smtClean="0">
+                <a:solidFill>
+                  <a:srgbClr xmlns:mc="http://schemas.openxmlformats.org/markup-compatibility/2006" xmlns:a14="http://schemas.microsoft.com/office/drawing/2010/main" val="00FF00" mc:Ignorable=""/>
+                </a:solidFill>
+              </a:rPr>
+              <a:t>90% passing</a:t>
+            </a:r>
+          </a:p>
+          <a:p>
+            <a:pPr lvl="1">
+              <a:buFont typeface="Wingdings" pitchFamily="2" charset="2"/>
+              <a:buChar char="v"/>
+            </a:pPr>
+            <a:r>
+              <a:rPr lang="en-US" sz="3000" dirty="0"/>
+              <a:t> </a:t>
+            </a:r>
+            <a:r>
+              <a:rPr lang="en-US" sz="3000" dirty="0" smtClean="0"/>
+              <a:t>Must have really good reason </a:t>
+            </a:r>
+            <a:r>
+              <a:rPr lang="en-US" sz="3000" dirty="0" err="1" smtClean="0"/>
+              <a:t>foreach</a:t>
+            </a:r>
+            <a:r>
+              <a:rPr lang="en-US" sz="3000" dirty="0" smtClean="0"/>
+              <a:t> failing </a:t>
+            </a:r>
+            <a:r>
+              <a:rPr lang="en-US" sz="3000" dirty="0" err="1" smtClean="0"/>
+              <a:t>RubySpecs</a:t>
+            </a:r>
+            <a:endParaRPr lang="en-US" sz="3000" dirty="0" smtClean="0"/>
+          </a:p>
+          <a:p>
+            <a:pPr marL="0" indent="0">
+              <a:buNone/>
+            </a:pPr>
+            <a:endParaRPr lang="en-US" dirty="0" smtClean="0"/>
+          </a:p>
+          <a:p>
+            <a:pPr marL="0" indent="0">
+              <a:buNone/>
+            </a:pPr>
+            <a:r>
+              <a:rPr lang="en-US" dirty="0" err="1" smtClean="0"/>
+              <a:t>RubySpec</a:t>
+            </a:r>
+            <a:r>
+              <a:rPr lang="en-US" dirty="0" smtClean="0"/>
+              <a:t>:			</a:t>
+            </a:r>
+            <a:r>
+              <a:rPr lang="en-US" b="1" dirty="0" smtClean="0">
+                <a:solidFill>
+                  <a:srgbClr xmlns:mc="http://schemas.openxmlformats.org/markup-compatibility/2006" xmlns:a14="http://schemas.microsoft.com/office/drawing/2010/main" val="00FF00" mc:Ignorable=""/>
+                </a:solidFill>
+              </a:rPr>
+              <a:t>92%</a:t>
+            </a:r>
+            <a:endParaRPr lang="en-US" b="1" dirty="0" smtClean="0">
+              <a:solidFill>
+                <a:srgbClr xmlns:mc="http://schemas.openxmlformats.org/markup-compatibility/2006" xmlns:a14="http://schemas.microsoft.com/office/drawing/2010/main" val="00FF00" mc:Ignorable=""/>
+              </a:solidFill>
+            </a:endParaRPr>
+          </a:p>
+          <a:p>
+            <a:pPr lvl="1">
+              <a:buFont typeface="Wingdings" pitchFamily="2" charset="2"/>
+              <a:buChar char="v"/>
+            </a:pPr>
+            <a:r>
+              <a:rPr lang="en-US" dirty="0"/>
+              <a:t> </a:t>
+            </a:r>
+            <a:r>
+              <a:rPr lang="en-US" dirty="0" smtClean="0"/>
+              <a:t>Language:		</a:t>
+            </a:r>
+            <a:r>
+              <a:rPr lang="en-US" dirty="0" smtClean="0">
+                <a:solidFill>
+                  <a:srgbClr xmlns:mc="http://schemas.openxmlformats.org/markup-compatibility/2006" xmlns:a14="http://schemas.microsoft.com/office/drawing/2010/main" val="00FF00" mc:Ignorable=""/>
+                </a:solidFill>
+              </a:rPr>
+              <a:t>97%</a:t>
+            </a:r>
+            <a:endParaRPr lang="en-US" dirty="0" smtClean="0">
+              <a:solidFill>
+                <a:srgbClr xmlns:mc="http://schemas.openxmlformats.org/markup-compatibility/2006" xmlns:a14="http://schemas.microsoft.com/office/drawing/2010/main" val="00FF00" mc:Ignorable=""/>
+              </a:solidFill>
+            </a:endParaRPr>
+          </a:p>
+          <a:p>
+            <a:pPr lvl="1">
+              <a:buFont typeface="Wingdings" pitchFamily="2" charset="2"/>
+              <a:buChar char="v"/>
+            </a:pPr>
+            <a:r>
+              <a:rPr lang="en-US" dirty="0"/>
+              <a:t> </a:t>
+            </a:r>
+            <a:r>
+              <a:rPr lang="en-US" dirty="0" smtClean="0"/>
+              <a:t>Core:			</a:t>
+            </a:r>
+            <a:r>
+              <a:rPr lang="en-US" dirty="0" smtClean="0">
+                <a:solidFill>
+                  <a:srgbClr xmlns:mc="http://schemas.openxmlformats.org/markup-compatibility/2006" xmlns:a14="http://schemas.microsoft.com/office/drawing/2010/main" val="00FF00" mc:Ignorable=""/>
+                </a:solidFill>
+              </a:rPr>
+              <a:t>91%</a:t>
+            </a:r>
+            <a:endParaRPr lang="en-US" dirty="0" smtClean="0">
+              <a:solidFill>
+                <a:srgbClr xmlns:mc="http://schemas.openxmlformats.org/markup-compatibility/2006" xmlns:a14="http://schemas.microsoft.com/office/drawing/2010/main" val="00FF00" mc:Ignorable=""/>
+              </a:solidFill>
+            </a:endParaRPr>
+          </a:p>
+          <a:p>
+            <a:pPr lvl="1">
+              <a:buFont typeface="Wingdings" pitchFamily="2" charset="2"/>
+              <a:buChar char="v"/>
+            </a:pPr>
+            <a:r>
+              <a:rPr lang="en-US" dirty="0"/>
+              <a:t> </a:t>
+            </a:r>
+            <a:r>
+              <a:rPr lang="en-US" dirty="0" smtClean="0"/>
+              <a:t>Libraries</a:t>
+            </a:r>
+            <a:r>
+              <a:rPr lang="en-US" dirty="0" smtClean="0"/>
+              <a:t>:		</a:t>
+            </a:r>
+            <a:r>
+              <a:rPr lang="en-US" dirty="0" smtClean="0">
+                <a:solidFill>
+                  <a:srgbClr xmlns:mc="http://schemas.openxmlformats.org/markup-compatibility/2006" xmlns:a14="http://schemas.microsoft.com/office/drawing/2010/main" val="00FF00" mc:Ignorable=""/>
+                </a:solidFill>
+              </a:rPr>
+              <a:t>93%</a:t>
+            </a:r>
+            <a:endParaRPr lang="en-US" dirty="0">
+              <a:solidFill>
+                <a:srgbClr xmlns:mc="http://schemas.openxmlformats.org/markup-compatibility/2006" xmlns:a14="http://schemas.microsoft.com/office/drawing/2010/main" val="00FF00" mc:Ignorable=""/>
+              </a:solidFill>
+            </a:endParaRPr>
+          </a:p>
+          <a:p>
+            <a:pPr marL="57150" indent="0">
+              <a:buNone/>
+            </a:pPr>
+            <a:endParaRPr lang="en-US" dirty="0" smtClean="0"/>
+          </a:p>
+          <a:p>
+            <a:pPr marL="57150" indent="0">
+              <a:buNone/>
+            </a:pPr>
+            <a:r>
+              <a:rPr lang="en-US" dirty="0" smtClean="0"/>
+              <a:t>Libraries</a:t>
+            </a:r>
+          </a:p>
+          <a:p>
+            <a:pPr lvl="1">
+              <a:buFont typeface="Wingdings" pitchFamily="2" charset="2"/>
+              <a:buChar char="v"/>
+            </a:pPr>
+            <a:r>
+              <a:rPr lang="en-US" dirty="0"/>
+              <a:t> </a:t>
+            </a:r>
+            <a:r>
+              <a:rPr lang="en-US" dirty="0" err="1" smtClean="0"/>
+              <a:t>RubyGems</a:t>
+            </a:r>
+            <a:r>
+              <a:rPr lang="en-US" dirty="0" smtClean="0"/>
+              <a:t>:		</a:t>
+            </a:r>
+            <a:r>
+              <a:rPr lang="en-US" dirty="0" smtClean="0">
+                <a:solidFill>
+                  <a:srgbClr xmlns:mc="http://schemas.openxmlformats.org/markup-compatibility/2006" xmlns:a14="http://schemas.microsoft.com/office/drawing/2010/main" val="00FF00" mc:Ignorable=""/>
+                </a:solidFill>
+              </a:rPr>
+              <a:t>96%</a:t>
+            </a:r>
+            <a:endParaRPr lang="en-US" dirty="0" smtClean="0">
+              <a:solidFill>
+                <a:srgbClr xmlns:mc="http://schemas.openxmlformats.org/markup-compatibility/2006" xmlns:a14="http://schemas.microsoft.com/office/drawing/2010/main" val="00FF00" mc:Ignorable=""/>
+              </a:solidFill>
+            </a:endParaRPr>
+          </a:p>
+          <a:p>
+            <a:pPr lvl="1">
+              <a:buFont typeface="Wingdings" pitchFamily="2" charset="2"/>
+              <a:buChar char="v"/>
+            </a:pPr>
+            <a:r>
+              <a:rPr lang="en-US" dirty="0"/>
+              <a:t> </a:t>
+            </a:r>
+            <a:r>
+              <a:rPr lang="en-US" dirty="0" err="1" smtClean="0"/>
+              <a:t>ActionPack</a:t>
+            </a:r>
+            <a:r>
+              <a:rPr lang="en-US" dirty="0" smtClean="0"/>
+              <a:t>:		</a:t>
+            </a:r>
+            <a:r>
+              <a:rPr lang="en-US" dirty="0" smtClean="0">
+                <a:solidFill>
+                  <a:srgbClr xmlns:mc="http://schemas.openxmlformats.org/markup-compatibility/2006" xmlns:a14="http://schemas.microsoft.com/office/drawing/2010/main" val="00FF00" mc:Ignorable=""/>
+                </a:solidFill>
+              </a:rPr>
+              <a:t>95%	</a:t>
+            </a:r>
+            <a:endParaRPr lang="en-US" dirty="0" smtClean="0">
+              <a:solidFill>
+                <a:srgbClr xmlns:mc="http://schemas.openxmlformats.org/markup-compatibility/2006" xmlns:a14="http://schemas.microsoft.com/office/drawing/2010/main" val="00FF00" mc:Ignorable=""/>
+              </a:solidFill>
+            </a:endParaRPr>
+          </a:p>
+          <a:p>
+            <a:pPr lvl="1">
+              <a:buFont typeface="Wingdings" pitchFamily="2" charset="2"/>
+              <a:buChar char="v"/>
+            </a:pPr>
+            <a:r>
+              <a:rPr lang="en-US" dirty="0"/>
+              <a:t> </a:t>
+            </a:r>
+            <a:r>
+              <a:rPr lang="en-US" dirty="0" err="1" smtClean="0"/>
+              <a:t>ActiveSupport</a:t>
+            </a:r>
+            <a:r>
+              <a:rPr lang="en-US" dirty="0" smtClean="0"/>
+              <a:t>:		</a:t>
+            </a:r>
+            <a:r>
+              <a:rPr lang="en-US" dirty="0" smtClean="0">
+                <a:solidFill>
+                  <a:srgbClr xmlns:mc="http://schemas.openxmlformats.org/markup-compatibility/2006" xmlns:a14="http://schemas.microsoft.com/office/drawing/2010/main" val="00FF00" mc:Ignorable=""/>
+                </a:solidFill>
+              </a:rPr>
+              <a:t>95%</a:t>
+            </a:r>
+            <a:endParaRPr lang="en-US" dirty="0" smtClean="0">
+              <a:solidFill>
+                <a:srgbClr xmlns:mc="http://schemas.openxmlformats.org/markup-compatibility/2006" xmlns:a14="http://schemas.microsoft.com/office/drawing/2010/main" val="00FF00" mc:Ignorable=""/>
+              </a:solidFill>
+            </a:endParaRPr>
+          </a:p>
+        </p:txBody>
+      </p:sp>
+    </p:spTree>
+    <p:extLst>
+      <p:ext uri="{BB962C8B-B14F-4D97-AF65-F5344CB8AC3E}">
+        <p14:creationId xmlns:p14="http://schemas.microsoft.com/office/powerpoint/2010/main" val="3445922722"/>
+      </p:ext>
+    </p:extLst>
+  </p:cSld>
+  <p:clrMapOvr>
+    <a:masterClrMapping/>
+  </p:clrMapOvr>
+  <p:timing>
+    <p:tnLst>
+      <p:par>
+        <p:cTn xmlns:p14="http://schemas.microsoft.com/office/powerpoint/2010/main" id="1" dur="indefinite" restart="never" nodeType="tmRoot"/>
+      </p:par>
+    </p:tnLst>
+  </p:timing>
+</p:sld>
+</file>
+
+<file path=ppt/slides/slide23.xml><?xml version="1.0" encoding="utf-8"?>
+<p:sld xmlns:a="http://schemas.openxmlformats.org/drawingml/2006/main" xmlns:r="http://schemas.openxmlformats.org/officeDocument/2006/relationships" xmlns:p="http://schemas.openxmlformats.org/presentationml/2006/main">
+  <p:cSld>
+    <p:spTree>
+      <p:nvGrpSpPr>
+        <p:cNvPr id="1" name=""/>
+        <p:cNvGrpSpPr/>
+        <p:nvPr/>
+      </p:nvGrpSpPr>
+      <p:grpSpPr>
+        <a:xfrm>
+          <a:off x="0" y="0"/>
+          <a:ext cx="0" cy="0"/>
+          <a:chOff x="0" y="0"/>
+          <a:chExt cx="0" cy="0"/>
+        </a:xfrm>
+      </p:grpSpPr>
+      <p:sp>
+        <p:nvSpPr>
+          <p:cNvPr id="3" name="Content Placeholder 2"/>
+          <p:cNvSpPr>
+            <a:spLocks noGrp="1"/>
+          </p:cNvSpPr>
+          <p:nvPr>
+            <p:ph idx="1"/>
+          </p:nvPr>
+        </p:nvSpPr>
+        <p:spPr>
+          <a:xfrm>
+            <a:off x="381000" y="419100"/>
+            <a:ext cx="8382000" cy="6019800"/>
+          </a:xfrm>
+        </p:spPr>
+        <p:txBody>
+          <a:bodyPr anchor="ctr">
+            <a:normAutofit/>
+          </a:bodyPr>
+          <a:lstStyle/>
+          <a:p>
+            <a:pPr marL="0" indent="0">
+              <a:buNone/>
+            </a:pPr>
+            <a:r>
+              <a:rPr lang="en-US" sz="4000" dirty="0" smtClean="0"/>
+              <a:t>CLR Integration</a:t>
+            </a:r>
+          </a:p>
+          <a:p>
+            <a:pPr lvl="1">
+              <a:buFont typeface="Wingdings" pitchFamily="2" charset="2"/>
+              <a:buChar char="v"/>
+            </a:pPr>
+            <a:r>
+              <a:rPr lang="en-US" sz="2600" dirty="0" smtClean="0"/>
+              <a:t> Goal: use majority of CLR features from Ruby  without needing C# stubs</a:t>
+            </a:r>
+          </a:p>
+          <a:p>
+            <a:pPr marL="57150" indent="0">
+              <a:buNone/>
+            </a:pPr>
+            <a:endParaRPr lang="en-US" sz="3000" dirty="0" smtClean="0"/>
+          </a:p>
+          <a:p>
+            <a:pPr marL="57150" indent="0">
+              <a:buNone/>
+            </a:pPr>
+            <a:r>
+              <a:rPr lang="en-US" sz="3000" dirty="0" smtClean="0"/>
+              <a:t>Only major missing feature</a:t>
+            </a:r>
+            <a:endParaRPr lang="en-US" sz="3000" dirty="0"/>
+          </a:p>
+          <a:p>
+            <a:pPr lvl="1">
+              <a:buFont typeface="Wingdings" pitchFamily="2" charset="2"/>
+              <a:buChar char="v"/>
+            </a:pPr>
+            <a:r>
+              <a:rPr lang="en-US" dirty="0" smtClean="0"/>
+              <a:t> </a:t>
+            </a:r>
+            <a:r>
+              <a:rPr lang="en-US" sz="2600" dirty="0" smtClean="0"/>
+              <a:t>No support for any CLR feature which depends on a CLR type actually existing (Attributes, property data binding, </a:t>
+            </a:r>
+            <a:r>
+              <a:rPr lang="en-US" sz="2600" dirty="0" err="1" smtClean="0"/>
+              <a:t>etc</a:t>
+            </a:r>
+            <a:r>
+              <a:rPr lang="en-US" sz="2600" dirty="0" smtClean="0"/>
+              <a:t>)</a:t>
+            </a:r>
+          </a:p>
+          <a:p>
+            <a:pPr lvl="1">
+              <a:buFont typeface="Wingdings" pitchFamily="2" charset="2"/>
+              <a:buChar char="v"/>
+            </a:pPr>
+            <a:r>
+              <a:rPr lang="en-US" sz="2600" dirty="0">
+                <a:solidFill>
+                  <a:srgbClr xmlns:mc="http://schemas.openxmlformats.org/markup-compatibility/2006" xmlns:a14="http://schemas.microsoft.com/office/drawing/2010/main" val="00FF00" mc:Ignorable=""/>
+                </a:solidFill>
+              </a:rPr>
+              <a:t> </a:t>
+            </a:r>
+            <a:r>
+              <a:rPr lang="en-US" sz="2600" dirty="0" smtClean="0">
+                <a:solidFill>
+                  <a:srgbClr xmlns:mc="http://schemas.openxmlformats.org/markup-compatibility/2006" xmlns:a14="http://schemas.microsoft.com/office/drawing/2010/main" val="00FF00" mc:Ignorable=""/>
+                </a:solidFill>
+              </a:rPr>
+              <a:t>OK to ship 1.0 without it</a:t>
+            </a:r>
+          </a:p>
+        </p:txBody>
+      </p:sp>
+    </p:spTree>
+    <p:extLst>
+      <p:ext uri="{BB962C8B-B14F-4D97-AF65-F5344CB8AC3E}">
+        <p14:creationId xmlns:p14="http://schemas.microsoft.com/office/powerpoint/2010/main" val="3116064284"/>
+      </p:ext>
+    </p:extLst>
+  </p:cSld>
+  <p:clrMapOvr>
+    <a:masterClrMapping/>
+  </p:clrMapOvr>
+  <p:timing>
+    <p:tnLst>
+      <p:par>
+        <p:cTn xmlns:p14="http://schemas.microsoft.com/office/powerpoint/2010/main" id="1" dur="indefinite" restart="never" nodeType="tmRoot"/>
+      </p:par>
+    </p:tnLst>
+  </p:timing>
+</p:sld>
+</file>
+
+<file path=ppt/slides/slide24.xml><?xml version="1.0" encoding="utf-8"?>
+<p:sld xmlns:a="http://schemas.openxmlformats.org/drawingml/2006/main" xmlns:r="http://schemas.openxmlformats.org/officeDocument/2006/relationships" xmlns:p="http://schemas.openxmlformats.org/presentationml/2006/main">
+  <p:cSld>
+    <p:spTree>
+      <p:nvGrpSpPr>
+        <p:cNvPr id="1" name=""/>
+        <p:cNvGrpSpPr/>
+        <p:nvPr/>
+      </p:nvGrpSpPr>
+      <p:grpSpPr>
+        <a:xfrm>
+          <a:off x="0" y="0"/>
+          <a:ext cx="0" cy="0"/>
+          <a:chOff x="0" y="0"/>
+          <a:chExt cx="0" cy="0"/>
+        </a:xfrm>
+      </p:grpSpPr>
+      <p:sp>
+        <p:nvSpPr>
+          <p:cNvPr id="3" name="Content Placeholder 2"/>
+          <p:cNvSpPr>
+            <a:spLocks noGrp="1"/>
+          </p:cNvSpPr>
+          <p:nvPr>
+            <p:ph idx="1"/>
+          </p:nvPr>
+        </p:nvSpPr>
+        <p:spPr>
+          <a:xfrm>
+            <a:off x="381000" y="419100"/>
+            <a:ext cx="8382000" cy="6019800"/>
+          </a:xfrm>
+        </p:spPr>
+        <p:txBody>
+          <a:bodyPr anchor="ctr">
+            <a:normAutofit/>
+          </a:bodyPr>
+          <a:lstStyle/>
+          <a:p>
+            <a:pPr marL="0" indent="0">
+              <a:buNone/>
+            </a:pPr>
+            <a:r>
+              <a:rPr lang="en-US" sz="4000" dirty="0" smtClean="0"/>
+              <a:t>Roadmap to 1.0</a:t>
+            </a:r>
+          </a:p>
+          <a:p>
+            <a:pPr lvl="1">
+              <a:buFont typeface="Wingdings" pitchFamily="2" charset="2"/>
+              <a:buChar char="v"/>
+            </a:pPr>
+            <a:r>
+              <a:rPr lang="en-US" sz="2600" dirty="0" smtClean="0"/>
+              <a:t> Today: 1.0 RC1</a:t>
+            </a:r>
+          </a:p>
+          <a:p>
+            <a:pPr lvl="1">
+              <a:buFont typeface="Wingdings" pitchFamily="2" charset="2"/>
+              <a:buChar char="v"/>
+            </a:pPr>
+            <a:r>
+              <a:rPr lang="en-US" sz="2600" dirty="0"/>
+              <a:t> </a:t>
+            </a:r>
+            <a:r>
+              <a:rPr lang="en-US" sz="2600" dirty="0" smtClean="0"/>
+              <a:t>RC2, 3, </a:t>
+            </a:r>
+            <a:r>
+              <a:rPr lang="en-US" sz="2600" dirty="0" err="1" smtClean="0"/>
+              <a:t>etc</a:t>
+            </a:r>
+            <a:r>
+              <a:rPr lang="en-US" sz="2600" dirty="0" smtClean="0"/>
+              <a:t>, will come as needed</a:t>
+            </a:r>
+          </a:p>
+          <a:p>
+            <a:pPr lvl="1">
+              <a:buFont typeface="Wingdings" pitchFamily="2" charset="2"/>
+              <a:buChar char="v"/>
+            </a:pPr>
+            <a:r>
+              <a:rPr lang="en-US" sz="2600" dirty="0"/>
+              <a:t> </a:t>
+            </a:r>
+            <a:r>
+              <a:rPr lang="en-US" sz="2600" dirty="0" smtClean="0"/>
+              <a:t>RC build becomes </a:t>
+            </a:r>
+            <a:r>
+              <a:rPr lang="en-US" sz="2600" i="1" dirty="0" smtClean="0"/>
+              <a:t>final</a:t>
+            </a:r>
+            <a:r>
+              <a:rPr lang="en-US" sz="2600" dirty="0" smtClean="0"/>
+              <a:t> if no must-fix-for-RC bugs are accepted for a few weeks.</a:t>
+            </a:r>
+          </a:p>
+          <a:p>
+            <a:pPr marL="57150" indent="0">
+              <a:buNone/>
+            </a:pPr>
+            <a:endParaRPr lang="en-US" sz="3000" dirty="0" smtClean="0"/>
+          </a:p>
+          <a:p>
+            <a:pPr marL="57150" indent="0">
+              <a:buNone/>
+            </a:pPr>
+            <a:r>
+              <a:rPr lang="en-US" sz="3000" dirty="0" smtClean="0"/>
+              <a:t>Work still left to do</a:t>
+            </a:r>
+          </a:p>
+          <a:p>
+            <a:pPr lvl="1">
+              <a:buFont typeface="Wingdings" pitchFamily="2" charset="2"/>
+              <a:buChar char="v"/>
+            </a:pPr>
+            <a:r>
+              <a:rPr lang="en-US" sz="2600" dirty="0" smtClean="0"/>
+              <a:t> Startup </a:t>
+            </a:r>
+            <a:r>
+              <a:rPr lang="en-US" sz="2600" dirty="0" err="1" smtClean="0"/>
+              <a:t>perf</a:t>
+            </a:r>
+            <a:r>
+              <a:rPr lang="en-US" sz="2600" dirty="0" smtClean="0"/>
+              <a:t>: </a:t>
+            </a:r>
+            <a:r>
+              <a:rPr lang="en-US" sz="2600" dirty="0" smtClean="0">
+                <a:solidFill>
+                  <a:schemeClr val="bg1">
+                    <a:lumMod val="75000"/>
+                  </a:schemeClr>
+                </a:solidFill>
+              </a:rPr>
+              <a:t>largest factor in perceived slowness</a:t>
+            </a:r>
+            <a:endParaRPr lang="en-US" sz="2600" dirty="0">
+              <a:solidFill>
+                <a:schemeClr val="bg1">
+                  <a:lumMod val="75000"/>
+                </a:schemeClr>
+              </a:solidFill>
+            </a:endParaRPr>
+          </a:p>
+          <a:p>
+            <a:pPr lvl="1">
+              <a:buFont typeface="Wingdings" pitchFamily="2" charset="2"/>
+              <a:buChar char="v"/>
+            </a:pPr>
+            <a:r>
+              <a:rPr lang="en-US" sz="2600" dirty="0" smtClean="0"/>
+              <a:t> Throughput </a:t>
+            </a:r>
+            <a:r>
+              <a:rPr lang="en-US" sz="2600" dirty="0" err="1" smtClean="0"/>
+              <a:t>perf</a:t>
+            </a:r>
+            <a:r>
+              <a:rPr lang="en-US" sz="2600" dirty="0" smtClean="0"/>
+              <a:t>: </a:t>
+            </a:r>
+            <a:r>
+              <a:rPr lang="en-US" sz="2600" dirty="0" smtClean="0">
+                <a:solidFill>
+                  <a:schemeClr val="bg1">
+                    <a:lumMod val="75000"/>
+                  </a:schemeClr>
+                </a:solidFill>
+              </a:rPr>
+              <a:t>related to startup, but will focus on library implementations.</a:t>
+            </a:r>
+          </a:p>
+          <a:p>
+            <a:pPr lvl="1">
+              <a:buFont typeface="Wingdings" pitchFamily="2" charset="2"/>
+              <a:buChar char="v"/>
+            </a:pPr>
+            <a:r>
+              <a:rPr lang="en-US" sz="2600" dirty="0"/>
+              <a:t> </a:t>
+            </a:r>
+            <a:r>
+              <a:rPr lang="en-US" sz="2600" dirty="0" smtClean="0"/>
+              <a:t>Bugs</a:t>
+            </a:r>
+            <a:r>
+              <a:rPr lang="en-US" sz="2600" dirty="0" smtClean="0">
+                <a:solidFill>
+                  <a:schemeClr val="bg1">
+                    <a:lumMod val="75000"/>
+                  </a:schemeClr>
+                </a:solidFill>
+              </a:rPr>
+              <a:t>: 50 open bugs, plus whatever bump the RC gives</a:t>
+            </a:r>
+          </a:p>
+        </p:txBody>
+      </p:sp>
+    </p:spTree>
+    <p:extLst>
+      <p:ext uri="{BB962C8B-B14F-4D97-AF65-F5344CB8AC3E}">
+        <p14:creationId xmlns:p14="http://schemas.microsoft.com/office/powerpoint/2010/main" val="4071894193"/>
+      </p:ext>
+    </p:extLst>
+  </p:cSld>
+  <p:clrMapOvr>
+    <a:masterClrMapping/>
+  </p:clrMapOvr>
+  <p:timing>
+    <p:tnLst>
+      <p:par>
+        <p:cTn xmlns:p14="http://schemas.microsoft.com/office/powerpoint/2010/main" id="1" dur="indefinite" restart="never" nodeType="tmRoot"/>
+      </p:par>
+    </p:tnLst>
+  </p:timing>
+</p:sld>
+</file>
+
+<file path=ppt/slides/slide25.xml><?xml version="1.0" encoding="utf-8"?>
+<p:sld xmlns:a="http://schemas.openxmlformats.org/drawingml/2006/main" xmlns:r="http://schemas.openxmlformats.org/officeDocument/2006/relationships" xmlns:p="http://schemas.openxmlformats.org/presentationml/2006/main">
+  <p:cSld>
+    <p:spTree>
+      <p:nvGrpSpPr>
+        <p:cNvPr id="1" name=""/>
+        <p:cNvGrpSpPr/>
+        <p:nvPr/>
+      </p:nvGrpSpPr>
+      <p:grpSpPr>
+        <a:xfrm>
+          <a:off x="0" y="0"/>
+          <a:ext cx="0" cy="0"/>
+          <a:chOff x="0" y="0"/>
+          <a:chExt cx="0" cy="0"/>
+        </a:xfrm>
+      </p:grpSpPr>
+      <p:sp>
+        <p:nvSpPr>
+          <p:cNvPr id="2" name="Title 1"/>
+          <p:cNvSpPr>
+            <a:spLocks noGrp="1"/>
+          </p:cNvSpPr>
+          <p:nvPr>
+            <p:ph type="title"/>
+          </p:nvPr>
+        </p:nvSpPr>
+        <p:spPr/>
+        <p:txBody>
+          <a:bodyPr/>
+          <a:lstStyle/>
+          <a:p>
+            <a:r>
+              <a:rPr lang="en-US" dirty="0" smtClean="0"/>
+              <a:t>Post 1.0</a:t>
+            </a:r>
+            <a:endParaRPr lang="en-US" dirty="0"/>
+          </a:p>
+        </p:txBody>
+      </p:sp>
+      <p:sp>
+        <p:nvSpPr>
+          <p:cNvPr id="3" name="Content Placeholder 2"/>
+          <p:cNvSpPr>
+            <a:spLocks noGrp="1"/>
+          </p:cNvSpPr>
+          <p:nvPr>
+            <p:ph idx="1"/>
+          </p:nvPr>
+        </p:nvSpPr>
+        <p:spPr>
+          <a:xfrm>
+            <a:off x="381000" y="990600"/>
+            <a:ext cx="8382000" cy="3886200"/>
+          </a:xfrm>
+        </p:spPr>
+        <p:txBody>
+          <a:bodyPr/>
+          <a:lstStyle/>
+          <a:p>
+            <a:pPr>
+              <a:buFont typeface="Wingdings" pitchFamily="2" charset="2"/>
+              <a:buChar char="v"/>
+            </a:pPr>
+            <a:r>
+              <a:rPr lang="en-US" dirty="0" smtClean="0"/>
+              <a:t> Post 1.0 releases will resume in a 2 month cycle.</a:t>
+            </a:r>
+          </a:p>
+          <a:p>
+            <a:pPr marL="0" indent="0">
+              <a:buNone/>
+            </a:pPr>
+            <a:endParaRPr lang="en-US" dirty="0" smtClean="0"/>
+          </a:p>
+          <a:p>
+            <a:pPr>
+              <a:buFont typeface="Wingdings" pitchFamily="2" charset="2"/>
+              <a:buChar char="v"/>
+            </a:pPr>
+            <a:r>
+              <a:rPr lang="en-US" dirty="0" smtClean="0"/>
+              <a:t> Visual Studio Integration</a:t>
+            </a:r>
+          </a:p>
+          <a:p>
+            <a:pPr lvl="1">
+              <a:buFont typeface="Wingdings" pitchFamily="2" charset="2"/>
+              <a:buChar char="Ø"/>
+            </a:pPr>
+            <a:r>
+              <a:rPr lang="en-US" dirty="0" smtClean="0"/>
+              <a:t> Colorization, code-completion, project system, cleaner debugger, REPL, etc.</a:t>
+            </a:r>
+            <a:endParaRPr lang="en-US" dirty="0"/>
+          </a:p>
+          <a:p>
+            <a:pPr lvl="1">
+              <a:buFont typeface="Wingdings" pitchFamily="2" charset="2"/>
+              <a:buChar char="Ø"/>
+            </a:pPr>
+            <a:r>
+              <a:rPr lang="en-US" dirty="0" smtClean="0"/>
+              <a:t> Largest requested VS2010 feature!</a:t>
+            </a:r>
+          </a:p>
+        </p:txBody>
+      </p:sp>
+    </p:spTree>
+    <p:extLst>
+      <p:ext uri="{BB962C8B-B14F-4D97-AF65-F5344CB8AC3E}">
+        <p14:creationId xmlns:p14="http://schemas.microsoft.com/office/powerpoint/2010/main" val="2449380266"/>
+      </p:ext>
+    </p:extLst>
+  </p:cSld>
+  <p:clrMapOvr>
+    <a:masterClrMapping/>
+  </p:clrMapOvr>
+  <p:timing>
+    <p:tnLst>
+      <p:par>
+        <p:cTn xmlns:p14="http://schemas.microsoft.com/office/powerpoint/2010/main" id="1" dur="indefinite" restart="never" nodeType="tmRoot"/>
+      </p:par>
+    </p:tnLst>
+  </p:timing>
+</p:sld>
+</file>
+
+<file path=ppt/slides/slide26.xml><?xml version="1.0" encoding="utf-8"?>
+<p:sld xmlns:a="http://schemas.openxmlformats.org/drawingml/2006/main" xmlns:r="http://schemas.openxmlformats.org/officeDocument/2006/relationships" xmlns:p="http://schemas.openxmlformats.org/presentationml/2006/main">
+  <p:cSld>
+    <p:spTree>
+      <p:nvGrpSpPr>
+        <p:cNvPr id="1" name=""/>
+        <p:cNvGrpSpPr/>
+        <p:nvPr/>
+      </p:nvGrpSpPr>
+      <p:grpSpPr>
+        <a:xfrm>
+          <a:off x="0" y="0"/>
+          <a:ext cx="0" cy="0"/>
+          <a:chOff x="0" y="0"/>
+          <a:chExt cx="0" cy="0"/>
+        </a:xfrm>
+      </p:grpSpPr>
+      <p:pic>
+        <p:nvPicPr>
+          <p:cNvPr id="4" name="Picture 3"/>
+          <p:cNvPicPr>
+            <a:picLocks noChangeAspect="1" noChangeArrowheads="1"/>
+          </p:cNvPicPr>
+          <p:nvPr/>
+        </p:nvPicPr>
+        <p:blipFill>
+          <a:blip r:embed="rId2">
+            <a:extLst>
+              <a:ext uri="{28A0092B-C50C-407E-A947-70E740481C1C}">
+                <a14:useLocalDpi xmlns:a14="http://schemas.microsoft.com/office/drawing/2010/main" val="0"/>
+              </a:ext>
+            </a:extLst>
+          </a:blip>
+          <a:srcRect/>
+          <a:stretch>
+            <a:fillRect/>
+          </a:stretch>
+        </p:blipFill>
+        <p:spPr bwMode="auto">
+          <a:xfrm>
+            <a:off x="0" y="1371600"/>
+            <a:ext cx="9174271" cy="3886200"/>
+          </a:xfrm>
+          <a:prstGeom prst="rect">
+            <a:avLst/>
+          </a:prstGeom>
+          <a:noFill/>
+          <a:ln>
+            <a:noFill/>
+          </a:ln>
+          <a:effectLst/>
+          <a:extLst>
+            <a:ext uri="{909E8E84-426E-40DD-AFC4-6F175D3DCCD1}">
+              <a14:hiddenFill xmlns:a14="http://schemas.microsoft.com/office/drawing/2010/main">
+                <a:solidFill>
+                  <a:schemeClr val="accent1"/>
+                </a:solidFill>
+              </a14:hiddenFill>
+            </a:ext>
+            <a:ext uri="{91240B29-F687-4F45-9708-019B960494DF}">
+              <a14:hiddenLine xmlns:a14="http://schemas.microsoft.com/office/drawing/2010/main" w="9525">
+                <a:solidFill>
+                  <a:schemeClr val="tx1"/>
+                </a:solidFill>
+                <a:miter lim="800000"/>
+                <a:headEnd/>
+                <a:tailEnd/>
+              </a14:hiddenLine>
+            </a:ext>
+            <a:ext uri="{AF507438-7753-43E0-B8FC-AC1667EBCBE1}">
+              <a14:hiddenEffects xmlns:a14="http://schemas.microsoft.com/office/drawing/2010/main">
+                <a:effectLst>
+                  <a:outerShdw dist="35921" dir="2700000" algn="ctr" rotWithShape="0">
+                    <a:schemeClr val="bg2"/>
+                  </a:outerShdw>
+                </a:effectLst>
+              </a14:hiddenEffects>
+            </a:ext>
+          </a:extLst>
+        </p:spPr>
+      </p:pic>
+    </p:spTree>
+    <p:extLst>
+      <p:ext uri="{BB962C8B-B14F-4D97-AF65-F5344CB8AC3E}">
+        <p14:creationId xmlns:p14="http://schemas.microsoft.com/office/powerpoint/2010/main" val="780564518"/>
+      </p:ext>
+    </p:extLst>
+  </p:cSld>
+  <p:clrMapOvr>
+    <a:masterClrMapping/>
+  </p:clrMapOvr>
+  <p:timing>
+    <p:tnLst>
+      <p:par>
+        <p:cTn xmlns:p14="http://schemas.microsoft.com/office/powerpoint/2010/main" id="1" dur="indefinite" restart="never" nodeType="tmRoot"/>
+      </p:par>
+    </p:tnLst>
+  </p:timing>
+</p:sld>
+</file>
+
+<file path=ppt/slides/slide27.xml><?xml version="1.0" encoding="utf-8"?>
+<p:sld xmlns:a="http://schemas.openxmlformats.org/drawingml/2006/main" xmlns:r="http://schemas.openxmlformats.org/officeDocument/2006/relationships" xmlns:p="http://schemas.openxmlformats.org/presentationml/2006/main">
+  <p:cSld>
+    <p:spTree>
+      <p:nvGrpSpPr>
+        <p:cNvPr id="1" name=""/>
+        <p:cNvGrpSpPr/>
+        <p:nvPr/>
+      </p:nvGrpSpPr>
+      <p:grpSpPr>
+        <a:xfrm>
+          <a:off x="0" y="0"/>
+          <a:ext cx="0" cy="0"/>
+          <a:chOff x="0" y="0"/>
+          <a:chExt cx="0" cy="0"/>
+        </a:xfrm>
+      </p:grpSpPr>
+      <p:sp>
+        <p:nvSpPr>
+          <p:cNvPr id="2" name="Title 1"/>
+          <p:cNvSpPr>
+            <a:spLocks noGrp="1"/>
+          </p:cNvSpPr>
+          <p:nvPr>
+            <p:ph type="title"/>
+          </p:nvPr>
+        </p:nvSpPr>
+        <p:spPr/>
+        <p:txBody>
+          <a:bodyPr/>
+          <a:lstStyle/>
+          <a:p>
+            <a:r>
+              <a:rPr lang="en-US" dirty="0" err="1"/>
+              <a:t>i</a:t>
+            </a:r>
+            <a:r>
+              <a:rPr lang="en-US" dirty="0" err="1" smtClean="0"/>
+              <a:t>ronruby-contrib</a:t>
+            </a:r>
+            <a:endParaRPr lang="en-US" dirty="0"/>
+          </a:p>
+        </p:txBody>
+      </p:sp>
+      <p:sp>
+        <p:nvSpPr>
+          <p:cNvPr id="3" name="Content Placeholder 2"/>
+          <p:cNvSpPr>
+            <a:spLocks noGrp="1"/>
+          </p:cNvSpPr>
+          <p:nvPr>
+            <p:ph idx="1"/>
+          </p:nvPr>
+        </p:nvSpPr>
+        <p:spPr>
+          <a:xfrm>
+            <a:off x="381000" y="1143000"/>
+            <a:ext cx="8382000" cy="5257800"/>
+          </a:xfrm>
+        </p:spPr>
+        <p:txBody>
+          <a:bodyPr>
+            <a:normAutofit lnSpcReduction="10000"/>
+          </a:bodyPr>
+          <a:lstStyle/>
+          <a:p>
+            <a:pPr marL="0" lvl="0" indent="0">
+              <a:buNone/>
+            </a:pPr>
+            <a:r>
+              <a:rPr lang="en-US" dirty="0"/>
+              <a:t>c</a:t>
+            </a:r>
+            <a:r>
+              <a:rPr lang="en-US" dirty="0" smtClean="0"/>
+              <a:t>ucumber </a:t>
+            </a:r>
+            <a:r>
+              <a:rPr lang="en-US" sz="2600" dirty="0">
+                <a:solidFill>
+                  <a:schemeClr val="tx1">
+                    <a:lumMod val="50000"/>
+                    <a:lumOff val="50000"/>
+                  </a:schemeClr>
+                </a:solidFill>
+              </a:rPr>
+              <a:t>on .NET with </a:t>
+            </a:r>
+            <a:r>
+              <a:rPr lang="en-US" sz="2600" dirty="0" err="1">
+                <a:solidFill>
+                  <a:schemeClr val="tx1">
+                    <a:lumMod val="50000"/>
+                    <a:lumOff val="50000"/>
+                  </a:schemeClr>
+                </a:solidFill>
+              </a:rPr>
+              <a:t>IronRuby</a:t>
+            </a:r>
+            <a:endParaRPr lang="en-US" sz="2600" dirty="0">
+              <a:solidFill>
+                <a:schemeClr val="tx1">
+                  <a:lumMod val="50000"/>
+                  <a:lumOff val="50000"/>
+                </a:schemeClr>
+              </a:solidFill>
+            </a:endParaRPr>
+          </a:p>
+          <a:p>
+            <a:pPr marL="0" lvl="0" indent="0">
+              <a:buNone/>
+            </a:pPr>
+            <a:r>
+              <a:rPr lang="en-US" dirty="0"/>
+              <a:t>c</a:t>
+            </a:r>
+            <a:r>
+              <a:rPr lang="en-US" dirty="0" smtClean="0"/>
+              <a:t>aricature </a:t>
+            </a:r>
+            <a:r>
+              <a:rPr lang="en-US" sz="2600" dirty="0" smtClean="0">
+                <a:solidFill>
+                  <a:schemeClr val="tx1">
+                    <a:lumMod val="50000"/>
+                    <a:lumOff val="50000"/>
+                  </a:schemeClr>
+                </a:solidFill>
+              </a:rPr>
+              <a:t> </a:t>
+            </a:r>
+            <a:r>
+              <a:rPr lang="en-US" sz="2600" dirty="0">
+                <a:solidFill>
+                  <a:schemeClr val="tx1">
+                    <a:lumMod val="50000"/>
+                    <a:lumOff val="50000"/>
+                  </a:schemeClr>
+                </a:solidFill>
+              </a:rPr>
+              <a:t>Mocking static types with </a:t>
+            </a:r>
+            <a:r>
+              <a:rPr lang="en-US" sz="2600" dirty="0" err="1">
+                <a:solidFill>
+                  <a:schemeClr val="tx1">
+                    <a:lumMod val="50000"/>
+                    <a:lumOff val="50000"/>
+                  </a:schemeClr>
+                </a:solidFill>
+              </a:rPr>
+              <a:t>IronRuby</a:t>
+            </a:r>
+            <a:endParaRPr lang="en-US" sz="2600" dirty="0">
+              <a:solidFill>
+                <a:schemeClr val="tx1">
+                  <a:lumMod val="50000"/>
+                  <a:lumOff val="50000"/>
+                </a:schemeClr>
+              </a:solidFill>
+            </a:endParaRPr>
+          </a:p>
+          <a:p>
+            <a:pPr marL="0" lvl="0" indent="0">
+              <a:buNone/>
+            </a:pPr>
+            <a:r>
+              <a:rPr lang="en-US" dirty="0" err="1"/>
+              <a:t>i</a:t>
+            </a:r>
+            <a:r>
+              <a:rPr lang="en-US" dirty="0" err="1" smtClean="0"/>
+              <a:t>ronruby.rack</a:t>
+            </a:r>
+            <a:r>
+              <a:rPr lang="en-US" dirty="0" smtClean="0"/>
+              <a:t> </a:t>
+            </a:r>
+            <a:r>
+              <a:rPr lang="en-US" sz="2600" dirty="0" smtClean="0">
+                <a:solidFill>
+                  <a:schemeClr val="tx1">
+                    <a:lumMod val="50000"/>
+                    <a:lumOff val="50000"/>
+                  </a:schemeClr>
+                </a:solidFill>
+              </a:rPr>
+              <a:t>rack-based </a:t>
+            </a:r>
+            <a:r>
+              <a:rPr lang="en-US" sz="2600" dirty="0">
+                <a:solidFill>
+                  <a:schemeClr val="tx1">
+                    <a:lumMod val="50000"/>
+                    <a:lumOff val="50000"/>
+                  </a:schemeClr>
+                </a:solidFill>
+              </a:rPr>
+              <a:t>web apps on IIS</a:t>
+            </a:r>
+          </a:p>
+          <a:p>
+            <a:pPr marL="0" lvl="0" indent="0">
+              <a:buNone/>
+            </a:pPr>
+            <a:r>
+              <a:rPr lang="en-US" dirty="0" err="1"/>
+              <a:t>ironruby-dbi</a:t>
+            </a:r>
+            <a:r>
+              <a:rPr lang="en-US" dirty="0"/>
+              <a:t> </a:t>
+            </a:r>
+            <a:r>
+              <a:rPr lang="en-US" sz="2600" dirty="0" smtClean="0">
+                <a:solidFill>
+                  <a:schemeClr val="tx1">
+                    <a:lumMod val="50000"/>
+                    <a:lumOff val="50000"/>
+                  </a:schemeClr>
+                </a:solidFill>
+              </a:rPr>
+              <a:t> </a:t>
+            </a:r>
+            <a:r>
+              <a:rPr lang="en-US" sz="2600" dirty="0">
+                <a:solidFill>
+                  <a:schemeClr val="tx1">
+                    <a:lumMod val="50000"/>
+                    <a:lumOff val="50000"/>
+                  </a:schemeClr>
+                </a:solidFill>
+              </a:rPr>
+              <a:t>port of </a:t>
+            </a:r>
+            <a:r>
+              <a:rPr lang="en-US" sz="2600" dirty="0" err="1">
+                <a:solidFill>
+                  <a:schemeClr val="tx1">
+                    <a:lumMod val="50000"/>
+                    <a:lumOff val="50000"/>
+                  </a:schemeClr>
+                </a:solidFill>
+              </a:rPr>
+              <a:t>dbi</a:t>
+            </a:r>
+            <a:r>
+              <a:rPr lang="en-US" sz="2600" dirty="0">
+                <a:solidFill>
+                  <a:schemeClr val="tx1">
+                    <a:lumMod val="50000"/>
+                    <a:lumOff val="50000"/>
+                  </a:schemeClr>
+                </a:solidFill>
+              </a:rPr>
+              <a:t> – enables </a:t>
+            </a:r>
+            <a:r>
+              <a:rPr lang="en-US" sz="2600" dirty="0" smtClean="0">
+                <a:solidFill>
+                  <a:schemeClr val="tx1">
+                    <a:lumMod val="50000"/>
+                    <a:lumOff val="50000"/>
+                  </a:schemeClr>
+                </a:solidFill>
+              </a:rPr>
+              <a:t>current </a:t>
+            </a:r>
+            <a:r>
+              <a:rPr lang="en-US" sz="2600" dirty="0" err="1" smtClean="0">
+                <a:solidFill>
+                  <a:schemeClr val="tx1">
+                    <a:lumMod val="50000"/>
+                    <a:lumOff val="50000"/>
+                  </a:schemeClr>
+                </a:solidFill>
+              </a:rPr>
+              <a:t>ActiveRecord</a:t>
+            </a:r>
+            <a:r>
+              <a:rPr lang="en-US" sz="2600" dirty="0" smtClean="0">
+                <a:solidFill>
+                  <a:schemeClr val="tx1">
+                    <a:lumMod val="50000"/>
+                    <a:lumOff val="50000"/>
+                  </a:schemeClr>
+                </a:solidFill>
+              </a:rPr>
+              <a:t>/</a:t>
+            </a:r>
+            <a:r>
+              <a:rPr lang="en-US" sz="2600" dirty="0" err="1" smtClean="0">
+                <a:solidFill>
+                  <a:schemeClr val="tx1">
+                    <a:lumMod val="50000"/>
+                    <a:lumOff val="50000"/>
+                  </a:schemeClr>
+                </a:solidFill>
+              </a:rPr>
+              <a:t>DataMapper</a:t>
+            </a:r>
+            <a:r>
+              <a:rPr lang="en-US" sz="2600" dirty="0" smtClean="0">
+                <a:solidFill>
+                  <a:schemeClr val="tx1">
+                    <a:lumMod val="50000"/>
+                    <a:lumOff val="50000"/>
+                  </a:schemeClr>
+                </a:solidFill>
+              </a:rPr>
+              <a:t> </a:t>
+            </a:r>
+            <a:r>
+              <a:rPr lang="en-US" sz="2600" dirty="0" err="1">
+                <a:solidFill>
+                  <a:schemeClr val="tx1">
+                    <a:lumMod val="50000"/>
+                    <a:lumOff val="50000"/>
+                  </a:schemeClr>
+                </a:solidFill>
+              </a:rPr>
+              <a:t>SQLServer</a:t>
+            </a:r>
+            <a:r>
+              <a:rPr lang="en-US" sz="2600" dirty="0">
+                <a:solidFill>
+                  <a:schemeClr val="tx1">
+                    <a:lumMod val="50000"/>
+                    <a:lumOff val="50000"/>
+                  </a:schemeClr>
+                </a:solidFill>
+              </a:rPr>
+              <a:t>/SQLite# to just work with </a:t>
+            </a:r>
+            <a:r>
+              <a:rPr lang="en-US" sz="2600" dirty="0" err="1">
+                <a:solidFill>
+                  <a:schemeClr val="tx1">
+                    <a:lumMod val="50000"/>
+                    <a:lumOff val="50000"/>
+                  </a:schemeClr>
+                </a:solidFill>
+              </a:rPr>
+              <a:t>IronRuby</a:t>
+            </a:r>
+            <a:endParaRPr lang="en-US" sz="2600" dirty="0">
+              <a:solidFill>
+                <a:schemeClr val="tx1">
+                  <a:lumMod val="50000"/>
+                  <a:lumOff val="50000"/>
+                </a:schemeClr>
+              </a:solidFill>
+            </a:endParaRPr>
+          </a:p>
+          <a:p>
+            <a:pPr marL="0" lvl="0" indent="0">
+              <a:buNone/>
+            </a:pPr>
+            <a:r>
+              <a:rPr lang="en-US" dirty="0" err="1" smtClean="0"/>
+              <a:t>ironmvc</a:t>
+            </a:r>
+            <a:r>
+              <a:rPr lang="en-US" dirty="0" smtClean="0"/>
+              <a:t> </a:t>
+            </a:r>
+            <a:r>
+              <a:rPr lang="en-US" sz="2600" dirty="0" smtClean="0">
+                <a:solidFill>
+                  <a:schemeClr val="tx1">
+                    <a:lumMod val="50000"/>
+                    <a:lumOff val="50000"/>
+                  </a:schemeClr>
+                </a:solidFill>
+              </a:rPr>
+              <a:t> </a:t>
+            </a:r>
+            <a:r>
+              <a:rPr lang="en-US" sz="2600" dirty="0" err="1">
+                <a:solidFill>
+                  <a:schemeClr val="tx1">
+                    <a:lumMod val="50000"/>
+                    <a:lumOff val="50000"/>
+                  </a:schemeClr>
+                </a:solidFill>
+              </a:rPr>
+              <a:t>IronRuby</a:t>
+            </a:r>
+            <a:r>
+              <a:rPr lang="en-US" sz="2600" dirty="0">
+                <a:solidFill>
+                  <a:schemeClr val="tx1">
+                    <a:lumMod val="50000"/>
+                    <a:lumOff val="50000"/>
+                  </a:schemeClr>
+                </a:solidFill>
+              </a:rPr>
+              <a:t> support for ASP.NET </a:t>
+            </a:r>
+            <a:r>
+              <a:rPr lang="en-US" sz="2600" dirty="0" smtClean="0">
+                <a:solidFill>
+                  <a:schemeClr val="tx1">
+                    <a:lumMod val="50000"/>
+                    <a:lumOff val="50000"/>
+                  </a:schemeClr>
+                </a:solidFill>
+              </a:rPr>
+              <a:t>MVC applications</a:t>
+            </a:r>
+            <a:endParaRPr lang="en-US" sz="2600" dirty="0">
+              <a:solidFill>
+                <a:schemeClr val="tx1">
+                  <a:lumMod val="50000"/>
+                  <a:lumOff val="50000"/>
+                </a:schemeClr>
+              </a:solidFill>
+            </a:endParaRPr>
+          </a:p>
+          <a:p>
+            <a:pPr marL="0" lvl="0" indent="0">
+              <a:buNone/>
+            </a:pPr>
+            <a:r>
+              <a:rPr lang="en-US" dirty="0"/>
+              <a:t>g</a:t>
+            </a:r>
+            <a:r>
+              <a:rPr lang="en-US" dirty="0" smtClean="0"/>
+              <a:t>estalt </a:t>
+            </a:r>
+            <a:r>
+              <a:rPr lang="en-US" sz="2400" dirty="0" smtClean="0">
+                <a:solidFill>
+                  <a:schemeClr val="tx1">
+                    <a:lumMod val="50000"/>
+                    <a:lumOff val="50000"/>
+                  </a:schemeClr>
+                </a:solidFill>
+              </a:rPr>
+              <a:t> </a:t>
+            </a:r>
+            <a:r>
+              <a:rPr lang="en-US" sz="2400" dirty="0">
+                <a:solidFill>
+                  <a:schemeClr val="tx1">
+                    <a:lumMod val="50000"/>
+                    <a:lumOff val="50000"/>
+                  </a:schemeClr>
+                </a:solidFill>
+              </a:rPr>
+              <a:t>replacing JavaScript with Ruby (now merged into </a:t>
+            </a:r>
+            <a:r>
+              <a:rPr lang="en-US" sz="2400" dirty="0" err="1">
+                <a:solidFill>
+                  <a:schemeClr val="tx1">
+                    <a:lumMod val="50000"/>
+                    <a:lumOff val="50000"/>
+                  </a:schemeClr>
+                </a:solidFill>
+              </a:rPr>
+              <a:t>IronRuby</a:t>
+            </a:r>
+            <a:r>
+              <a:rPr lang="en-US" sz="2400" dirty="0">
+                <a:solidFill>
+                  <a:schemeClr val="tx1">
+                    <a:lumMod val="50000"/>
+                    <a:lumOff val="50000"/>
+                  </a:schemeClr>
+                </a:solidFill>
+              </a:rPr>
+              <a:t>)</a:t>
+            </a:r>
+          </a:p>
+          <a:p>
+            <a:pPr marL="0" indent="0">
+              <a:buNone/>
+            </a:pPr>
+            <a:r>
+              <a:rPr lang="en-US" dirty="0"/>
+              <a:t>m</a:t>
+            </a:r>
+            <a:r>
+              <a:rPr lang="en-US" dirty="0" smtClean="0"/>
+              <a:t>agic</a:t>
+            </a:r>
+            <a:r>
+              <a:rPr lang="en-US" sz="2400" dirty="0" smtClean="0">
+                <a:solidFill>
+                  <a:schemeClr val="tx1">
+                    <a:lumMod val="50000"/>
+                    <a:lumOff val="50000"/>
+                  </a:schemeClr>
+                </a:solidFill>
+              </a:rPr>
+              <a:t>  </a:t>
+            </a:r>
+            <a:r>
+              <a:rPr lang="en-US" sz="2400" dirty="0">
+                <a:solidFill>
+                  <a:schemeClr val="tx1">
+                    <a:lumMod val="50000"/>
+                    <a:lumOff val="50000"/>
+                  </a:schemeClr>
+                </a:solidFill>
+              </a:rPr>
+              <a:t>a UI framework for </a:t>
+            </a:r>
+            <a:r>
+              <a:rPr lang="en-US" sz="2400" dirty="0" smtClean="0">
+                <a:solidFill>
+                  <a:schemeClr val="tx1">
+                    <a:lumMod val="50000"/>
+                    <a:lumOff val="50000"/>
+                  </a:schemeClr>
+                </a:solidFill>
+              </a:rPr>
+              <a:t>Ruby</a:t>
+            </a:r>
+            <a:endParaRPr lang="en-US" sz="2400" dirty="0">
+              <a:solidFill>
+                <a:schemeClr val="tx1">
+                  <a:lumMod val="50000"/>
+                  <a:lumOff val="50000"/>
+                </a:schemeClr>
+              </a:solidFill>
+            </a:endParaRPr>
+          </a:p>
+        </p:txBody>
+      </p:sp>
+    </p:spTree>
+    <p:extLst>
+      <p:ext uri="{BB962C8B-B14F-4D97-AF65-F5344CB8AC3E}">
+        <p14:creationId xmlns:p14="http://schemas.microsoft.com/office/powerpoint/2010/main" val="472055473"/>
+      </p:ext>
+    </p:extLst>
+  </p:cSld>
+  <p:clrMapOvr>
+    <a:masterClrMapping/>
+  </p:clrMapOvr>
+  <p:timing>
+    <p:tnLst>
+      <p:par>
+        <p:cTn xmlns:p14="http://schemas.microsoft.com/office/powerpoint/2010/main" id="1" dur="indefinite" restart="never" nodeType="tmRoot"/>
+      </p:par>
+    </p:tnLst>
+  </p:timing>
+</p:sld>
+</file>
+
+<file path=ppt/slides/slide28.xml><?xml version="1.0" encoding="utf-8"?>
+<p:sld xmlns:a="http://schemas.openxmlformats.org/drawingml/2006/main" xmlns:r="http://schemas.openxmlformats.org/officeDocument/2006/relationships" xmlns:p="http://schemas.openxmlformats.org/presentationml/2006/main">
+  <p:cSld>
+    <p:spTree>
+      <p:nvGrpSpPr>
+        <p:cNvPr id="1" name=""/>
+        <p:cNvGrpSpPr/>
+        <p:nvPr/>
+      </p:nvGrpSpPr>
+      <p:grpSpPr>
+        <a:xfrm>
+          <a:off x="0" y="0"/>
+          <a:ext cx="0" cy="0"/>
+          <a:chOff x="0" y="0"/>
+          <a:chExt cx="0" cy="0"/>
+        </a:xfrm>
+      </p:grpSpPr>
+      <p:sp>
+        <p:nvSpPr>
+          <p:cNvPr id="2" name="Title 1"/>
+          <p:cNvSpPr>
+            <a:spLocks noGrp="1"/>
+          </p:cNvSpPr>
+          <p:nvPr>
+            <p:ph type="ctrTitle"/>
+          </p:nvPr>
+        </p:nvSpPr>
+        <p:spPr>
+          <a:xfrm>
+            <a:off x="609600" y="2130425"/>
+            <a:ext cx="7924800" cy="1470025"/>
+          </a:xfrm>
+        </p:spPr>
+        <p:txBody>
+          <a:bodyPr>
+            <a:noAutofit/>
+          </a:bodyPr>
+          <a:lstStyle/>
+          <a:p>
+            <a:r>
               <a:rPr lang="en-US" sz="9600" dirty="0" smtClean="0"/>
               <a:t>Questions?</a:t>
             </a:r>
@@ -8722,6 +11702,439 @@
 </file>
 
 <file path=ppt/slides/slide4.xml><?xml version="1.0" encoding="utf-8"?>
+<p:sld xmlns:a="http://schemas.openxmlformats.org/drawingml/2006/main" xmlns:r="http://schemas.openxmlformats.org/officeDocument/2006/relationships" xmlns:p="http://schemas.openxmlformats.org/presentationml/2006/main">
+  <p:cSld>
+    <p:spTree>
+      <p:nvGrpSpPr>
+        <p:cNvPr id="1" name=""/>
+        <p:cNvGrpSpPr/>
+        <p:nvPr/>
+      </p:nvGrpSpPr>
+      <p:grpSpPr>
+        <a:xfrm>
+          <a:off x="0" y="0"/>
+          <a:ext cx="0" cy="0"/>
+          <a:chOff x="0" y="0"/>
+          <a:chExt cx="0" cy="0"/>
+        </a:xfrm>
+      </p:grpSpPr>
+      <p:pic>
+        <p:nvPicPr>
+          <p:cNvPr id="4098" name="Picture 2" descr="C:\Users\jimmysch\Pictures\Slide Shows\gem-install.tiff"/>
+          <p:cNvPicPr>
+            <a:picLocks noChangeAspect="1" noChangeArrowheads="1"/>
+          </p:cNvPicPr>
+          <p:nvPr/>
+        </p:nvPicPr>
+        <p:blipFill>
+          <a:blip r:embed="rId2">
+            <a:extLst>
+              <a:ext uri="{28A0092B-C50C-407E-A947-70E740481C1C}">
+                <a14:useLocalDpi xmlns:a14="http://schemas.microsoft.com/office/drawing/2010/main" val="0"/>
+              </a:ext>
+            </a:extLst>
+          </a:blip>
+          <a:srcRect/>
+          <a:stretch>
+            <a:fillRect/>
+          </a:stretch>
+        </p:blipFill>
+        <p:spPr bwMode="auto">
+          <a:xfrm>
+            <a:off x="-9196" y="2171700"/>
+            <a:ext cx="9162393" cy="2514600"/>
+          </a:xfrm>
+          <a:prstGeom prst="rect">
+            <a:avLst/>
+          </a:prstGeom>
+          <a:noFill/>
+          <a:extLst>
+            <a:ext uri="{909E8E84-426E-40DD-AFC4-6F175D3DCCD1}">
+              <a14:hiddenFill xmlns:a14="http://schemas.microsoft.com/office/drawing/2010/main">
+                <a:solidFill>
+                  <a:srgbClr xmlns:mc="http://schemas.openxmlformats.org/markup-compatibility/2006" val="FFFFFF" mc:Ignorable=""/>
+                </a:solidFill>
+              </a14:hiddenFill>
+            </a:ext>
+          </a:extLst>
+        </p:spPr>
+      </p:pic>
+    </p:spTree>
+    <p:extLst>
+      <p:ext uri="{BB962C8B-B14F-4D97-AF65-F5344CB8AC3E}">
+        <p14:creationId xmlns:p14="http://schemas.microsoft.com/office/powerpoint/2010/main" val="63663423"/>
+      </p:ext>
+    </p:extLst>
+  </p:cSld>
+  <p:clrMapOvr>
+    <a:masterClrMapping/>
+  </p:clrMapOvr>
+  <p:timing>
+    <p:tnLst>
+      <p:par>
+        <p:cTn xmlns:p14="http://schemas.microsoft.com/office/powerpoint/2010/main" id="1" dur="indefinite" restart="never" nodeType="tmRoot"/>
+      </p:par>
+    </p:tnLst>
+  </p:timing>
+</p:sld>
+</file>
+
+<file path=ppt/slides/slide5.xml><?xml version="1.0" encoding="utf-8"?>
+<p:sld xmlns:a="http://schemas.openxmlformats.org/drawingml/2006/main" xmlns:r="http://schemas.openxmlformats.org/officeDocument/2006/relationships" xmlns:p="http://schemas.openxmlformats.org/presentationml/2006/main">
+  <p:cSld>
+    <p:spTree>
+      <p:nvGrpSpPr>
+        <p:cNvPr id="1" name=""/>
+        <p:cNvGrpSpPr/>
+        <p:nvPr/>
+      </p:nvGrpSpPr>
+      <p:grpSpPr>
+        <a:xfrm>
+          <a:off x="0" y="0"/>
+          <a:ext cx="0" cy="0"/>
+          <a:chOff x="0" y="0"/>
+          <a:chExt cx="0" cy="0"/>
+        </a:xfrm>
+      </p:grpSpPr>
+      <p:pic>
+        <p:nvPicPr>
+          <p:cNvPr id="4" name="Picture 3" descr="C:\Users\jimmysch\Pictures\Slide Shows\rails.tiff"/>
+          <p:cNvPicPr>
+            <a:picLocks noChangeAspect="1" noChangeArrowheads="1"/>
+          </p:cNvPicPr>
+          <p:nvPr/>
+        </p:nvPicPr>
+        <p:blipFill>
+          <a:blip r:embed="rId2">
+            <a:extLst>
+              <a:ext uri="{28A0092B-C50C-407E-A947-70E740481C1C}">
+                <a14:useLocalDpi xmlns:a14="http://schemas.microsoft.com/office/drawing/2010/main" val="0"/>
+              </a:ext>
+            </a:extLst>
+          </a:blip>
+          <a:srcRect/>
+          <a:stretch>
+            <a:fillRect/>
+          </a:stretch>
+        </p:blipFill>
+        <p:spPr bwMode="auto">
+          <a:xfrm>
+            <a:off x="0" y="-18082"/>
+            <a:ext cx="13030200" cy="12197761"/>
+          </a:xfrm>
+          <a:prstGeom prst="rect">
+            <a:avLst/>
+          </a:prstGeom>
+          <a:noFill/>
+          <a:extLst>
+            <a:ext uri="{909E8E84-426E-40DD-AFC4-6F175D3DCCD1}">
+              <a14:hiddenFill xmlns:a14="http://schemas.microsoft.com/office/drawing/2010/main">
+                <a:solidFill>
+                  <a:srgbClr xmlns:mc="http://schemas.openxmlformats.org/markup-compatibility/2006" val="FFFFFF" mc:Ignorable=""/>
+                </a:solidFill>
+              </a14:hiddenFill>
+            </a:ext>
+          </a:extLst>
+        </p:spPr>
+      </p:pic>
+    </p:spTree>
+    <p:extLst>
+      <p:ext uri="{BB962C8B-B14F-4D97-AF65-F5344CB8AC3E}">
+        <p14:creationId xmlns:p14="http://schemas.microsoft.com/office/powerpoint/2010/main" val="2051069352"/>
+      </p:ext>
+    </p:extLst>
+  </p:cSld>
+  <p:clrMapOvr>
+    <a:masterClrMapping/>
+  </p:clrMapOvr>
+  <p:timing>
+    <p:tnLst>
+      <p:par>
+        <p:cTn xmlns:p14="http://schemas.microsoft.com/office/powerpoint/2010/main" id="1" dur="indefinite" restart="never" nodeType="tmRoot"/>
+      </p:par>
+    </p:tnLst>
+  </p:timing>
+</p:sld>
+</file>
+
+<file path=ppt/slides/slide6.xml><?xml version="1.0" encoding="utf-8"?>
+<p:sld xmlns:a="http://schemas.openxmlformats.org/drawingml/2006/main" xmlns:r="http://schemas.openxmlformats.org/officeDocument/2006/relationships" xmlns:p="http://schemas.openxmlformats.org/presentationml/2006/main">
+  <p:cSld>
+    <p:bg>
+      <p:bgPr>
+        <a:gradFill>
+          <a:gsLst>
+            <a:gs pos="100000">
+              <a:schemeClr val="tx1">
+                <a:alpha val="50000"/>
+              </a:schemeClr>
+            </a:gs>
+            <a:gs pos="0">
+              <a:schemeClr val="accent1">
+                <a:tint val="23500"/>
+                <a:satMod val="160000"/>
+              </a:schemeClr>
+            </a:gs>
+          </a:gsLst>
+          <a:lin ang="5400000" scaled="0"/>
+        </a:gradFill>
+        <a:effectLst/>
+      </p:bgPr>
+    </p:bg>
+    <p:spTree>
+      <p:nvGrpSpPr>
+        <p:cNvPr id="1" name=""/>
+        <p:cNvGrpSpPr/>
+        <p:nvPr/>
+      </p:nvGrpSpPr>
+      <p:grpSpPr>
+        <a:xfrm>
+          <a:off x="0" y="0"/>
+          <a:ext cx="0" cy="0"/>
+          <a:chOff x="0" y="0"/>
+          <a:chExt cx="0" cy="0"/>
+        </a:xfrm>
+      </p:grpSpPr>
+      <p:sp>
+        <p:nvSpPr>
+          <p:cNvPr id="3" name="Content Placeholder 2"/>
+          <p:cNvSpPr>
+            <a:spLocks noGrp="1"/>
+          </p:cNvSpPr>
+          <p:nvPr>
+            <p:ph idx="1"/>
+          </p:nvPr>
+        </p:nvSpPr>
+        <p:spPr>
+          <a:xfrm>
+            <a:off x="381000" y="2057400"/>
+            <a:ext cx="8382000" cy="2743200"/>
+          </a:xfrm>
+        </p:spPr>
+        <p:txBody>
+          <a:bodyPr>
+            <a:noAutofit/>
+          </a:bodyPr>
+          <a:lstStyle/>
+          <a:p>
+            <a:pPr marL="0" indent="0">
+              <a:buNone/>
+            </a:pPr>
+            <a:r>
+              <a:rPr lang="en-US" sz="6000" dirty="0" err="1">
+                <a:solidFill>
+                  <a:schemeClr val="bg1">
+                    <a:lumMod val="95000"/>
+                  </a:schemeClr>
+                </a:solidFill>
+                <a:hlinkClick r:id="rId2"/>
+              </a:rPr>
+              <a:t>IronRuby</a:t>
+            </a:r>
+            <a:r>
+              <a:rPr lang="en-US" sz="6000" dirty="0">
+                <a:solidFill>
+                  <a:schemeClr val="bg1">
+                    <a:lumMod val="95000"/>
+                  </a:schemeClr>
+                </a:solidFill>
+                <a:hlinkClick r:id="rId2"/>
+              </a:rPr>
+              <a:t> at OSCON </a:t>
+            </a:r>
+            <a:r>
+              <a:rPr lang="en-US" sz="6000" dirty="0" smtClean="0">
+                <a:solidFill>
+                  <a:schemeClr val="bg1">
+                    <a:lumMod val="95000"/>
+                  </a:schemeClr>
+                </a:solidFill>
+                <a:hlinkClick r:id="rId2"/>
+              </a:rPr>
+              <a:t>2009</a:t>
+            </a:r>
+          </a:p>
+          <a:p>
+            <a:pPr marL="0" indent="0" algn="ctr">
+              <a:buNone/>
+            </a:pPr>
+            <a:r>
+              <a:rPr lang="en-US" sz="4800" dirty="0" smtClean="0">
+                <a:solidFill>
+                  <a:schemeClr val="bg1">
+                    <a:lumMod val="95000"/>
+                  </a:schemeClr>
+                </a:solidFill>
+                <a:hlinkClick r:id="rId2"/>
+              </a:rPr>
+              <a:t>Mono</a:t>
+            </a:r>
+            <a:r>
+              <a:rPr lang="en-US" sz="4800" dirty="0">
+                <a:solidFill>
+                  <a:schemeClr val="bg1">
+                    <a:lumMod val="95000"/>
+                  </a:schemeClr>
+                </a:solidFill>
+                <a:hlinkClick r:id="rId2"/>
+              </a:rPr>
+              <a:t>, Moonlight, and </a:t>
+            </a:r>
+            <a:r>
+              <a:rPr lang="en-US" sz="4800" dirty="0" smtClean="0">
+                <a:solidFill>
+                  <a:schemeClr val="bg1">
+                    <a:lumMod val="95000"/>
+                  </a:schemeClr>
+                </a:solidFill>
+                <a:hlinkClick r:id="rId2"/>
+              </a:rPr>
+              <a:t>scripting </a:t>
+            </a:r>
+          </a:p>
+          <a:p>
+            <a:pPr marL="0" indent="0" algn="ctr">
+              <a:buNone/>
+            </a:pPr>
+            <a:r>
+              <a:rPr lang="en-US" sz="4800" dirty="0" smtClean="0">
+                <a:solidFill>
+                  <a:schemeClr val="bg1">
+                    <a:lumMod val="95000"/>
+                  </a:schemeClr>
+                </a:solidFill>
+                <a:hlinkClick r:id="rId2"/>
+              </a:rPr>
+              <a:t>open </a:t>
+            </a:r>
+            <a:r>
+              <a:rPr lang="en-US" sz="4800" dirty="0">
+                <a:solidFill>
+                  <a:schemeClr val="bg1">
+                    <a:lumMod val="95000"/>
+                  </a:schemeClr>
+                </a:solidFill>
+                <a:hlinkClick r:id="rId2"/>
+              </a:rPr>
+              <a:t>source </a:t>
+            </a:r>
+            <a:r>
+              <a:rPr lang="en-US" sz="4800" dirty="0" smtClean="0">
+                <a:solidFill>
+                  <a:schemeClr val="bg1">
+                    <a:lumMod val="95000"/>
+                  </a:schemeClr>
+                </a:solidFill>
+                <a:hlinkClick r:id="rId2"/>
+              </a:rPr>
+              <a:t>apps</a:t>
+            </a:r>
+            <a:endParaRPr lang="en-US" sz="4800" dirty="0">
+              <a:solidFill>
+                <a:schemeClr val="bg1">
+                  <a:lumMod val="95000"/>
+                </a:schemeClr>
+              </a:solidFill>
+            </a:endParaRPr>
+          </a:p>
+        </p:txBody>
+      </p:sp>
+    </p:spTree>
+    <p:extLst>
+      <p:ext uri="{BB962C8B-B14F-4D97-AF65-F5344CB8AC3E}">
+        <p14:creationId xmlns:p14="http://schemas.microsoft.com/office/powerpoint/2010/main" val="2514427379"/>
+      </p:ext>
+    </p:extLst>
+  </p:cSld>
+  <p:clrMapOvr>
+    <a:masterClrMapping/>
+  </p:clrMapOvr>
+  <p:timing>
+    <p:tnLst>
+      <p:par>
+        <p:cTn xmlns:p14="http://schemas.microsoft.com/office/powerpoint/2010/main" id="1" dur="indefinite" restart="never" nodeType="tmRoot"/>
+      </p:par>
+    </p:tnLst>
+  </p:timing>
+</p:sld>
+</file>
+
+<file path=ppt/slides/slide7.xml><?xml version="1.0" encoding="utf-8"?>
+<p:sld xmlns:a="http://schemas.openxmlformats.org/drawingml/2006/main" xmlns:r="http://schemas.openxmlformats.org/officeDocument/2006/relationships" xmlns:p="http://schemas.openxmlformats.org/presentationml/2006/main">
+  <p:cSld>
+    <p:spTree>
+      <p:nvGrpSpPr>
+        <p:cNvPr id="1" name=""/>
+        <p:cNvGrpSpPr/>
+        <p:nvPr/>
+      </p:nvGrpSpPr>
+      <p:grpSpPr>
+        <a:xfrm>
+          <a:off x="0" y="0"/>
+          <a:ext cx="0" cy="0"/>
+          <a:chOff x="0" y="0"/>
+          <a:chExt cx="0" cy="0"/>
+        </a:xfrm>
+      </p:grpSpPr>
+      <p:sp>
+        <p:nvSpPr>
+          <p:cNvPr id="2" name="Title 1"/>
+          <p:cNvSpPr>
+            <a:spLocks noGrp="1"/>
+          </p:cNvSpPr>
+          <p:nvPr>
+            <p:ph type="title"/>
+          </p:nvPr>
+        </p:nvSpPr>
+        <p:spPr>
+          <a:xfrm>
+            <a:off x="381000" y="2209800"/>
+            <a:ext cx="8382000" cy="2133600"/>
+          </a:xfrm>
+        </p:spPr>
+        <p:txBody>
+          <a:bodyPr>
+            <a:normAutofit/>
+          </a:bodyPr>
+          <a:lstStyle/>
+          <a:p>
+            <a:r>
+              <a:rPr lang="en-US" sz="4800" dirty="0" smtClean="0"/>
+              <a:t>What sets </a:t>
+            </a:r>
+            <a:r>
+              <a:rPr lang="en-US" sz="4800" dirty="0" err="1" smtClean="0"/>
+              <a:t>IronRuby</a:t>
+            </a:r>
+            <a:r>
+              <a:rPr lang="en-US" sz="4800" dirty="0" smtClean="0"/>
+              <a:t> apart?</a:t>
+            </a:r>
+            <a:endParaRPr lang="en-US" sz="4800" dirty="0"/>
+          </a:p>
+        </p:txBody>
+      </p:sp>
+    </p:spTree>
+    <p:extLst>
+      <p:ext uri="{BB962C8B-B14F-4D97-AF65-F5344CB8AC3E}">
+        <p14:creationId xmlns:p14="http://schemas.microsoft.com/office/powerpoint/2010/main" val="275590884"/>
+      </p:ext>
+    </p:extLst>
+  </p:cSld>
+  <p:clrMapOvr>
+    <a:masterClrMapping/>
+  </p:clrMapOvr>
+  <p:timing>
+    <p:tnLst>
+      <p:par>
+        <p:cTn xmlns:p14="http://schemas.microsoft.com/office/powerpoint/2010/main" id="1" dur="indefinite" restart="never" nodeType="tmRoot"/>
+      </p:par>
+    </p:tnLst>
+  </p:timing>
+</p:sld>
+</file>
+
+<file path=ppt/slides/slide8.xml><?xml version="1.0" encoding="utf-8"?>
 <p:sld xmlns:a="http://schemas.openxmlformats.org/drawingml/2006/main" xmlns:r="http://schemas.openxmlformats.org/officeDocument/2006/relationships" xmlns:p="http://schemas.openxmlformats.org/presentationml/2006/main">
   <p:cSld>
     <p:spTree>
@@ -8821,7 +12234,23 @@
             </a:pPr>
             <a:r>
               <a:rPr lang="en-US" dirty="0" smtClean="0"/>
-              <a:t>Premiere support for Windows</a:t>
+              <a:t>A p</a:t>
+            </a:r>
+            <a:r>
+              <a:rPr lang="en-US" dirty="0" smtClean="0"/>
+              <a:t>remiere </a:t>
+            </a:r>
+            <a:r>
+              <a:rPr lang="en-US" dirty="0" smtClean="0"/>
+              <a:t>implementation</a:t>
+            </a:r>
+            <a:r>
+              <a:rPr lang="en-US" dirty="0" smtClean="0"/>
+              <a:t> </a:t>
+            </a:r>
+            <a:r>
+              <a:rPr lang="en-US" dirty="0" smtClean="0"/>
+              <a:t>for Windows</a:t>
             </a:r>
           </a:p>
           <a:p>
@@ -8867,7 +12296,17 @@
                   </a:schemeClr>
                 </a:solidFill>
               </a:rPr>
-              <a:t>System management</a:t>
+              <a:t>Systems </a:t>
+            </a:r>
+            <a:r>
+              <a:rPr lang="en-US" dirty="0" smtClean="0">
+                <a:solidFill>
+                  <a:schemeClr val="bg1">
+                    <a:lumMod val="75000"/>
+                  </a:schemeClr>
+                </a:solidFill>
+              </a:rPr>
+              <a:t>management</a:t>
             </a:r>
           </a:p>
           <a:p>
@@ -9143,7 +12582,7 @@
 </p:sld>
 </file>
 
-<file path=ppt/slides/slide5.xml><?xml version="1.0" encoding="utf-8"?>
+<file path=ppt/slides/slide9.xml><?xml version="1.0" encoding="utf-8"?>
 <p:sld xmlns:a="http://schemas.openxmlformats.org/drawingml/2006/main" xmlns:r="http://schemas.openxmlformats.org/officeDocument/2006/relationships" xmlns:p="http://schemas.openxmlformats.org/presentationml/2006/main">
   <p:cSld>
     <p:spTree>
@@ -9655,1809 +13094,6 @@
     <p:extLst>
       <p:ext uri="{BB962C8B-B14F-4D97-AF65-F5344CB8AC3E}">
         <p14:creationId xmlns:p14="http://schemas.microsoft.com/office/powerpoint/2010/main" val="3968666690"/>
-      </p:ext>
-    </p:extLst>
-  </p:cSld>
-  <p:clrMapOvr>
-    <a:masterClrMapping/>
-  </p:clrMapOvr>
-  <p:timing>
-    <p:tnLst>
-      <p:par>
-        <p:cTn xmlns:p14="http://schemas.microsoft.com/office/powerpoint/2010/main" id="1" dur="indefinite" restart="never" nodeType="tmRoot"/>
-      </p:par>
-    </p:tnLst>
-  </p:timing>
-</p:sld>
-</file>
-
-<file path=ppt/slides/slide6.xml><?xml version="1.0" encoding="utf-8"?>
-<p:sld xmlns:a="http://schemas.openxmlformats.org/drawingml/2006/main" xmlns:r="http://schemas.openxmlformats.org/officeDocument/2006/relationships" xmlns:p="http://schemas.openxmlformats.org/presentationml/2006/main" show="0">
-  <p:cSld>
-    <p:spTree>
-      <p:nvGrpSpPr>
-        <p:cNvPr id="1" name=""/>
-        <p:cNvGrpSpPr/>
-        <p:nvPr/>
-      </p:nvGrpSpPr>
-      <p:grpSpPr>
-        <a:xfrm>
-          <a:off x="0" y="0"/>
-          <a:ext cx="0" cy="0"/>
-          <a:chOff x="0" y="0"/>
-          <a:chExt cx="0" cy="0"/>
-        </a:xfrm>
-      </p:grpSpPr>
-      <p:sp>
-        <p:nvSpPr>
-          <p:cNvPr id="4" name="Snip Diagonal Corner Rectangle 3"/>
-          <p:cNvSpPr/>
-          <p:nvPr/>
-        </p:nvSpPr>
-        <p:spPr>
-          <a:xfrm>
-            <a:off x="278968" y="4107050"/>
-            <a:ext cx="6731431" cy="1303149"/>
-          </a:xfrm>
-          <a:prstGeom prst="snip2DiagRect">
-            <a:avLst>
-              <a:gd name="adj1" fmla="val 0"/>
-              <a:gd name="adj2" fmla="val 10721"/>
-            </a:avLst>
-          </a:prstGeom>
-          <a:solidFill>
-            <a:schemeClr val="tx1">
-              <a:lumMod val="85000"/>
-              <a:lumOff val="15000"/>
-            </a:schemeClr>
-          </a:solidFill>
-        </p:spPr>
-        <p:style>
-          <a:lnRef idx="2">
-            <a:schemeClr val="dk1">
-              <a:shade val="50000"/>
-            </a:schemeClr>
-          </a:lnRef>
-          <a:fillRef idx="1">
-            <a:schemeClr val="dk1"/>
-          </a:fillRef>
-          <a:effectRef idx="0">
-            <a:schemeClr val="dk1"/>
-          </a:effectRef>
-          <a:fontRef idx="minor">
-            <a:schemeClr val="lt1"/>
-          </a:fontRef>
-        </p:style>
-        <p:txBody>
-          <a:bodyPr rtlCol="0" anchor="ctr"/>
-          <a:lstStyle/>
-          <a:p>
-            <a:pPr algn="ctr"/>
-            <a:endParaRPr lang="en-US"/>
-          </a:p>
-        </p:txBody>
-      </p:sp>
-      <p:sp>
-        <p:nvSpPr>
-          <p:cNvPr id="6" name="Snip Diagonal Corner Rectangle 5"/>
-          <p:cNvSpPr/>
-          <p:nvPr/>
-        </p:nvSpPr>
-        <p:spPr>
-          <a:xfrm>
-            <a:off x="278968" y="1447799"/>
-            <a:ext cx="8712632" cy="1822343"/>
-          </a:xfrm>
-          <a:prstGeom prst="snip2DiagRect">
-            <a:avLst>
-              <a:gd name="adj1" fmla="val 0"/>
-              <a:gd name="adj2" fmla="val 10721"/>
-            </a:avLst>
-          </a:prstGeom>
-          <a:solidFill>
-            <a:schemeClr val="tx1">
-              <a:lumMod val="85000"/>
-              <a:lumOff val="15000"/>
-            </a:schemeClr>
-          </a:solidFill>
-        </p:spPr>
-        <p:style>
-          <a:lnRef idx="2">
-            <a:schemeClr val="dk1">
-              <a:shade val="50000"/>
-            </a:schemeClr>
-          </a:lnRef>
-          <a:fillRef idx="1">
-            <a:schemeClr val="dk1"/>
-          </a:fillRef>
-          <a:effectRef idx="0">
-            <a:schemeClr val="dk1"/>
-          </a:effectRef>
-          <a:fontRef idx="minor">
-            <a:schemeClr val="lt1"/>
-          </a:fontRef>
-        </p:style>
-        <p:txBody>
-          <a:bodyPr rtlCol="0" anchor="ctr"/>
-          <a:lstStyle/>
-          <a:p>
-            <a:pPr algn="ctr"/>
-            <a:endParaRPr lang="en-US"/>
-          </a:p>
-        </p:txBody>
-      </p:sp>
-      <p:sp>
-        <p:nvSpPr>
-          <p:cNvPr id="3" name="Content Placeholder 2"/>
-          <p:cNvSpPr>
-            <a:spLocks noGrp="1"/>
-          </p:cNvSpPr>
-          <p:nvPr>
-            <p:ph idx="1"/>
-          </p:nvPr>
-        </p:nvSpPr>
-        <p:spPr>
-          <a:xfrm>
-            <a:off x="304800" y="0"/>
-            <a:ext cx="8839200" cy="6858000"/>
-          </a:xfrm>
-        </p:spPr>
-        <p:txBody>
-          <a:bodyPr anchor="ctr">
-            <a:noAutofit/>
-          </a:bodyPr>
-          <a:lstStyle/>
-          <a:p>
-            <a:pPr marL="0" indent="0">
-              <a:buNone/>
-            </a:pPr>
-            <a:r>
-              <a:rPr lang="en-US" sz="2400" dirty="0" smtClean="0">
-                <a:latin typeface="Consolas" pitchFamily="49" charset="0"/>
-                <a:cs typeface="Consolas" pitchFamily="49" charset="0"/>
-              </a:rPr>
-              <a:t>&lt;</a:t>
-            </a:r>
-            <a:r>
-              <a:rPr lang="en-US" sz="2400" dirty="0" smtClean="0">
-                <a:solidFill>
-                  <a:schemeClr val="accent6">
-                    <a:lumMod val="75000"/>
-                  </a:schemeClr>
-                </a:solidFill>
-                <a:latin typeface="Consolas" pitchFamily="49" charset="0"/>
-                <a:cs typeface="Consolas" pitchFamily="49" charset="0"/>
-              </a:rPr>
-              <a:t>html</a:t>
-            </a:r>
-            <a:r>
-              <a:rPr lang="en-US" sz="2400" dirty="0" smtClean="0">
-                <a:latin typeface="Consolas" pitchFamily="49" charset="0"/>
-                <a:cs typeface="Consolas" pitchFamily="49" charset="0"/>
-              </a:rPr>
-              <a:t>&gt;</a:t>
-            </a:r>
-          </a:p>
-          <a:p>
-            <a:pPr marL="0" indent="0">
-              <a:buNone/>
-            </a:pPr>
-            <a:r>
-              <a:rPr lang="en-US" sz="2400" dirty="0" smtClean="0">
-                <a:latin typeface="Consolas" pitchFamily="49" charset="0"/>
-                <a:cs typeface="Consolas" pitchFamily="49" charset="0"/>
-              </a:rPr>
-              <a:t>&lt;</a:t>
-            </a:r>
-            <a:r>
-              <a:rPr lang="en-US" sz="2400" dirty="0" smtClean="0">
-                <a:solidFill>
-                  <a:schemeClr val="accent6">
-                    <a:lumMod val="75000"/>
-                  </a:schemeClr>
-                </a:solidFill>
-                <a:latin typeface="Consolas" pitchFamily="49" charset="0"/>
-                <a:cs typeface="Consolas" pitchFamily="49" charset="0"/>
-              </a:rPr>
-              <a:t>head</a:t>
-            </a:r>
-            <a:r>
-              <a:rPr lang="en-US" sz="2400" dirty="0" smtClean="0">
-                <a:latin typeface="Consolas" pitchFamily="49" charset="0"/>
-                <a:cs typeface="Consolas" pitchFamily="49" charset="0"/>
-              </a:rPr>
-              <a:t>&gt;</a:t>
-            </a:r>
-          </a:p>
-          <a:p>
-            <a:pPr marL="0" indent="0">
-              <a:buNone/>
-            </a:pPr>
-            <a:r>
-              <a:rPr lang="en-US" sz="2400" dirty="0" smtClean="0">
-                <a:latin typeface="Consolas" pitchFamily="49" charset="0"/>
-                <a:cs typeface="Consolas" pitchFamily="49" charset="0"/>
-              </a:rPr>
-              <a:t>&lt;</a:t>
-            </a:r>
-            <a:r>
-              <a:rPr lang="en-US" sz="2400" dirty="0" smtClean="0">
-                <a:solidFill>
-                  <a:schemeClr val="accent6">
-                    <a:lumMod val="75000"/>
-                  </a:schemeClr>
-                </a:solidFill>
-                <a:latin typeface="Consolas" pitchFamily="49" charset="0"/>
-                <a:cs typeface="Consolas" pitchFamily="49" charset="0"/>
-              </a:rPr>
-              <a:t>script</a:t>
-            </a:r>
-            <a:r>
-              <a:rPr lang="en-US" sz="2400" dirty="0" smtClean="0">
-                <a:latin typeface="Consolas" pitchFamily="49" charset="0"/>
-                <a:cs typeface="Consolas" pitchFamily="49" charset="0"/>
-              </a:rPr>
-              <a:t> </a:t>
-            </a:r>
-          </a:p>
-          <a:p>
-            <a:pPr marL="0" indent="0">
-              <a:buNone/>
-            </a:pPr>
-            <a:r>
-              <a:rPr lang="en-US" sz="2400" dirty="0">
-                <a:solidFill>
-                  <a:srgbClr xmlns:mc="http://schemas.openxmlformats.org/markup-compatibility/2006" xmlns:a14="http://schemas.microsoft.com/office/drawing/2010/main" val="C00000" mc:Ignorable=""/>
-                </a:solidFill>
-                <a:latin typeface="Consolas" pitchFamily="49" charset="0"/>
-                <a:cs typeface="Consolas" pitchFamily="49" charset="0"/>
-              </a:rPr>
-              <a:t> </a:t>
-            </a:r>
-            <a:r>
-              <a:rPr lang="en-US" sz="2400" dirty="0" smtClean="0">
-                <a:solidFill>
-                  <a:srgbClr xmlns:mc="http://schemas.openxmlformats.org/markup-compatibility/2006" xmlns:a14="http://schemas.microsoft.com/office/drawing/2010/main" val="C00000" mc:Ignorable=""/>
-                </a:solidFill>
-                <a:latin typeface="Consolas" pitchFamily="49" charset="0"/>
-                <a:cs typeface="Consolas" pitchFamily="49" charset="0"/>
-              </a:rPr>
-              <a:t>  type</a:t>
-            </a:r>
-            <a:r>
-              <a:rPr lang="en-US" sz="2400" dirty="0" smtClean="0">
-                <a:latin typeface="Consolas" pitchFamily="49" charset="0"/>
-                <a:cs typeface="Consolas" pitchFamily="49" charset="0"/>
-              </a:rPr>
-              <a:t>=</a:t>
-            </a:r>
-            <a:r>
-              <a:rPr lang="en-US" sz="2400" dirty="0" smtClean="0">
-                <a:solidFill>
-                  <a:srgbClr xmlns:mc="http://schemas.openxmlformats.org/markup-compatibility/2006" xmlns:a14="http://schemas.microsoft.com/office/drawing/2010/main" val="00FF00" mc:Ignorable=""/>
-                </a:solidFill>
-                <a:latin typeface="Consolas" pitchFamily="49" charset="0"/>
-                <a:cs typeface="Consolas" pitchFamily="49" charset="0"/>
-              </a:rPr>
-              <a:t>"text/</a:t>
-            </a:r>
-            <a:r>
-              <a:rPr lang="en-US" sz="2400" dirty="0" err="1" smtClean="0">
-                <a:solidFill>
-                  <a:srgbClr xmlns:mc="http://schemas.openxmlformats.org/markup-compatibility/2006" xmlns:a14="http://schemas.microsoft.com/office/drawing/2010/main" val="00FF00" mc:Ignorable=""/>
-                </a:solidFill>
-                <a:latin typeface="Consolas" pitchFamily="49" charset="0"/>
-                <a:cs typeface="Consolas" pitchFamily="49" charset="0"/>
-              </a:rPr>
-              <a:t>javascript</a:t>
-            </a:r>
-            <a:r>
-              <a:rPr lang="en-US" sz="2400" dirty="0" smtClean="0">
-                <a:solidFill>
-                  <a:srgbClr xmlns:mc="http://schemas.openxmlformats.org/markup-compatibility/2006" xmlns:a14="http://schemas.microsoft.com/office/drawing/2010/main" val="00FF00" mc:Ignorable=""/>
-                </a:solidFill>
-                <a:latin typeface="Consolas" pitchFamily="49" charset="0"/>
-                <a:cs typeface="Consolas" pitchFamily="49" charset="0"/>
-              </a:rPr>
-              <a:t>"</a:t>
-            </a:r>
-          </a:p>
-          <a:p>
-            <a:pPr marL="0" indent="0">
-              <a:buNone/>
-            </a:pPr>
-            <a:r>
-              <a:rPr lang="en-US" sz="2400" dirty="0">
-                <a:latin typeface="Consolas" pitchFamily="49" charset="0"/>
-                <a:cs typeface="Consolas" pitchFamily="49" charset="0"/>
-              </a:rPr>
-              <a:t> </a:t>
-            </a:r>
-            <a:r>
-              <a:rPr lang="en-US" sz="2400" dirty="0" smtClean="0">
-                <a:latin typeface="Consolas" pitchFamily="49" charset="0"/>
-                <a:cs typeface="Consolas" pitchFamily="49" charset="0"/>
-              </a:rPr>
-              <a:t>  </a:t>
-            </a:r>
-            <a:r>
-              <a:rPr lang="en-US" sz="2400" dirty="0" err="1" smtClean="0">
-                <a:solidFill>
-                  <a:srgbClr xmlns:mc="http://schemas.openxmlformats.org/markup-compatibility/2006" xmlns:a14="http://schemas.microsoft.com/office/drawing/2010/main" val="C00000" mc:Ignorable=""/>
-                </a:solidFill>
-                <a:latin typeface="Consolas" pitchFamily="49" charset="0"/>
-                <a:cs typeface="Consolas" pitchFamily="49" charset="0"/>
-              </a:rPr>
-              <a:t>src</a:t>
-            </a:r>
-            <a:r>
-              <a:rPr lang="en-US" sz="2400" dirty="0" smtClean="0">
-                <a:latin typeface="Consolas" pitchFamily="49" charset="0"/>
-                <a:cs typeface="Consolas" pitchFamily="49" charset="0"/>
-              </a:rPr>
-              <a:t>=</a:t>
-            </a:r>
-            <a:r>
-              <a:rPr lang="en-US" sz="2400" dirty="0" smtClean="0">
-                <a:solidFill>
-                  <a:srgbClr xmlns:mc="http://schemas.openxmlformats.org/markup-compatibility/2006" xmlns:a14="http://schemas.microsoft.com/office/drawing/2010/main" val="00FF00" mc:Ignorable=""/>
-                </a:solidFill>
-                <a:latin typeface="Consolas" pitchFamily="49" charset="0"/>
-                <a:cs typeface="Consolas" pitchFamily="49" charset="0"/>
-              </a:rPr>
-              <a:t>"http://gestalt.ironruby.com/d1/</a:t>
-            </a:r>
-            <a:r>
-              <a:rPr lang="en-US" sz="2400" dirty="0" err="1" smtClean="0">
-                <a:solidFill>
-                  <a:srgbClr xmlns:mc="http://schemas.openxmlformats.org/markup-compatibility/2006" xmlns:a14="http://schemas.microsoft.com/office/drawing/2010/main" val="00FF00" mc:Ignorable=""/>
-                </a:solidFill>
-                <a:latin typeface="Consolas" pitchFamily="49" charset="0"/>
-                <a:cs typeface="Consolas" pitchFamily="49" charset="0"/>
-              </a:rPr>
-              <a:t>dlr</a:t>
-            </a:r>
-            <a:r>
-              <a:rPr lang="en-US" sz="2400" dirty="0" smtClean="0">
-                <a:solidFill>
-                  <a:srgbClr xmlns:mc="http://schemas.openxmlformats.org/markup-compatibility/2006" xmlns:a14="http://schemas.microsoft.com/office/drawing/2010/main" val="00FF00" mc:Ignorable=""/>
-                </a:solidFill>
-                <a:latin typeface="Consolas" pitchFamily="49" charset="0"/>
-                <a:cs typeface="Consolas" pitchFamily="49" charset="0"/>
-              </a:rPr>
-              <a:t>/dlr.js"</a:t>
-            </a:r>
-          </a:p>
-          <a:p>
-            <a:pPr marL="0" indent="0">
-              <a:buNone/>
-            </a:pPr>
-            <a:r>
-              <a:rPr lang="en-US" sz="2400" dirty="0" smtClean="0">
-                <a:latin typeface="Consolas" pitchFamily="49" charset="0"/>
-                <a:cs typeface="Consolas" pitchFamily="49" charset="0"/>
-              </a:rPr>
-              <a:t>&gt;&lt;/</a:t>
-            </a:r>
-            <a:r>
-              <a:rPr lang="en-US" sz="2400" dirty="0" smtClean="0">
-                <a:solidFill>
-                  <a:schemeClr val="accent6">
-                    <a:lumMod val="75000"/>
-                  </a:schemeClr>
-                </a:solidFill>
-                <a:latin typeface="Consolas" pitchFamily="49" charset="0"/>
-                <a:cs typeface="Consolas" pitchFamily="49" charset="0"/>
-              </a:rPr>
-              <a:t>script</a:t>
-            </a:r>
-            <a:r>
-              <a:rPr lang="en-US" sz="2400" dirty="0" smtClean="0">
-                <a:latin typeface="Consolas" pitchFamily="49" charset="0"/>
-                <a:cs typeface="Consolas" pitchFamily="49" charset="0"/>
-              </a:rPr>
-              <a:t>&gt;</a:t>
-            </a:r>
-          </a:p>
-          <a:p>
-            <a:pPr marL="0" indent="0">
-              <a:buNone/>
-            </a:pPr>
-            <a:r>
-              <a:rPr lang="en-US" sz="2400" dirty="0" smtClean="0">
-                <a:latin typeface="Consolas" pitchFamily="49" charset="0"/>
-                <a:cs typeface="Consolas" pitchFamily="49" charset="0"/>
-              </a:rPr>
-              <a:t>&lt;/</a:t>
-            </a:r>
-            <a:r>
-              <a:rPr lang="en-US" sz="2400" dirty="0" smtClean="0">
-                <a:solidFill>
-                  <a:schemeClr val="accent6">
-                    <a:lumMod val="75000"/>
-                  </a:schemeClr>
-                </a:solidFill>
-                <a:latin typeface="Consolas" pitchFamily="49" charset="0"/>
-                <a:cs typeface="Consolas" pitchFamily="49" charset="0"/>
-              </a:rPr>
-              <a:t>head</a:t>
-            </a:r>
-            <a:r>
-              <a:rPr lang="en-US" sz="2400" dirty="0" smtClean="0">
-                <a:latin typeface="Consolas" pitchFamily="49" charset="0"/>
-                <a:cs typeface="Consolas" pitchFamily="49" charset="0"/>
-              </a:rPr>
-              <a:t>&gt;</a:t>
-            </a:r>
-          </a:p>
-          <a:p>
-            <a:pPr marL="0" indent="0">
-              <a:buNone/>
-            </a:pPr>
-            <a:r>
-              <a:rPr lang="en-US" sz="2400" dirty="0" smtClean="0">
-                <a:latin typeface="Consolas" pitchFamily="49" charset="0"/>
-                <a:cs typeface="Consolas" pitchFamily="49" charset="0"/>
-              </a:rPr>
-              <a:t>&lt;</a:t>
-            </a:r>
-            <a:r>
-              <a:rPr lang="en-US" sz="2400" dirty="0" smtClean="0">
-                <a:solidFill>
-                  <a:schemeClr val="accent6">
-                    <a:lumMod val="75000"/>
-                  </a:schemeClr>
-                </a:solidFill>
-                <a:latin typeface="Consolas" pitchFamily="49" charset="0"/>
-                <a:cs typeface="Consolas" pitchFamily="49" charset="0"/>
-              </a:rPr>
-              <a:t>body</a:t>
-            </a:r>
-            <a:r>
-              <a:rPr lang="en-US" sz="2400" dirty="0" smtClean="0">
-                <a:latin typeface="Consolas" pitchFamily="49" charset="0"/>
-                <a:cs typeface="Consolas" pitchFamily="49" charset="0"/>
-              </a:rPr>
-              <a:t>&gt;</a:t>
-            </a:r>
-          </a:p>
-          <a:p>
-            <a:pPr marL="0" indent="0">
-              <a:buNone/>
-            </a:pPr>
-            <a:r>
-              <a:rPr lang="en-US" sz="2400" dirty="0" smtClean="0">
-                <a:latin typeface="Consolas" pitchFamily="49" charset="0"/>
-                <a:cs typeface="Consolas" pitchFamily="49" charset="0"/>
-              </a:rPr>
-              <a:t>&lt;</a:t>
-            </a:r>
-            <a:r>
-              <a:rPr lang="en-US" sz="2400" dirty="0" smtClean="0">
-                <a:solidFill>
-                  <a:schemeClr val="accent6">
-                    <a:lumMod val="75000"/>
-                  </a:schemeClr>
-                </a:solidFill>
-                <a:latin typeface="Consolas" pitchFamily="49" charset="0"/>
-                <a:cs typeface="Consolas" pitchFamily="49" charset="0"/>
-              </a:rPr>
-              <a:t>script</a:t>
-            </a:r>
-            <a:r>
-              <a:rPr lang="en-US" sz="2400" dirty="0" smtClean="0">
-                <a:latin typeface="Consolas" pitchFamily="49" charset="0"/>
-                <a:cs typeface="Consolas" pitchFamily="49" charset="0"/>
-              </a:rPr>
-              <a:t> </a:t>
-            </a:r>
-            <a:r>
-              <a:rPr lang="en-US" sz="2400" dirty="0" smtClean="0">
-                <a:solidFill>
-                  <a:srgbClr xmlns:mc="http://schemas.openxmlformats.org/markup-compatibility/2006" xmlns:a14="http://schemas.microsoft.com/office/drawing/2010/main" val="C00000" mc:Ignorable=""/>
-                </a:solidFill>
-                <a:latin typeface="Consolas" pitchFamily="49" charset="0"/>
-                <a:cs typeface="Consolas" pitchFamily="49" charset="0"/>
-              </a:rPr>
-              <a:t>type</a:t>
-            </a:r>
-            <a:r>
-              <a:rPr lang="en-US" sz="2400" dirty="0" smtClean="0">
-                <a:latin typeface="Consolas" pitchFamily="49" charset="0"/>
-                <a:cs typeface="Consolas" pitchFamily="49" charset="0"/>
-              </a:rPr>
-              <a:t>=</a:t>
-            </a:r>
-            <a:r>
-              <a:rPr lang="en-US" sz="2400" dirty="0" smtClean="0">
-                <a:solidFill>
-                  <a:srgbClr xmlns:mc="http://schemas.openxmlformats.org/markup-compatibility/2006" xmlns:a14="http://schemas.microsoft.com/office/drawing/2010/main" val="00FF00" mc:Ignorable=""/>
-                </a:solidFill>
-                <a:latin typeface="Consolas" pitchFamily="49" charset="0"/>
-                <a:cs typeface="Consolas" pitchFamily="49" charset="0"/>
-              </a:rPr>
-              <a:t>"text/ruby"</a:t>
-            </a:r>
-            <a:r>
-              <a:rPr lang="en-US" sz="2400" dirty="0" smtClean="0">
-                <a:latin typeface="Consolas" pitchFamily="49" charset="0"/>
-                <a:cs typeface="Consolas" pitchFamily="49" charset="0"/>
-              </a:rPr>
-              <a:t>&gt;</a:t>
-            </a:r>
-          </a:p>
-          <a:p>
-            <a:pPr marL="0" indent="0">
-              <a:buNone/>
-            </a:pPr>
-            <a:r>
-              <a:rPr lang="en-US" sz="2400" dirty="0" smtClean="0">
-                <a:latin typeface="Consolas" pitchFamily="49" charset="0"/>
-                <a:cs typeface="Consolas" pitchFamily="49" charset="0"/>
-              </a:rPr>
-              <a:t>  </a:t>
-            </a:r>
-            <a:r>
-              <a:rPr lang="en-US" sz="2400" dirty="0" err="1" smtClean="0">
-                <a:solidFill>
-                  <a:schemeClr val="accent6">
-                    <a:lumMod val="75000"/>
-                  </a:schemeClr>
-                </a:solidFill>
-                <a:latin typeface="Consolas" pitchFamily="49" charset="0"/>
-                <a:cs typeface="Consolas" pitchFamily="49" charset="0"/>
-              </a:rPr>
-              <a:t>window</a:t>
-            </a:r>
-            <a:r>
-              <a:rPr lang="en-US" sz="2400" dirty="0" err="1" smtClean="0">
-                <a:latin typeface="Consolas" pitchFamily="49" charset="0"/>
-                <a:cs typeface="Consolas" pitchFamily="49" charset="0"/>
-              </a:rPr>
-              <a:t>.</a:t>
-            </a:r>
-            <a:r>
-              <a:rPr lang="en-US" sz="2400" dirty="0" err="1" smtClean="0">
-                <a:solidFill>
-                  <a:srgbClr xmlns:mc="http://schemas.openxmlformats.org/markup-compatibility/2006" xmlns:a14="http://schemas.microsoft.com/office/drawing/2010/main" val="C00000" mc:Ignorable=""/>
-                </a:solidFill>
-                <a:latin typeface="Consolas" pitchFamily="49" charset="0"/>
-                <a:cs typeface="Consolas" pitchFamily="49" charset="0"/>
-              </a:rPr>
-              <a:t>alert</a:t>
-            </a:r>
-            <a:r>
-              <a:rPr lang="en-US" sz="2400" dirty="0" smtClean="0">
-                <a:latin typeface="Consolas" pitchFamily="49" charset="0"/>
-                <a:cs typeface="Consolas" pitchFamily="49" charset="0"/>
-              </a:rPr>
-              <a:t> </a:t>
-            </a:r>
-            <a:r>
-              <a:rPr lang="en-US" sz="2400" dirty="0" smtClean="0">
-                <a:solidFill>
-                  <a:srgbClr xmlns:mc="http://schemas.openxmlformats.org/markup-compatibility/2006" xmlns:a14="http://schemas.microsoft.com/office/drawing/2010/main" val="00FF00" mc:Ignorable=""/>
-                </a:solidFill>
-                <a:latin typeface="Consolas" pitchFamily="49" charset="0"/>
-                <a:cs typeface="Consolas" pitchFamily="49" charset="0"/>
-              </a:rPr>
-              <a:t>"Hello World from Ruby"</a:t>
-            </a:r>
-          </a:p>
-          <a:p>
-            <a:pPr marL="0" indent="0">
-              <a:buNone/>
-            </a:pPr>
-            <a:r>
-              <a:rPr lang="en-US" sz="2400" dirty="0" smtClean="0">
-                <a:latin typeface="Consolas" pitchFamily="49" charset="0"/>
-                <a:cs typeface="Consolas" pitchFamily="49" charset="0"/>
-              </a:rPr>
-              <a:t>&lt;/</a:t>
-            </a:r>
-            <a:r>
-              <a:rPr lang="en-US" sz="2400" dirty="0" smtClean="0">
-                <a:solidFill>
-                  <a:schemeClr val="accent6">
-                    <a:lumMod val="75000"/>
-                  </a:schemeClr>
-                </a:solidFill>
-                <a:latin typeface="Consolas" pitchFamily="49" charset="0"/>
-                <a:cs typeface="Consolas" pitchFamily="49" charset="0"/>
-              </a:rPr>
-              <a:t>script</a:t>
-            </a:r>
-            <a:r>
-              <a:rPr lang="en-US" sz="2400" dirty="0" smtClean="0">
-                <a:latin typeface="Consolas" pitchFamily="49" charset="0"/>
-                <a:cs typeface="Consolas" pitchFamily="49" charset="0"/>
-              </a:rPr>
-              <a:t>&gt;</a:t>
-            </a:r>
-          </a:p>
-          <a:p>
-            <a:pPr marL="0" indent="0">
-              <a:buNone/>
-            </a:pPr>
-            <a:r>
-              <a:rPr lang="en-US" sz="2400" dirty="0" smtClean="0">
-                <a:latin typeface="Consolas" pitchFamily="49" charset="0"/>
-                <a:cs typeface="Consolas" pitchFamily="49" charset="0"/>
-              </a:rPr>
-              <a:t>&lt;/</a:t>
-            </a:r>
-            <a:r>
-              <a:rPr lang="en-US" sz="2400" dirty="0" smtClean="0">
-                <a:solidFill>
-                  <a:schemeClr val="accent6">
-                    <a:lumMod val="75000"/>
-                  </a:schemeClr>
-                </a:solidFill>
-                <a:latin typeface="Consolas" pitchFamily="49" charset="0"/>
-                <a:cs typeface="Consolas" pitchFamily="49" charset="0"/>
-              </a:rPr>
-              <a:t>body</a:t>
-            </a:r>
-            <a:r>
-              <a:rPr lang="en-US" sz="2400" dirty="0" smtClean="0">
-                <a:latin typeface="Consolas" pitchFamily="49" charset="0"/>
-                <a:cs typeface="Consolas" pitchFamily="49" charset="0"/>
-              </a:rPr>
-              <a:t>&gt;</a:t>
-            </a:r>
-          </a:p>
-          <a:p>
-            <a:pPr marL="0" indent="0">
-              <a:buNone/>
-            </a:pPr>
-            <a:r>
-              <a:rPr lang="en-US" sz="2400" dirty="0" smtClean="0">
-                <a:latin typeface="Consolas" pitchFamily="49" charset="0"/>
-                <a:cs typeface="Consolas" pitchFamily="49" charset="0"/>
-              </a:rPr>
-              <a:t>&lt;/</a:t>
-            </a:r>
-            <a:r>
-              <a:rPr lang="en-US" sz="2400" dirty="0" smtClean="0">
-                <a:solidFill>
-                  <a:schemeClr val="accent6">
-                    <a:lumMod val="75000"/>
-                  </a:schemeClr>
-                </a:solidFill>
-                <a:latin typeface="Consolas" pitchFamily="49" charset="0"/>
-                <a:cs typeface="Consolas" pitchFamily="49" charset="0"/>
-              </a:rPr>
-              <a:t>html</a:t>
-            </a:r>
-            <a:r>
-              <a:rPr lang="en-US" sz="2400" dirty="0" smtClean="0">
-                <a:latin typeface="Consolas" pitchFamily="49" charset="0"/>
-                <a:cs typeface="Consolas" pitchFamily="49" charset="0"/>
-              </a:rPr>
-              <a:t>&gt;</a:t>
-            </a:r>
-          </a:p>
-        </p:txBody>
-      </p:sp>
-    </p:spTree>
-    <p:extLst>
-      <p:ext uri="{BB962C8B-B14F-4D97-AF65-F5344CB8AC3E}">
-        <p14:creationId xmlns:p14="http://schemas.microsoft.com/office/powerpoint/2010/main" val="3328548600"/>
-      </p:ext>
-    </p:extLst>
-  </p:cSld>
-  <p:clrMapOvr>
-    <a:masterClrMapping/>
-  </p:clrMapOvr>
-  <mc:AlternateContent xmlns:mc="http://schemas.openxmlformats.org/markup-compatibility/2006">
-    <mc:Choice xmlns:p14="http://schemas.microsoft.com/office/powerpoint/2010/main" Requires="p14">
-      <p:transition spd="slow" p14:dur="2000"/>
-    </mc:Choice>
-    <mc:Fallback>
-      <p:transition xmlns:p14="http://schemas.microsoft.com/office/powerpoint/2010/main" spd="slow"/>
-    </mc:Fallback>
-  </mc:AlternateContent>
-  <p:timing>
-    <p:tnLst>
-      <p:par>
-        <p:cTn xmlns:p14="http://schemas.microsoft.com/office/powerpoint/2010/main" id="1" dur="indefinite" restart="never" nodeType="tmRoot">
-          <p:childTnLst>
-            <p:seq concurrent="1" nextAc="seek">
-              <p:cTn id="2" dur="indefinite" nodeType="mainSeq">
-                <p:childTnLst>
-                  <p:par>
-                    <p:cTn id="3" fill="hold">
-                      <p:stCondLst>
-                        <p:cond delay="indefinite"/>
-                      </p:stCondLst>
-                      <p:childTnLst>
-                        <p:par>
-                          <p:cTn id="4" fill="hold">
-                            <p:stCondLst>
-                              <p:cond delay="0"/>
-                            </p:stCondLst>
-                            <p:childTnLst>
-                              <p:par>
-                                <p:cTn id="5" presetID="10" presetClass="entr" presetSubtype="0" fill="hold" grpId="0" nodeType="clickEffect">
-                                  <p:stCondLst>
-                                    <p:cond delay="0"/>
-                                  </p:stCondLst>
-                                  <p:childTnLst>
-                                    <p:set>
-                                      <p:cBhvr>
-                                        <p:cTn id="6" dur="1" fill="hold">
-                                          <p:stCondLst>
-                                            <p:cond delay="0"/>
-                                          </p:stCondLst>
-                                        </p:cTn>
-                                        <p:tgtEl>
-                                          <p:spTgt spid="6"/>
-                                        </p:tgtEl>
-                                        <p:attrNameLst>
-                                          <p:attrName>style.visibility</p:attrName>
-                                        </p:attrNameLst>
-                                      </p:cBhvr>
-                                      <p:to>
-                                        <p:strVal val="visible"/>
-                                      </p:to>
-                                    </p:set>
-                                    <p:animEffect transition="in" filter="fade">
-                                      <p:cBhvr>
-                                        <p:cTn id="7" dur="250"/>
-                                        <p:tgtEl>
-                                          <p:spTgt spid="6"/>
-                                        </p:tgtEl>
-                                      </p:cBhvr>
-                                    </p:animEffect>
-                                  </p:childTnLst>
-                                </p:cTn>
-                              </p:par>
-                            </p:childTnLst>
-                          </p:cTn>
-                        </p:par>
-                      </p:childTnLst>
-                    </p:cTn>
-                  </p:par>
-                  <p:par>
-                    <p:cTn id="8" fill="hold">
-                      <p:stCondLst>
-                        <p:cond delay="indefinite"/>
-                      </p:stCondLst>
-                      <p:childTnLst>
-                        <p:par>
-                          <p:cTn id="9" fill="hold">
-                            <p:stCondLst>
-                              <p:cond delay="0"/>
-                            </p:stCondLst>
-                            <p:childTnLst>
-                              <p:par>
-                                <p:cTn id="10" presetID="10" presetClass="entr" presetSubtype="0" fill="hold" grpId="0" nodeType="clickEffect">
-                                  <p:stCondLst>
-                                    <p:cond delay="0"/>
-                                  </p:stCondLst>
-                                  <p:childTnLst>
-                                    <p:set>
-                                      <p:cBhvr>
-                                        <p:cTn id="11" dur="1" fill="hold">
-                                          <p:stCondLst>
-                                            <p:cond delay="0"/>
-                                          </p:stCondLst>
-                                        </p:cTn>
-                                        <p:tgtEl>
-                                          <p:spTgt spid="4"/>
-                                        </p:tgtEl>
-                                        <p:attrNameLst>
-                                          <p:attrName>style.visibility</p:attrName>
-                                        </p:attrNameLst>
-                                      </p:cBhvr>
-                                      <p:to>
-                                        <p:strVal val="visible"/>
-                                      </p:to>
-                                    </p:set>
-                                    <p:animEffect transition="in" filter="fade">
-                                      <p:cBhvr>
-                                        <p:cTn id="12" dur="250"/>
-                                        <p:tgtEl>
-                                          <p:spTgt spid="4"/>
-                                        </p:tgtEl>
-                                      </p:cBhvr>
-                                    </p:animEffect>
-                                  </p:childTnLst>
-                                </p:cTn>
-                              </p:par>
-                            </p:childTnLst>
-                          </p:cTn>
-                        </p:par>
-                      </p:childTnLst>
-                    </p:cTn>
-                  </p:par>
-                </p:childTnLst>
-              </p:cTn>
-              <p:prevCondLst>
-                <p:cond evt="onPrev" delay="0">
-                  <p:tgtEl>
-                    <p:sldTgt/>
-                  </p:tgtEl>
-                </p:cond>
-              </p:prevCondLst>
-              <p:nextCondLst>
-                <p:cond evt="onNext" delay="0">
-                  <p:tgtEl>
-                    <p:sldTgt/>
-                  </p:tgtEl>
-                </p:cond>
-              </p:nextCondLst>
-            </p:seq>
-          </p:childTnLst>
-        </p:cTn>
-      </p:par>
-    </p:tnLst>
-    <p:bldLst>
-      <p:bldP spid="4" grpId="0" animBg="1"/>
-      <p:bldP spid="6" grpId="0" animBg="1"/>
-    </p:bldLst>
-  </p:timing>
-</p:sld>
-</file>
-
-<file path=ppt/slides/slide7.xml><?xml version="1.0" encoding="utf-8"?>
-<p:sld xmlns:a="http://schemas.openxmlformats.org/drawingml/2006/main" xmlns:r="http://schemas.openxmlformats.org/officeDocument/2006/relationships" xmlns:p="http://schemas.openxmlformats.org/presentationml/2006/main">
-  <p:cSld>
-    <p:spTree>
-      <p:nvGrpSpPr>
-        <p:cNvPr id="1" name=""/>
-        <p:cNvGrpSpPr/>
-        <p:nvPr/>
-      </p:nvGrpSpPr>
-      <p:grpSpPr>
-        <a:xfrm>
-          <a:off x="0" y="0"/>
-          <a:ext cx="0" cy="0"/>
-          <a:chOff x="0" y="0"/>
-          <a:chExt cx="0" cy="0"/>
-        </a:xfrm>
-      </p:grpSpPr>
-      <p:sp>
-        <p:nvSpPr>
-          <p:cNvPr id="2" name="Title 1"/>
-          <p:cNvSpPr>
-            <a:spLocks noGrp="1"/>
-          </p:cNvSpPr>
-          <p:nvPr>
-            <p:ph type="title"/>
-          </p:nvPr>
-        </p:nvSpPr>
-        <p:spPr/>
-        <p:txBody>
-          <a:bodyPr/>
-          <a:lstStyle/>
-          <a:p>
-            <a:r>
-              <a:rPr lang="en-US" dirty="0" smtClean="0"/>
-              <a:t>&lt;script type="Text/ruby“&gt;</a:t>
-            </a:r>
-            <a:endParaRPr lang="en-US" dirty="0"/>
-          </a:p>
-        </p:txBody>
-      </p:sp>
-      <p:sp>
-        <p:nvSpPr>
-          <p:cNvPr id="3" name="Text Placeholder 2"/>
-          <p:cNvSpPr>
-            <a:spLocks noGrp="1"/>
-          </p:cNvSpPr>
-          <p:nvPr>
-            <p:ph type="body" idx="1"/>
-          </p:nvPr>
-        </p:nvSpPr>
-        <p:spPr/>
-        <p:txBody>
-          <a:bodyPr/>
-          <a:lstStyle/>
-          <a:p>
-            <a:r>
-              <a:rPr lang="en-US" i="1" dirty="0" smtClean="0"/>
-              <a:t>Demo</a:t>
-            </a:r>
-            <a:endParaRPr lang="en-US" i="1" dirty="0"/>
-          </a:p>
-        </p:txBody>
-      </p:sp>
-    </p:spTree>
-    <p:extLst>
-      <p:ext uri="{BB962C8B-B14F-4D97-AF65-F5344CB8AC3E}">
-        <p14:creationId xmlns:p14="http://schemas.microsoft.com/office/powerpoint/2010/main" val="1674941524"/>
-      </p:ext>
-    </p:extLst>
-  </p:cSld>
-  <p:clrMapOvr>
-    <a:masterClrMapping/>
-  </p:clrMapOvr>
-  <p:timing>
-    <p:tnLst>
-      <p:par>
-        <p:cTn xmlns:p14="http://schemas.microsoft.com/office/powerpoint/2010/main" id="1" dur="indefinite" restart="never" nodeType="tmRoot"/>
-      </p:par>
-    </p:tnLst>
-  </p:timing>
-</p:sld>
-</file>
-
-<file path=ppt/slides/slide8.xml><?xml version="1.0" encoding="utf-8"?>
-<p:sld xmlns:a="http://schemas.openxmlformats.org/drawingml/2006/main" xmlns:r="http://schemas.openxmlformats.org/officeDocument/2006/relationships" xmlns:p="http://schemas.openxmlformats.org/presentationml/2006/main">
-  <p:cSld>
-    <p:spTree>
-      <p:nvGrpSpPr>
-        <p:cNvPr id="1" name=""/>
-        <p:cNvGrpSpPr/>
-        <p:nvPr/>
-      </p:nvGrpSpPr>
-      <p:grpSpPr>
-        <a:xfrm>
-          <a:off x="0" y="0"/>
-          <a:ext cx="0" cy="0"/>
-          <a:chOff x="0" y="0"/>
-          <a:chExt cx="0" cy="0"/>
-        </a:xfrm>
-      </p:grpSpPr>
-      <p:sp>
-        <p:nvSpPr>
-          <p:cNvPr id="2" name="Title 1"/>
-          <p:cNvSpPr>
-            <a:spLocks noGrp="1"/>
-          </p:cNvSpPr>
-          <p:nvPr>
-            <p:ph type="title"/>
-          </p:nvPr>
-        </p:nvSpPr>
-        <p:spPr/>
-        <p:txBody>
-          <a:bodyPr/>
-          <a:lstStyle/>
-          <a:p>
-            <a:r>
-              <a:rPr lang="en-US" dirty="0" smtClean="0"/>
-              <a:t>Silverlight 4</a:t>
-            </a:r>
-            <a:endParaRPr lang="en-US" dirty="0"/>
-          </a:p>
-        </p:txBody>
-      </p:sp>
-      <p:sp>
-        <p:nvSpPr>
-          <p:cNvPr id="3" name="Content Placeholder 2"/>
-          <p:cNvSpPr>
-            <a:spLocks noGrp="1"/>
-          </p:cNvSpPr>
-          <p:nvPr>
-            <p:ph idx="1"/>
-          </p:nvPr>
-        </p:nvSpPr>
-        <p:spPr>
-          <a:xfrm>
-            <a:off x="381000" y="1143000"/>
-            <a:ext cx="8382000" cy="3429000"/>
-          </a:xfrm>
-        </p:spPr>
-        <p:txBody>
-          <a:bodyPr>
-            <a:normAutofit/>
-          </a:bodyPr>
-          <a:lstStyle/>
-          <a:p>
-            <a:pPr marL="0" indent="0">
-              <a:buNone/>
-            </a:pPr>
-            <a:r>
-              <a:rPr lang="en-US" dirty="0" smtClean="0"/>
-              <a:t>New features:</a:t>
-            </a:r>
-          </a:p>
-          <a:p>
-            <a:pPr lvl="1">
-              <a:buFont typeface="Wingdings" pitchFamily="2" charset="2"/>
-              <a:buChar char="v"/>
-            </a:pPr>
-            <a:r>
-              <a:rPr lang="en-US" dirty="0"/>
-              <a:t> </a:t>
-            </a:r>
-            <a:r>
-              <a:rPr lang="en-US" dirty="0" smtClean="0"/>
-              <a:t>Full trust applications (file-system access)</a:t>
-            </a:r>
-          </a:p>
-          <a:p>
-            <a:pPr lvl="1">
-              <a:buFont typeface="Wingdings" pitchFamily="2" charset="2"/>
-              <a:buChar char="v"/>
-            </a:pPr>
-            <a:r>
-              <a:rPr lang="en-US" dirty="0" smtClean="0"/>
-              <a:t> Webcam and Microphone </a:t>
-            </a:r>
-          </a:p>
-          <a:p>
-            <a:pPr lvl="1">
-              <a:buFont typeface="Wingdings" pitchFamily="2" charset="2"/>
-              <a:buChar char="v"/>
-            </a:pPr>
-            <a:r>
-              <a:rPr lang="en-US" dirty="0" smtClean="0"/>
-              <a:t> Rich Text</a:t>
-            </a:r>
-          </a:p>
-          <a:p>
-            <a:pPr lvl="1">
-              <a:buFont typeface="Wingdings" pitchFamily="2" charset="2"/>
-              <a:buChar char="v"/>
-            </a:pPr>
-            <a:r>
-              <a:rPr lang="en-US" dirty="0"/>
-              <a:t> </a:t>
-            </a:r>
-            <a:r>
-              <a:rPr lang="en-US" dirty="0" smtClean="0"/>
-              <a:t>Notifications</a:t>
-            </a:r>
-          </a:p>
-          <a:p>
-            <a:pPr lvl="1">
-              <a:buFont typeface="Wingdings" pitchFamily="2" charset="2"/>
-              <a:buChar char="v"/>
-            </a:pPr>
-            <a:r>
-              <a:rPr lang="en-US" dirty="0"/>
-              <a:t> </a:t>
-            </a:r>
-            <a:r>
-              <a:rPr lang="en-US" dirty="0" smtClean="0"/>
-              <a:t>Clipboard</a:t>
-            </a:r>
-            <a:endParaRPr lang="en-US" dirty="0"/>
-          </a:p>
-        </p:txBody>
-      </p:sp>
-      <p:sp>
-        <p:nvSpPr>
-          <p:cNvPr id="5" name="Round Diagonal Corner Rectangle 4"/>
-          <p:cNvSpPr/>
-          <p:nvPr/>
-        </p:nvSpPr>
-        <p:spPr>
-          <a:xfrm>
-            <a:off x="609600" y="4894881"/>
-            <a:ext cx="7315200" cy="1353519"/>
-          </a:xfrm>
-          <a:prstGeom prst="round2DiagRect">
-            <a:avLst/>
-          </a:prstGeom>
-        </p:spPr>
-        <p:style>
-          <a:lnRef idx="3">
-            <a:schemeClr val="lt1"/>
-          </a:lnRef>
-          <a:fillRef idx="1">
-            <a:schemeClr val="accent1"/>
-          </a:fillRef>
-          <a:effectRef idx="1">
-            <a:schemeClr val="accent1"/>
-          </a:effectRef>
-          <a:fontRef idx="minor">
-            <a:schemeClr val="lt1"/>
-          </a:fontRef>
-        </p:style>
-        <p:txBody>
-          <a:bodyPr rtlCol="0" anchor="ctr"/>
-          <a:lstStyle/>
-          <a:p>
-            <a:pPr lvl="0">
-              <a:spcBef>
-                <a:spcPct val="20000"/>
-              </a:spcBef>
-            </a:pPr>
-            <a:r>
-              <a:rPr lang="en-US" sz="3200" b="1" dirty="0">
-                <a:solidFill>
-                  <a:schemeClr val="bg1"/>
-                </a:solidFill>
-                <a:latin typeface="Cambria" pitchFamily="18" charset="0"/>
-              </a:rPr>
-              <a:t>45% </a:t>
-            </a:r>
-            <a:r>
-              <a:rPr lang="en-US" sz="3200" b="1" dirty="0" smtClean="0">
-                <a:solidFill>
-                  <a:schemeClr val="bg1"/>
-                </a:solidFill>
-                <a:latin typeface="Cambria" pitchFamily="18" charset="0"/>
-              </a:rPr>
-              <a:t>of </a:t>
-            </a:r>
-            <a:r>
-              <a:rPr lang="en-US" sz="3200" b="1" dirty="0">
-                <a:solidFill>
-                  <a:schemeClr val="bg1"/>
-                </a:solidFill>
-                <a:latin typeface="Cambria" pitchFamily="18" charset="0"/>
-              </a:rPr>
-              <a:t>internet-connected Windows and Mac </a:t>
-            </a:r>
-            <a:r>
-              <a:rPr lang="en-US" sz="3200" b="1" dirty="0" smtClean="0">
-                <a:solidFill>
-                  <a:schemeClr val="bg1"/>
-                </a:solidFill>
-                <a:latin typeface="Cambria" pitchFamily="18" charset="0"/>
-              </a:rPr>
-              <a:t>machines have Silverlight</a:t>
-            </a:r>
-            <a:endParaRPr lang="en-US" sz="3200" b="1" dirty="0">
-              <a:solidFill>
-                <a:schemeClr val="bg1"/>
-              </a:solidFill>
-              <a:latin typeface="Cambria" pitchFamily="18" charset="0"/>
-            </a:endParaRPr>
-          </a:p>
-        </p:txBody>
-      </p:sp>
-    </p:spTree>
-    <p:extLst>
-      <p:ext uri="{BB962C8B-B14F-4D97-AF65-F5344CB8AC3E}">
-        <p14:creationId xmlns:p14="http://schemas.microsoft.com/office/powerpoint/2010/main" val="3317035800"/>
-      </p:ext>
-    </p:extLst>
-  </p:cSld>
-  <p:clrMapOvr>
-    <a:masterClrMapping/>
-  </p:clrMapOvr>
-  <p:timing>
-    <p:tnLst>
-      <p:par>
-        <p:cTn xmlns:p14="http://schemas.microsoft.com/office/powerpoint/2010/main" id="1" dur="indefinite" restart="never" nodeType="tmRoot">
-          <p:childTnLst>
-            <p:seq concurrent="1" nextAc="seek">
-              <p:cTn id="2" dur="indefinite" nodeType="mainSeq">
-                <p:childTnLst>
-                  <p:par>
-                    <p:cTn id="3" fill="hold">
-                      <p:stCondLst>
-                        <p:cond delay="indefinite"/>
-                      </p:stCondLst>
-                      <p:childTnLst>
-                        <p:par>
-                          <p:cTn id="4" fill="hold">
-                            <p:stCondLst>
-                              <p:cond delay="0"/>
-                            </p:stCondLst>
-                            <p:childTnLst>
-                              <p:par>
-                                <p:cTn id="5" presetID="53" presetClass="entr" presetSubtype="16" fill="hold" grpId="0" nodeType="clickEffect">
-                                  <p:stCondLst>
-                                    <p:cond delay="0"/>
-                                  </p:stCondLst>
-                                  <p:childTnLst>
-                                    <p:set>
-                                      <p:cBhvr>
-                                        <p:cTn id="6" dur="1" fill="hold">
-                                          <p:stCondLst>
-                                            <p:cond delay="0"/>
-                                          </p:stCondLst>
-                                        </p:cTn>
-                                        <p:tgtEl>
-                                          <p:spTgt spid="5"/>
-                                        </p:tgtEl>
-                                        <p:attrNameLst>
-                                          <p:attrName>style.visibility</p:attrName>
-                                        </p:attrNameLst>
-                                      </p:cBhvr>
-                                      <p:to>
-                                        <p:strVal val="visible"/>
-                                      </p:to>
-                                    </p:set>
-                                    <p:anim calcmode="lin" valueType="num">
-                                      <p:cBhvr>
-                                        <p:cTn id="7" dur="150" fill="hold"/>
-                                        <p:tgtEl>
-                                          <p:spTgt spid="5"/>
-                                        </p:tgtEl>
-                                        <p:attrNameLst>
-                                          <p:attrName>ppt_w</p:attrName>
-                                        </p:attrNameLst>
-                                      </p:cBhvr>
-                                      <p:tavLst>
-                                        <p:tav tm="0">
-                                          <p:val>
-                                            <p:fltVal val="0"/>
-                                          </p:val>
-                                        </p:tav>
-                                        <p:tav tm="100000">
-                                          <p:val>
-                                            <p:strVal val="#ppt_w"/>
-                                          </p:val>
-                                        </p:tav>
-                                      </p:tavLst>
-                                    </p:anim>
-                                    <p:anim calcmode="lin" valueType="num">
-                                      <p:cBhvr>
-                                        <p:cTn id="8" dur="150" fill="hold"/>
-                                        <p:tgtEl>
-                                          <p:spTgt spid="5"/>
-                                        </p:tgtEl>
-                                        <p:attrNameLst>
-                                          <p:attrName>ppt_h</p:attrName>
-                                        </p:attrNameLst>
-                                      </p:cBhvr>
-                                      <p:tavLst>
-                                        <p:tav tm="0">
-                                          <p:val>
-                                            <p:fltVal val="0"/>
-                                          </p:val>
-                                        </p:tav>
-                                        <p:tav tm="100000">
-                                          <p:val>
-                                            <p:strVal val="#ppt_h"/>
-                                          </p:val>
-                                        </p:tav>
-                                      </p:tavLst>
-                                    </p:anim>
-                                    <p:animEffect transition="in" filter="fade">
-                                      <p:cBhvr>
-                                        <p:cTn id="9" dur="150"/>
-                                        <p:tgtEl>
-                                          <p:spTgt spid="5"/>
-                                        </p:tgtEl>
-                                      </p:cBhvr>
-                                    </p:animEffect>
-                                  </p:childTnLst>
-                                </p:cTn>
-                              </p:par>
-                            </p:childTnLst>
-                          </p:cTn>
-                        </p:par>
-                      </p:childTnLst>
-                    </p:cTn>
-                  </p:par>
-                </p:childTnLst>
-              </p:cTn>
-              <p:prevCondLst>
-                <p:cond evt="onPrev" delay="0">
-                  <p:tgtEl>
-                    <p:sldTgt/>
-                  </p:tgtEl>
-                </p:cond>
-              </p:prevCondLst>
-              <p:nextCondLst>
-                <p:cond evt="onNext" delay="0">
-                  <p:tgtEl>
-                    <p:sldTgt/>
-                  </p:tgtEl>
-                </p:cond>
-              </p:nextCondLst>
-            </p:seq>
-          </p:childTnLst>
-        </p:cTn>
-      </p:par>
-    </p:tnLst>
-    <p:bldLst>
-      <p:bldP spid="5" grpId="0" animBg="1"/>
-    </p:bldLst>
-  </p:timing>
-</p:sld>
-</file>
-
-<file path=ppt/slides/slide9.xml><?xml version="1.0" encoding="utf-8"?>
-<p:sld xmlns:a="http://schemas.openxmlformats.org/drawingml/2006/main" xmlns:r="http://schemas.openxmlformats.org/officeDocument/2006/relationships" xmlns:p="http://schemas.openxmlformats.org/presentationml/2006/main">
-  <p:cSld>
-    <p:spTree>
-      <p:nvGrpSpPr>
-        <p:cNvPr id="1" name=""/>
-        <p:cNvGrpSpPr/>
-        <p:nvPr/>
-      </p:nvGrpSpPr>
-      <p:grpSpPr>
-        <a:xfrm>
-          <a:off x="0" y="0"/>
-          <a:ext cx="0" cy="0"/>
-          <a:chOff x="0" y="0"/>
-          <a:chExt cx="0" cy="0"/>
-        </a:xfrm>
-      </p:grpSpPr>
-      <p:graphicFrame>
-        <p:nvGraphicFramePr>
-          <p:cNvPr id="4" name="Content Placeholder 3"/>
-          <p:cNvGraphicFramePr>
-            <a:graphicFrameLocks noGrp="1"/>
-          </p:cNvGraphicFramePr>
-          <p:nvPr>
-            <p:ph idx="1"/>
-            <p:extLst>
-              <p:ext uri="{D42A27DB-BD31-4B8C-83A1-F6EECF244321}">
-                <p14:modId xmlns:p14="http://schemas.microsoft.com/office/powerpoint/2010/main" val="1777251757"/>
-              </p:ext>
-            </p:extLst>
-          </p:nvPr>
-        </p:nvGraphicFramePr>
-        <p:xfrm>
-          <a:off x="0" y="-1"/>
-          <a:ext cx="9144000" cy="6858000"/>
-        </p:xfrm>
-        <a:graphic>
-          <a:graphicData uri="http://schemas.openxmlformats.org/drawingml/2006/table">
-            <a:tbl>
-              <a:tblPr firstCol="1">
-                <a:tableStyleId>{793D81CF-94F2-401A-BA57-92F5A7B2D0C5}</a:tableStyleId>
-              </a:tblPr>
-              <a:tblGrid>
-                <a:gridCol w="772747"/>
-                <a:gridCol w="8371253"/>
-              </a:tblGrid>
-              <a:tr h="935226">
-                <a:tc>
-                  <a:txBody>
-                    <a:bodyPr/>
-                    <a:lstStyle/>
-                    <a:p>
-                      <a:pPr marL="0" marR="0" algn="ctr">
-                        <a:lnSpc>
-                          <a:spcPct val="115000"/>
-                        </a:lnSpc>
-                        <a:spcBef>
-                          <a:spcPts val="0"/>
-                        </a:spcBef>
-                        <a:spcAft>
-                          <a:spcPts val="0"/>
-                        </a:spcAft>
-                      </a:pPr>
-                      <a:r>
-                        <a:rPr lang="en-US" sz="2400" dirty="0" smtClean="0">
-                          <a:solidFill>
-                            <a:schemeClr val="bg1"/>
-                          </a:solidFill>
-                          <a:effectLst/>
-                        </a:rPr>
-                        <a:t>5 </a:t>
-                      </a:r>
-                      <a:r>
-                        <a:rPr lang="en-US" sz="2400" dirty="0" err="1" smtClean="0">
-                          <a:solidFill>
-                            <a:schemeClr val="bg1"/>
-                          </a:solidFill>
-                          <a:effectLst/>
-                        </a:rPr>
-                        <a:t>mins</a:t>
-                      </a:r>
-                      <a:endParaRPr lang="en-US" sz="2400" dirty="0">
-                        <a:solidFill>
-                          <a:schemeClr val="bg1"/>
-                        </a:solidFill>
-                        <a:effectLst/>
-                        <a:latin typeface="Calibri"/>
-                        <a:ea typeface="Times New Roman"/>
-                        <a:cs typeface="Times New Roman"/>
-                      </a:endParaRPr>
-                    </a:p>
-                  </a:txBody>
-                  <a:tcPr marL="68580" marR="68580" marT="0" marB="0" vert="vert270" anchor="ctr">
-                    <a:solidFill>
-                      <a:schemeClr val="tx1">
-                        <a:lumMod val="85000"/>
-                        <a:lumOff val="15000"/>
-                      </a:schemeClr>
-                    </a:solidFill>
-                  </a:tcPr>
-                </a:tc>
-                <a:tc>
-                  <a:txBody>
-                    <a:bodyPr/>
-                    <a:lstStyle/>
-                    <a:p>
-                      <a:pPr marL="0" marR="0" algn="l">
-                        <a:lnSpc>
-                          <a:spcPct val="115000"/>
-                        </a:lnSpc>
-                        <a:spcBef>
-                          <a:spcPts val="0"/>
-                        </a:spcBef>
-                        <a:spcAft>
-                          <a:spcPts val="0"/>
-                        </a:spcAft>
-                      </a:pPr>
-                      <a:r>
-                        <a:rPr lang="en-US" sz="3600" dirty="0" smtClean="0">
-                          <a:solidFill>
-                            <a:schemeClr val="bg1"/>
-                          </a:solidFill>
-                          <a:effectLst/>
-                        </a:rPr>
-                        <a:t>  What’s </a:t>
-                      </a:r>
-                      <a:r>
-                        <a:rPr lang="en-US" sz="3600" dirty="0" err="1" smtClean="0">
-                          <a:solidFill>
-                            <a:schemeClr val="bg1"/>
-                          </a:solidFill>
-                          <a:effectLst/>
-                        </a:rPr>
-                        <a:t>IronRuby</a:t>
-                      </a:r>
-                      <a:r>
-                        <a:rPr lang="en-US" sz="3600" dirty="0" smtClean="0">
-                          <a:solidFill>
-                            <a:schemeClr val="bg1"/>
-                          </a:solidFill>
-                          <a:effectLst/>
-                        </a:rPr>
-                        <a:t> and what’s it useful</a:t>
-                      </a:r>
-                      <a:r>
-                        <a:rPr lang="en-US" sz="3600" baseline="0" dirty="0" smtClean="0">
-                          <a:solidFill>
-                            <a:schemeClr val="bg1"/>
-                          </a:solidFill>
-                          <a:effectLst/>
-                        </a:rPr>
-                        <a:t> for?</a:t>
-                      </a:r>
-                      <a:endParaRPr lang="en-US" sz="3600" dirty="0">
-                        <a:solidFill>
-                          <a:schemeClr val="bg1"/>
-                        </a:solidFill>
-                        <a:effectLst/>
-                        <a:latin typeface="+mn-lt"/>
-                        <a:ea typeface="Times New Roman"/>
-                        <a:cs typeface="Times New Roman"/>
-                      </a:endParaRPr>
-                    </a:p>
-                  </a:txBody>
-                  <a:tcPr marL="68580" marR="68580" marT="0" marB="0" anchor="ctr">
-                    <a:solidFill>
-                      <a:schemeClr val="tx1"/>
-                    </a:solidFill>
-                  </a:tcPr>
-                </a:tc>
-              </a:tr>
-              <a:tr h="1526514">
-                <a:tc>
-                  <a:txBody>
-                    <a:bodyPr/>
-                    <a:lstStyle/>
-                    <a:p>
-                      <a:pPr marL="0" marR="0" algn="ctr">
-                        <a:lnSpc>
-                          <a:spcPct val="115000"/>
-                        </a:lnSpc>
-                        <a:spcBef>
-                          <a:spcPts val="0"/>
-                        </a:spcBef>
-                        <a:spcAft>
-                          <a:spcPts val="0"/>
-                        </a:spcAft>
-                      </a:pPr>
-                      <a:r>
-                        <a:rPr lang="en-US" sz="2400" dirty="0" smtClean="0">
-                          <a:solidFill>
-                            <a:schemeClr val="bg1"/>
-                          </a:solidFill>
-                          <a:effectLst/>
-                        </a:rPr>
-                        <a:t>10 </a:t>
-                      </a:r>
-                      <a:r>
-                        <a:rPr lang="en-US" sz="2400" baseline="0" dirty="0" err="1" smtClean="0">
-                          <a:solidFill>
-                            <a:schemeClr val="bg1"/>
-                          </a:solidFill>
-                          <a:effectLst/>
-                        </a:rPr>
-                        <a:t>m</a:t>
-                      </a:r>
-                      <a:r>
-                        <a:rPr lang="en-US" sz="2400" dirty="0" err="1" smtClean="0">
-                          <a:solidFill>
-                            <a:schemeClr val="bg1"/>
-                          </a:solidFill>
-                          <a:effectLst/>
-                        </a:rPr>
-                        <a:t>ins</a:t>
-                      </a:r>
-                      <a:endParaRPr lang="en-US" sz="2400" dirty="0">
-                        <a:solidFill>
-                          <a:schemeClr val="bg1"/>
-                        </a:solidFill>
-                        <a:effectLst/>
-                        <a:latin typeface="Calibri"/>
-                        <a:ea typeface="Times New Roman"/>
-                        <a:cs typeface="Times New Roman"/>
-                      </a:endParaRPr>
-                    </a:p>
-                  </a:txBody>
-                  <a:tcPr marL="68580" marR="68580" marT="0" marB="0" vert="vert270" anchor="ctr">
-                    <a:solidFill>
-                      <a:schemeClr val="tx1">
-                        <a:lumMod val="85000"/>
-                        <a:lumOff val="15000"/>
-                      </a:schemeClr>
-                    </a:solidFill>
-                  </a:tcPr>
-                </a:tc>
-                <a:tc>
-                  <a:txBody>
-                    <a:bodyPr/>
-                    <a:lstStyle/>
-                    <a:p>
-                      <a:pPr marL="0" marR="0" algn="l">
-                        <a:lnSpc>
-                          <a:spcPct val="115000"/>
-                        </a:lnSpc>
-                        <a:spcBef>
-                          <a:spcPts val="0"/>
-                        </a:spcBef>
-                        <a:spcAft>
-                          <a:spcPts val="0"/>
-                        </a:spcAft>
-                      </a:pPr>
-                      <a:r>
-                        <a:rPr lang="en-US" sz="3600" dirty="0" smtClean="0">
-                          <a:solidFill>
-                            <a:schemeClr val="bg1"/>
-                          </a:solidFill>
-                          <a:effectLst/>
-                        </a:rPr>
-                        <a:t>  Ruby HTML</a:t>
-                      </a:r>
-                      <a:r>
-                        <a:rPr lang="en-US" sz="3600" baseline="0" dirty="0" smtClean="0">
-                          <a:solidFill>
-                            <a:schemeClr val="bg1"/>
-                          </a:solidFill>
-                          <a:effectLst/>
-                        </a:rPr>
-                        <a:t> script-tags</a:t>
-                      </a:r>
-                      <a:endParaRPr lang="en-US" sz="3600" dirty="0">
-                        <a:solidFill>
-                          <a:schemeClr val="bg1"/>
-                        </a:solidFill>
-                        <a:effectLst/>
-                        <a:latin typeface="Calibri"/>
-                        <a:ea typeface="Times New Roman"/>
-                        <a:cs typeface="Times New Roman"/>
-                      </a:endParaRPr>
-                    </a:p>
-                  </a:txBody>
-                  <a:tcPr marL="68580" marR="68580" marT="0" marB="0" anchor="ctr">
-                    <a:solidFill>
-                      <a:schemeClr val="tx1"/>
-                    </a:solidFill>
-                  </a:tcPr>
-                </a:tc>
-              </a:tr>
-              <a:tr h="2852667">
-                <a:tc>
-                  <a:txBody>
-                    <a:bodyPr/>
-                    <a:lstStyle/>
-                    <a:p>
-                      <a:pPr marL="0" marR="0" algn="ctr">
-                        <a:lnSpc>
-                          <a:spcPct val="115000"/>
-                        </a:lnSpc>
-                        <a:spcBef>
-                          <a:spcPts val="0"/>
-                        </a:spcBef>
-                        <a:spcAft>
-                          <a:spcPts val="0"/>
-                        </a:spcAft>
-                      </a:pPr>
-                      <a:r>
-                        <a:rPr lang="en-US" sz="2400" dirty="0" smtClean="0">
-                          <a:solidFill>
-                            <a:schemeClr val="bg1"/>
-                          </a:solidFill>
-                          <a:effectLst/>
-                        </a:rPr>
-                        <a:t>15 </a:t>
-                      </a:r>
-                      <a:r>
-                        <a:rPr lang="en-US" sz="2400" dirty="0" err="1" smtClean="0">
-                          <a:solidFill>
-                            <a:schemeClr val="bg1"/>
-                          </a:solidFill>
-                          <a:effectLst/>
-                        </a:rPr>
-                        <a:t>mins</a:t>
-                      </a:r>
-                      <a:endParaRPr lang="en-US" sz="2400" dirty="0">
-                        <a:solidFill>
-                          <a:schemeClr val="bg1"/>
-                        </a:solidFill>
-                        <a:effectLst/>
-                        <a:latin typeface="Calibri"/>
-                        <a:ea typeface="Times New Roman"/>
-                        <a:cs typeface="Times New Roman"/>
-                      </a:endParaRPr>
-                    </a:p>
-                  </a:txBody>
-                  <a:tcPr marL="68580" marR="68580" marT="0" marB="0" vert="vert270" anchor="ctr">
-                    <a:solidFill>
-                      <a:schemeClr val="tx1">
-                        <a:lumMod val="85000"/>
-                        <a:lumOff val="15000"/>
-                      </a:schemeClr>
-                    </a:solidFill>
-                  </a:tcPr>
-                </a:tc>
-                <a:tc>
-                  <a:txBody>
-                    <a:bodyPr/>
-                    <a:lstStyle/>
-                    <a:p>
-                      <a:pPr marL="0" marR="0">
-                        <a:lnSpc>
-                          <a:spcPct val="115000"/>
-                        </a:lnSpc>
-                        <a:spcBef>
-                          <a:spcPts val="0"/>
-                        </a:spcBef>
-                        <a:spcAft>
-                          <a:spcPts val="0"/>
-                        </a:spcAft>
-                      </a:pPr>
-                      <a:r>
-                        <a:rPr lang="en-US" sz="3600" dirty="0" smtClean="0">
-                          <a:solidFill>
-                            <a:schemeClr val="bg1"/>
-                          </a:solidFill>
-                          <a:effectLst/>
-                        </a:rPr>
-                        <a:t>  Embedding</a:t>
-                      </a:r>
-                      <a:r>
-                        <a:rPr lang="en-US" sz="3600" baseline="0" dirty="0" smtClean="0">
-                          <a:solidFill>
-                            <a:schemeClr val="bg1"/>
-                          </a:solidFill>
-                          <a:effectLst/>
-                        </a:rPr>
-                        <a:t> Ruby – “Scriptable” apps</a:t>
-                      </a:r>
-                      <a:endParaRPr lang="en-US" sz="3600" dirty="0">
-                        <a:solidFill>
-                          <a:schemeClr val="bg1"/>
-                        </a:solidFill>
-                        <a:effectLst/>
-                        <a:latin typeface="Calibri"/>
-                        <a:ea typeface="Times New Roman"/>
-                        <a:cs typeface="Times New Roman"/>
-                      </a:endParaRPr>
-                    </a:p>
-                  </a:txBody>
-                  <a:tcPr marL="68580" marR="68580" marT="0" marB="0" anchor="ctr">
-                    <a:solidFill>
-                      <a:schemeClr val="tx1">
-                        <a:lumMod val="85000"/>
-                        <a:lumOff val="15000"/>
-                      </a:schemeClr>
-                    </a:solidFill>
-                  </a:tcPr>
-                </a:tc>
-              </a:tr>
-              <a:tr h="1543593">
-                <a:tc>
-                  <a:txBody>
-                    <a:bodyPr/>
-                    <a:lstStyle/>
-                    <a:p>
-                      <a:pPr marL="0" marR="0" algn="ctr">
-                        <a:lnSpc>
-                          <a:spcPct val="115000"/>
-                        </a:lnSpc>
-                        <a:spcBef>
-                          <a:spcPts val="0"/>
-                        </a:spcBef>
-                        <a:spcAft>
-                          <a:spcPts val="0"/>
-                        </a:spcAft>
-                      </a:pPr>
-                      <a:r>
-                        <a:rPr lang="en-US" sz="2400" dirty="0" smtClean="0">
-                          <a:solidFill>
-                            <a:schemeClr val="bg1"/>
-                          </a:solidFill>
-                          <a:effectLst/>
-                        </a:rPr>
-                        <a:t>10 </a:t>
-                      </a:r>
-                      <a:r>
-                        <a:rPr lang="en-US" sz="2400" dirty="0" err="1" smtClean="0">
-                          <a:solidFill>
-                            <a:schemeClr val="bg1"/>
-                          </a:solidFill>
-                          <a:effectLst/>
-                        </a:rPr>
-                        <a:t>mins</a:t>
-                      </a:r>
-                      <a:endParaRPr lang="en-US" sz="2400" dirty="0">
-                        <a:solidFill>
-                          <a:schemeClr val="bg1"/>
-                        </a:solidFill>
-                        <a:effectLst/>
-                        <a:latin typeface="Calibri"/>
-                        <a:ea typeface="Times New Roman"/>
-                        <a:cs typeface="Times New Roman"/>
-                      </a:endParaRPr>
-                    </a:p>
-                  </a:txBody>
-                  <a:tcPr marL="68580" marR="68580" marT="0" marB="0" vert="vert270" anchor="ctr">
-                    <a:solidFill>
-                      <a:schemeClr val="tx1">
-                        <a:lumMod val="85000"/>
-                        <a:lumOff val="15000"/>
-                      </a:schemeClr>
-                    </a:solidFill>
-                  </a:tcPr>
-                </a:tc>
-                <a:tc>
-                  <a:txBody>
-                    <a:bodyPr/>
-                    <a:lstStyle/>
-                    <a:p>
-                      <a:pPr marL="0" marR="0">
-                        <a:lnSpc>
-                          <a:spcPct val="115000"/>
-                        </a:lnSpc>
-                        <a:spcBef>
-                          <a:spcPts val="0"/>
-                        </a:spcBef>
-                        <a:spcAft>
-                          <a:spcPts val="0"/>
-                        </a:spcAft>
-                      </a:pPr>
-                      <a:r>
-                        <a:rPr lang="en-US" sz="3600" dirty="0" smtClean="0">
-                          <a:solidFill>
-                            <a:schemeClr val="bg1"/>
-                          </a:solidFill>
-                          <a:effectLst/>
-                        </a:rPr>
-                        <a:t>  State of </a:t>
-                      </a:r>
-                      <a:r>
-                        <a:rPr lang="en-US" sz="3600" dirty="0" err="1" smtClean="0">
-                          <a:solidFill>
-                            <a:schemeClr val="bg1"/>
-                          </a:solidFill>
-                          <a:effectLst/>
-                        </a:rPr>
-                        <a:t>IronRuby</a:t>
-                      </a:r>
-                      <a:endParaRPr lang="en-US" sz="3600" dirty="0">
-                        <a:solidFill>
-                          <a:schemeClr val="bg1"/>
-                        </a:solidFill>
-                        <a:effectLst/>
-                        <a:latin typeface="Calibri"/>
-                        <a:ea typeface="Times New Roman"/>
-                        <a:cs typeface="Times New Roman"/>
-                      </a:endParaRPr>
-                    </a:p>
-                  </a:txBody>
-                  <a:tcPr marL="68580" marR="68580" marT="0" marB="0" anchor="ctr">
-                    <a:solidFill>
-                      <a:schemeClr val="tx1"/>
-                    </a:solidFill>
-                  </a:tcPr>
-                </a:tc>
-              </a:tr>
-            </a:tbl>
-          </a:graphicData>
-        </a:graphic>
-      </p:graphicFrame>
-    </p:spTree>
-    <p:extLst>
-      <p:ext uri="{BB962C8B-B14F-4D97-AF65-F5344CB8AC3E}">
-        <p14:creationId xmlns:p14="http://schemas.microsoft.com/office/powerpoint/2010/main" val="3343301994"/>
       </p:ext>
     </p:extLst>
   </p:cSld>

--- a/jimmysch-ironruby.pptx
+++ b/jimmysch-ironruby.pptx
@@ -7621,7 +7621,7 @@
 </file>
 
 <file path=ppt/slides/slide14.xml><?xml version="1.0" encoding="utf-8"?>
-<p:sld xmlns:a="http://schemas.openxmlformats.org/drawingml/2006/main" xmlns:r="http://schemas.openxmlformats.org/officeDocument/2006/relationships" xmlns:p="http://schemas.openxmlformats.org/presentationml/2006/main" show="0">
+<p:sld xmlns:a="http://schemas.openxmlformats.org/drawingml/2006/main" xmlns:r="http://schemas.openxmlformats.org/officeDocument/2006/relationships" xmlns:p="http://schemas.openxmlformats.org/presentationml/2006/main">
   <p:cSld>
     <p:spTree>
       <p:nvGrpSpPr>
@@ -7730,7 +7730,7 @@
 </file>
 
 <file path=ppt/slides/slide15.xml><?xml version="1.0" encoding="utf-8"?>
-<p:sld xmlns:a="http://schemas.openxmlformats.org/drawingml/2006/main" xmlns:r="http://schemas.openxmlformats.org/officeDocument/2006/relationships" xmlns:p="http://schemas.openxmlformats.org/presentationml/2006/main" show="0">
+<p:sld xmlns:a="http://schemas.openxmlformats.org/drawingml/2006/main" xmlns:r="http://schemas.openxmlformats.org/officeDocument/2006/relationships" xmlns:p="http://schemas.openxmlformats.org/presentationml/2006/main">
   <p:cSld>
     <p:spTree>
       <p:nvGrpSpPr>

--- a/jimmysch-ironruby.pptx
+++ b/jimmysch-ironruby.pptx
@@ -5,37 +5,38 @@
     <p:sldMasterId id="2147483684" r:id="rId1"/>
   </p:sldMasterIdLst>
   <p:notesMasterIdLst>
-    <p:notesMasterId r:id="rId30"/>
+    <p:notesMasterId r:id="rId31"/>
   </p:notesMasterIdLst>
   <p:sldIdLst>
-    <p:sldId id="256" r:id="rId2"/>
-    <p:sldId id="259" r:id="rId3"/>
-    <p:sldId id="258" r:id="rId4"/>
-    <p:sldId id="283" r:id="rId5"/>
-    <p:sldId id="284" r:id="rId6"/>
-    <p:sldId id="285" r:id="rId7"/>
-    <p:sldId id="287" r:id="rId8"/>
-    <p:sldId id="257" r:id="rId9"/>
-    <p:sldId id="261" r:id="rId10"/>
-    <p:sldId id="264" r:id="rId11"/>
-    <p:sldId id="278" r:id="rId12"/>
-    <p:sldId id="266" r:id="rId13"/>
-    <p:sldId id="262" r:id="rId14"/>
-    <p:sldId id="280" r:id="rId15"/>
-    <p:sldId id="281" r:id="rId16"/>
-    <p:sldId id="282" r:id="rId17"/>
-    <p:sldId id="267" r:id="rId18"/>
-    <p:sldId id="279" r:id="rId19"/>
-    <p:sldId id="263" r:id="rId20"/>
-    <p:sldId id="269" r:id="rId21"/>
-    <p:sldId id="270" r:id="rId22"/>
-    <p:sldId id="271" r:id="rId23"/>
-    <p:sldId id="272" r:id="rId24"/>
-    <p:sldId id="273" r:id="rId25"/>
-    <p:sldId id="274" r:id="rId26"/>
-    <p:sldId id="275" r:id="rId27"/>
-    <p:sldId id="286" r:id="rId28"/>
-    <p:sldId id="276" r:id="rId29"/>
+    <p:sldId id="288" r:id="rId2"/>
+    <p:sldId id="256" r:id="rId3"/>
+    <p:sldId id="259" r:id="rId4"/>
+    <p:sldId id="258" r:id="rId5"/>
+    <p:sldId id="283" r:id="rId6"/>
+    <p:sldId id="284" r:id="rId7"/>
+    <p:sldId id="285" r:id="rId8"/>
+    <p:sldId id="287" r:id="rId9"/>
+    <p:sldId id="257" r:id="rId10"/>
+    <p:sldId id="261" r:id="rId11"/>
+    <p:sldId id="264" r:id="rId12"/>
+    <p:sldId id="278" r:id="rId13"/>
+    <p:sldId id="266" r:id="rId14"/>
+    <p:sldId id="262" r:id="rId15"/>
+    <p:sldId id="280" r:id="rId16"/>
+    <p:sldId id="281" r:id="rId17"/>
+    <p:sldId id="282" r:id="rId18"/>
+    <p:sldId id="267" r:id="rId19"/>
+    <p:sldId id="279" r:id="rId20"/>
+    <p:sldId id="263" r:id="rId21"/>
+    <p:sldId id="269" r:id="rId22"/>
+    <p:sldId id="270" r:id="rId23"/>
+    <p:sldId id="271" r:id="rId24"/>
+    <p:sldId id="272" r:id="rId25"/>
+    <p:sldId id="273" r:id="rId26"/>
+    <p:sldId id="274" r:id="rId27"/>
+    <p:sldId id="275" r:id="rId28"/>
+    <p:sldId id="286" r:id="rId29"/>
+    <p:sldId id="276" r:id="rId30"/>
   </p:sldIdLst>
   <p:sldSz cx="9144000" cy="6858000" type="screen4x3"/>
   <p:notesSz cx="6858000" cy="9144000"/>
@@ -647,10 +648,63 @@
           <a:bodyPr/>
           <a:lstStyle/>
           <a:p>
+            <a:pPr marL="0" marR="0" lvl="2" indent="0" algn="l" defTabSz="914400" rtl="0" eaLnBrk="1" fontAlgn="auto" latinLnBrk="0" hangingPunct="1">
+              <a:lnSpc>
+                <a:spcPct val="100000"/>
+              </a:lnSpc>
+              <a:spcBef>
+                <a:spcPts val="0"/>
+              </a:spcBef>
+              <a:spcAft>
+                <a:spcPts val="0"/>
+              </a:spcAft>
+              <a:buClrTx/>
+              <a:buSzTx/>
+              <a:buFontTx/>
+              <a:buNone/>
+              <a:tabLst/>
+              <a:defRPr/>
+            </a:pPr>
             <a:r>
               <a:rPr lang="en-US" dirty="0" smtClean="0"/>
-              <a:t>Agenda …</a:t>
-            </a:r>
+              <a:t>Web </a:t>
+            </a:r>
+            <a:r>
+              <a:rPr lang="en-US" dirty="0" err="1" smtClean="0"/>
+              <a:t>dev</a:t>
+            </a:r>
+            <a:r>
+              <a:rPr lang="en-US" dirty="0" smtClean="0"/>
+              <a:t>:</a:t>
+            </a:r>
+            <a:r>
+              <a:rPr lang="en-US" baseline="0" dirty="0" smtClean="0"/>
+              <a:t> </a:t>
+            </a:r>
+            <a:r>
+              <a:rPr lang="en-US" dirty="0" smtClean="0"/>
+              <a:t>Ruby frameworks (</a:t>
+            </a:r>
+            <a:r>
+              <a:rPr lang="en-US" dirty="0" err="1" smtClean="0"/>
+              <a:t>Rack</a:t>
+            </a:r>
+            <a:r>
+              <a:rPr lang="en-US" dirty="0" err="1" smtClean="0">
+                <a:sym typeface="Wingdings" pitchFamily="2" charset="2"/>
+              </a:rPr>
+              <a:t></a:t>
+            </a:r>
+            <a:r>
+              <a:rPr lang="en-US" dirty="0" err="1" smtClean="0"/>
+              <a:t>IIS</a:t>
+            </a:r>
+            <a:r>
+              <a:rPr lang="en-US" dirty="0" smtClean="0"/>
+              <a:t>) and .NET frameworks (ASP.NET MVC)</a:t>
+            </a:r>
+          </a:p>
+          <a:p>
             <a:endParaRPr lang="en-US" dirty="0"/>
           </a:p>
         </p:txBody>
@@ -681,7 +735,7 @@
     </p:spTree>
     <p:extLst>
       <p:ext uri="{BB962C8B-B14F-4D97-AF65-F5344CB8AC3E}">
-        <p14:creationId xmlns:p14="http://schemas.microsoft.com/office/powerpoint/2010/main" val="2835724897"/>
+        <p14:creationId xmlns:p14="http://schemas.microsoft.com/office/powerpoint/2010/main" val="4055809135"/>
       </p:ext>
     </p:extLst>
   </p:cSld>
@@ -735,7 +789,11 @@
           <a:bodyPr/>
           <a:lstStyle/>
           <a:p>
-            <a:endParaRPr lang="en-US"/>
+            <a:r>
+              <a:rPr lang="en-US" dirty="0" smtClean="0"/>
+              <a:t>Agenda …</a:t>
+            </a:r>
+            <a:endParaRPr lang="en-US" dirty="0"/>
           </a:p>
         </p:txBody>
       </p:sp>
@@ -756,7 +814,7 @@
           <a:p>
             <a:fld id="{8A79B42D-FAB0-42F8-B8FC-0BAA5E7F7E3E}" type="slidenum">
               <a:rPr lang="en-US" smtClean="0"/>
-              <a:t>17</a:t>
+              <a:t>14</a:t>
             </a:fld>
             <a:endParaRPr lang="en-US"/>
           </a:p>
@@ -765,7 +823,7 @@
     </p:spTree>
     <p:extLst>
       <p:ext uri="{BB962C8B-B14F-4D97-AF65-F5344CB8AC3E}">
-        <p14:creationId xmlns:p14="http://schemas.microsoft.com/office/powerpoint/2010/main" val="3194521028"/>
+        <p14:creationId xmlns:p14="http://schemas.microsoft.com/office/powerpoint/2010/main" val="2835724897"/>
       </p:ext>
     </p:extLst>
   </p:cSld>
@@ -849,7 +907,7 @@
     </p:spTree>
     <p:extLst>
       <p:ext uri="{BB962C8B-B14F-4D97-AF65-F5344CB8AC3E}">
-        <p14:creationId xmlns:p14="http://schemas.microsoft.com/office/powerpoint/2010/main" val="647954053"/>
+        <p14:creationId xmlns:p14="http://schemas.microsoft.com/office/powerpoint/2010/main" val="3194521028"/>
       </p:ext>
     </p:extLst>
   </p:cSld>
@@ -903,11 +961,7 @@
           <a:bodyPr/>
           <a:lstStyle/>
           <a:p>
-            <a:r>
-              <a:rPr lang="en-US" dirty="0" smtClean="0"/>
-              <a:t>Agenda …</a:t>
-            </a:r>
-            <a:endParaRPr lang="en-US" dirty="0"/>
+            <a:endParaRPr lang="en-US"/>
           </a:p>
         </p:txBody>
       </p:sp>
@@ -937,7 +991,7 @@
     </p:spTree>
     <p:extLst>
       <p:ext uri="{BB962C8B-B14F-4D97-AF65-F5344CB8AC3E}">
-        <p14:creationId xmlns:p14="http://schemas.microsoft.com/office/powerpoint/2010/main" val="2835724897"/>
+        <p14:creationId xmlns:p14="http://schemas.microsoft.com/office/powerpoint/2010/main" val="647954053"/>
       </p:ext>
     </p:extLst>
   </p:cSld>
@@ -992,38 +1046,10 @@
           <a:lstStyle/>
           <a:p>
             <a:r>
-              <a:rPr lang="en-US" sz="1200" kern="1200" dirty="0" smtClean="0">
-                <a:solidFill>
-                  <a:schemeClr val="tx1"/>
-                </a:solidFill>
-                <a:effectLst/>
-                <a:latin typeface="+mn-lt"/>
-                <a:ea typeface="+mn-ea"/>
-                <a:cs typeface="+mn-cs"/>
-              </a:rPr>
-              <a:t>Welcome, intro, maybe</a:t>
-            </a:r>
-            <a:r>
-              <a:rPr lang="en-US" sz="1200" kern="1200" baseline="0" dirty="0" smtClean="0">
-                <a:solidFill>
-                  <a:schemeClr val="tx1"/>
-                </a:solidFill>
-                <a:effectLst/>
-                <a:latin typeface="+mn-lt"/>
-                <a:ea typeface="+mn-ea"/>
-                <a:cs typeface="+mn-cs"/>
-              </a:rPr>
-              <a:t> some joke?</a:t>
-            </a:r>
-            <a:endParaRPr lang="en-US" sz="1200" kern="1200" dirty="0" smtClean="0">
-              <a:solidFill>
-                <a:schemeClr val="tx1"/>
-              </a:solidFill>
-              <a:effectLst/>
-              <a:latin typeface="+mn-lt"/>
-              <a:ea typeface="+mn-ea"/>
-              <a:cs typeface="+mn-cs"/>
-            </a:endParaRPr>
+              <a:rPr lang="en-US" dirty="0" smtClean="0"/>
+              <a:t>Agenda …</a:t>
+            </a:r>
+            <a:endParaRPr lang="en-US" dirty="0"/>
           </a:p>
         </p:txBody>
       </p:sp>
@@ -1053,7 +1079,7 @@
     </p:spTree>
     <p:extLst>
       <p:ext uri="{BB962C8B-B14F-4D97-AF65-F5344CB8AC3E}">
-        <p14:creationId xmlns:p14="http://schemas.microsoft.com/office/powerpoint/2010/main" val="4012968388"/>
+        <p14:creationId xmlns:p14="http://schemas.microsoft.com/office/powerpoint/2010/main" val="2835724897"/>
       </p:ext>
     </p:extLst>
   </p:cSld>
@@ -1107,64 +1133,39 @@
           <a:bodyPr/>
           <a:lstStyle/>
           <a:p>
-            <a:pPr marL="0" marR="0" lvl="2" indent="0" algn="l" defTabSz="914400" rtl="0" eaLnBrk="1" fontAlgn="auto" latinLnBrk="0" hangingPunct="1">
-              <a:lnSpc>
-                <a:spcPct val="100000"/>
-              </a:lnSpc>
-              <a:spcBef>
-                <a:spcPts val="0"/>
-              </a:spcBef>
-              <a:spcAft>
-                <a:spcPts val="0"/>
-              </a:spcAft>
-              <a:buClrTx/>
-              <a:buSzTx/>
-              <a:buFontTx/>
-              <a:buNone/>
-              <a:tabLst/>
-              <a:defRPr/>
-            </a:pPr>
-            <a:r>
-              <a:rPr lang="en-US" dirty="0" smtClean="0"/>
-              <a:t>Web </a:t>
-            </a:r>
-            <a:r>
-              <a:rPr lang="en-US" dirty="0" err="1" smtClean="0"/>
-              <a:t>dev</a:t>
-            </a:r>
-            <a:r>
-              <a:rPr lang="en-US" dirty="0" smtClean="0"/>
-              <a:t>:</a:t>
-            </a:r>
-            <a:r>
-              <a:rPr lang="en-US" baseline="0" dirty="0" smtClean="0"/>
-              <a:t> </a:t>
-            </a:r>
-            <a:r>
-              <a:rPr lang="en-US" dirty="0" smtClean="0"/>
-              <a:t>Ruby frameworks (</a:t>
-            </a:r>
-            <a:r>
-              <a:rPr lang="en-US" dirty="0" err="1" smtClean="0"/>
-              <a:t>Rack</a:t>
-            </a:r>
-            <a:r>
-              <a:rPr lang="en-US" dirty="0" err="1" smtClean="0">
-                <a:sym typeface="Wingdings" pitchFamily="2" charset="2"/>
-              </a:rPr>
-              <a:t></a:t>
-            </a:r>
-            <a:r>
-              <a:rPr lang="en-US" dirty="0" err="1" smtClean="0"/>
-              <a:t>IIS</a:t>
-            </a:r>
-            <a:r>
-              <a:rPr lang="en-US" dirty="0" smtClean="0"/>
-              <a:t>) and .NET frameworks (ASP.NET MVC)</a:t>
-            </a:r>
-          </a:p>
-          <a:p>
-            <a:endParaRPr lang="en-US" dirty="0"/>
+            <a:r>
+              <a:rPr lang="en-US" sz="1200" kern="1200" dirty="0" smtClean="0">
+                <a:solidFill>
+                  <a:schemeClr val="tx1"/>
+                </a:solidFill>
+                <a:effectLst/>
+                <a:latin typeface="+mn-lt"/>
+                <a:ea typeface="+mn-ea"/>
+                <a:cs typeface="+mn-cs"/>
+              </a:rPr>
+              <a:t>Welcome, intro, maybe</a:t>
+            </a:r>
+            <a:r>
+              <a:rPr lang="en-US" sz="1200" kern="1200" baseline="0" dirty="0" smtClean="0">
+                <a:solidFill>
+                  <a:schemeClr val="tx1"/>
+                </a:solidFill>
+                <a:effectLst/>
+                <a:latin typeface="+mn-lt"/>
+                <a:ea typeface="+mn-ea"/>
+                <a:cs typeface="+mn-cs"/>
+              </a:rPr>
+              <a:t> some joke?</a:t>
+            </a:r>
+            <a:endParaRPr lang="en-US" sz="1200" kern="1200" dirty="0" smtClean="0">
+              <a:solidFill>
+                <a:schemeClr val="tx1"/>
+              </a:solidFill>
+              <a:effectLst/>
+              <a:latin typeface="+mn-lt"/>
+              <a:ea typeface="+mn-ea"/>
+              <a:cs typeface="+mn-cs"/>
+            </a:endParaRPr>
           </a:p>
         </p:txBody>
       </p:sp>
@@ -1194,7 +1195,7 @@
     </p:spTree>
     <p:extLst>
       <p:ext uri="{BB962C8B-B14F-4D97-AF65-F5344CB8AC3E}">
-        <p14:creationId xmlns:p14="http://schemas.microsoft.com/office/powerpoint/2010/main" val="4055809135"/>
+        <p14:creationId xmlns:p14="http://schemas.microsoft.com/office/powerpoint/2010/main" val="4012968388"/>
       </p:ext>
     </p:extLst>
   </p:cSld>
@@ -1671,39 +1672,64 @@
           <a:bodyPr/>
           <a:lstStyle/>
           <a:p>
-            <a:r>
-              <a:rPr lang="en-US" sz="1200" kern="1200" dirty="0" smtClean="0">
-                <a:solidFill>
-                  <a:schemeClr val="tx1"/>
-                </a:solidFill>
-                <a:effectLst/>
-                <a:latin typeface="+mn-lt"/>
-                <a:ea typeface="+mn-ea"/>
-                <a:cs typeface="+mn-cs"/>
-              </a:rPr>
-              <a:t>Welcome, intro, maybe</a:t>
-            </a:r>
-            <a:r>
-              <a:rPr lang="en-US" sz="1200" kern="1200" baseline="0" dirty="0" smtClean="0">
-                <a:solidFill>
-                  <a:schemeClr val="tx1"/>
-                </a:solidFill>
-                <a:effectLst/>
-                <a:latin typeface="+mn-lt"/>
-                <a:ea typeface="+mn-ea"/>
-                <a:cs typeface="+mn-cs"/>
-              </a:rPr>
-              <a:t> some joke?</a:t>
-            </a:r>
-            <a:endParaRPr lang="en-US" sz="1200" kern="1200" dirty="0" smtClean="0">
-              <a:solidFill>
-                <a:schemeClr val="tx1"/>
-              </a:solidFill>
-              <a:effectLst/>
-              <a:latin typeface="+mn-lt"/>
-              <a:ea typeface="+mn-ea"/>
-              <a:cs typeface="+mn-cs"/>
-            </a:endParaRPr>
+            <a:pPr marL="0" marR="0" lvl="2" indent="0" algn="l" defTabSz="914400" rtl="0" eaLnBrk="1" fontAlgn="auto" latinLnBrk="0" hangingPunct="1">
+              <a:lnSpc>
+                <a:spcPct val="100000"/>
+              </a:lnSpc>
+              <a:spcBef>
+                <a:spcPts val="0"/>
+              </a:spcBef>
+              <a:spcAft>
+                <a:spcPts val="0"/>
+              </a:spcAft>
+              <a:buClrTx/>
+              <a:buSzTx/>
+              <a:buFontTx/>
+              <a:buNone/>
+              <a:tabLst/>
+              <a:defRPr/>
+            </a:pPr>
+            <a:r>
+              <a:rPr lang="en-US" dirty="0" smtClean="0"/>
+              <a:t>Web </a:t>
+            </a:r>
+            <a:r>
+              <a:rPr lang="en-US" dirty="0" err="1" smtClean="0"/>
+              <a:t>dev</a:t>
+            </a:r>
+            <a:r>
+              <a:rPr lang="en-US" dirty="0" smtClean="0"/>
+              <a:t>:</a:t>
+            </a:r>
+            <a:r>
+              <a:rPr lang="en-US" baseline="0" dirty="0" smtClean="0"/>
+              <a:t> </a:t>
+            </a:r>
+            <a:r>
+              <a:rPr lang="en-US" dirty="0" smtClean="0"/>
+              <a:t>Ruby frameworks (</a:t>
+            </a:r>
+            <a:r>
+              <a:rPr lang="en-US" dirty="0" err="1" smtClean="0"/>
+              <a:t>Rack</a:t>
+            </a:r>
+            <a:r>
+              <a:rPr lang="en-US" dirty="0" err="1" smtClean="0">
+                <a:sym typeface="Wingdings" pitchFamily="2" charset="2"/>
+              </a:rPr>
+              <a:t></a:t>
+            </a:r>
+            <a:r>
+              <a:rPr lang="en-US" dirty="0" err="1" smtClean="0"/>
+              <a:t>IIS</a:t>
+            </a:r>
+            <a:r>
+              <a:rPr lang="en-US" dirty="0" smtClean="0"/>
+              <a:t>) and .NET frameworks (ASP.NET MVC)</a:t>
+            </a:r>
+          </a:p>
+          <a:p>
+            <a:endParaRPr lang="en-US" dirty="0"/>
           </a:p>
         </p:txBody>
       </p:sp>
@@ -1724,7 +1750,7 @@
           <a:p>
             <a:fld id="{8A79B42D-FAB0-42F8-B8FC-0BAA5E7F7E3E}" type="slidenum">
               <a:rPr lang="en-US" smtClean="0"/>
-              <a:t>28</a:t>
+              <a:t>25</a:t>
             </a:fld>
             <a:endParaRPr lang="en-US"/>
           </a:p>
@@ -1733,7 +1759,7 @@
     </p:spTree>
     <p:extLst>
       <p:ext uri="{BB962C8B-B14F-4D97-AF65-F5344CB8AC3E}">
-        <p14:creationId xmlns:p14="http://schemas.microsoft.com/office/powerpoint/2010/main" val="4012968388"/>
+        <p14:creationId xmlns:p14="http://schemas.microsoft.com/office/powerpoint/2010/main" val="4055809135"/>
       </p:ext>
     </p:extLst>
   </p:cSld>
@@ -1788,10 +1814,38 @@
           <a:lstStyle/>
           <a:p>
             <a:r>
-              <a:rPr lang="en-US" dirty="0" smtClean="0"/>
-              <a:t>Agenda …</a:t>
-            </a:r>
-            <a:endParaRPr lang="en-US" dirty="0"/>
+              <a:rPr lang="en-US" sz="1200" kern="1200" dirty="0" smtClean="0">
+                <a:solidFill>
+                  <a:schemeClr val="tx1"/>
+                </a:solidFill>
+                <a:effectLst/>
+                <a:latin typeface="+mn-lt"/>
+                <a:ea typeface="+mn-ea"/>
+                <a:cs typeface="+mn-cs"/>
+              </a:rPr>
+              <a:t>Welcome, intro, maybe</a:t>
+            </a:r>
+            <a:r>
+              <a:rPr lang="en-US" sz="1200" kern="1200" baseline="0" dirty="0" smtClean="0">
+                <a:solidFill>
+                  <a:schemeClr val="tx1"/>
+                </a:solidFill>
+                <a:effectLst/>
+                <a:latin typeface="+mn-lt"/>
+                <a:ea typeface="+mn-ea"/>
+                <a:cs typeface="+mn-cs"/>
+              </a:rPr>
+              <a:t> some joke?</a:t>
+            </a:r>
+            <a:endParaRPr lang="en-US" sz="1200" kern="1200" dirty="0" smtClean="0">
+              <a:solidFill>
+                <a:schemeClr val="tx1"/>
+              </a:solidFill>
+              <a:effectLst/>
+              <a:latin typeface="+mn-lt"/>
+              <a:ea typeface="+mn-ea"/>
+              <a:cs typeface="+mn-cs"/>
+            </a:endParaRPr>
           </a:p>
         </p:txBody>
       </p:sp>
@@ -1821,7 +1875,123 @@
     </p:spTree>
     <p:extLst>
       <p:ext uri="{BB962C8B-B14F-4D97-AF65-F5344CB8AC3E}">
-        <p14:creationId xmlns:p14="http://schemas.microsoft.com/office/powerpoint/2010/main" val="2835724897"/>
+        <p14:creationId xmlns:p14="http://schemas.microsoft.com/office/powerpoint/2010/main" val="4012968388"/>
+      </p:ext>
+    </p:extLst>
+  </p:cSld>
+  <p:clrMapOvr>
+    <a:masterClrMapping/>
+  </p:clrMapOvr>
+</p:notes>
+</file>
+
+<file path=ppt/notesSlides/notesSlide20.xml><?xml version="1.0" encoding="utf-8"?>
+<p:notes xmlns:a="http://schemas.openxmlformats.org/drawingml/2006/main" xmlns:r="http://schemas.openxmlformats.org/officeDocument/2006/relationships" xmlns:p="http://schemas.openxmlformats.org/presentationml/2006/main">
+  <p:cSld>
+    <p:spTree>
+      <p:nvGrpSpPr>
+        <p:cNvPr id="1" name=""/>
+        <p:cNvGrpSpPr/>
+        <p:nvPr/>
+      </p:nvGrpSpPr>
+      <p:grpSpPr>
+        <a:xfrm>
+          <a:off x="0" y="0"/>
+          <a:ext cx="0" cy="0"/>
+          <a:chOff x="0" y="0"/>
+          <a:chExt cx="0" cy="0"/>
+        </a:xfrm>
+      </p:grpSpPr>
+      <p:sp>
+        <p:nvSpPr>
+          <p:cNvPr id="2" name="Slide Image Placeholder 1"/>
+          <p:cNvSpPr>
+            <a:spLocks noGrp="1" noRot="1" noChangeAspect="1"/>
+          </p:cNvSpPr>
+          <p:nvPr>
+            <p:ph type="sldImg"/>
+          </p:nvPr>
+        </p:nvSpPr>
+        <p:spPr/>
+      </p:sp>
+      <p:sp>
+        <p:nvSpPr>
+          <p:cNvPr id="3" name="Notes Placeholder 2"/>
+          <p:cNvSpPr>
+            <a:spLocks noGrp="1"/>
+          </p:cNvSpPr>
+          <p:nvPr>
+            <p:ph type="body" idx="1"/>
+          </p:nvPr>
+        </p:nvSpPr>
+        <p:spPr/>
+        <p:txBody>
+          <a:bodyPr/>
+          <a:lstStyle/>
+          <a:p>
+            <a:r>
+              <a:rPr lang="en-US" sz="1200" kern="1200" dirty="0" smtClean="0">
+                <a:solidFill>
+                  <a:schemeClr val="tx1"/>
+                </a:solidFill>
+                <a:effectLst/>
+                <a:latin typeface="+mn-lt"/>
+                <a:ea typeface="+mn-ea"/>
+                <a:cs typeface="+mn-cs"/>
+              </a:rPr>
+              <a:t>Welcome, intro, maybe</a:t>
+            </a:r>
+            <a:r>
+              <a:rPr lang="en-US" sz="1200" kern="1200" baseline="0" dirty="0" smtClean="0">
+                <a:solidFill>
+                  <a:schemeClr val="tx1"/>
+                </a:solidFill>
+                <a:effectLst/>
+                <a:latin typeface="+mn-lt"/>
+                <a:ea typeface="+mn-ea"/>
+                <a:cs typeface="+mn-cs"/>
+              </a:rPr>
+              <a:t> some joke?</a:t>
+            </a:r>
+            <a:endParaRPr lang="en-US" sz="1200" kern="1200" dirty="0" smtClean="0">
+              <a:solidFill>
+                <a:schemeClr val="tx1"/>
+              </a:solidFill>
+              <a:effectLst/>
+              <a:latin typeface="+mn-lt"/>
+              <a:ea typeface="+mn-ea"/>
+              <a:cs typeface="+mn-cs"/>
+            </a:endParaRPr>
+          </a:p>
+        </p:txBody>
+      </p:sp>
+      <p:sp>
+        <p:nvSpPr>
+          <p:cNvPr id="4" name="Slide Number Placeholder 3"/>
+          <p:cNvSpPr>
+            <a:spLocks noGrp="1"/>
+          </p:cNvSpPr>
+          <p:nvPr>
+            <p:ph type="sldNum" sz="quarter" idx="10"/>
+          </p:nvPr>
+        </p:nvSpPr>
+        <p:spPr/>
+        <p:txBody>
+          <a:bodyPr/>
+          <a:lstStyle/>
+          <a:p>
+            <a:fld id="{8A79B42D-FAB0-42F8-B8FC-0BAA5E7F7E3E}" type="slidenum">
+              <a:rPr lang="en-US" smtClean="0"/>
+              <a:t>29</a:t>
+            </a:fld>
+            <a:endParaRPr lang="en-US"/>
+          </a:p>
+        </p:txBody>
+      </p:sp>
+    </p:spTree>
+    <p:extLst>
+      <p:ext uri="{BB962C8B-B14F-4D97-AF65-F5344CB8AC3E}">
+        <p14:creationId xmlns:p14="http://schemas.microsoft.com/office/powerpoint/2010/main" val="4012968388"/>
       </p:ext>
     </p:extLst>
   </p:cSld>
@@ -1876,115 +2046,10 @@
           <a:lstStyle/>
           <a:p>
             <a:r>
-              <a:rPr lang="en-US" sz="1200" kern="1200" dirty="0" err="1" smtClean="0">
-                <a:solidFill>
-                  <a:schemeClr val="tx1"/>
-                </a:solidFill>
-                <a:effectLst/>
-                <a:latin typeface="+mn-lt"/>
-                <a:ea typeface="+mn-ea"/>
-                <a:cs typeface="+mn-cs"/>
-              </a:rPr>
-              <a:t>IronRuby</a:t>
-            </a:r>
-            <a:r>
-              <a:rPr lang="en-US" sz="1200" kern="1200" dirty="0" smtClean="0">
-                <a:solidFill>
-                  <a:schemeClr val="tx1"/>
-                </a:solidFill>
-                <a:effectLst/>
-                <a:latin typeface="+mn-lt"/>
-                <a:ea typeface="+mn-ea"/>
-                <a:cs typeface="+mn-cs"/>
-              </a:rPr>
-              <a:t> – a fast open-source Ruby implementation – is designed to script the world. </a:t>
-            </a:r>
-            <a:r>
-              <a:rPr lang="en-US" sz="1200" kern="1200" dirty="0" err="1" smtClean="0">
-                <a:solidFill>
-                  <a:schemeClr val="tx1"/>
-                </a:solidFill>
-                <a:effectLst/>
-                <a:latin typeface="+mn-lt"/>
-                <a:ea typeface="+mn-ea"/>
-                <a:cs typeface="+mn-cs"/>
-              </a:rPr>
-              <a:t>IronRuby</a:t>
-            </a:r>
-            <a:r>
-              <a:rPr lang="en-US" sz="1200" kern="1200" dirty="0" smtClean="0">
-                <a:solidFill>
-                  <a:schemeClr val="tx1"/>
-                </a:solidFill>
-                <a:effectLst/>
-                <a:latin typeface="+mn-lt"/>
-                <a:ea typeface="+mn-ea"/>
-                <a:cs typeface="+mn-cs"/>
-              </a:rPr>
-              <a:t> runs on most major operating systems, as well as most modern browsers as a replacement for JavaScript (as browsers are becoming platforms in their own right). It can also reach across the programming language barrier to use code written in other languages (static or dynamic), and allows those other languages to embed </a:t>
-            </a:r>
-            <a:r>
-              <a:rPr lang="en-US" sz="1200" kern="1200" dirty="0" err="1" smtClean="0">
-                <a:solidFill>
-                  <a:schemeClr val="tx1"/>
-                </a:solidFill>
-                <a:effectLst/>
-                <a:latin typeface="+mn-lt"/>
-                <a:ea typeface="+mn-ea"/>
-                <a:cs typeface="+mn-cs"/>
-              </a:rPr>
-              <a:t>IronRuby</a:t>
-            </a:r>
-            <a:r>
-              <a:rPr lang="en-US" sz="1200" kern="1200" dirty="0" smtClean="0">
-                <a:solidFill>
-                  <a:schemeClr val="tx1"/>
-                </a:solidFill>
-                <a:effectLst/>
-                <a:latin typeface="+mn-lt"/>
-                <a:ea typeface="+mn-ea"/>
-                <a:cs typeface="+mn-cs"/>
-              </a:rPr>
-              <a:t>.</a:t>
-            </a:r>
-          </a:p>
-          <a:p>
-            <a:r>
-              <a:rPr lang="en-US" sz="1200" kern="1200" dirty="0" smtClean="0">
-                <a:solidFill>
-                  <a:schemeClr val="tx1"/>
-                </a:solidFill>
-                <a:effectLst/>
-                <a:latin typeface="+mn-lt"/>
-                <a:ea typeface="+mn-ea"/>
-                <a:cs typeface="+mn-cs"/>
-              </a:rPr>
-              <a:t>This talk will give the 40-minute-tour of </a:t>
-            </a:r>
-            <a:r>
-              <a:rPr lang="en-US" sz="1200" kern="1200" dirty="0" err="1" smtClean="0">
-                <a:solidFill>
-                  <a:schemeClr val="tx1"/>
-                </a:solidFill>
-                <a:effectLst/>
-                <a:latin typeface="+mn-lt"/>
-                <a:ea typeface="+mn-ea"/>
-                <a:cs typeface="+mn-cs"/>
-              </a:rPr>
-              <a:t>IronRuby</a:t>
-            </a:r>
-            <a:r>
-              <a:rPr lang="en-US" sz="1200" kern="1200" dirty="0" smtClean="0">
-                <a:solidFill>
-                  <a:schemeClr val="tx1"/>
-                </a:solidFill>
-                <a:effectLst/>
-                <a:latin typeface="+mn-lt"/>
-                <a:ea typeface="+mn-ea"/>
-                <a:cs typeface="+mn-cs"/>
-              </a:rPr>
-              <a:t>; where it runs, what it can be used for, and how it works.</a:t>
-            </a:r>
+              <a:rPr lang="en-US" dirty="0" smtClean="0"/>
+              <a:t>Agenda …</a:t>
+            </a:r>
+            <a:endParaRPr lang="en-US" dirty="0"/>
           </a:p>
         </p:txBody>
       </p:sp>
@@ -2014,7 +2079,7 @@
     </p:spTree>
     <p:extLst>
       <p:ext uri="{BB962C8B-B14F-4D97-AF65-F5344CB8AC3E}">
-        <p14:creationId xmlns:p14="http://schemas.microsoft.com/office/powerpoint/2010/main" val="4118841145"/>
+        <p14:creationId xmlns:p14="http://schemas.microsoft.com/office/powerpoint/2010/main" val="2835724897"/>
       </p:ext>
     </p:extLst>
   </p:cSld>
@@ -2069,22 +2134,115 @@
           <a:lstStyle/>
           <a:p>
             <a:r>
-              <a:rPr lang="en-US" dirty="0" smtClean="0"/>
-              <a:t>Other than being a great Ruby implementation, what</a:t>
-            </a:r>
-            <a:r>
-              <a:rPr lang="en-US" baseline="0" dirty="0" smtClean="0"/>
-              <a:t> specific </a:t>
-            </a:r>
-            <a:r>
-              <a:rPr lang="en-US" baseline="0" dirty="0" err="1" smtClean="0"/>
-              <a:t>goodnesses</a:t>
-            </a:r>
-            <a:r>
-              <a:rPr lang="en-US" baseline="0" dirty="0" smtClean="0"/>
-              <a:t> does Ruby provide?</a:t>
-            </a:r>
-            <a:endParaRPr lang="en-US" dirty="0"/>
+              <a:rPr lang="en-US" sz="1200" kern="1200" dirty="0" err="1" smtClean="0">
+                <a:solidFill>
+                  <a:schemeClr val="tx1"/>
+                </a:solidFill>
+                <a:effectLst/>
+                <a:latin typeface="+mn-lt"/>
+                <a:ea typeface="+mn-ea"/>
+                <a:cs typeface="+mn-cs"/>
+              </a:rPr>
+              <a:t>IronRuby</a:t>
+            </a:r>
+            <a:r>
+              <a:rPr lang="en-US" sz="1200" kern="1200" dirty="0" smtClean="0">
+                <a:solidFill>
+                  <a:schemeClr val="tx1"/>
+                </a:solidFill>
+                <a:effectLst/>
+                <a:latin typeface="+mn-lt"/>
+                <a:ea typeface="+mn-ea"/>
+                <a:cs typeface="+mn-cs"/>
+              </a:rPr>
+              <a:t> – a fast open-source Ruby implementation – is designed to script the world. </a:t>
+            </a:r>
+            <a:r>
+              <a:rPr lang="en-US" sz="1200" kern="1200" dirty="0" err="1" smtClean="0">
+                <a:solidFill>
+                  <a:schemeClr val="tx1"/>
+                </a:solidFill>
+                <a:effectLst/>
+                <a:latin typeface="+mn-lt"/>
+                <a:ea typeface="+mn-ea"/>
+                <a:cs typeface="+mn-cs"/>
+              </a:rPr>
+              <a:t>IronRuby</a:t>
+            </a:r>
+            <a:r>
+              <a:rPr lang="en-US" sz="1200" kern="1200" dirty="0" smtClean="0">
+                <a:solidFill>
+                  <a:schemeClr val="tx1"/>
+                </a:solidFill>
+                <a:effectLst/>
+                <a:latin typeface="+mn-lt"/>
+                <a:ea typeface="+mn-ea"/>
+                <a:cs typeface="+mn-cs"/>
+              </a:rPr>
+              <a:t> runs on most major operating systems, as well as most modern browsers as a replacement for JavaScript (as browsers are becoming platforms in their own right). It can also reach across the programming language barrier to use code written in other languages (static or dynamic), and allows those other languages to embed </a:t>
+            </a:r>
+            <a:r>
+              <a:rPr lang="en-US" sz="1200" kern="1200" dirty="0" err="1" smtClean="0">
+                <a:solidFill>
+                  <a:schemeClr val="tx1"/>
+                </a:solidFill>
+                <a:effectLst/>
+                <a:latin typeface="+mn-lt"/>
+                <a:ea typeface="+mn-ea"/>
+                <a:cs typeface="+mn-cs"/>
+              </a:rPr>
+              <a:t>IronRuby</a:t>
+            </a:r>
+            <a:r>
+              <a:rPr lang="en-US" sz="1200" kern="1200" dirty="0" smtClean="0">
+                <a:solidFill>
+                  <a:schemeClr val="tx1"/>
+                </a:solidFill>
+                <a:effectLst/>
+                <a:latin typeface="+mn-lt"/>
+                <a:ea typeface="+mn-ea"/>
+                <a:cs typeface="+mn-cs"/>
+              </a:rPr>
+              <a:t>.</a:t>
+            </a:r>
+          </a:p>
+          <a:p>
+            <a:r>
+              <a:rPr lang="en-US" sz="1200" kern="1200" dirty="0" smtClean="0">
+                <a:solidFill>
+                  <a:schemeClr val="tx1"/>
+                </a:solidFill>
+                <a:effectLst/>
+                <a:latin typeface="+mn-lt"/>
+                <a:ea typeface="+mn-ea"/>
+                <a:cs typeface="+mn-cs"/>
+              </a:rPr>
+              <a:t>This talk will give the 40-minute-tour of </a:t>
+            </a:r>
+            <a:r>
+              <a:rPr lang="en-US" sz="1200" kern="1200" dirty="0" err="1" smtClean="0">
+                <a:solidFill>
+                  <a:schemeClr val="tx1"/>
+                </a:solidFill>
+                <a:effectLst/>
+                <a:latin typeface="+mn-lt"/>
+                <a:ea typeface="+mn-ea"/>
+                <a:cs typeface="+mn-cs"/>
+              </a:rPr>
+              <a:t>IronRuby</a:t>
+            </a:r>
+            <a:r>
+              <a:rPr lang="en-US" sz="1200" kern="1200" dirty="0" smtClean="0">
+                <a:solidFill>
+                  <a:schemeClr val="tx1"/>
+                </a:solidFill>
+                <a:effectLst/>
+                <a:latin typeface="+mn-lt"/>
+                <a:ea typeface="+mn-ea"/>
+                <a:cs typeface="+mn-cs"/>
+              </a:rPr>
+              <a:t>; where it runs, what it can be used for, and how it works.</a:t>
+            </a:r>
           </a:p>
         </p:txBody>
       </p:sp>
@@ -2105,7 +2263,7 @@
           <a:p>
             <a:fld id="{8A79B42D-FAB0-42F8-B8FC-0BAA5E7F7E3E}" type="slidenum">
               <a:rPr lang="en-US" smtClean="0"/>
-              <a:t>7</a:t>
+              <a:t>4</a:t>
             </a:fld>
             <a:endParaRPr lang="en-US"/>
           </a:p>
@@ -2114,7 +2272,7 @@
     </p:spTree>
     <p:extLst>
       <p:ext uri="{BB962C8B-B14F-4D97-AF65-F5344CB8AC3E}">
-        <p14:creationId xmlns:p14="http://schemas.microsoft.com/office/powerpoint/2010/main" val="890931061"/>
+        <p14:creationId xmlns:p14="http://schemas.microsoft.com/office/powerpoint/2010/main" val="4118841145"/>
       </p:ext>
     </p:extLst>
   </p:cSld>
@@ -2168,63 +2326,22 @@
           <a:bodyPr/>
           <a:lstStyle/>
           <a:p>
-            <a:pPr marL="0" marR="0" lvl="2" indent="0" algn="l" defTabSz="914400" rtl="0" eaLnBrk="1" fontAlgn="auto" latinLnBrk="0" hangingPunct="1">
-              <a:lnSpc>
-                <a:spcPct val="100000"/>
-              </a:lnSpc>
-              <a:spcBef>
-                <a:spcPts val="0"/>
-              </a:spcBef>
-              <a:spcAft>
-                <a:spcPts val="0"/>
-              </a:spcAft>
-              <a:buClrTx/>
-              <a:buSzTx/>
-              <a:buFontTx/>
-              <a:buNone/>
-              <a:tabLst/>
-              <a:defRPr/>
-            </a:pPr>
             <a:r>
               <a:rPr lang="en-US" dirty="0" smtClean="0"/>
-              <a:t>Web </a:t>
-            </a:r>
-            <a:r>
-              <a:rPr lang="en-US" dirty="0" err="1" smtClean="0"/>
-              <a:t>dev</a:t>
-            </a:r>
-            <a:r>
-              <a:rPr lang="en-US" dirty="0" smtClean="0"/>
-              <a:t>:</a:t>
+              <a:t>Other than being a great Ruby implementation, what</a:t>
             </a:r>
             <a:r>
               <a:rPr lang="en-US" baseline="0" dirty="0" smtClean="0"/>
-              <a:t> </a:t>
-            </a:r>
-            <a:r>
-              <a:rPr lang="en-US" dirty="0" smtClean="0"/>
-              <a:t>Ruby frameworks (</a:t>
-            </a:r>
-            <a:r>
-              <a:rPr lang="en-US" dirty="0" err="1" smtClean="0"/>
-              <a:t>Rack</a:t>
-            </a:r>
-            <a:r>
-              <a:rPr lang="en-US" dirty="0" err="1" smtClean="0">
-                <a:sym typeface="Wingdings" pitchFamily="2" charset="2"/>
-              </a:rPr>
-              <a:t></a:t>
-            </a:r>
-            <a:r>
-              <a:rPr lang="en-US" dirty="0" err="1" smtClean="0"/>
-              <a:t>IIS</a:t>
-            </a:r>
-            <a:r>
-              <a:rPr lang="en-US" dirty="0" smtClean="0"/>
-              <a:t>) and .NET frameworks (ASP.NET MVC)</a:t>
-            </a:r>
-          </a:p>
-          <a:p>
+              <a:t> specific </a:t>
+            </a:r>
+            <a:r>
+              <a:rPr lang="en-US" baseline="0" dirty="0" err="1" smtClean="0"/>
+              <a:t>goodnesses</a:t>
+            </a:r>
+            <a:r>
+              <a:rPr lang="en-US" baseline="0" dirty="0" smtClean="0"/>
+              <a:t> does Ruby provide?</a:t>
+            </a:r>
             <a:endParaRPr lang="en-US" dirty="0"/>
           </a:p>
         </p:txBody>
@@ -2255,7 +2372,7 @@
     </p:spTree>
     <p:extLst>
       <p:ext uri="{BB962C8B-B14F-4D97-AF65-F5344CB8AC3E}">
-        <p14:creationId xmlns:p14="http://schemas.microsoft.com/office/powerpoint/2010/main" val="4055809135"/>
+        <p14:creationId xmlns:p14="http://schemas.microsoft.com/office/powerpoint/2010/main" val="890931061"/>
       </p:ext>
     </p:extLst>
   </p:cSld>
@@ -2309,10 +2426,63 @@
           <a:bodyPr/>
           <a:lstStyle/>
           <a:p>
+            <a:pPr marL="0" marR="0" lvl="2" indent="0" algn="l" defTabSz="914400" rtl="0" eaLnBrk="1" fontAlgn="auto" latinLnBrk="0" hangingPunct="1">
+              <a:lnSpc>
+                <a:spcPct val="100000"/>
+              </a:lnSpc>
+              <a:spcBef>
+                <a:spcPts val="0"/>
+              </a:spcBef>
+              <a:spcAft>
+                <a:spcPts val="0"/>
+              </a:spcAft>
+              <a:buClrTx/>
+              <a:buSzTx/>
+              <a:buFontTx/>
+              <a:buNone/>
+              <a:tabLst/>
+              <a:defRPr/>
+            </a:pPr>
             <a:r>
               <a:rPr lang="en-US" dirty="0" smtClean="0"/>
-              <a:t>Agenda …</a:t>
-            </a:r>
+              <a:t>Web </a:t>
+            </a:r>
+            <a:r>
+              <a:rPr lang="en-US" dirty="0" err="1" smtClean="0"/>
+              <a:t>dev</a:t>
+            </a:r>
+            <a:r>
+              <a:rPr lang="en-US" dirty="0" smtClean="0"/>
+              <a:t>:</a:t>
+            </a:r>
+            <a:r>
+              <a:rPr lang="en-US" baseline="0" dirty="0" smtClean="0"/>
+              <a:t> </a:t>
+            </a:r>
+            <a:r>
+              <a:rPr lang="en-US" dirty="0" smtClean="0"/>
+              <a:t>Ruby frameworks (</a:t>
+            </a:r>
+            <a:r>
+              <a:rPr lang="en-US" dirty="0" err="1" smtClean="0"/>
+              <a:t>Rack</a:t>
+            </a:r>
+            <a:r>
+              <a:rPr lang="en-US" dirty="0" err="1" smtClean="0">
+                <a:sym typeface="Wingdings" pitchFamily="2" charset="2"/>
+              </a:rPr>
+              <a:t></a:t>
+            </a:r>
+            <a:r>
+              <a:rPr lang="en-US" dirty="0" err="1" smtClean="0"/>
+              <a:t>IIS</a:t>
+            </a:r>
+            <a:r>
+              <a:rPr lang="en-US" dirty="0" smtClean="0"/>
+              <a:t>) and .NET frameworks (ASP.NET MVC)</a:t>
+            </a:r>
+          </a:p>
+          <a:p>
             <a:endParaRPr lang="en-US" dirty="0"/>
           </a:p>
         </p:txBody>
@@ -2343,7 +2513,7 @@
     </p:spTree>
     <p:extLst>
       <p:ext uri="{BB962C8B-B14F-4D97-AF65-F5344CB8AC3E}">
-        <p14:creationId xmlns:p14="http://schemas.microsoft.com/office/powerpoint/2010/main" val="2835724897"/>
+        <p14:creationId xmlns:p14="http://schemas.microsoft.com/office/powerpoint/2010/main" val="4055809135"/>
       </p:ext>
     </p:extLst>
   </p:cSld>
@@ -2397,7 +2567,11 @@
           <a:bodyPr/>
           <a:lstStyle/>
           <a:p>
-            <a:endParaRPr lang="en-US"/>
+            <a:r>
+              <a:rPr lang="en-US" dirty="0" smtClean="0"/>
+              <a:t>Agenda …</a:t>
+            </a:r>
+            <a:endParaRPr lang="en-US" dirty="0"/>
           </a:p>
         </p:txBody>
       </p:sp>
@@ -2427,7 +2601,7 @@
     </p:spTree>
     <p:extLst>
       <p:ext uri="{BB962C8B-B14F-4D97-AF65-F5344CB8AC3E}">
-        <p14:creationId xmlns:p14="http://schemas.microsoft.com/office/powerpoint/2010/main" val="949000196"/>
+        <p14:creationId xmlns:p14="http://schemas.microsoft.com/office/powerpoint/2010/main" val="2835724897"/>
       </p:ext>
     </p:extLst>
   </p:cSld>
@@ -2511,7 +2685,7 @@
     </p:spTree>
     <p:extLst>
       <p:ext uri="{BB962C8B-B14F-4D97-AF65-F5344CB8AC3E}">
-        <p14:creationId xmlns:p14="http://schemas.microsoft.com/office/powerpoint/2010/main" val="125534822"/>
+        <p14:creationId xmlns:p14="http://schemas.microsoft.com/office/powerpoint/2010/main" val="949000196"/>
       </p:ext>
     </p:extLst>
   </p:cSld>
@@ -2565,64 +2739,7 @@
           <a:bodyPr/>
           <a:lstStyle/>
           <a:p>
-            <a:pPr marL="0" marR="0" lvl="2" indent="0" algn="l" defTabSz="914400" rtl="0" eaLnBrk="1" fontAlgn="auto" latinLnBrk="0" hangingPunct="1">
-              <a:lnSpc>
-                <a:spcPct val="100000"/>
-              </a:lnSpc>
-              <a:spcBef>
-                <a:spcPts val="0"/>
-              </a:spcBef>
-              <a:spcAft>
-                <a:spcPts val="0"/>
-              </a:spcAft>
-              <a:buClrTx/>
-              <a:buSzTx/>
-              <a:buFontTx/>
-              <a:buNone/>
-              <a:tabLst/>
-              <a:defRPr/>
-            </a:pPr>
-            <a:r>
-              <a:rPr lang="en-US" dirty="0" smtClean="0"/>
-              <a:t>Web </a:t>
-            </a:r>
-            <a:r>
-              <a:rPr lang="en-US" dirty="0" err="1" smtClean="0"/>
-              <a:t>dev</a:t>
-            </a:r>
-            <a:r>
-              <a:rPr lang="en-US" dirty="0" smtClean="0"/>
-              <a:t>:</a:t>
-            </a:r>
-            <a:r>
-              <a:rPr lang="en-US" baseline="0" dirty="0" smtClean="0"/>
-              <a:t> </a:t>
-            </a:r>
-            <a:r>
-              <a:rPr lang="en-US" dirty="0" smtClean="0"/>
-              <a:t>Ruby frameworks (</a:t>
-            </a:r>
-            <a:r>
-              <a:rPr lang="en-US" dirty="0" err="1" smtClean="0"/>
-              <a:t>Rack</a:t>
-            </a:r>
-            <a:r>
-              <a:rPr lang="en-US" dirty="0" err="1" smtClean="0">
-                <a:sym typeface="Wingdings" pitchFamily="2" charset="2"/>
-              </a:rPr>
-              <a:t></a:t>
-            </a:r>
-            <a:r>
-              <a:rPr lang="en-US" dirty="0" err="1" smtClean="0"/>
-              <a:t>IIS</a:t>
-            </a:r>
-            <a:r>
-              <a:rPr lang="en-US" dirty="0" smtClean="0"/>
-              <a:t>) and .NET frameworks (ASP.NET MVC)</a:t>
-            </a:r>
-          </a:p>
-          <a:p>
-            <a:endParaRPr lang="en-US" dirty="0"/>
+            <a:endParaRPr lang="en-US"/>
           </a:p>
         </p:txBody>
       </p:sp>
@@ -2652,7 +2769,7 @@
     </p:spTree>
     <p:extLst>
       <p:ext uri="{BB962C8B-B14F-4D97-AF65-F5344CB8AC3E}">
-        <p14:creationId xmlns:p14="http://schemas.microsoft.com/office/powerpoint/2010/main" val="4055809135"/>
+        <p14:creationId xmlns:p14="http://schemas.microsoft.com/office/powerpoint/2010/main" val="125534822"/>
       </p:ext>
     </p:extLst>
   </p:cSld>
@@ -5700,7 +5817,7 @@
         </p:nvSpPr>
         <p:spPr>
           <a:xfrm>
-            <a:off x="609600" y="2130425"/>
+            <a:off x="609600" y="2590800"/>
             <a:ext cx="7924800" cy="1470025"/>
           </a:xfrm>
         </p:spPr>
@@ -5736,51 +5853,9 @@
         </p:spPr>
         <p:txBody>
           <a:bodyPr>
-            <a:normAutofit lnSpcReduction="10000"/>
+            <a:normAutofit/>
           </a:bodyPr>
           <a:lstStyle/>
-          <a:p>
-            <a:pPr algn="l"/>
-            <a:r>
-              <a:rPr lang="en-US" dirty="0" smtClean="0"/>
-              <a:t>ironruby.net</a:t>
-            </a:r>
-          </a:p>
-          <a:p>
-            <a:pPr algn="l"/>
-            <a:r>
-              <a:rPr lang="en-US" dirty="0" smtClean="0"/>
-              <a:t>github.com/</a:t>
-            </a:r>
-            <a:r>
-              <a:rPr lang="en-US" dirty="0" err="1" smtClean="0"/>
-              <a:t>ironruby</a:t>
-            </a:r>
-            <a:endParaRPr lang="en-US" dirty="0"/>
-          </a:p>
-          <a:p>
-            <a:pPr algn="l"/>
-            <a:r>
-              <a:rPr lang="en-US" dirty="0" smtClean="0"/>
-              <a:t>jimmy.schementi.com/blog</a:t>
-            </a:r>
-          </a:p>
-          <a:p>
-            <a:pPr algn="l"/>
-            <a:r>
-              <a:rPr lang="en-US" dirty="0" smtClean="0"/>
-              <a:t>github.com/</a:t>
-            </a:r>
-            <a:r>
-              <a:rPr lang="en-US" dirty="0" err="1" smtClean="0"/>
-              <a:t>jschementi</a:t>
-            </a:r>
-            <a:r>
-              <a:rPr lang="en-US" dirty="0" smtClean="0"/>
-              <a:t>/rubyconf2009</a:t>
-            </a:r>
-            <a:endParaRPr lang="en-US" dirty="0" smtClean="0"/>
-          </a:p>
           <a:p>
             <a:pPr algn="r"/>
             <a:endParaRPr lang="en-US" dirty="0" smtClean="0"/>
@@ -5790,7 +5865,7 @@
     </p:spTree>
     <p:extLst>
       <p:ext uri="{BB962C8B-B14F-4D97-AF65-F5344CB8AC3E}">
-        <p14:creationId xmlns:p14="http://schemas.microsoft.com/office/powerpoint/2010/main" val="812268048"/>
+        <p14:creationId xmlns:p14="http://schemas.microsoft.com/office/powerpoint/2010/main" val="1646033870"/>
       </p:ext>
     </p:extLst>
   </p:cSld>
@@ -5808,6 +5883,534 @@
 </file>
 
 <file path=ppt/slides/slide10.xml><?xml version="1.0" encoding="utf-8"?>
+<p:sld xmlns:a="http://schemas.openxmlformats.org/drawingml/2006/main" xmlns:r="http://schemas.openxmlformats.org/officeDocument/2006/relationships" xmlns:p="http://schemas.openxmlformats.org/presentationml/2006/main">
+  <p:cSld>
+    <p:spTree>
+      <p:nvGrpSpPr>
+        <p:cNvPr id="1" name=""/>
+        <p:cNvGrpSpPr/>
+        <p:nvPr/>
+      </p:nvGrpSpPr>
+      <p:grpSpPr>
+        <a:xfrm>
+          <a:off x="0" y="0"/>
+          <a:ext cx="0" cy="0"/>
+          <a:chOff x="0" y="0"/>
+          <a:chExt cx="0" cy="0"/>
+        </a:xfrm>
+      </p:grpSpPr>
+      <p:graphicFrame>
+        <p:nvGraphicFramePr>
+          <p:cNvPr id="4" name="Content Placeholder 3"/>
+          <p:cNvGraphicFramePr>
+            <a:graphicFrameLocks noGrp="1"/>
+          </p:cNvGraphicFramePr>
+          <p:nvPr>
+            <p:ph idx="1"/>
+            <p:extLst>
+              <p:ext uri="{D42A27DB-BD31-4B8C-83A1-F6EECF244321}">
+                <p14:modId xmlns:p14="http://schemas.microsoft.com/office/powerpoint/2010/main" val="832931751"/>
+              </p:ext>
+            </p:extLst>
+          </p:nvPr>
+        </p:nvGraphicFramePr>
+        <p:xfrm>
+          <a:off x="0" y="-1"/>
+          <a:ext cx="9144000" cy="6858000"/>
+        </p:xfrm>
+        <a:graphic>
+          <a:graphicData uri="http://schemas.openxmlformats.org/drawingml/2006/table">
+            <a:tbl>
+              <a:tblPr firstCol="1">
+                <a:tableStyleId>{793D81CF-94F2-401A-BA57-92F5A7B2D0C5}</a:tableStyleId>
+              </a:tblPr>
+              <a:tblGrid>
+                <a:gridCol w="772747"/>
+                <a:gridCol w="8371253"/>
+              </a:tblGrid>
+              <a:tr h="935226">
+                <a:tc>
+                  <a:txBody>
+                    <a:bodyPr/>
+                    <a:lstStyle/>
+                    <a:p>
+                      <a:pPr marL="0" marR="0" algn="ctr">
+                        <a:lnSpc>
+                          <a:spcPct val="115000"/>
+                        </a:lnSpc>
+                        <a:spcBef>
+                          <a:spcPts val="0"/>
+                        </a:spcBef>
+                        <a:spcAft>
+                          <a:spcPts val="0"/>
+                        </a:spcAft>
+                      </a:pPr>
+                      <a:r>
+                        <a:rPr lang="en-US" sz="2400" dirty="0" smtClean="0">
+                          <a:solidFill>
+                            <a:schemeClr val="bg1"/>
+                          </a:solidFill>
+                          <a:effectLst/>
+                        </a:rPr>
+                        <a:t>5 </a:t>
+                      </a:r>
+                      <a:r>
+                        <a:rPr lang="en-US" sz="2400" dirty="0" err="1" smtClean="0">
+                          <a:solidFill>
+                            <a:schemeClr val="bg1"/>
+                          </a:solidFill>
+                          <a:effectLst/>
+                        </a:rPr>
+                        <a:t>mins</a:t>
+                      </a:r>
+                      <a:endParaRPr lang="en-US" sz="2400" dirty="0">
+                        <a:solidFill>
+                          <a:schemeClr val="bg1"/>
+                        </a:solidFill>
+                        <a:effectLst/>
+                        <a:latin typeface="Calibri"/>
+                        <a:ea typeface="Times New Roman"/>
+                        <a:cs typeface="Times New Roman"/>
+                      </a:endParaRPr>
+                    </a:p>
+                  </a:txBody>
+                  <a:tcPr marL="68580" marR="68580" marT="0" marB="0" vert="vert270" anchor="ctr">
+                    <a:solidFill>
+                      <a:schemeClr val="tx1">
+                        <a:lumMod val="85000"/>
+                        <a:lumOff val="15000"/>
+                      </a:schemeClr>
+                    </a:solidFill>
+                  </a:tcPr>
+                </a:tc>
+                <a:tc>
+                  <a:txBody>
+                    <a:bodyPr/>
+                    <a:lstStyle/>
+                    <a:p>
+                      <a:pPr marL="0" marR="0" algn="l">
+                        <a:lnSpc>
+                          <a:spcPct val="115000"/>
+                        </a:lnSpc>
+                        <a:spcBef>
+                          <a:spcPts val="0"/>
+                        </a:spcBef>
+                        <a:spcAft>
+                          <a:spcPts val="0"/>
+                        </a:spcAft>
+                      </a:pPr>
+                      <a:r>
+                        <a:rPr lang="en-US" sz="3600" dirty="0" smtClean="0">
+                          <a:solidFill>
+                            <a:schemeClr val="bg1"/>
+                          </a:solidFill>
+                          <a:effectLst/>
+                        </a:rPr>
+                        <a:t>  What’s </a:t>
+                      </a:r>
+                      <a:r>
+                        <a:rPr lang="en-US" sz="3600" dirty="0" err="1" smtClean="0">
+                          <a:solidFill>
+                            <a:schemeClr val="bg1"/>
+                          </a:solidFill>
+                          <a:effectLst/>
+                        </a:rPr>
+                        <a:t>IronRuby</a:t>
+                      </a:r>
+                      <a:r>
+                        <a:rPr lang="en-US" sz="3600" dirty="0" smtClean="0">
+                          <a:solidFill>
+                            <a:schemeClr val="bg1"/>
+                          </a:solidFill>
+                          <a:effectLst/>
+                        </a:rPr>
+                        <a:t> and what’s it useful</a:t>
+                      </a:r>
+                      <a:r>
+                        <a:rPr lang="en-US" sz="3600" baseline="0" dirty="0" smtClean="0">
+                          <a:solidFill>
+                            <a:schemeClr val="bg1"/>
+                          </a:solidFill>
+                          <a:effectLst/>
+                        </a:rPr>
+                        <a:t> for?</a:t>
+                      </a:r>
+                      <a:endParaRPr lang="en-US" sz="3600" dirty="0">
+                        <a:solidFill>
+                          <a:schemeClr val="bg1"/>
+                        </a:solidFill>
+                        <a:effectLst/>
+                        <a:latin typeface="+mn-lt"/>
+                        <a:ea typeface="Times New Roman"/>
+                        <a:cs typeface="Times New Roman"/>
+                      </a:endParaRPr>
+                    </a:p>
+                  </a:txBody>
+                  <a:tcPr marL="68580" marR="68580" marT="0" marB="0" anchor="ctr">
+                    <a:solidFill>
+                      <a:schemeClr val="tx1"/>
+                    </a:solidFill>
+                  </a:tcPr>
+                </a:tc>
+              </a:tr>
+              <a:tr h="1526514">
+                <a:tc>
+                  <a:txBody>
+                    <a:bodyPr/>
+                    <a:lstStyle/>
+                    <a:p>
+                      <a:pPr marL="0" marR="0" algn="ctr">
+                        <a:lnSpc>
+                          <a:spcPct val="115000"/>
+                        </a:lnSpc>
+                        <a:spcBef>
+                          <a:spcPts val="0"/>
+                        </a:spcBef>
+                        <a:spcAft>
+                          <a:spcPts val="0"/>
+                        </a:spcAft>
+                      </a:pPr>
+                      <a:r>
+                        <a:rPr lang="en-US" sz="2400" dirty="0" smtClean="0">
+                          <a:solidFill>
+                            <a:schemeClr val="bg1"/>
+                          </a:solidFill>
+                          <a:effectLst/>
+                        </a:rPr>
+                        <a:t>10 </a:t>
+                      </a:r>
+                      <a:r>
+                        <a:rPr lang="en-US" sz="2400" baseline="0" dirty="0" err="1" smtClean="0">
+                          <a:solidFill>
+                            <a:schemeClr val="bg1"/>
+                          </a:solidFill>
+                          <a:effectLst/>
+                        </a:rPr>
+                        <a:t>m</a:t>
+                      </a:r>
+                      <a:r>
+                        <a:rPr lang="en-US" sz="2400" dirty="0" err="1" smtClean="0">
+                          <a:solidFill>
+                            <a:schemeClr val="bg1"/>
+                          </a:solidFill>
+                          <a:effectLst/>
+                        </a:rPr>
+                        <a:t>ins</a:t>
+                      </a:r>
+                      <a:endParaRPr lang="en-US" sz="2400" dirty="0">
+                        <a:solidFill>
+                          <a:schemeClr val="bg1"/>
+                        </a:solidFill>
+                        <a:effectLst/>
+                        <a:latin typeface="Calibri"/>
+                        <a:ea typeface="Times New Roman"/>
+                        <a:cs typeface="Times New Roman"/>
+                      </a:endParaRPr>
+                    </a:p>
+                  </a:txBody>
+                  <a:tcPr marL="68580" marR="68580" marT="0" marB="0" vert="vert270" anchor="ctr">
+                    <a:solidFill>
+                      <a:schemeClr val="tx1">
+                        <a:lumMod val="85000"/>
+                        <a:lumOff val="15000"/>
+                      </a:schemeClr>
+                    </a:solidFill>
+                  </a:tcPr>
+                </a:tc>
+                <a:tc>
+                  <a:txBody>
+                    <a:bodyPr/>
+                    <a:lstStyle/>
+                    <a:p>
+                      <a:pPr marL="0" marR="0" algn="l">
+                        <a:lnSpc>
+                          <a:spcPct val="115000"/>
+                        </a:lnSpc>
+                        <a:spcBef>
+                          <a:spcPts val="0"/>
+                        </a:spcBef>
+                        <a:spcAft>
+                          <a:spcPts val="0"/>
+                        </a:spcAft>
+                      </a:pPr>
+                      <a:r>
+                        <a:rPr lang="en-US" sz="3600" dirty="0" smtClean="0">
+                          <a:solidFill>
+                            <a:schemeClr val="bg1"/>
+                          </a:solidFill>
+                          <a:effectLst/>
+                        </a:rPr>
+                        <a:t>  Ruby HTML</a:t>
+                      </a:r>
+                      <a:r>
+                        <a:rPr lang="en-US" sz="3600" baseline="0" dirty="0" smtClean="0">
+                          <a:solidFill>
+                            <a:schemeClr val="bg1"/>
+                          </a:solidFill>
+                          <a:effectLst/>
+                        </a:rPr>
+                        <a:t> script-tags</a:t>
+                      </a:r>
+                      <a:endParaRPr lang="en-US" sz="3600" dirty="0">
+                        <a:solidFill>
+                          <a:schemeClr val="bg1"/>
+                        </a:solidFill>
+                        <a:effectLst/>
+                        <a:latin typeface="Calibri"/>
+                        <a:ea typeface="Times New Roman"/>
+                        <a:cs typeface="Times New Roman"/>
+                      </a:endParaRPr>
+                    </a:p>
+                  </a:txBody>
+                  <a:tcPr marL="68580" marR="68580" marT="0" marB="0" anchor="ctr">
+                    <a:solidFill>
+                      <a:schemeClr val="tx1">
+                        <a:lumMod val="85000"/>
+                        <a:lumOff val="15000"/>
+                      </a:schemeClr>
+                    </a:solidFill>
+                  </a:tcPr>
+                </a:tc>
+              </a:tr>
+              <a:tr h="2852667">
+                <a:tc>
+                  <a:txBody>
+                    <a:bodyPr/>
+                    <a:lstStyle/>
+                    <a:p>
+                      <a:pPr marL="0" marR="0" algn="ctr">
+                        <a:lnSpc>
+                          <a:spcPct val="115000"/>
+                        </a:lnSpc>
+                        <a:spcBef>
+                          <a:spcPts val="0"/>
+                        </a:spcBef>
+                        <a:spcAft>
+                          <a:spcPts val="0"/>
+                        </a:spcAft>
+                      </a:pPr>
+                      <a:r>
+                        <a:rPr lang="en-US" sz="2400" dirty="0" smtClean="0">
+                          <a:solidFill>
+                            <a:schemeClr val="bg1"/>
+                          </a:solidFill>
+                          <a:effectLst/>
+                        </a:rPr>
+                        <a:t>15 </a:t>
+                      </a:r>
+                      <a:r>
+                        <a:rPr lang="en-US" sz="2400" dirty="0" err="1" smtClean="0">
+                          <a:solidFill>
+                            <a:schemeClr val="bg1"/>
+                          </a:solidFill>
+                          <a:effectLst/>
+                        </a:rPr>
+                        <a:t>mins</a:t>
+                      </a:r>
+                      <a:endParaRPr lang="en-US" sz="2400" dirty="0">
+                        <a:solidFill>
+                          <a:schemeClr val="bg1"/>
+                        </a:solidFill>
+                        <a:effectLst/>
+                        <a:latin typeface="Calibri"/>
+                        <a:ea typeface="Times New Roman"/>
+                        <a:cs typeface="Times New Roman"/>
+                      </a:endParaRPr>
+                    </a:p>
+                  </a:txBody>
+                  <a:tcPr marL="68580" marR="68580" marT="0" marB="0" vert="vert270" anchor="ctr">
+                    <a:solidFill>
+                      <a:schemeClr val="tx1">
+                        <a:lumMod val="85000"/>
+                        <a:lumOff val="15000"/>
+                      </a:schemeClr>
+                    </a:solidFill>
+                  </a:tcPr>
+                </a:tc>
+                <a:tc>
+                  <a:txBody>
+                    <a:bodyPr/>
+                    <a:lstStyle/>
+                    <a:p>
+                      <a:pPr marL="0" marR="0">
+                        <a:lnSpc>
+                          <a:spcPct val="115000"/>
+                        </a:lnSpc>
+                        <a:spcBef>
+                          <a:spcPts val="0"/>
+                        </a:spcBef>
+                        <a:spcAft>
+                          <a:spcPts val="0"/>
+                        </a:spcAft>
+                      </a:pPr>
+                      <a:r>
+                        <a:rPr lang="en-US" sz="3600" dirty="0" smtClean="0">
+                          <a:solidFill>
+                            <a:schemeClr val="bg1"/>
+                          </a:solidFill>
+                          <a:effectLst/>
+                        </a:rPr>
+                        <a:t>  Embedding</a:t>
+                      </a:r>
+                      <a:r>
+                        <a:rPr lang="en-US" sz="3600" baseline="0" dirty="0" smtClean="0">
+                          <a:solidFill>
+                            <a:schemeClr val="bg1"/>
+                          </a:solidFill>
+                          <a:effectLst/>
+                        </a:rPr>
+                        <a:t> Ruby – “Scriptable” apps</a:t>
+                      </a:r>
+                      <a:endParaRPr lang="en-US" sz="3600" dirty="0">
+                        <a:solidFill>
+                          <a:schemeClr val="bg1"/>
+                        </a:solidFill>
+                        <a:effectLst/>
+                        <a:latin typeface="Calibri"/>
+                        <a:ea typeface="Times New Roman"/>
+                        <a:cs typeface="Times New Roman"/>
+                      </a:endParaRPr>
+                    </a:p>
+                  </a:txBody>
+                  <a:tcPr marL="68580" marR="68580" marT="0" marB="0" anchor="ctr">
+                    <a:solidFill>
+                      <a:schemeClr val="tx1"/>
+                    </a:solidFill>
+                  </a:tcPr>
+                </a:tc>
+              </a:tr>
+              <a:tr h="1543593">
+                <a:tc>
+                  <a:txBody>
+                    <a:bodyPr/>
+                    <a:lstStyle/>
+                    <a:p>
+                      <a:pPr marL="0" marR="0" algn="ctr">
+                        <a:lnSpc>
+                          <a:spcPct val="115000"/>
+                        </a:lnSpc>
+                        <a:spcBef>
+                          <a:spcPts val="0"/>
+                        </a:spcBef>
+                        <a:spcAft>
+                          <a:spcPts val="0"/>
+                        </a:spcAft>
+                      </a:pPr>
+                      <a:r>
+                        <a:rPr lang="en-US" sz="2400" dirty="0" smtClean="0">
+                          <a:solidFill>
+                            <a:schemeClr val="bg1"/>
+                          </a:solidFill>
+                          <a:effectLst/>
+                        </a:rPr>
+                        <a:t>10 </a:t>
+                      </a:r>
+                      <a:r>
+                        <a:rPr lang="en-US" sz="2400" dirty="0" err="1" smtClean="0">
+                          <a:solidFill>
+                            <a:schemeClr val="bg1"/>
+                          </a:solidFill>
+                          <a:effectLst/>
+                        </a:rPr>
+                        <a:t>mins</a:t>
+                      </a:r>
+                      <a:endParaRPr lang="en-US" sz="2400" dirty="0">
+                        <a:solidFill>
+                          <a:schemeClr val="bg1"/>
+                        </a:solidFill>
+                        <a:effectLst/>
+                        <a:latin typeface="Calibri"/>
+                        <a:ea typeface="Times New Roman"/>
+                        <a:cs typeface="Times New Roman"/>
+                      </a:endParaRPr>
+                    </a:p>
+                  </a:txBody>
+                  <a:tcPr marL="68580" marR="68580" marT="0" marB="0" vert="vert270" anchor="ctr">
+                    <a:solidFill>
+                      <a:schemeClr val="tx1">
+                        <a:lumMod val="85000"/>
+                        <a:lumOff val="15000"/>
+                      </a:schemeClr>
+                    </a:solidFill>
+                  </a:tcPr>
+                </a:tc>
+                <a:tc>
+                  <a:txBody>
+                    <a:bodyPr/>
+                    <a:lstStyle/>
+                    <a:p>
+                      <a:pPr marL="0" marR="0">
+                        <a:lnSpc>
+                          <a:spcPct val="115000"/>
+                        </a:lnSpc>
+                        <a:spcBef>
+                          <a:spcPts val="0"/>
+                        </a:spcBef>
+                        <a:spcAft>
+                          <a:spcPts val="0"/>
+                        </a:spcAft>
+                      </a:pPr>
+                      <a:r>
+                        <a:rPr lang="en-US" sz="3600" dirty="0" smtClean="0">
+                          <a:solidFill>
+                            <a:schemeClr val="bg1"/>
+                          </a:solidFill>
+                          <a:effectLst/>
+                        </a:rPr>
+                        <a:t>  State of </a:t>
+                      </a:r>
+                      <a:r>
+                        <a:rPr lang="en-US" sz="3600" dirty="0" err="1" smtClean="0">
+                          <a:solidFill>
+                            <a:schemeClr val="bg1"/>
+                          </a:solidFill>
+                          <a:effectLst/>
+                        </a:rPr>
+                        <a:t>IronRuby</a:t>
+                      </a:r>
+                      <a:endParaRPr lang="en-US" sz="3600" dirty="0">
+                        <a:solidFill>
+                          <a:schemeClr val="bg1"/>
+                        </a:solidFill>
+                        <a:effectLst/>
+                        <a:latin typeface="Calibri"/>
+                        <a:ea typeface="Times New Roman"/>
+                        <a:cs typeface="Times New Roman"/>
+                      </a:endParaRPr>
+                    </a:p>
+                  </a:txBody>
+                  <a:tcPr marL="68580" marR="68580" marT="0" marB="0" anchor="ctr">
+                    <a:solidFill>
+                      <a:schemeClr val="tx1"/>
+                    </a:solidFill>
+                  </a:tcPr>
+                </a:tc>
+              </a:tr>
+            </a:tbl>
+          </a:graphicData>
+        </a:graphic>
+      </p:graphicFrame>
+    </p:spTree>
+    <p:extLst>
+      <p:ext uri="{BB962C8B-B14F-4D97-AF65-F5344CB8AC3E}">
+        <p14:creationId xmlns:p14="http://schemas.microsoft.com/office/powerpoint/2010/main" val="3968666690"/>
+      </p:ext>
+    </p:extLst>
+  </p:cSld>
+  <p:clrMapOvr>
+    <a:masterClrMapping/>
+  </p:clrMapOvr>
+  <p:timing>
+    <p:tnLst>
+      <p:par>
+        <p:cTn xmlns:p14="http://schemas.microsoft.com/office/powerpoint/2010/main" id="1" dur="indefinite" restart="never" nodeType="tmRoot"/>
+      </p:par>
+    </p:tnLst>
+  </p:timing>
+</p:sld>
+</file>
+
+<file path=ppt/slides/slide11.xml><?xml version="1.0" encoding="utf-8"?>
 <p:sld xmlns:a="http://schemas.openxmlformats.org/drawingml/2006/main" xmlns:r="http://schemas.openxmlformats.org/officeDocument/2006/relationships" xmlns:p="http://schemas.openxmlformats.org/presentationml/2006/main" show="0">
   <p:cSld>
     <p:spTree>
@@ -6636,7 +7239,7 @@
 </p:sld>
 </file>
 
-<file path=ppt/slides/slide11.xml><?xml version="1.0" encoding="utf-8"?>
+<file path=ppt/slides/slide12.xml><?xml version="1.0" encoding="utf-8"?>
 <p:sld xmlns:a="http://schemas.openxmlformats.org/drawingml/2006/main" xmlns:r="http://schemas.openxmlformats.org/officeDocument/2006/relationships" xmlns:p="http://schemas.openxmlformats.org/presentationml/2006/main">
   <p:cSld>
     <p:spTree>
@@ -6729,7 +7332,7 @@
 </p:sld>
 </file>
 
-<file path=ppt/slides/slide12.xml><?xml version="1.0" encoding="utf-8"?>
+<file path=ppt/slides/slide13.xml><?xml version="1.0" encoding="utf-8"?>
 <p:sld xmlns:a="http://schemas.openxmlformats.org/drawingml/2006/main" xmlns:r="http://schemas.openxmlformats.org/officeDocument/2006/relationships" xmlns:p="http://schemas.openxmlformats.org/presentationml/2006/main">
   <p:cSld>
     <p:spTree>
@@ -7092,7 +7695,7 @@
 </p:sld>
 </file>
 
-<file path=ppt/slides/slide13.xml><?xml version="1.0" encoding="utf-8"?>
+<file path=ppt/slides/slide14.xml><?xml version="1.0" encoding="utf-8"?>
 <p:sld xmlns:a="http://schemas.openxmlformats.org/drawingml/2006/main" xmlns:r="http://schemas.openxmlformats.org/officeDocument/2006/relationships" xmlns:p="http://schemas.openxmlformats.org/presentationml/2006/main">
   <p:cSld>
     <p:spTree>
@@ -7620,7 +8223,7 @@
 </p:sld>
 </file>
 
-<file path=ppt/slides/slide14.xml><?xml version="1.0" encoding="utf-8"?>
+<file path=ppt/slides/slide15.xml><?xml version="1.0" encoding="utf-8"?>
 <p:sld xmlns:a="http://schemas.openxmlformats.org/drawingml/2006/main" xmlns:r="http://schemas.openxmlformats.org/officeDocument/2006/relationships" xmlns:p="http://schemas.openxmlformats.org/presentationml/2006/main">
   <p:cSld>
     <p:spTree>
@@ -7729,7 +8332,7 @@
 </p:sld>
 </file>
 
-<file path=ppt/slides/slide15.xml><?xml version="1.0" encoding="utf-8"?>
+<file path=ppt/slides/slide16.xml><?xml version="1.0" encoding="utf-8"?>
 <p:sld xmlns:a="http://schemas.openxmlformats.org/drawingml/2006/main" xmlns:r="http://schemas.openxmlformats.org/officeDocument/2006/relationships" xmlns:p="http://schemas.openxmlformats.org/presentationml/2006/main">
   <p:cSld>
     <p:spTree>
@@ -7853,7 +8456,7 @@
 </p:sld>
 </file>
 
-<file path=ppt/slides/slide16.xml><?xml version="1.0" encoding="utf-8"?>
+<file path=ppt/slides/slide17.xml><?xml version="1.0" encoding="utf-8"?>
 <p:sld xmlns:a="http://schemas.openxmlformats.org/drawingml/2006/main" xmlns:r="http://schemas.openxmlformats.org/officeDocument/2006/relationships" xmlns:p="http://schemas.openxmlformats.org/presentationml/2006/main" show="0">
   <p:cSld>
     <p:spTree>
@@ -7977,7 +8580,7 @@
 </p:sld>
 </file>
 
-<file path=ppt/slides/slide17.xml><?xml version="1.0" encoding="utf-8"?>
+<file path=ppt/slides/slide18.xml><?xml version="1.0" encoding="utf-8"?>
 <p:sld xmlns:a="http://schemas.openxmlformats.org/drawingml/2006/main" xmlns:r="http://schemas.openxmlformats.org/officeDocument/2006/relationships" xmlns:p="http://schemas.openxmlformats.org/presentationml/2006/main">
   <p:cSld>
     <p:spTree>
@@ -8232,7 +8835,7 @@
 </p:sld>
 </file>
 
-<file path=ppt/slides/slide18.xml><?xml version="1.0" encoding="utf-8"?>
+<file path=ppt/slides/slide19.xml><?xml version="1.0" encoding="utf-8"?>
 <p:sld xmlns:a="http://schemas.openxmlformats.org/drawingml/2006/main" xmlns:r="http://schemas.openxmlformats.org/officeDocument/2006/relationships" xmlns:p="http://schemas.openxmlformats.org/presentationml/2006/main">
   <p:cSld>
     <p:spTree>
@@ -8315,7 +8918,143 @@
 </p:sld>
 </file>
 
-<file path=ppt/slides/slide19.xml><?xml version="1.0" encoding="utf-8"?>
+<file path=ppt/slides/slide2.xml><?xml version="1.0" encoding="utf-8"?>
+<p:sld xmlns:a="http://schemas.openxmlformats.org/drawingml/2006/main" xmlns:r="http://schemas.openxmlformats.org/officeDocument/2006/relationships" xmlns:p="http://schemas.openxmlformats.org/presentationml/2006/main">
+  <p:cSld>
+    <p:spTree>
+      <p:nvGrpSpPr>
+        <p:cNvPr id="1" name=""/>
+        <p:cNvGrpSpPr/>
+        <p:nvPr/>
+      </p:nvGrpSpPr>
+      <p:grpSpPr>
+        <a:xfrm>
+          <a:off x="0" y="0"/>
+          <a:ext cx="0" cy="0"/>
+          <a:chOff x="0" y="0"/>
+          <a:chExt cx="0" cy="0"/>
+        </a:xfrm>
+      </p:grpSpPr>
+      <p:sp>
+        <p:nvSpPr>
+          <p:cNvPr id="2" name="Title 1"/>
+          <p:cNvSpPr>
+            <a:spLocks noGrp="1"/>
+          </p:cNvSpPr>
+          <p:nvPr>
+            <p:ph type="ctrTitle"/>
+          </p:nvPr>
+        </p:nvSpPr>
+        <p:spPr>
+          <a:xfrm>
+            <a:off x="609600" y="2130425"/>
+            <a:ext cx="7924800" cy="1470025"/>
+          </a:xfrm>
+        </p:spPr>
+        <p:txBody>
+          <a:bodyPr>
+            <a:noAutofit/>
+          </a:bodyPr>
+          <a:lstStyle/>
+          <a:p>
+            <a:r>
+              <a:rPr lang="en-US" sz="9600" dirty="0" err="1" smtClean="0"/>
+              <a:t>IronRuby</a:t>
+            </a:r>
+            <a:endParaRPr lang="en-US" sz="9600" dirty="0"/>
+          </a:p>
+        </p:txBody>
+      </p:sp>
+      <p:sp>
+        <p:nvSpPr>
+          <p:cNvPr id="3" name="Subtitle 2"/>
+          <p:cNvSpPr>
+            <a:spLocks noGrp="1"/>
+          </p:cNvSpPr>
+          <p:nvPr>
+            <p:ph type="subTitle" idx="1"/>
+          </p:nvPr>
+        </p:nvSpPr>
+        <p:spPr>
+          <a:xfrm>
+            <a:off x="609600" y="3886200"/>
+            <a:ext cx="7848600" cy="2209800"/>
+          </a:xfrm>
+        </p:spPr>
+        <p:txBody>
+          <a:bodyPr>
+            <a:normAutofit lnSpcReduction="10000"/>
+          </a:bodyPr>
+          <a:lstStyle/>
+          <a:p>
+            <a:pPr algn="l"/>
+            <a:r>
+              <a:rPr lang="en-US" dirty="0" smtClean="0"/>
+              <a:t>ironruby.net</a:t>
+            </a:r>
+          </a:p>
+          <a:p>
+            <a:pPr algn="l"/>
+            <a:r>
+              <a:rPr lang="en-US" dirty="0" smtClean="0"/>
+              <a:t>github.com/</a:t>
+            </a:r>
+            <a:r>
+              <a:rPr lang="en-US" dirty="0" err="1" smtClean="0"/>
+              <a:t>ironruby</a:t>
+            </a:r>
+            <a:endParaRPr lang="en-US" dirty="0"/>
+          </a:p>
+          <a:p>
+            <a:pPr algn="l"/>
+            <a:r>
+              <a:rPr lang="en-US" dirty="0" smtClean="0"/>
+              <a:t>jimmy.schementi.com/blog</a:t>
+            </a:r>
+          </a:p>
+          <a:p>
+            <a:pPr algn="l"/>
+            <a:r>
+              <a:rPr lang="en-US" dirty="0" smtClean="0"/>
+              <a:t>github.com/</a:t>
+            </a:r>
+            <a:r>
+              <a:rPr lang="en-US" dirty="0" err="1" smtClean="0"/>
+              <a:t>jschementi</a:t>
+            </a:r>
+            <a:r>
+              <a:rPr lang="en-US" dirty="0" smtClean="0"/>
+              <a:t>/rubyconf2009</a:t>
+            </a:r>
+            <a:endParaRPr lang="en-US" dirty="0" smtClean="0"/>
+          </a:p>
+          <a:p>
+            <a:pPr algn="r"/>
+            <a:endParaRPr lang="en-US" dirty="0" smtClean="0"/>
+          </a:p>
+        </p:txBody>
+      </p:sp>
+    </p:spTree>
+    <p:extLst>
+      <p:ext uri="{BB962C8B-B14F-4D97-AF65-F5344CB8AC3E}">
+        <p14:creationId xmlns:p14="http://schemas.microsoft.com/office/powerpoint/2010/main" val="812268048"/>
+      </p:ext>
+    </p:extLst>
+  </p:cSld>
+  <p:clrMapOvr>
+    <a:masterClrMapping/>
+  </p:clrMapOvr>
+  <p:timing>
+    <p:tnLst>
+      <p:par>
+        <p:cTn xmlns:p14="http://schemas.microsoft.com/office/powerpoint/2010/main" id="1" dur="indefinite" restart="never" nodeType="tmRoot"/>
+      </p:par>
+    </p:tnLst>
+  </p:timing>
+</p:sld>
+</file>
+
+<file path=ppt/slides/slide20.xml><?xml version="1.0" encoding="utf-8"?>
 <p:sld xmlns:a="http://schemas.openxmlformats.org/drawingml/2006/main" xmlns:r="http://schemas.openxmlformats.org/officeDocument/2006/relationships" xmlns:p="http://schemas.openxmlformats.org/presentationml/2006/main">
   <p:cSld>
     <p:spTree>
@@ -8843,7 +9582,2078 @@
 </p:sld>
 </file>
 
-<file path=ppt/slides/slide2.xml><?xml version="1.0" encoding="utf-8"?>
+<file path=ppt/slides/slide21.xml><?xml version="1.0" encoding="utf-8"?>
+<p:sld xmlns:a="http://schemas.openxmlformats.org/drawingml/2006/main" xmlns:r="http://schemas.openxmlformats.org/officeDocument/2006/relationships" xmlns:p="http://schemas.openxmlformats.org/presentationml/2006/main">
+  <p:cSld>
+    <p:spTree>
+      <p:nvGrpSpPr>
+        <p:cNvPr id="1" name=""/>
+        <p:cNvGrpSpPr/>
+        <p:nvPr/>
+      </p:nvGrpSpPr>
+      <p:grpSpPr>
+        <a:xfrm>
+          <a:off x="0" y="0"/>
+          <a:ext cx="0" cy="0"/>
+          <a:chOff x="0" y="0"/>
+          <a:chExt cx="0" cy="0"/>
+        </a:xfrm>
+      </p:grpSpPr>
+      <p:sp>
+        <p:nvSpPr>
+          <p:cNvPr id="2" name="Title 1"/>
+          <p:cNvSpPr>
+            <a:spLocks noGrp="1"/>
+          </p:cNvSpPr>
+          <p:nvPr>
+            <p:ph type="ctrTitle"/>
+          </p:nvPr>
+        </p:nvSpPr>
+        <p:spPr>
+          <a:xfrm>
+            <a:off x="609600" y="2130425"/>
+            <a:ext cx="7924800" cy="1470025"/>
+          </a:xfrm>
+        </p:spPr>
+        <p:txBody>
+          <a:bodyPr>
+            <a:noAutofit/>
+          </a:bodyPr>
+          <a:lstStyle/>
+          <a:p>
+            <a:r>
+              <a:rPr lang="en-US" sz="6600" dirty="0" err="1" smtClean="0"/>
+              <a:t>IronRuby</a:t>
+            </a:r>
+            <a:r>
+              <a:rPr lang="en-US" sz="6600" dirty="0" smtClean="0"/>
+              <a:t> 1.0 RC1</a:t>
+            </a:r>
+            <a:endParaRPr lang="en-US" sz="6600" dirty="0"/>
+          </a:p>
+        </p:txBody>
+      </p:sp>
+      <p:sp>
+        <p:nvSpPr>
+          <p:cNvPr id="4" name="Subtitle 3"/>
+          <p:cNvSpPr>
+            <a:spLocks noGrp="1"/>
+          </p:cNvSpPr>
+          <p:nvPr>
+            <p:ph type="subTitle" idx="1"/>
+          </p:nvPr>
+        </p:nvSpPr>
+        <p:spPr>
+          <a:xfrm>
+            <a:off x="609600" y="3886200"/>
+            <a:ext cx="8534400" cy="1752600"/>
+          </a:xfrm>
+        </p:spPr>
+        <p:txBody>
+          <a:bodyPr/>
+          <a:lstStyle/>
+          <a:p>
+            <a:pPr algn="l"/>
+            <a:r>
+              <a:rPr lang="en-US" dirty="0" smtClean="0"/>
+              <a:t>http://ironruby.net/download</a:t>
+            </a:r>
+            <a:endParaRPr lang="en-US" dirty="0"/>
+          </a:p>
+        </p:txBody>
+      </p:sp>
+    </p:spTree>
+    <p:extLst>
+      <p:ext uri="{BB962C8B-B14F-4D97-AF65-F5344CB8AC3E}">
+        <p14:creationId xmlns:p14="http://schemas.microsoft.com/office/powerpoint/2010/main" val="404952260"/>
+      </p:ext>
+    </p:extLst>
+  </p:cSld>
+  <p:clrMapOvr>
+    <a:masterClrMapping/>
+  </p:clrMapOvr>
+  <p:timing>
+    <p:tnLst>
+      <p:par>
+        <p:cTn xmlns:p14="http://schemas.microsoft.com/office/powerpoint/2010/main" id="1" dur="indefinite" restart="never" nodeType="tmRoot"/>
+      </p:par>
+    </p:tnLst>
+  </p:timing>
+</p:sld>
+</file>
+
+<file path=ppt/slides/slide22.xml><?xml version="1.0" encoding="utf-8"?>
+<p:sld xmlns:a="http://schemas.openxmlformats.org/drawingml/2006/main" xmlns:r="http://schemas.openxmlformats.org/officeDocument/2006/relationships" xmlns:p="http://schemas.openxmlformats.org/presentationml/2006/main">
+  <p:cSld>
+    <p:spTree>
+      <p:nvGrpSpPr>
+        <p:cNvPr id="1" name=""/>
+        <p:cNvGrpSpPr/>
+        <p:nvPr/>
+      </p:nvGrpSpPr>
+      <p:grpSpPr>
+        <a:xfrm>
+          <a:off x="0" y="0"/>
+          <a:ext cx="0" cy="0"/>
+          <a:chOff x="0" y="0"/>
+          <a:chExt cx="0" cy="0"/>
+        </a:xfrm>
+      </p:grpSpPr>
+      <p:sp>
+        <p:nvSpPr>
+          <p:cNvPr id="3" name="Content Placeholder 2"/>
+          <p:cNvSpPr>
+            <a:spLocks noGrp="1"/>
+          </p:cNvSpPr>
+          <p:nvPr>
+            <p:ph idx="1"/>
+          </p:nvPr>
+        </p:nvSpPr>
+        <p:spPr>
+          <a:xfrm>
+            <a:off x="381000" y="0"/>
+            <a:ext cx="8382000" cy="6858000"/>
+          </a:xfrm>
+        </p:spPr>
+        <p:txBody>
+          <a:bodyPr anchor="ctr">
+            <a:normAutofit fontScale="92500" lnSpcReduction="20000"/>
+          </a:bodyPr>
+          <a:lstStyle/>
+          <a:p>
+            <a:pPr marL="0" indent="0">
+              <a:buNone/>
+            </a:pPr>
+            <a:r>
+              <a:rPr lang="en-US" sz="4300" dirty="0" smtClean="0"/>
+              <a:t>Performance</a:t>
+            </a:r>
+          </a:p>
+          <a:p>
+            <a:pPr lvl="1">
+              <a:buFont typeface="Wingdings" pitchFamily="2" charset="2"/>
+              <a:buChar char="v"/>
+            </a:pPr>
+            <a:r>
+              <a:rPr lang="en-US" sz="3000" dirty="0" smtClean="0"/>
+              <a:t> Goal: </a:t>
+            </a:r>
+            <a:r>
+              <a:rPr lang="en-US" sz="3000" i="1" dirty="0" smtClean="0"/>
+              <a:t>faster</a:t>
+            </a:r>
+            <a:r>
+              <a:rPr lang="en-US" sz="3000" dirty="0" smtClean="0"/>
+              <a:t> than MRI</a:t>
+            </a:r>
+          </a:p>
+          <a:p>
+            <a:pPr lvl="1">
+              <a:buFont typeface="Wingdings" pitchFamily="2" charset="2"/>
+              <a:buChar char="v"/>
+            </a:pPr>
+            <a:r>
+              <a:rPr lang="en-US" sz="3000" dirty="0"/>
+              <a:t> </a:t>
+            </a:r>
+            <a:r>
+              <a:rPr lang="en-US" sz="3000" dirty="0" smtClean="0"/>
+              <a:t>Goal: within order-of-magnitude of </a:t>
+            </a:r>
+            <a:r>
+              <a:rPr lang="en-US" sz="3000" dirty="0" err="1" smtClean="0"/>
+              <a:t>JRuby</a:t>
+            </a:r>
+            <a:endParaRPr lang="en-US" sz="3000" dirty="0"/>
+          </a:p>
+          <a:p>
+            <a:pPr marL="457200" lvl="1" indent="0">
+              <a:buNone/>
+            </a:pPr>
+            <a:endParaRPr lang="en-US" sz="3000" dirty="0" smtClean="0"/>
+          </a:p>
+          <a:p>
+            <a:pPr marL="0" indent="0">
+              <a:buNone/>
+            </a:pPr>
+            <a:r>
+              <a:rPr lang="en-US" dirty="0" smtClean="0"/>
+              <a:t>Throughput</a:t>
+            </a:r>
+          </a:p>
+          <a:p>
+            <a:pPr lvl="1">
+              <a:buFont typeface="Wingdings" pitchFamily="2" charset="2"/>
+              <a:buChar char="v"/>
+            </a:pPr>
+            <a:r>
+              <a:rPr lang="en-US" dirty="0" smtClean="0"/>
+              <a:t> Example: ruby-benchmark-suite</a:t>
+            </a:r>
+          </a:p>
+          <a:p>
+            <a:pPr lvl="1">
+              <a:buFont typeface="Wingdings" pitchFamily="2" charset="2"/>
+              <a:buChar char="v"/>
+            </a:pPr>
+            <a:r>
+              <a:rPr lang="en-US" dirty="0" smtClean="0"/>
+              <a:t> </a:t>
+            </a:r>
+            <a:r>
+              <a:rPr lang="en-US" dirty="0" smtClean="0">
+                <a:solidFill>
+                  <a:srgbClr xmlns:mc="http://schemas.openxmlformats.org/markup-compatibility/2006" xmlns:a14="http://schemas.microsoft.com/office/drawing/2010/main" val="00FF00" mc:Ignorable=""/>
+                </a:solidFill>
+              </a:rPr>
+              <a:t>2x</a:t>
+            </a:r>
+            <a:r>
+              <a:rPr lang="en-US" dirty="0" smtClean="0"/>
+              <a:t> faster than MRI via </a:t>
+            </a:r>
+            <a:r>
+              <a:rPr lang="en-US" dirty="0" err="1" smtClean="0"/>
+              <a:t>RubyInstaller</a:t>
+            </a:r>
+            <a:endParaRPr lang="en-US" dirty="0" smtClean="0"/>
+          </a:p>
+          <a:p>
+            <a:pPr lvl="1">
+              <a:buFont typeface="Wingdings" pitchFamily="2" charset="2"/>
+              <a:buChar char="v"/>
+            </a:pPr>
+            <a:r>
+              <a:rPr lang="en-US" dirty="0"/>
+              <a:t> </a:t>
+            </a:r>
+            <a:r>
+              <a:rPr lang="en-US" dirty="0" smtClean="0">
+                <a:solidFill>
+                  <a:srgbClr xmlns:mc="http://schemas.openxmlformats.org/markup-compatibility/2006" xmlns:a14="http://schemas.microsoft.com/office/drawing/2010/main" val="00FF00" mc:Ignorable=""/>
+                </a:solidFill>
+              </a:rPr>
+              <a:t>6x</a:t>
+            </a:r>
+            <a:r>
+              <a:rPr lang="en-US" dirty="0" smtClean="0"/>
+              <a:t> faster than MRI via One-Click Installer</a:t>
+            </a:r>
+          </a:p>
+          <a:p>
+            <a:pPr lvl="1">
+              <a:buFont typeface="Wingdings" pitchFamily="2" charset="2"/>
+              <a:buChar char="v"/>
+            </a:pPr>
+            <a:r>
+              <a:rPr lang="en-US" dirty="0"/>
+              <a:t> </a:t>
+            </a:r>
+            <a:r>
+              <a:rPr lang="en-US" dirty="0" smtClean="0">
+                <a:solidFill>
+                  <a:srgbClr xmlns:mc="http://schemas.openxmlformats.org/markup-compatibility/2006" xmlns:a14="http://schemas.microsoft.com/office/drawing/2010/main" val="FF0000" mc:Ignorable=""/>
+                </a:solidFill>
+              </a:rPr>
+              <a:t>-1.5x</a:t>
+            </a:r>
+            <a:r>
+              <a:rPr lang="en-US" dirty="0" smtClean="0"/>
+              <a:t> slower than </a:t>
+            </a:r>
+            <a:r>
+              <a:rPr lang="en-US" dirty="0" err="1" smtClean="0"/>
+              <a:t>JRuby</a:t>
+            </a:r>
+            <a:endParaRPr lang="en-US" dirty="0"/>
+          </a:p>
+          <a:p>
+            <a:pPr lvl="1">
+              <a:buFont typeface="Wingdings" pitchFamily="2" charset="2"/>
+              <a:buChar char="v"/>
+            </a:pPr>
+            <a:r>
+              <a:rPr lang="en-US" dirty="0" smtClean="0">
+                <a:solidFill>
+                  <a:srgbClr xmlns:mc="http://schemas.openxmlformats.org/markup-compatibility/2006" xmlns:a14="http://schemas.microsoft.com/office/drawing/2010/main" val="FFFF00" mc:Ignorable=""/>
+                </a:solidFill>
+              </a:rPr>
+              <a:t> Need to improve a bit on this by 1.0</a:t>
+            </a:r>
+          </a:p>
+          <a:p>
+            <a:pPr marL="457200" lvl="1" indent="0">
+              <a:buNone/>
+            </a:pPr>
+            <a:endParaRPr lang="en-US" dirty="0" smtClean="0"/>
+          </a:p>
+          <a:p>
+            <a:pPr marL="57150" indent="0">
+              <a:buNone/>
+            </a:pPr>
+            <a:r>
+              <a:rPr lang="en-US" dirty="0" smtClean="0"/>
+              <a:t>Startup</a:t>
+            </a:r>
+          </a:p>
+          <a:p>
+            <a:pPr lvl="1">
+              <a:buFont typeface="Wingdings" pitchFamily="2" charset="2"/>
+              <a:buChar char="v"/>
+            </a:pPr>
+            <a:r>
+              <a:rPr lang="en-US" dirty="0" smtClean="0"/>
+              <a:t> Example:   </a:t>
+            </a:r>
+            <a:r>
+              <a:rPr lang="en-US" dirty="0" smtClean="0">
+                <a:latin typeface="Consolas" pitchFamily="49" charset="0"/>
+                <a:cs typeface="Consolas" pitchFamily="49" charset="0"/>
+              </a:rPr>
+              <a:t>require '</a:t>
+            </a:r>
+            <a:r>
+              <a:rPr lang="en-US" dirty="0" err="1" smtClean="0">
+                <a:latin typeface="Consolas" pitchFamily="49" charset="0"/>
+                <a:cs typeface="Consolas" pitchFamily="49" charset="0"/>
+              </a:rPr>
+              <a:t>activesupport</a:t>
+            </a:r>
+            <a:r>
+              <a:rPr lang="en-US" dirty="0" smtClean="0">
+                <a:latin typeface="Consolas" pitchFamily="49" charset="0"/>
+                <a:cs typeface="Consolas" pitchFamily="49" charset="0"/>
+              </a:rPr>
+              <a:t>'</a:t>
+            </a:r>
+          </a:p>
+          <a:p>
+            <a:pPr lvl="1">
+              <a:buFont typeface="Wingdings" pitchFamily="2" charset="2"/>
+              <a:buChar char="v"/>
+            </a:pPr>
+            <a:r>
+              <a:rPr lang="en-US" dirty="0" smtClean="0"/>
+              <a:t> </a:t>
+            </a:r>
+            <a:r>
+              <a:rPr lang="en-US" dirty="0" smtClean="0">
+                <a:solidFill>
+                  <a:srgbClr xmlns:mc="http://schemas.openxmlformats.org/markup-compatibility/2006" xmlns:a14="http://schemas.microsoft.com/office/drawing/2010/main" val="FF0000" mc:Ignorable=""/>
+                </a:solidFill>
+              </a:rPr>
+              <a:t>4x</a:t>
+            </a:r>
+            <a:r>
+              <a:rPr lang="en-US" dirty="0" smtClean="0"/>
+              <a:t> slower than MRI via </a:t>
+            </a:r>
+            <a:r>
+              <a:rPr lang="en-US" dirty="0" err="1" smtClean="0"/>
+              <a:t>RubyInstaller</a:t>
+            </a:r>
+            <a:endParaRPr lang="en-US" dirty="0" smtClean="0"/>
+          </a:p>
+          <a:p>
+            <a:pPr lvl="1">
+              <a:buFont typeface="Wingdings" pitchFamily="2" charset="2"/>
+              <a:buChar char="v"/>
+            </a:pPr>
+            <a:r>
+              <a:rPr lang="en-US" dirty="0" smtClean="0"/>
+              <a:t> </a:t>
+            </a:r>
+            <a:r>
+              <a:rPr lang="en-US" dirty="0" smtClean="0">
+                <a:solidFill>
+                  <a:srgbClr xmlns:mc="http://schemas.openxmlformats.org/markup-compatibility/2006" xmlns:a14="http://schemas.microsoft.com/office/drawing/2010/main" val="FF0000" mc:Ignorable=""/>
+                </a:solidFill>
+              </a:rPr>
+              <a:t>2x</a:t>
+            </a:r>
+            <a:r>
+              <a:rPr lang="en-US" dirty="0" smtClean="0"/>
+              <a:t> slower than </a:t>
+            </a:r>
+            <a:r>
+              <a:rPr lang="en-US" dirty="0" err="1" smtClean="0"/>
+              <a:t>Jruby</a:t>
+            </a:r>
+            <a:endParaRPr lang="en-US" dirty="0" smtClean="0"/>
+          </a:p>
+          <a:p>
+            <a:pPr lvl="1">
+              <a:buFont typeface="Wingdings" pitchFamily="2" charset="2"/>
+              <a:buChar char="v"/>
+            </a:pPr>
+            <a:r>
+              <a:rPr lang="en-US" dirty="0" smtClean="0">
+                <a:solidFill>
+                  <a:srgbClr xmlns:mc="http://schemas.openxmlformats.org/markup-compatibility/2006" xmlns:a14="http://schemas.microsoft.com/office/drawing/2010/main" val="C00000" mc:Ignorable=""/>
+                </a:solidFill>
+              </a:rPr>
+              <a:t> A </a:t>
+            </a:r>
+            <a:r>
+              <a:rPr lang="en-US" u="sng" dirty="0" smtClean="0">
+                <a:solidFill>
+                  <a:srgbClr xmlns:mc="http://schemas.openxmlformats.org/markup-compatibility/2006" xmlns:a14="http://schemas.microsoft.com/office/drawing/2010/main" val="C00000" mc:Ignorable=""/>
+                </a:solidFill>
+              </a:rPr>
+              <a:t>must-fix </a:t>
+            </a:r>
+            <a:r>
+              <a:rPr lang="en-US" dirty="0" smtClean="0">
+                <a:solidFill>
+                  <a:srgbClr xmlns:mc="http://schemas.openxmlformats.org/markup-compatibility/2006" xmlns:a14="http://schemas.microsoft.com/office/drawing/2010/main" val="C00000" mc:Ignorable=""/>
+                </a:solidFill>
+              </a:rPr>
+              <a:t>for 1.0 – must be on par with </a:t>
+            </a:r>
+            <a:r>
+              <a:rPr lang="en-US" dirty="0" err="1" smtClean="0">
+                <a:solidFill>
+                  <a:srgbClr xmlns:mc="http://schemas.openxmlformats.org/markup-compatibility/2006" xmlns:a14="http://schemas.microsoft.com/office/drawing/2010/main" val="C00000" mc:Ignorable=""/>
+                </a:solidFill>
+              </a:rPr>
+              <a:t>JRuby</a:t>
+            </a:r>
+            <a:endParaRPr lang="en-US" u="sng" dirty="0" smtClean="0">
+              <a:solidFill>
+                <a:srgbClr xmlns:mc="http://schemas.openxmlformats.org/markup-compatibility/2006" xmlns:a14="http://schemas.microsoft.com/office/drawing/2010/main" val="C00000" mc:Ignorable=""/>
+              </a:solidFill>
+            </a:endParaRPr>
+          </a:p>
+        </p:txBody>
+      </p:sp>
+    </p:spTree>
+    <p:extLst>
+      <p:ext uri="{BB962C8B-B14F-4D97-AF65-F5344CB8AC3E}">
+        <p14:creationId xmlns:p14="http://schemas.microsoft.com/office/powerpoint/2010/main" val="2690338689"/>
+      </p:ext>
+    </p:extLst>
+  </p:cSld>
+  <p:clrMapOvr>
+    <a:masterClrMapping/>
+  </p:clrMapOvr>
+  <p:timing>
+    <p:tnLst>
+      <p:par>
+        <p:cTn xmlns:p14="http://schemas.microsoft.com/office/powerpoint/2010/main" id="1" dur="indefinite" restart="never" nodeType="tmRoot"/>
+      </p:par>
+    </p:tnLst>
+  </p:timing>
+</p:sld>
+</file>
+
+<file path=ppt/slides/slide23.xml><?xml version="1.0" encoding="utf-8"?>
+<p:sld xmlns:a="http://schemas.openxmlformats.org/drawingml/2006/main" xmlns:r="http://schemas.openxmlformats.org/officeDocument/2006/relationships" xmlns:p="http://schemas.openxmlformats.org/presentationml/2006/main">
+  <p:cSld>
+    <p:spTree>
+      <p:nvGrpSpPr>
+        <p:cNvPr id="1" name=""/>
+        <p:cNvGrpSpPr/>
+        <p:nvPr/>
+      </p:nvGrpSpPr>
+      <p:grpSpPr>
+        <a:xfrm>
+          <a:off x="0" y="0"/>
+          <a:ext cx="0" cy="0"/>
+          <a:chOff x="0" y="0"/>
+          <a:chExt cx="0" cy="0"/>
+        </a:xfrm>
+      </p:grpSpPr>
+      <p:sp>
+        <p:nvSpPr>
+          <p:cNvPr id="3" name="Content Placeholder 2"/>
+          <p:cNvSpPr>
+            <a:spLocks noGrp="1"/>
+          </p:cNvSpPr>
+          <p:nvPr>
+            <p:ph idx="1"/>
+          </p:nvPr>
+        </p:nvSpPr>
+        <p:spPr>
+          <a:xfrm>
+            <a:off x="381000" y="419100"/>
+            <a:ext cx="8382000" cy="6019800"/>
+          </a:xfrm>
+        </p:spPr>
+        <p:txBody>
+          <a:bodyPr anchor="ctr">
+            <a:normAutofit fontScale="85000" lnSpcReduction="20000"/>
+          </a:bodyPr>
+          <a:lstStyle/>
+          <a:p>
+            <a:pPr marL="0" indent="0">
+              <a:buNone/>
+            </a:pPr>
+            <a:r>
+              <a:rPr lang="en-US" sz="4300" dirty="0" smtClean="0"/>
+              <a:t>Compatibility</a:t>
+            </a:r>
+          </a:p>
+          <a:p>
+            <a:pPr lvl="1">
+              <a:buFont typeface="Wingdings" pitchFamily="2" charset="2"/>
+              <a:buChar char="v"/>
+            </a:pPr>
+            <a:r>
+              <a:rPr lang="en-US" sz="3000" dirty="0" smtClean="0"/>
+              <a:t> Goal: </a:t>
+            </a:r>
+            <a:r>
+              <a:rPr lang="en-US" sz="3000" dirty="0" smtClean="0">
+                <a:solidFill>
+                  <a:srgbClr xmlns:mc="http://schemas.openxmlformats.org/markup-compatibility/2006" xmlns:a14="http://schemas.microsoft.com/office/drawing/2010/main" val="00FF00" mc:Ignorable=""/>
+                </a:solidFill>
+              </a:rPr>
+              <a:t>&gt;</a:t>
+            </a:r>
+            <a:r>
+              <a:rPr lang="en-US" sz="3000" dirty="0" smtClean="0"/>
+              <a:t> </a:t>
+            </a:r>
+            <a:r>
+              <a:rPr lang="en-US" sz="3000" dirty="0" smtClean="0">
+                <a:solidFill>
+                  <a:srgbClr xmlns:mc="http://schemas.openxmlformats.org/markup-compatibility/2006" xmlns:a14="http://schemas.microsoft.com/office/drawing/2010/main" val="00FF00" mc:Ignorable=""/>
+                </a:solidFill>
+              </a:rPr>
+              <a:t>90% passing</a:t>
+            </a:r>
+          </a:p>
+          <a:p>
+            <a:pPr lvl="1">
+              <a:buFont typeface="Wingdings" pitchFamily="2" charset="2"/>
+              <a:buChar char="v"/>
+            </a:pPr>
+            <a:r>
+              <a:rPr lang="en-US" sz="3000" dirty="0"/>
+              <a:t> </a:t>
+            </a:r>
+            <a:r>
+              <a:rPr lang="en-US" sz="3000" dirty="0" smtClean="0"/>
+              <a:t>Must have really good reason </a:t>
+            </a:r>
+            <a:r>
+              <a:rPr lang="en-US" sz="3000" dirty="0" err="1" smtClean="0"/>
+              <a:t>foreach</a:t>
+            </a:r>
+            <a:r>
+              <a:rPr lang="en-US" sz="3000" dirty="0" smtClean="0"/>
+              <a:t> failing </a:t>
+            </a:r>
+            <a:r>
+              <a:rPr lang="en-US" sz="3000" dirty="0" err="1" smtClean="0"/>
+              <a:t>RubySpecs</a:t>
+            </a:r>
+            <a:endParaRPr lang="en-US" sz="3000" dirty="0" smtClean="0"/>
+          </a:p>
+          <a:p>
+            <a:pPr marL="0" indent="0">
+              <a:buNone/>
+            </a:pPr>
+            <a:endParaRPr lang="en-US" dirty="0" smtClean="0"/>
+          </a:p>
+          <a:p>
+            <a:pPr marL="0" indent="0">
+              <a:buNone/>
+            </a:pPr>
+            <a:r>
+              <a:rPr lang="en-US" dirty="0" err="1" smtClean="0"/>
+              <a:t>RubySpec</a:t>
+            </a:r>
+            <a:r>
+              <a:rPr lang="en-US" dirty="0" smtClean="0"/>
+              <a:t>:			</a:t>
+            </a:r>
+            <a:r>
+              <a:rPr lang="en-US" b="1" dirty="0" smtClean="0">
+                <a:solidFill>
+                  <a:srgbClr xmlns:mc="http://schemas.openxmlformats.org/markup-compatibility/2006" xmlns:a14="http://schemas.microsoft.com/office/drawing/2010/main" val="00FF00" mc:Ignorable=""/>
+                </a:solidFill>
+              </a:rPr>
+              <a:t>92%</a:t>
+            </a:r>
+            <a:endParaRPr lang="en-US" b="1" dirty="0" smtClean="0">
+              <a:solidFill>
+                <a:srgbClr xmlns:mc="http://schemas.openxmlformats.org/markup-compatibility/2006" xmlns:a14="http://schemas.microsoft.com/office/drawing/2010/main" val="00FF00" mc:Ignorable=""/>
+              </a:solidFill>
+            </a:endParaRPr>
+          </a:p>
+          <a:p>
+            <a:pPr lvl="1">
+              <a:buFont typeface="Wingdings" pitchFamily="2" charset="2"/>
+              <a:buChar char="v"/>
+            </a:pPr>
+            <a:r>
+              <a:rPr lang="en-US" dirty="0"/>
+              <a:t> </a:t>
+            </a:r>
+            <a:r>
+              <a:rPr lang="en-US" dirty="0" smtClean="0"/>
+              <a:t>Language:		</a:t>
+            </a:r>
+            <a:r>
+              <a:rPr lang="en-US" dirty="0" smtClean="0">
+                <a:solidFill>
+                  <a:srgbClr xmlns:mc="http://schemas.openxmlformats.org/markup-compatibility/2006" xmlns:a14="http://schemas.microsoft.com/office/drawing/2010/main" val="00FF00" mc:Ignorable=""/>
+                </a:solidFill>
+              </a:rPr>
+              <a:t>97%</a:t>
+            </a:r>
+            <a:endParaRPr lang="en-US" dirty="0" smtClean="0">
+              <a:solidFill>
+                <a:srgbClr xmlns:mc="http://schemas.openxmlformats.org/markup-compatibility/2006" xmlns:a14="http://schemas.microsoft.com/office/drawing/2010/main" val="00FF00" mc:Ignorable=""/>
+              </a:solidFill>
+            </a:endParaRPr>
+          </a:p>
+          <a:p>
+            <a:pPr lvl="1">
+              <a:buFont typeface="Wingdings" pitchFamily="2" charset="2"/>
+              <a:buChar char="v"/>
+            </a:pPr>
+            <a:r>
+              <a:rPr lang="en-US" dirty="0"/>
+              <a:t> </a:t>
+            </a:r>
+            <a:r>
+              <a:rPr lang="en-US" dirty="0" smtClean="0"/>
+              <a:t>Core:			</a:t>
+            </a:r>
+            <a:r>
+              <a:rPr lang="en-US" dirty="0" smtClean="0">
+                <a:solidFill>
+                  <a:srgbClr xmlns:mc="http://schemas.openxmlformats.org/markup-compatibility/2006" xmlns:a14="http://schemas.microsoft.com/office/drawing/2010/main" val="00FF00" mc:Ignorable=""/>
+                </a:solidFill>
+              </a:rPr>
+              <a:t>91%</a:t>
+            </a:r>
+            <a:endParaRPr lang="en-US" dirty="0" smtClean="0">
+              <a:solidFill>
+                <a:srgbClr xmlns:mc="http://schemas.openxmlformats.org/markup-compatibility/2006" xmlns:a14="http://schemas.microsoft.com/office/drawing/2010/main" val="00FF00" mc:Ignorable=""/>
+              </a:solidFill>
+            </a:endParaRPr>
+          </a:p>
+          <a:p>
+            <a:pPr lvl="1">
+              <a:buFont typeface="Wingdings" pitchFamily="2" charset="2"/>
+              <a:buChar char="v"/>
+            </a:pPr>
+            <a:r>
+              <a:rPr lang="en-US" dirty="0"/>
+              <a:t> </a:t>
+            </a:r>
+            <a:r>
+              <a:rPr lang="en-US" dirty="0" smtClean="0"/>
+              <a:t>Libraries</a:t>
+            </a:r>
+            <a:r>
+              <a:rPr lang="en-US" dirty="0" smtClean="0"/>
+              <a:t>:		</a:t>
+            </a:r>
+            <a:r>
+              <a:rPr lang="en-US" dirty="0" smtClean="0">
+                <a:solidFill>
+                  <a:srgbClr xmlns:mc="http://schemas.openxmlformats.org/markup-compatibility/2006" xmlns:a14="http://schemas.microsoft.com/office/drawing/2010/main" val="00FF00" mc:Ignorable=""/>
+                </a:solidFill>
+              </a:rPr>
+              <a:t>93%</a:t>
+            </a:r>
+            <a:endParaRPr lang="en-US" dirty="0">
+              <a:solidFill>
+                <a:srgbClr xmlns:mc="http://schemas.openxmlformats.org/markup-compatibility/2006" xmlns:a14="http://schemas.microsoft.com/office/drawing/2010/main" val="00FF00" mc:Ignorable=""/>
+              </a:solidFill>
+            </a:endParaRPr>
+          </a:p>
+          <a:p>
+            <a:pPr marL="57150" indent="0">
+              <a:buNone/>
+            </a:pPr>
+            <a:endParaRPr lang="en-US" dirty="0" smtClean="0"/>
+          </a:p>
+          <a:p>
+            <a:pPr marL="57150" indent="0">
+              <a:buNone/>
+            </a:pPr>
+            <a:r>
+              <a:rPr lang="en-US" dirty="0" smtClean="0"/>
+              <a:t>Libraries</a:t>
+            </a:r>
+          </a:p>
+          <a:p>
+            <a:pPr lvl="1">
+              <a:buFont typeface="Wingdings" pitchFamily="2" charset="2"/>
+              <a:buChar char="v"/>
+            </a:pPr>
+            <a:r>
+              <a:rPr lang="en-US" dirty="0"/>
+              <a:t> </a:t>
+            </a:r>
+            <a:r>
+              <a:rPr lang="en-US" dirty="0" err="1" smtClean="0"/>
+              <a:t>RubyGems</a:t>
+            </a:r>
+            <a:r>
+              <a:rPr lang="en-US" dirty="0" smtClean="0"/>
+              <a:t>:		</a:t>
+            </a:r>
+            <a:r>
+              <a:rPr lang="en-US" dirty="0" smtClean="0">
+                <a:solidFill>
+                  <a:srgbClr xmlns:mc="http://schemas.openxmlformats.org/markup-compatibility/2006" xmlns:a14="http://schemas.microsoft.com/office/drawing/2010/main" val="00FF00" mc:Ignorable=""/>
+                </a:solidFill>
+              </a:rPr>
+              <a:t>96%</a:t>
+            </a:r>
+            <a:endParaRPr lang="en-US" dirty="0" smtClean="0">
+              <a:solidFill>
+                <a:srgbClr xmlns:mc="http://schemas.openxmlformats.org/markup-compatibility/2006" xmlns:a14="http://schemas.microsoft.com/office/drawing/2010/main" val="00FF00" mc:Ignorable=""/>
+              </a:solidFill>
+            </a:endParaRPr>
+          </a:p>
+          <a:p>
+            <a:pPr lvl="1">
+              <a:buFont typeface="Wingdings" pitchFamily="2" charset="2"/>
+              <a:buChar char="v"/>
+            </a:pPr>
+            <a:r>
+              <a:rPr lang="en-US" dirty="0"/>
+              <a:t> </a:t>
+            </a:r>
+            <a:r>
+              <a:rPr lang="en-US" dirty="0" err="1" smtClean="0"/>
+              <a:t>ActionPack</a:t>
+            </a:r>
+            <a:r>
+              <a:rPr lang="en-US" dirty="0" smtClean="0"/>
+              <a:t>:		</a:t>
+            </a:r>
+            <a:r>
+              <a:rPr lang="en-US" dirty="0" smtClean="0">
+                <a:solidFill>
+                  <a:srgbClr xmlns:mc="http://schemas.openxmlformats.org/markup-compatibility/2006" xmlns:a14="http://schemas.microsoft.com/office/drawing/2010/main" val="00FF00" mc:Ignorable=""/>
+                </a:solidFill>
+              </a:rPr>
+              <a:t>95%	</a:t>
+            </a:r>
+            <a:endParaRPr lang="en-US" dirty="0" smtClean="0">
+              <a:solidFill>
+                <a:srgbClr xmlns:mc="http://schemas.openxmlformats.org/markup-compatibility/2006" xmlns:a14="http://schemas.microsoft.com/office/drawing/2010/main" val="00FF00" mc:Ignorable=""/>
+              </a:solidFill>
+            </a:endParaRPr>
+          </a:p>
+          <a:p>
+            <a:pPr lvl="1">
+              <a:buFont typeface="Wingdings" pitchFamily="2" charset="2"/>
+              <a:buChar char="v"/>
+            </a:pPr>
+            <a:r>
+              <a:rPr lang="en-US" dirty="0"/>
+              <a:t> </a:t>
+            </a:r>
+            <a:r>
+              <a:rPr lang="en-US" dirty="0" err="1" smtClean="0"/>
+              <a:t>ActiveSupport</a:t>
+            </a:r>
+            <a:r>
+              <a:rPr lang="en-US" dirty="0" smtClean="0"/>
+              <a:t>:		</a:t>
+            </a:r>
+            <a:r>
+              <a:rPr lang="en-US" dirty="0" smtClean="0">
+                <a:solidFill>
+                  <a:srgbClr xmlns:mc="http://schemas.openxmlformats.org/markup-compatibility/2006" xmlns:a14="http://schemas.microsoft.com/office/drawing/2010/main" val="00FF00" mc:Ignorable=""/>
+                </a:solidFill>
+              </a:rPr>
+              <a:t>95%</a:t>
+            </a:r>
+            <a:endParaRPr lang="en-US" dirty="0" smtClean="0">
+              <a:solidFill>
+                <a:srgbClr xmlns:mc="http://schemas.openxmlformats.org/markup-compatibility/2006" xmlns:a14="http://schemas.microsoft.com/office/drawing/2010/main" val="00FF00" mc:Ignorable=""/>
+              </a:solidFill>
+            </a:endParaRPr>
+          </a:p>
+        </p:txBody>
+      </p:sp>
+    </p:spTree>
+    <p:extLst>
+      <p:ext uri="{BB962C8B-B14F-4D97-AF65-F5344CB8AC3E}">
+        <p14:creationId xmlns:p14="http://schemas.microsoft.com/office/powerpoint/2010/main" val="3445922722"/>
+      </p:ext>
+    </p:extLst>
+  </p:cSld>
+  <p:clrMapOvr>
+    <a:masterClrMapping/>
+  </p:clrMapOvr>
+  <p:timing>
+    <p:tnLst>
+      <p:par>
+        <p:cTn xmlns:p14="http://schemas.microsoft.com/office/powerpoint/2010/main" id="1" dur="indefinite" restart="never" nodeType="tmRoot"/>
+      </p:par>
+    </p:tnLst>
+  </p:timing>
+</p:sld>
+</file>
+
+<file path=ppt/slides/slide24.xml><?xml version="1.0" encoding="utf-8"?>
+<p:sld xmlns:a="http://schemas.openxmlformats.org/drawingml/2006/main" xmlns:r="http://schemas.openxmlformats.org/officeDocument/2006/relationships" xmlns:p="http://schemas.openxmlformats.org/presentationml/2006/main">
+  <p:cSld>
+    <p:spTree>
+      <p:nvGrpSpPr>
+        <p:cNvPr id="1" name=""/>
+        <p:cNvGrpSpPr/>
+        <p:nvPr/>
+      </p:nvGrpSpPr>
+      <p:grpSpPr>
+        <a:xfrm>
+          <a:off x="0" y="0"/>
+          <a:ext cx="0" cy="0"/>
+          <a:chOff x="0" y="0"/>
+          <a:chExt cx="0" cy="0"/>
+        </a:xfrm>
+      </p:grpSpPr>
+      <p:sp>
+        <p:nvSpPr>
+          <p:cNvPr id="3" name="Content Placeholder 2"/>
+          <p:cNvSpPr>
+            <a:spLocks noGrp="1"/>
+          </p:cNvSpPr>
+          <p:nvPr>
+            <p:ph idx="1"/>
+          </p:nvPr>
+        </p:nvSpPr>
+        <p:spPr>
+          <a:xfrm>
+            <a:off x="381000" y="419100"/>
+            <a:ext cx="8382000" cy="6019800"/>
+          </a:xfrm>
+        </p:spPr>
+        <p:txBody>
+          <a:bodyPr anchor="ctr">
+            <a:normAutofit/>
+          </a:bodyPr>
+          <a:lstStyle/>
+          <a:p>
+            <a:pPr marL="0" indent="0">
+              <a:buNone/>
+            </a:pPr>
+            <a:r>
+              <a:rPr lang="en-US" sz="4000" dirty="0" smtClean="0"/>
+              <a:t>CLR Integration</a:t>
+            </a:r>
+          </a:p>
+          <a:p>
+            <a:pPr lvl="1">
+              <a:buFont typeface="Wingdings" pitchFamily="2" charset="2"/>
+              <a:buChar char="v"/>
+            </a:pPr>
+            <a:r>
+              <a:rPr lang="en-US" sz="2600" dirty="0" smtClean="0"/>
+              <a:t> Goal: use majority of CLR features from Ruby  without needing C# stubs</a:t>
+            </a:r>
+          </a:p>
+          <a:p>
+            <a:pPr marL="57150" indent="0">
+              <a:buNone/>
+            </a:pPr>
+            <a:endParaRPr lang="en-US" sz="3000" dirty="0" smtClean="0"/>
+          </a:p>
+          <a:p>
+            <a:pPr marL="57150" indent="0">
+              <a:buNone/>
+            </a:pPr>
+            <a:r>
+              <a:rPr lang="en-US" sz="3000" dirty="0" smtClean="0"/>
+              <a:t>Only major missing feature</a:t>
+            </a:r>
+            <a:endParaRPr lang="en-US" sz="3000" dirty="0"/>
+          </a:p>
+          <a:p>
+            <a:pPr lvl="1">
+              <a:buFont typeface="Wingdings" pitchFamily="2" charset="2"/>
+              <a:buChar char="v"/>
+            </a:pPr>
+            <a:r>
+              <a:rPr lang="en-US" dirty="0" smtClean="0"/>
+              <a:t> </a:t>
+            </a:r>
+            <a:r>
+              <a:rPr lang="en-US" sz="2600" dirty="0" smtClean="0"/>
+              <a:t>No support for any CLR feature which depends on a CLR type actually existing (Attributes, property data binding, </a:t>
+            </a:r>
+            <a:r>
+              <a:rPr lang="en-US" sz="2600" dirty="0" err="1" smtClean="0"/>
+              <a:t>etc</a:t>
+            </a:r>
+            <a:r>
+              <a:rPr lang="en-US" sz="2600" dirty="0" smtClean="0"/>
+              <a:t>)</a:t>
+            </a:r>
+          </a:p>
+          <a:p>
+            <a:pPr lvl="1">
+              <a:buFont typeface="Wingdings" pitchFamily="2" charset="2"/>
+              <a:buChar char="v"/>
+            </a:pPr>
+            <a:r>
+              <a:rPr lang="en-US" sz="2600" dirty="0">
+                <a:solidFill>
+                  <a:srgbClr xmlns:mc="http://schemas.openxmlformats.org/markup-compatibility/2006" xmlns:a14="http://schemas.microsoft.com/office/drawing/2010/main" val="00FF00" mc:Ignorable=""/>
+                </a:solidFill>
+              </a:rPr>
+              <a:t> </a:t>
+            </a:r>
+            <a:r>
+              <a:rPr lang="en-US" sz="2600" dirty="0" smtClean="0">
+                <a:solidFill>
+                  <a:srgbClr xmlns:mc="http://schemas.openxmlformats.org/markup-compatibility/2006" xmlns:a14="http://schemas.microsoft.com/office/drawing/2010/main" val="00FF00" mc:Ignorable=""/>
+                </a:solidFill>
+              </a:rPr>
+              <a:t>OK to ship 1.0 without it</a:t>
+            </a:r>
+          </a:p>
+        </p:txBody>
+      </p:sp>
+    </p:spTree>
+    <p:extLst>
+      <p:ext uri="{BB962C8B-B14F-4D97-AF65-F5344CB8AC3E}">
+        <p14:creationId xmlns:p14="http://schemas.microsoft.com/office/powerpoint/2010/main" val="3116064284"/>
+      </p:ext>
+    </p:extLst>
+  </p:cSld>
+  <p:clrMapOvr>
+    <a:masterClrMapping/>
+  </p:clrMapOvr>
+  <p:timing>
+    <p:tnLst>
+      <p:par>
+        <p:cTn xmlns:p14="http://schemas.microsoft.com/office/powerpoint/2010/main" id="1" dur="indefinite" restart="never" nodeType="tmRoot"/>
+      </p:par>
+    </p:tnLst>
+  </p:timing>
+</p:sld>
+</file>
+
+<file path=ppt/slides/slide25.xml><?xml version="1.0" encoding="utf-8"?>
+<p:sld xmlns:a="http://schemas.openxmlformats.org/drawingml/2006/main" xmlns:r="http://schemas.openxmlformats.org/officeDocument/2006/relationships" xmlns:p="http://schemas.openxmlformats.org/presentationml/2006/main">
+  <p:cSld>
+    <p:spTree>
+      <p:nvGrpSpPr>
+        <p:cNvPr id="1" name=""/>
+        <p:cNvGrpSpPr/>
+        <p:nvPr/>
+      </p:nvGrpSpPr>
+      <p:grpSpPr>
+        <a:xfrm>
+          <a:off x="0" y="0"/>
+          <a:ext cx="0" cy="0"/>
+          <a:chOff x="0" y="0"/>
+          <a:chExt cx="0" cy="0"/>
+        </a:xfrm>
+      </p:grpSpPr>
+      <p:sp>
+        <p:nvSpPr>
+          <p:cNvPr id="3" name="Content Placeholder 2"/>
+          <p:cNvSpPr>
+            <a:spLocks noGrp="1"/>
+          </p:cNvSpPr>
+          <p:nvPr>
+            <p:ph idx="1"/>
+          </p:nvPr>
+        </p:nvSpPr>
+        <p:spPr>
+          <a:xfrm>
+            <a:off x="381000" y="419100"/>
+            <a:ext cx="8382000" cy="6019800"/>
+          </a:xfrm>
+        </p:spPr>
+        <p:txBody>
+          <a:bodyPr anchor="ctr">
+            <a:normAutofit/>
+          </a:bodyPr>
+          <a:lstStyle/>
+          <a:p>
+            <a:pPr marL="0" indent="0">
+              <a:buNone/>
+            </a:pPr>
+            <a:r>
+              <a:rPr lang="en-US" sz="4000" dirty="0" smtClean="0"/>
+              <a:t>Roadmap to 1.0</a:t>
+            </a:r>
+          </a:p>
+          <a:p>
+            <a:pPr lvl="1">
+              <a:buFont typeface="Wingdings" pitchFamily="2" charset="2"/>
+              <a:buChar char="v"/>
+            </a:pPr>
+            <a:r>
+              <a:rPr lang="en-US" sz="2600" dirty="0" smtClean="0"/>
+              <a:t> Today: 1.0 RC1</a:t>
+            </a:r>
+          </a:p>
+          <a:p>
+            <a:pPr lvl="1">
+              <a:buFont typeface="Wingdings" pitchFamily="2" charset="2"/>
+              <a:buChar char="v"/>
+            </a:pPr>
+            <a:r>
+              <a:rPr lang="en-US" sz="2600" dirty="0"/>
+              <a:t> </a:t>
+            </a:r>
+            <a:r>
+              <a:rPr lang="en-US" sz="2600" dirty="0" smtClean="0"/>
+              <a:t>RC2, 3, </a:t>
+            </a:r>
+            <a:r>
+              <a:rPr lang="en-US" sz="2600" dirty="0" err="1" smtClean="0"/>
+              <a:t>etc</a:t>
+            </a:r>
+            <a:r>
+              <a:rPr lang="en-US" sz="2600" dirty="0" smtClean="0"/>
+              <a:t>, will come as needed</a:t>
+            </a:r>
+          </a:p>
+          <a:p>
+            <a:pPr lvl="1">
+              <a:buFont typeface="Wingdings" pitchFamily="2" charset="2"/>
+              <a:buChar char="v"/>
+            </a:pPr>
+            <a:r>
+              <a:rPr lang="en-US" sz="2600" dirty="0"/>
+              <a:t> </a:t>
+            </a:r>
+            <a:r>
+              <a:rPr lang="en-US" sz="2600" dirty="0" smtClean="0"/>
+              <a:t>RC build becomes </a:t>
+            </a:r>
+            <a:r>
+              <a:rPr lang="en-US" sz="2600" i="1" dirty="0" smtClean="0"/>
+              <a:t>final</a:t>
+            </a:r>
+            <a:r>
+              <a:rPr lang="en-US" sz="2600" dirty="0" smtClean="0"/>
+              <a:t> if no must-fix-for-RC bugs are accepted for a few weeks.</a:t>
+            </a:r>
+          </a:p>
+          <a:p>
+            <a:pPr marL="57150" indent="0">
+              <a:buNone/>
+            </a:pPr>
+            <a:endParaRPr lang="en-US" sz="3000" dirty="0" smtClean="0"/>
+          </a:p>
+          <a:p>
+            <a:pPr marL="57150" indent="0">
+              <a:buNone/>
+            </a:pPr>
+            <a:r>
+              <a:rPr lang="en-US" sz="3000" dirty="0" smtClean="0"/>
+              <a:t>Work still left to do</a:t>
+            </a:r>
+          </a:p>
+          <a:p>
+            <a:pPr lvl="1">
+              <a:buFont typeface="Wingdings" pitchFamily="2" charset="2"/>
+              <a:buChar char="v"/>
+            </a:pPr>
+            <a:r>
+              <a:rPr lang="en-US" sz="2600" dirty="0" smtClean="0"/>
+              <a:t> Startup </a:t>
+            </a:r>
+            <a:r>
+              <a:rPr lang="en-US" sz="2600" dirty="0" err="1" smtClean="0"/>
+              <a:t>perf</a:t>
+            </a:r>
+            <a:r>
+              <a:rPr lang="en-US" sz="2600" dirty="0" smtClean="0"/>
+              <a:t>: </a:t>
+            </a:r>
+            <a:r>
+              <a:rPr lang="en-US" sz="2600" dirty="0" smtClean="0">
+                <a:solidFill>
+                  <a:schemeClr val="bg1">
+                    <a:lumMod val="75000"/>
+                  </a:schemeClr>
+                </a:solidFill>
+              </a:rPr>
+              <a:t>largest factor in perceived slowness</a:t>
+            </a:r>
+            <a:endParaRPr lang="en-US" sz="2600" dirty="0">
+              <a:solidFill>
+                <a:schemeClr val="bg1">
+                  <a:lumMod val="75000"/>
+                </a:schemeClr>
+              </a:solidFill>
+            </a:endParaRPr>
+          </a:p>
+          <a:p>
+            <a:pPr lvl="1">
+              <a:buFont typeface="Wingdings" pitchFamily="2" charset="2"/>
+              <a:buChar char="v"/>
+            </a:pPr>
+            <a:r>
+              <a:rPr lang="en-US" sz="2600" dirty="0" smtClean="0"/>
+              <a:t> Throughput </a:t>
+            </a:r>
+            <a:r>
+              <a:rPr lang="en-US" sz="2600" dirty="0" err="1" smtClean="0"/>
+              <a:t>perf</a:t>
+            </a:r>
+            <a:r>
+              <a:rPr lang="en-US" sz="2600" dirty="0" smtClean="0"/>
+              <a:t>: </a:t>
+            </a:r>
+            <a:r>
+              <a:rPr lang="en-US" sz="2600" dirty="0" smtClean="0">
+                <a:solidFill>
+                  <a:schemeClr val="bg1">
+                    <a:lumMod val="75000"/>
+                  </a:schemeClr>
+                </a:solidFill>
+              </a:rPr>
+              <a:t>related to startup, but will focus on library implementations.</a:t>
+            </a:r>
+          </a:p>
+          <a:p>
+            <a:pPr lvl="1">
+              <a:buFont typeface="Wingdings" pitchFamily="2" charset="2"/>
+              <a:buChar char="v"/>
+            </a:pPr>
+            <a:r>
+              <a:rPr lang="en-US" sz="2600" dirty="0"/>
+              <a:t> </a:t>
+            </a:r>
+            <a:r>
+              <a:rPr lang="en-US" sz="2600" dirty="0" smtClean="0"/>
+              <a:t>Bugs</a:t>
+            </a:r>
+            <a:r>
+              <a:rPr lang="en-US" sz="2600" dirty="0" smtClean="0">
+                <a:solidFill>
+                  <a:schemeClr val="bg1">
+                    <a:lumMod val="75000"/>
+                  </a:schemeClr>
+                </a:solidFill>
+              </a:rPr>
+              <a:t>: 50 open bugs, plus whatever bump the RC gives</a:t>
+            </a:r>
+          </a:p>
+        </p:txBody>
+      </p:sp>
+    </p:spTree>
+    <p:extLst>
+      <p:ext uri="{BB962C8B-B14F-4D97-AF65-F5344CB8AC3E}">
+        <p14:creationId xmlns:p14="http://schemas.microsoft.com/office/powerpoint/2010/main" val="4071894193"/>
+      </p:ext>
+    </p:extLst>
+  </p:cSld>
+  <p:clrMapOvr>
+    <a:masterClrMapping/>
+  </p:clrMapOvr>
+  <p:timing>
+    <p:tnLst>
+      <p:par>
+        <p:cTn xmlns:p14="http://schemas.microsoft.com/office/powerpoint/2010/main" id="1" dur="indefinite" restart="never" nodeType="tmRoot"/>
+      </p:par>
+    </p:tnLst>
+  </p:timing>
+</p:sld>
+</file>
+
+<file path=ppt/slides/slide26.xml><?xml version="1.0" encoding="utf-8"?>
+<p:sld xmlns:a="http://schemas.openxmlformats.org/drawingml/2006/main" xmlns:r="http://schemas.openxmlformats.org/officeDocument/2006/relationships" xmlns:p="http://schemas.openxmlformats.org/presentationml/2006/main">
+  <p:cSld>
+    <p:spTree>
+      <p:nvGrpSpPr>
+        <p:cNvPr id="1" name=""/>
+        <p:cNvGrpSpPr/>
+        <p:nvPr/>
+      </p:nvGrpSpPr>
+      <p:grpSpPr>
+        <a:xfrm>
+          <a:off x="0" y="0"/>
+          <a:ext cx="0" cy="0"/>
+          <a:chOff x="0" y="0"/>
+          <a:chExt cx="0" cy="0"/>
+        </a:xfrm>
+      </p:grpSpPr>
+      <p:sp>
+        <p:nvSpPr>
+          <p:cNvPr id="2" name="Title 1"/>
+          <p:cNvSpPr>
+            <a:spLocks noGrp="1"/>
+          </p:cNvSpPr>
+          <p:nvPr>
+            <p:ph type="title"/>
+          </p:nvPr>
+        </p:nvSpPr>
+        <p:spPr/>
+        <p:txBody>
+          <a:bodyPr/>
+          <a:lstStyle/>
+          <a:p>
+            <a:r>
+              <a:rPr lang="en-US" dirty="0" smtClean="0"/>
+              <a:t>Post 1.0</a:t>
+            </a:r>
+            <a:endParaRPr lang="en-US" dirty="0"/>
+          </a:p>
+        </p:txBody>
+      </p:sp>
+      <p:sp>
+        <p:nvSpPr>
+          <p:cNvPr id="3" name="Content Placeholder 2"/>
+          <p:cNvSpPr>
+            <a:spLocks noGrp="1"/>
+          </p:cNvSpPr>
+          <p:nvPr>
+            <p:ph idx="1"/>
+          </p:nvPr>
+        </p:nvSpPr>
+        <p:spPr>
+          <a:xfrm>
+            <a:off x="381000" y="990600"/>
+            <a:ext cx="8382000" cy="3886200"/>
+          </a:xfrm>
+        </p:spPr>
+        <p:txBody>
+          <a:bodyPr/>
+          <a:lstStyle/>
+          <a:p>
+            <a:pPr>
+              <a:buFont typeface="Wingdings" pitchFamily="2" charset="2"/>
+              <a:buChar char="v"/>
+            </a:pPr>
+            <a:r>
+              <a:rPr lang="en-US" dirty="0" smtClean="0"/>
+              <a:t> Post 1.0 releases will resume in a 2 month cycle.</a:t>
+            </a:r>
+          </a:p>
+          <a:p>
+            <a:pPr marL="0" indent="0">
+              <a:buNone/>
+            </a:pPr>
+            <a:endParaRPr lang="en-US" dirty="0" smtClean="0"/>
+          </a:p>
+          <a:p>
+            <a:pPr>
+              <a:buFont typeface="Wingdings" pitchFamily="2" charset="2"/>
+              <a:buChar char="v"/>
+            </a:pPr>
+            <a:r>
+              <a:rPr lang="en-US" dirty="0" smtClean="0"/>
+              <a:t> Visual Studio Integration</a:t>
+            </a:r>
+          </a:p>
+          <a:p>
+            <a:pPr lvl="1">
+              <a:buFont typeface="Wingdings" pitchFamily="2" charset="2"/>
+              <a:buChar char="Ø"/>
+            </a:pPr>
+            <a:r>
+              <a:rPr lang="en-US" dirty="0" smtClean="0"/>
+              <a:t> Colorization, code-completion, project system, cleaner debugger, REPL, etc.</a:t>
+            </a:r>
+            <a:endParaRPr lang="en-US" dirty="0"/>
+          </a:p>
+          <a:p>
+            <a:pPr lvl="1">
+              <a:buFont typeface="Wingdings" pitchFamily="2" charset="2"/>
+              <a:buChar char="Ø"/>
+            </a:pPr>
+            <a:r>
+              <a:rPr lang="en-US" dirty="0" smtClean="0"/>
+              <a:t> Largest requested VS2010 feature!</a:t>
+            </a:r>
+          </a:p>
+        </p:txBody>
+      </p:sp>
+    </p:spTree>
+    <p:extLst>
+      <p:ext uri="{BB962C8B-B14F-4D97-AF65-F5344CB8AC3E}">
+        <p14:creationId xmlns:p14="http://schemas.microsoft.com/office/powerpoint/2010/main" val="2449380266"/>
+      </p:ext>
+    </p:extLst>
+  </p:cSld>
+  <p:clrMapOvr>
+    <a:masterClrMapping/>
+  </p:clrMapOvr>
+  <p:timing>
+    <p:tnLst>
+      <p:par>
+        <p:cTn xmlns:p14="http://schemas.microsoft.com/office/powerpoint/2010/main" id="1" dur="indefinite" restart="never" nodeType="tmRoot"/>
+      </p:par>
+    </p:tnLst>
+  </p:timing>
+</p:sld>
+</file>
+
+<file path=ppt/slides/slide27.xml><?xml version="1.0" encoding="utf-8"?>
+<p:sld xmlns:a="http://schemas.openxmlformats.org/drawingml/2006/main" xmlns:r="http://schemas.openxmlformats.org/officeDocument/2006/relationships" xmlns:p="http://schemas.openxmlformats.org/presentationml/2006/main">
+  <p:cSld>
+    <p:spTree>
+      <p:nvGrpSpPr>
+        <p:cNvPr id="1" name=""/>
+        <p:cNvGrpSpPr/>
+        <p:nvPr/>
+      </p:nvGrpSpPr>
+      <p:grpSpPr>
+        <a:xfrm>
+          <a:off x="0" y="0"/>
+          <a:ext cx="0" cy="0"/>
+          <a:chOff x="0" y="0"/>
+          <a:chExt cx="0" cy="0"/>
+        </a:xfrm>
+      </p:grpSpPr>
+      <p:pic>
+        <p:nvPicPr>
+          <p:cNvPr id="4" name="Picture 3"/>
+          <p:cNvPicPr>
+            <a:picLocks noChangeAspect="1" noChangeArrowheads="1"/>
+          </p:cNvPicPr>
+          <p:nvPr/>
+        </p:nvPicPr>
+        <p:blipFill>
+          <a:blip r:embed="rId2">
+            <a:extLst>
+              <a:ext uri="{28A0092B-C50C-407E-A947-70E740481C1C}">
+                <a14:useLocalDpi xmlns:a14="http://schemas.microsoft.com/office/drawing/2010/main" val="0"/>
+              </a:ext>
+            </a:extLst>
+          </a:blip>
+          <a:srcRect/>
+          <a:stretch>
+            <a:fillRect/>
+          </a:stretch>
+        </p:blipFill>
+        <p:spPr bwMode="auto">
+          <a:xfrm>
+            <a:off x="0" y="1371600"/>
+            <a:ext cx="9174271" cy="3886200"/>
+          </a:xfrm>
+          <a:prstGeom prst="rect">
+            <a:avLst/>
+          </a:prstGeom>
+          <a:noFill/>
+          <a:ln>
+            <a:noFill/>
+          </a:ln>
+          <a:effectLst/>
+          <a:extLst>
+            <a:ext uri="{909E8E84-426E-40DD-AFC4-6F175D3DCCD1}">
+              <a14:hiddenFill xmlns:a14="http://schemas.microsoft.com/office/drawing/2010/main">
+                <a:solidFill>
+                  <a:schemeClr val="accent1"/>
+                </a:solidFill>
+              </a14:hiddenFill>
+            </a:ext>
+            <a:ext uri="{91240B29-F687-4F45-9708-019B960494DF}">
+              <a14:hiddenLine xmlns:a14="http://schemas.microsoft.com/office/drawing/2010/main" w="9525">
+                <a:solidFill>
+                  <a:schemeClr val="tx1"/>
+                </a:solidFill>
+                <a:miter lim="800000"/>
+                <a:headEnd/>
+                <a:tailEnd/>
+              </a14:hiddenLine>
+            </a:ext>
+            <a:ext uri="{AF507438-7753-43E0-B8FC-AC1667EBCBE1}">
+              <a14:hiddenEffects xmlns:a14="http://schemas.microsoft.com/office/drawing/2010/main">
+                <a:effectLst>
+                  <a:outerShdw dist="35921" dir="2700000" algn="ctr" rotWithShape="0">
+                    <a:schemeClr val="bg2"/>
+                  </a:outerShdw>
+                </a:effectLst>
+              </a14:hiddenEffects>
+            </a:ext>
+          </a:extLst>
+        </p:spPr>
+      </p:pic>
+    </p:spTree>
+    <p:extLst>
+      <p:ext uri="{BB962C8B-B14F-4D97-AF65-F5344CB8AC3E}">
+        <p14:creationId xmlns:p14="http://schemas.microsoft.com/office/powerpoint/2010/main" val="780564518"/>
+      </p:ext>
+    </p:extLst>
+  </p:cSld>
+  <p:clrMapOvr>
+    <a:masterClrMapping/>
+  </p:clrMapOvr>
+  <p:timing>
+    <p:tnLst>
+      <p:par>
+        <p:cTn xmlns:p14="http://schemas.microsoft.com/office/powerpoint/2010/main" id="1" dur="indefinite" restart="never" nodeType="tmRoot"/>
+      </p:par>
+    </p:tnLst>
+  </p:timing>
+</p:sld>
+</file>
+
+<file path=ppt/slides/slide28.xml><?xml version="1.0" encoding="utf-8"?>
+<p:sld xmlns:a="http://schemas.openxmlformats.org/drawingml/2006/main" xmlns:r="http://schemas.openxmlformats.org/officeDocument/2006/relationships" xmlns:p="http://schemas.openxmlformats.org/presentationml/2006/main">
+  <p:cSld>
+    <p:spTree>
+      <p:nvGrpSpPr>
+        <p:cNvPr id="1" name=""/>
+        <p:cNvGrpSpPr/>
+        <p:nvPr/>
+      </p:nvGrpSpPr>
+      <p:grpSpPr>
+        <a:xfrm>
+          <a:off x="0" y="0"/>
+          <a:ext cx="0" cy="0"/>
+          <a:chOff x="0" y="0"/>
+          <a:chExt cx="0" cy="0"/>
+        </a:xfrm>
+      </p:grpSpPr>
+      <p:sp>
+        <p:nvSpPr>
+          <p:cNvPr id="2" name="Title 1"/>
+          <p:cNvSpPr>
+            <a:spLocks noGrp="1"/>
+          </p:cNvSpPr>
+          <p:nvPr>
+            <p:ph type="title"/>
+          </p:nvPr>
+        </p:nvSpPr>
+        <p:spPr/>
+        <p:txBody>
+          <a:bodyPr/>
+          <a:lstStyle/>
+          <a:p>
+            <a:r>
+              <a:rPr lang="en-US" dirty="0" err="1"/>
+              <a:t>i</a:t>
+            </a:r>
+            <a:r>
+              <a:rPr lang="en-US" dirty="0" err="1" smtClean="0"/>
+              <a:t>ronruby-contrib</a:t>
+            </a:r>
+            <a:endParaRPr lang="en-US" dirty="0"/>
+          </a:p>
+        </p:txBody>
+      </p:sp>
+      <p:sp>
+        <p:nvSpPr>
+          <p:cNvPr id="3" name="Content Placeholder 2"/>
+          <p:cNvSpPr>
+            <a:spLocks noGrp="1"/>
+          </p:cNvSpPr>
+          <p:nvPr>
+            <p:ph idx="1"/>
+          </p:nvPr>
+        </p:nvSpPr>
+        <p:spPr>
+          <a:xfrm>
+            <a:off x="381000" y="1143000"/>
+            <a:ext cx="8382000" cy="5257800"/>
+          </a:xfrm>
+        </p:spPr>
+        <p:txBody>
+          <a:bodyPr>
+            <a:normAutofit lnSpcReduction="10000"/>
+          </a:bodyPr>
+          <a:lstStyle/>
+          <a:p>
+            <a:pPr marL="0" lvl="0" indent="0">
+              <a:buNone/>
+            </a:pPr>
+            <a:r>
+              <a:rPr lang="en-US" dirty="0"/>
+              <a:t>c</a:t>
+            </a:r>
+            <a:r>
+              <a:rPr lang="en-US" dirty="0" smtClean="0"/>
+              <a:t>ucumber </a:t>
+            </a:r>
+            <a:r>
+              <a:rPr lang="en-US" sz="2600" dirty="0">
+                <a:solidFill>
+                  <a:schemeClr val="tx1">
+                    <a:lumMod val="50000"/>
+                    <a:lumOff val="50000"/>
+                  </a:schemeClr>
+                </a:solidFill>
+              </a:rPr>
+              <a:t>on .NET with </a:t>
+            </a:r>
+            <a:r>
+              <a:rPr lang="en-US" sz="2600" dirty="0" err="1">
+                <a:solidFill>
+                  <a:schemeClr val="tx1">
+                    <a:lumMod val="50000"/>
+                    <a:lumOff val="50000"/>
+                  </a:schemeClr>
+                </a:solidFill>
+              </a:rPr>
+              <a:t>IronRuby</a:t>
+            </a:r>
+            <a:endParaRPr lang="en-US" sz="2600" dirty="0">
+              <a:solidFill>
+                <a:schemeClr val="tx1">
+                  <a:lumMod val="50000"/>
+                  <a:lumOff val="50000"/>
+                </a:schemeClr>
+              </a:solidFill>
+            </a:endParaRPr>
+          </a:p>
+          <a:p>
+            <a:pPr marL="0" lvl="0" indent="0">
+              <a:buNone/>
+            </a:pPr>
+            <a:r>
+              <a:rPr lang="en-US" dirty="0"/>
+              <a:t>c</a:t>
+            </a:r>
+            <a:r>
+              <a:rPr lang="en-US" dirty="0" smtClean="0"/>
+              <a:t>aricature </a:t>
+            </a:r>
+            <a:r>
+              <a:rPr lang="en-US" sz="2600" dirty="0" smtClean="0">
+                <a:solidFill>
+                  <a:schemeClr val="tx1">
+                    <a:lumMod val="50000"/>
+                    <a:lumOff val="50000"/>
+                  </a:schemeClr>
+                </a:solidFill>
+              </a:rPr>
+              <a:t> </a:t>
+            </a:r>
+            <a:r>
+              <a:rPr lang="en-US" sz="2600" dirty="0">
+                <a:solidFill>
+                  <a:schemeClr val="tx1">
+                    <a:lumMod val="50000"/>
+                    <a:lumOff val="50000"/>
+                  </a:schemeClr>
+                </a:solidFill>
+              </a:rPr>
+              <a:t>Mocking static types with </a:t>
+            </a:r>
+            <a:r>
+              <a:rPr lang="en-US" sz="2600" dirty="0" err="1">
+                <a:solidFill>
+                  <a:schemeClr val="tx1">
+                    <a:lumMod val="50000"/>
+                    <a:lumOff val="50000"/>
+                  </a:schemeClr>
+                </a:solidFill>
+              </a:rPr>
+              <a:t>IronRuby</a:t>
+            </a:r>
+            <a:endParaRPr lang="en-US" sz="2600" dirty="0">
+              <a:solidFill>
+                <a:schemeClr val="tx1">
+                  <a:lumMod val="50000"/>
+                  <a:lumOff val="50000"/>
+                </a:schemeClr>
+              </a:solidFill>
+            </a:endParaRPr>
+          </a:p>
+          <a:p>
+            <a:pPr marL="0" lvl="0" indent="0">
+              <a:buNone/>
+            </a:pPr>
+            <a:r>
+              <a:rPr lang="en-US" dirty="0" err="1"/>
+              <a:t>i</a:t>
+            </a:r>
+            <a:r>
+              <a:rPr lang="en-US" dirty="0" err="1" smtClean="0"/>
+              <a:t>ronruby.rack</a:t>
+            </a:r>
+            <a:r>
+              <a:rPr lang="en-US" dirty="0" smtClean="0"/>
+              <a:t> </a:t>
+            </a:r>
+            <a:r>
+              <a:rPr lang="en-US" sz="2600" dirty="0" smtClean="0">
+                <a:solidFill>
+                  <a:schemeClr val="tx1">
+                    <a:lumMod val="50000"/>
+                    <a:lumOff val="50000"/>
+                  </a:schemeClr>
+                </a:solidFill>
+              </a:rPr>
+              <a:t>rack-based </a:t>
+            </a:r>
+            <a:r>
+              <a:rPr lang="en-US" sz="2600" dirty="0">
+                <a:solidFill>
+                  <a:schemeClr val="tx1">
+                    <a:lumMod val="50000"/>
+                    <a:lumOff val="50000"/>
+                  </a:schemeClr>
+                </a:solidFill>
+              </a:rPr>
+              <a:t>web apps on IIS</a:t>
+            </a:r>
+          </a:p>
+          <a:p>
+            <a:pPr marL="0" lvl="0" indent="0">
+              <a:buNone/>
+            </a:pPr>
+            <a:r>
+              <a:rPr lang="en-US" dirty="0" err="1"/>
+              <a:t>ironruby-dbi</a:t>
+            </a:r>
+            <a:r>
+              <a:rPr lang="en-US" dirty="0"/>
+              <a:t> </a:t>
+            </a:r>
+            <a:r>
+              <a:rPr lang="en-US" sz="2600" dirty="0" smtClean="0">
+                <a:solidFill>
+                  <a:schemeClr val="tx1">
+                    <a:lumMod val="50000"/>
+                    <a:lumOff val="50000"/>
+                  </a:schemeClr>
+                </a:solidFill>
+              </a:rPr>
+              <a:t> </a:t>
+            </a:r>
+            <a:r>
+              <a:rPr lang="en-US" sz="2600" dirty="0">
+                <a:solidFill>
+                  <a:schemeClr val="tx1">
+                    <a:lumMod val="50000"/>
+                    <a:lumOff val="50000"/>
+                  </a:schemeClr>
+                </a:solidFill>
+              </a:rPr>
+              <a:t>port of </a:t>
+            </a:r>
+            <a:r>
+              <a:rPr lang="en-US" sz="2600" dirty="0" err="1">
+                <a:solidFill>
+                  <a:schemeClr val="tx1">
+                    <a:lumMod val="50000"/>
+                    <a:lumOff val="50000"/>
+                  </a:schemeClr>
+                </a:solidFill>
+              </a:rPr>
+              <a:t>dbi</a:t>
+            </a:r>
+            <a:r>
+              <a:rPr lang="en-US" sz="2600" dirty="0">
+                <a:solidFill>
+                  <a:schemeClr val="tx1">
+                    <a:lumMod val="50000"/>
+                    <a:lumOff val="50000"/>
+                  </a:schemeClr>
+                </a:solidFill>
+              </a:rPr>
+              <a:t> – enables </a:t>
+            </a:r>
+            <a:r>
+              <a:rPr lang="en-US" sz="2600" dirty="0" smtClean="0">
+                <a:solidFill>
+                  <a:schemeClr val="tx1">
+                    <a:lumMod val="50000"/>
+                    <a:lumOff val="50000"/>
+                  </a:schemeClr>
+                </a:solidFill>
+              </a:rPr>
+              <a:t>current </a:t>
+            </a:r>
+            <a:r>
+              <a:rPr lang="en-US" sz="2600" dirty="0" err="1" smtClean="0">
+                <a:solidFill>
+                  <a:schemeClr val="tx1">
+                    <a:lumMod val="50000"/>
+                    <a:lumOff val="50000"/>
+                  </a:schemeClr>
+                </a:solidFill>
+              </a:rPr>
+              <a:t>ActiveRecord</a:t>
+            </a:r>
+            <a:r>
+              <a:rPr lang="en-US" sz="2600" dirty="0" smtClean="0">
+                <a:solidFill>
+                  <a:schemeClr val="tx1">
+                    <a:lumMod val="50000"/>
+                    <a:lumOff val="50000"/>
+                  </a:schemeClr>
+                </a:solidFill>
+              </a:rPr>
+              <a:t>/</a:t>
+            </a:r>
+            <a:r>
+              <a:rPr lang="en-US" sz="2600" dirty="0" err="1" smtClean="0">
+                <a:solidFill>
+                  <a:schemeClr val="tx1">
+                    <a:lumMod val="50000"/>
+                    <a:lumOff val="50000"/>
+                  </a:schemeClr>
+                </a:solidFill>
+              </a:rPr>
+              <a:t>DataMapper</a:t>
+            </a:r>
+            <a:r>
+              <a:rPr lang="en-US" sz="2600" dirty="0" smtClean="0">
+                <a:solidFill>
+                  <a:schemeClr val="tx1">
+                    <a:lumMod val="50000"/>
+                    <a:lumOff val="50000"/>
+                  </a:schemeClr>
+                </a:solidFill>
+              </a:rPr>
+              <a:t> </a:t>
+            </a:r>
+            <a:r>
+              <a:rPr lang="en-US" sz="2600" dirty="0" err="1">
+                <a:solidFill>
+                  <a:schemeClr val="tx1">
+                    <a:lumMod val="50000"/>
+                    <a:lumOff val="50000"/>
+                  </a:schemeClr>
+                </a:solidFill>
+              </a:rPr>
+              <a:t>SQLServer</a:t>
+            </a:r>
+            <a:r>
+              <a:rPr lang="en-US" sz="2600" dirty="0">
+                <a:solidFill>
+                  <a:schemeClr val="tx1">
+                    <a:lumMod val="50000"/>
+                    <a:lumOff val="50000"/>
+                  </a:schemeClr>
+                </a:solidFill>
+              </a:rPr>
+              <a:t>/SQLite# to just work with </a:t>
+            </a:r>
+            <a:r>
+              <a:rPr lang="en-US" sz="2600" dirty="0" err="1">
+                <a:solidFill>
+                  <a:schemeClr val="tx1">
+                    <a:lumMod val="50000"/>
+                    <a:lumOff val="50000"/>
+                  </a:schemeClr>
+                </a:solidFill>
+              </a:rPr>
+              <a:t>IronRuby</a:t>
+            </a:r>
+            <a:endParaRPr lang="en-US" sz="2600" dirty="0">
+              <a:solidFill>
+                <a:schemeClr val="tx1">
+                  <a:lumMod val="50000"/>
+                  <a:lumOff val="50000"/>
+                </a:schemeClr>
+              </a:solidFill>
+            </a:endParaRPr>
+          </a:p>
+          <a:p>
+            <a:pPr marL="0" lvl="0" indent="0">
+              <a:buNone/>
+            </a:pPr>
+            <a:r>
+              <a:rPr lang="en-US" dirty="0" err="1" smtClean="0"/>
+              <a:t>ironmvc</a:t>
+            </a:r>
+            <a:r>
+              <a:rPr lang="en-US" dirty="0" smtClean="0"/>
+              <a:t> </a:t>
+            </a:r>
+            <a:r>
+              <a:rPr lang="en-US" sz="2600" dirty="0" smtClean="0">
+                <a:solidFill>
+                  <a:schemeClr val="tx1">
+                    <a:lumMod val="50000"/>
+                    <a:lumOff val="50000"/>
+                  </a:schemeClr>
+                </a:solidFill>
+              </a:rPr>
+              <a:t> </a:t>
+            </a:r>
+            <a:r>
+              <a:rPr lang="en-US" sz="2600" dirty="0" err="1">
+                <a:solidFill>
+                  <a:schemeClr val="tx1">
+                    <a:lumMod val="50000"/>
+                    <a:lumOff val="50000"/>
+                  </a:schemeClr>
+                </a:solidFill>
+              </a:rPr>
+              <a:t>IronRuby</a:t>
+            </a:r>
+            <a:r>
+              <a:rPr lang="en-US" sz="2600" dirty="0">
+                <a:solidFill>
+                  <a:schemeClr val="tx1">
+                    <a:lumMod val="50000"/>
+                    <a:lumOff val="50000"/>
+                  </a:schemeClr>
+                </a:solidFill>
+              </a:rPr>
+              <a:t> support for ASP.NET </a:t>
+            </a:r>
+            <a:r>
+              <a:rPr lang="en-US" sz="2600" dirty="0" smtClean="0">
+                <a:solidFill>
+                  <a:schemeClr val="tx1">
+                    <a:lumMod val="50000"/>
+                    <a:lumOff val="50000"/>
+                  </a:schemeClr>
+                </a:solidFill>
+              </a:rPr>
+              <a:t>MVC applications</a:t>
+            </a:r>
+            <a:endParaRPr lang="en-US" sz="2600" dirty="0">
+              <a:solidFill>
+                <a:schemeClr val="tx1">
+                  <a:lumMod val="50000"/>
+                  <a:lumOff val="50000"/>
+                </a:schemeClr>
+              </a:solidFill>
+            </a:endParaRPr>
+          </a:p>
+          <a:p>
+            <a:pPr marL="0" lvl="0" indent="0">
+              <a:buNone/>
+            </a:pPr>
+            <a:r>
+              <a:rPr lang="en-US" dirty="0"/>
+              <a:t>g</a:t>
+            </a:r>
+            <a:r>
+              <a:rPr lang="en-US" dirty="0" smtClean="0"/>
+              <a:t>estalt </a:t>
+            </a:r>
+            <a:r>
+              <a:rPr lang="en-US" sz="2400" dirty="0" smtClean="0">
+                <a:solidFill>
+                  <a:schemeClr val="tx1">
+                    <a:lumMod val="50000"/>
+                    <a:lumOff val="50000"/>
+                  </a:schemeClr>
+                </a:solidFill>
+              </a:rPr>
+              <a:t> </a:t>
+            </a:r>
+            <a:r>
+              <a:rPr lang="en-US" sz="2400" dirty="0">
+                <a:solidFill>
+                  <a:schemeClr val="tx1">
+                    <a:lumMod val="50000"/>
+                    <a:lumOff val="50000"/>
+                  </a:schemeClr>
+                </a:solidFill>
+              </a:rPr>
+              <a:t>replacing JavaScript with Ruby (now merged into </a:t>
+            </a:r>
+            <a:r>
+              <a:rPr lang="en-US" sz="2400" dirty="0" err="1">
+                <a:solidFill>
+                  <a:schemeClr val="tx1">
+                    <a:lumMod val="50000"/>
+                    <a:lumOff val="50000"/>
+                  </a:schemeClr>
+                </a:solidFill>
+              </a:rPr>
+              <a:t>IronRuby</a:t>
+            </a:r>
+            <a:r>
+              <a:rPr lang="en-US" sz="2400" dirty="0">
+                <a:solidFill>
+                  <a:schemeClr val="tx1">
+                    <a:lumMod val="50000"/>
+                    <a:lumOff val="50000"/>
+                  </a:schemeClr>
+                </a:solidFill>
+              </a:rPr>
+              <a:t>)</a:t>
+            </a:r>
+          </a:p>
+          <a:p>
+            <a:pPr marL="0" indent="0">
+              <a:buNone/>
+            </a:pPr>
+            <a:r>
+              <a:rPr lang="en-US" dirty="0"/>
+              <a:t>m</a:t>
+            </a:r>
+            <a:r>
+              <a:rPr lang="en-US" dirty="0" smtClean="0"/>
+              <a:t>agic</a:t>
+            </a:r>
+            <a:r>
+              <a:rPr lang="en-US" sz="2400" dirty="0" smtClean="0">
+                <a:solidFill>
+                  <a:schemeClr val="tx1">
+                    <a:lumMod val="50000"/>
+                    <a:lumOff val="50000"/>
+                  </a:schemeClr>
+                </a:solidFill>
+              </a:rPr>
+              <a:t>  </a:t>
+            </a:r>
+            <a:r>
+              <a:rPr lang="en-US" sz="2400" dirty="0">
+                <a:solidFill>
+                  <a:schemeClr val="tx1">
+                    <a:lumMod val="50000"/>
+                    <a:lumOff val="50000"/>
+                  </a:schemeClr>
+                </a:solidFill>
+              </a:rPr>
+              <a:t>a UI framework for </a:t>
+            </a:r>
+            <a:r>
+              <a:rPr lang="en-US" sz="2400" dirty="0" smtClean="0">
+                <a:solidFill>
+                  <a:schemeClr val="tx1">
+                    <a:lumMod val="50000"/>
+                    <a:lumOff val="50000"/>
+                  </a:schemeClr>
+                </a:solidFill>
+              </a:rPr>
+              <a:t>Ruby</a:t>
+            </a:r>
+            <a:endParaRPr lang="en-US" sz="2400" dirty="0">
+              <a:solidFill>
+                <a:schemeClr val="tx1">
+                  <a:lumMod val="50000"/>
+                  <a:lumOff val="50000"/>
+                </a:schemeClr>
+              </a:solidFill>
+            </a:endParaRPr>
+          </a:p>
+        </p:txBody>
+      </p:sp>
+    </p:spTree>
+    <p:extLst>
+      <p:ext uri="{BB962C8B-B14F-4D97-AF65-F5344CB8AC3E}">
+        <p14:creationId xmlns:p14="http://schemas.microsoft.com/office/powerpoint/2010/main" val="472055473"/>
+      </p:ext>
+    </p:extLst>
+  </p:cSld>
+  <p:clrMapOvr>
+    <a:masterClrMapping/>
+  </p:clrMapOvr>
+  <p:timing>
+    <p:tnLst>
+      <p:par>
+        <p:cTn xmlns:p14="http://schemas.microsoft.com/office/powerpoint/2010/main" id="1" dur="indefinite" restart="never" nodeType="tmRoot"/>
+      </p:par>
+    </p:tnLst>
+  </p:timing>
+</p:sld>
+</file>
+
+<file path=ppt/slides/slide29.xml><?xml version="1.0" encoding="utf-8"?>
+<p:sld xmlns:a="http://schemas.openxmlformats.org/drawingml/2006/main" xmlns:r="http://schemas.openxmlformats.org/officeDocument/2006/relationships" xmlns:p="http://schemas.openxmlformats.org/presentationml/2006/main">
+  <p:cSld>
+    <p:spTree>
+      <p:nvGrpSpPr>
+        <p:cNvPr id="1" name=""/>
+        <p:cNvGrpSpPr/>
+        <p:nvPr/>
+      </p:nvGrpSpPr>
+      <p:grpSpPr>
+        <a:xfrm>
+          <a:off x="0" y="0"/>
+          <a:ext cx="0" cy="0"/>
+          <a:chOff x="0" y="0"/>
+          <a:chExt cx="0" cy="0"/>
+        </a:xfrm>
+      </p:grpSpPr>
+      <p:sp>
+        <p:nvSpPr>
+          <p:cNvPr id="2" name="Title 1"/>
+          <p:cNvSpPr>
+            <a:spLocks noGrp="1"/>
+          </p:cNvSpPr>
+          <p:nvPr>
+            <p:ph type="ctrTitle"/>
+          </p:nvPr>
+        </p:nvSpPr>
+        <p:spPr>
+          <a:xfrm>
+            <a:off x="609600" y="2130425"/>
+            <a:ext cx="7924800" cy="1470025"/>
+          </a:xfrm>
+        </p:spPr>
+        <p:txBody>
+          <a:bodyPr>
+            <a:noAutofit/>
+          </a:bodyPr>
+          <a:lstStyle/>
+          <a:p>
+            <a:r>
+              <a:rPr lang="en-US" sz="9600" dirty="0" smtClean="0"/>
+              <a:t>Questions?</a:t>
+            </a:r>
+            <a:endParaRPr lang="en-US" sz="9600" dirty="0"/>
+          </a:p>
+        </p:txBody>
+      </p:sp>
+      <p:sp>
+        <p:nvSpPr>
+          <p:cNvPr id="3" name="Subtitle 2"/>
+          <p:cNvSpPr>
+            <a:spLocks noGrp="1"/>
+          </p:cNvSpPr>
+          <p:nvPr>
+            <p:ph type="subTitle" idx="1"/>
+          </p:nvPr>
+        </p:nvSpPr>
+        <p:spPr>
+          <a:xfrm>
+            <a:off x="609600" y="3886200"/>
+            <a:ext cx="7848600" cy="1752600"/>
+          </a:xfrm>
+        </p:spPr>
+        <p:txBody>
+          <a:bodyPr/>
+          <a:lstStyle/>
+          <a:p>
+            <a:pPr algn="l"/>
+            <a:r>
+              <a:rPr lang="en-US" dirty="0"/>
+              <a:t>i</a:t>
+            </a:r>
+            <a:r>
+              <a:rPr lang="en-US" dirty="0" smtClean="0"/>
+              <a:t>ronruby.net</a:t>
+            </a:r>
+            <a:endParaRPr lang="en-US" dirty="0"/>
+          </a:p>
+          <a:p>
+            <a:pPr algn="l"/>
+            <a:r>
+              <a:rPr lang="en-US" dirty="0" smtClean="0"/>
+              <a:t>jimmy.schementi.com/blog</a:t>
+            </a:r>
+          </a:p>
+          <a:p>
+            <a:pPr algn="r"/>
+            <a:endParaRPr lang="en-US" dirty="0" smtClean="0"/>
+          </a:p>
+        </p:txBody>
+      </p:sp>
+    </p:spTree>
+    <p:extLst>
+      <p:ext uri="{BB962C8B-B14F-4D97-AF65-F5344CB8AC3E}">
+        <p14:creationId xmlns:p14="http://schemas.microsoft.com/office/powerpoint/2010/main" val="96299591"/>
+      </p:ext>
+    </p:extLst>
+  </p:cSld>
+  <p:clrMapOvr>
+    <a:masterClrMapping/>
+  </p:clrMapOvr>
+  <p:timing>
+    <p:tnLst>
+      <p:par>
+        <p:cTn xmlns:p14="http://schemas.microsoft.com/office/powerpoint/2010/main" id="1" dur="indefinite" restart="never" nodeType="tmRoot"/>
+      </p:par>
+    </p:tnLst>
+  </p:timing>
+</p:sld>
+</file>
+
+<file path=ppt/slides/slide3.xml><?xml version="1.0" encoding="utf-8"?>
 <p:sld xmlns:a="http://schemas.openxmlformats.org/drawingml/2006/main" xmlns:r="http://schemas.openxmlformats.org/officeDocument/2006/relationships" xmlns:p="http://schemas.openxmlformats.org/presentationml/2006/main">
   <p:cSld>
     <p:spTree>
@@ -9371,2078 +12181,7 @@
 </p:sld>
 </file>
 
-<file path=ppt/slides/slide20.xml><?xml version="1.0" encoding="utf-8"?>
-<p:sld xmlns:a="http://schemas.openxmlformats.org/drawingml/2006/main" xmlns:r="http://schemas.openxmlformats.org/officeDocument/2006/relationships" xmlns:p="http://schemas.openxmlformats.org/presentationml/2006/main">
-  <p:cSld>
-    <p:spTree>
-      <p:nvGrpSpPr>
-        <p:cNvPr id="1" name=""/>
-        <p:cNvGrpSpPr/>
-        <p:nvPr/>
-      </p:nvGrpSpPr>
-      <p:grpSpPr>
-        <a:xfrm>
-          <a:off x="0" y="0"/>
-          <a:ext cx="0" cy="0"/>
-          <a:chOff x="0" y="0"/>
-          <a:chExt cx="0" cy="0"/>
-        </a:xfrm>
-      </p:grpSpPr>
-      <p:sp>
-        <p:nvSpPr>
-          <p:cNvPr id="2" name="Title 1"/>
-          <p:cNvSpPr>
-            <a:spLocks noGrp="1"/>
-          </p:cNvSpPr>
-          <p:nvPr>
-            <p:ph type="ctrTitle"/>
-          </p:nvPr>
-        </p:nvSpPr>
-        <p:spPr>
-          <a:xfrm>
-            <a:off x="609600" y="2130425"/>
-            <a:ext cx="7924800" cy="1470025"/>
-          </a:xfrm>
-        </p:spPr>
-        <p:txBody>
-          <a:bodyPr>
-            <a:noAutofit/>
-          </a:bodyPr>
-          <a:lstStyle/>
-          <a:p>
-            <a:r>
-              <a:rPr lang="en-US" sz="6600" dirty="0" err="1" smtClean="0"/>
-              <a:t>IronRuby</a:t>
-            </a:r>
-            <a:r>
-              <a:rPr lang="en-US" sz="6600" dirty="0" smtClean="0"/>
-              <a:t> 1.0 RC1</a:t>
-            </a:r>
-            <a:endParaRPr lang="en-US" sz="6600" dirty="0"/>
-          </a:p>
-        </p:txBody>
-      </p:sp>
-      <p:sp>
-        <p:nvSpPr>
-          <p:cNvPr id="4" name="Subtitle 3"/>
-          <p:cNvSpPr>
-            <a:spLocks noGrp="1"/>
-          </p:cNvSpPr>
-          <p:nvPr>
-            <p:ph type="subTitle" idx="1"/>
-          </p:nvPr>
-        </p:nvSpPr>
-        <p:spPr>
-          <a:xfrm>
-            <a:off x="609600" y="3886200"/>
-            <a:ext cx="8534400" cy="1752600"/>
-          </a:xfrm>
-        </p:spPr>
-        <p:txBody>
-          <a:bodyPr/>
-          <a:lstStyle/>
-          <a:p>
-            <a:pPr algn="l"/>
-            <a:r>
-              <a:rPr lang="en-US" dirty="0" smtClean="0"/>
-              <a:t>http://ironruby.net/download</a:t>
-            </a:r>
-            <a:endParaRPr lang="en-US" dirty="0"/>
-          </a:p>
-        </p:txBody>
-      </p:sp>
-    </p:spTree>
-    <p:extLst>
-      <p:ext uri="{BB962C8B-B14F-4D97-AF65-F5344CB8AC3E}">
-        <p14:creationId xmlns:p14="http://schemas.microsoft.com/office/powerpoint/2010/main" val="404952260"/>
-      </p:ext>
-    </p:extLst>
-  </p:cSld>
-  <p:clrMapOvr>
-    <a:masterClrMapping/>
-  </p:clrMapOvr>
-  <p:timing>
-    <p:tnLst>
-      <p:par>
-        <p:cTn xmlns:p14="http://schemas.microsoft.com/office/powerpoint/2010/main" id="1" dur="indefinite" restart="never" nodeType="tmRoot"/>
-      </p:par>
-    </p:tnLst>
-  </p:timing>
-</p:sld>
-</file>
-
-<file path=ppt/slides/slide21.xml><?xml version="1.0" encoding="utf-8"?>
-<p:sld xmlns:a="http://schemas.openxmlformats.org/drawingml/2006/main" xmlns:r="http://schemas.openxmlformats.org/officeDocument/2006/relationships" xmlns:p="http://schemas.openxmlformats.org/presentationml/2006/main">
-  <p:cSld>
-    <p:spTree>
-      <p:nvGrpSpPr>
-        <p:cNvPr id="1" name=""/>
-        <p:cNvGrpSpPr/>
-        <p:nvPr/>
-      </p:nvGrpSpPr>
-      <p:grpSpPr>
-        <a:xfrm>
-          <a:off x="0" y="0"/>
-          <a:ext cx="0" cy="0"/>
-          <a:chOff x="0" y="0"/>
-          <a:chExt cx="0" cy="0"/>
-        </a:xfrm>
-      </p:grpSpPr>
-      <p:sp>
-        <p:nvSpPr>
-          <p:cNvPr id="3" name="Content Placeholder 2"/>
-          <p:cNvSpPr>
-            <a:spLocks noGrp="1"/>
-          </p:cNvSpPr>
-          <p:nvPr>
-            <p:ph idx="1"/>
-          </p:nvPr>
-        </p:nvSpPr>
-        <p:spPr>
-          <a:xfrm>
-            <a:off x="381000" y="0"/>
-            <a:ext cx="8382000" cy="6858000"/>
-          </a:xfrm>
-        </p:spPr>
-        <p:txBody>
-          <a:bodyPr anchor="ctr">
-            <a:normAutofit fontScale="92500" lnSpcReduction="20000"/>
-          </a:bodyPr>
-          <a:lstStyle/>
-          <a:p>
-            <a:pPr marL="0" indent="0">
-              <a:buNone/>
-            </a:pPr>
-            <a:r>
-              <a:rPr lang="en-US" sz="4300" dirty="0" smtClean="0"/>
-              <a:t>Performance</a:t>
-            </a:r>
-          </a:p>
-          <a:p>
-            <a:pPr lvl="1">
-              <a:buFont typeface="Wingdings" pitchFamily="2" charset="2"/>
-              <a:buChar char="v"/>
-            </a:pPr>
-            <a:r>
-              <a:rPr lang="en-US" sz="3000" dirty="0" smtClean="0"/>
-              <a:t> Goal: </a:t>
-            </a:r>
-            <a:r>
-              <a:rPr lang="en-US" sz="3000" i="1" dirty="0" smtClean="0"/>
-              <a:t>faster</a:t>
-            </a:r>
-            <a:r>
-              <a:rPr lang="en-US" sz="3000" dirty="0" smtClean="0"/>
-              <a:t> than MRI</a:t>
-            </a:r>
-          </a:p>
-          <a:p>
-            <a:pPr lvl="1">
-              <a:buFont typeface="Wingdings" pitchFamily="2" charset="2"/>
-              <a:buChar char="v"/>
-            </a:pPr>
-            <a:r>
-              <a:rPr lang="en-US" sz="3000" dirty="0"/>
-              <a:t> </a:t>
-            </a:r>
-            <a:r>
-              <a:rPr lang="en-US" sz="3000" dirty="0" smtClean="0"/>
-              <a:t>Goal: within order-of-magnitude of </a:t>
-            </a:r>
-            <a:r>
-              <a:rPr lang="en-US" sz="3000" dirty="0" err="1" smtClean="0"/>
-              <a:t>JRuby</a:t>
-            </a:r>
-            <a:endParaRPr lang="en-US" sz="3000" dirty="0"/>
-          </a:p>
-          <a:p>
-            <a:pPr marL="457200" lvl="1" indent="0">
-              <a:buNone/>
-            </a:pPr>
-            <a:endParaRPr lang="en-US" sz="3000" dirty="0" smtClean="0"/>
-          </a:p>
-          <a:p>
-            <a:pPr marL="0" indent="0">
-              <a:buNone/>
-            </a:pPr>
-            <a:r>
-              <a:rPr lang="en-US" dirty="0" smtClean="0"/>
-              <a:t>Throughput</a:t>
-            </a:r>
-          </a:p>
-          <a:p>
-            <a:pPr lvl="1">
-              <a:buFont typeface="Wingdings" pitchFamily="2" charset="2"/>
-              <a:buChar char="v"/>
-            </a:pPr>
-            <a:r>
-              <a:rPr lang="en-US" dirty="0" smtClean="0"/>
-              <a:t> Example: ruby-benchmark-suite</a:t>
-            </a:r>
-          </a:p>
-          <a:p>
-            <a:pPr lvl="1">
-              <a:buFont typeface="Wingdings" pitchFamily="2" charset="2"/>
-              <a:buChar char="v"/>
-            </a:pPr>
-            <a:r>
-              <a:rPr lang="en-US" dirty="0" smtClean="0"/>
-              <a:t> </a:t>
-            </a:r>
-            <a:r>
-              <a:rPr lang="en-US" dirty="0" smtClean="0">
-                <a:solidFill>
-                  <a:srgbClr xmlns:mc="http://schemas.openxmlformats.org/markup-compatibility/2006" xmlns:a14="http://schemas.microsoft.com/office/drawing/2010/main" val="00FF00" mc:Ignorable=""/>
-                </a:solidFill>
-              </a:rPr>
-              <a:t>2x</a:t>
-            </a:r>
-            <a:r>
-              <a:rPr lang="en-US" dirty="0" smtClean="0"/>
-              <a:t> faster than MRI via </a:t>
-            </a:r>
-            <a:r>
-              <a:rPr lang="en-US" dirty="0" err="1" smtClean="0"/>
-              <a:t>RubyInstaller</a:t>
-            </a:r>
-            <a:endParaRPr lang="en-US" dirty="0" smtClean="0"/>
-          </a:p>
-          <a:p>
-            <a:pPr lvl="1">
-              <a:buFont typeface="Wingdings" pitchFamily="2" charset="2"/>
-              <a:buChar char="v"/>
-            </a:pPr>
-            <a:r>
-              <a:rPr lang="en-US" dirty="0"/>
-              <a:t> </a:t>
-            </a:r>
-            <a:r>
-              <a:rPr lang="en-US" dirty="0" smtClean="0">
-                <a:solidFill>
-                  <a:srgbClr xmlns:mc="http://schemas.openxmlformats.org/markup-compatibility/2006" xmlns:a14="http://schemas.microsoft.com/office/drawing/2010/main" val="00FF00" mc:Ignorable=""/>
-                </a:solidFill>
-              </a:rPr>
-              <a:t>6x</a:t>
-            </a:r>
-            <a:r>
-              <a:rPr lang="en-US" dirty="0" smtClean="0"/>
-              <a:t> faster than MRI via One-Click Installer</a:t>
-            </a:r>
-          </a:p>
-          <a:p>
-            <a:pPr lvl="1">
-              <a:buFont typeface="Wingdings" pitchFamily="2" charset="2"/>
-              <a:buChar char="v"/>
-            </a:pPr>
-            <a:r>
-              <a:rPr lang="en-US" dirty="0"/>
-              <a:t> </a:t>
-            </a:r>
-            <a:r>
-              <a:rPr lang="en-US" dirty="0" smtClean="0">
-                <a:solidFill>
-                  <a:srgbClr xmlns:mc="http://schemas.openxmlformats.org/markup-compatibility/2006" xmlns:a14="http://schemas.microsoft.com/office/drawing/2010/main" val="FF0000" mc:Ignorable=""/>
-                </a:solidFill>
-              </a:rPr>
-              <a:t>-1.5x</a:t>
-            </a:r>
-            <a:r>
-              <a:rPr lang="en-US" dirty="0" smtClean="0"/>
-              <a:t> slower than </a:t>
-            </a:r>
-            <a:r>
-              <a:rPr lang="en-US" dirty="0" err="1" smtClean="0"/>
-              <a:t>JRuby</a:t>
-            </a:r>
-            <a:endParaRPr lang="en-US" dirty="0"/>
-          </a:p>
-          <a:p>
-            <a:pPr lvl="1">
-              <a:buFont typeface="Wingdings" pitchFamily="2" charset="2"/>
-              <a:buChar char="v"/>
-            </a:pPr>
-            <a:r>
-              <a:rPr lang="en-US" dirty="0" smtClean="0">
-                <a:solidFill>
-                  <a:srgbClr xmlns:mc="http://schemas.openxmlformats.org/markup-compatibility/2006" xmlns:a14="http://schemas.microsoft.com/office/drawing/2010/main" val="FFFF00" mc:Ignorable=""/>
-                </a:solidFill>
-              </a:rPr>
-              <a:t> Need to improve a bit on this by 1.0</a:t>
-            </a:r>
-          </a:p>
-          <a:p>
-            <a:pPr marL="457200" lvl="1" indent="0">
-              <a:buNone/>
-            </a:pPr>
-            <a:endParaRPr lang="en-US" dirty="0" smtClean="0"/>
-          </a:p>
-          <a:p>
-            <a:pPr marL="57150" indent="0">
-              <a:buNone/>
-            </a:pPr>
-            <a:r>
-              <a:rPr lang="en-US" dirty="0" smtClean="0"/>
-              <a:t>Startup</a:t>
-            </a:r>
-          </a:p>
-          <a:p>
-            <a:pPr lvl="1">
-              <a:buFont typeface="Wingdings" pitchFamily="2" charset="2"/>
-              <a:buChar char="v"/>
-            </a:pPr>
-            <a:r>
-              <a:rPr lang="en-US" dirty="0" smtClean="0"/>
-              <a:t> Example:   </a:t>
-            </a:r>
-            <a:r>
-              <a:rPr lang="en-US" dirty="0" smtClean="0">
-                <a:latin typeface="Consolas" pitchFamily="49" charset="0"/>
-                <a:cs typeface="Consolas" pitchFamily="49" charset="0"/>
-              </a:rPr>
-              <a:t>require '</a:t>
-            </a:r>
-            <a:r>
-              <a:rPr lang="en-US" dirty="0" err="1" smtClean="0">
-                <a:latin typeface="Consolas" pitchFamily="49" charset="0"/>
-                <a:cs typeface="Consolas" pitchFamily="49" charset="0"/>
-              </a:rPr>
-              <a:t>activesupport</a:t>
-            </a:r>
-            <a:r>
-              <a:rPr lang="en-US" dirty="0" smtClean="0">
-                <a:latin typeface="Consolas" pitchFamily="49" charset="0"/>
-                <a:cs typeface="Consolas" pitchFamily="49" charset="0"/>
-              </a:rPr>
-              <a:t>'</a:t>
-            </a:r>
-          </a:p>
-          <a:p>
-            <a:pPr lvl="1">
-              <a:buFont typeface="Wingdings" pitchFamily="2" charset="2"/>
-              <a:buChar char="v"/>
-            </a:pPr>
-            <a:r>
-              <a:rPr lang="en-US" dirty="0" smtClean="0"/>
-              <a:t> </a:t>
-            </a:r>
-            <a:r>
-              <a:rPr lang="en-US" dirty="0" smtClean="0">
-                <a:solidFill>
-                  <a:srgbClr xmlns:mc="http://schemas.openxmlformats.org/markup-compatibility/2006" xmlns:a14="http://schemas.microsoft.com/office/drawing/2010/main" val="FF0000" mc:Ignorable=""/>
-                </a:solidFill>
-              </a:rPr>
-              <a:t>4x</a:t>
-            </a:r>
-            <a:r>
-              <a:rPr lang="en-US" dirty="0" smtClean="0"/>
-              <a:t> slower than MRI via </a:t>
-            </a:r>
-            <a:r>
-              <a:rPr lang="en-US" dirty="0" err="1" smtClean="0"/>
-              <a:t>RubyInstaller</a:t>
-            </a:r>
-            <a:endParaRPr lang="en-US" dirty="0" smtClean="0"/>
-          </a:p>
-          <a:p>
-            <a:pPr lvl="1">
-              <a:buFont typeface="Wingdings" pitchFamily="2" charset="2"/>
-              <a:buChar char="v"/>
-            </a:pPr>
-            <a:r>
-              <a:rPr lang="en-US" dirty="0" smtClean="0"/>
-              <a:t> </a:t>
-            </a:r>
-            <a:r>
-              <a:rPr lang="en-US" dirty="0" smtClean="0">
-                <a:solidFill>
-                  <a:srgbClr xmlns:mc="http://schemas.openxmlformats.org/markup-compatibility/2006" xmlns:a14="http://schemas.microsoft.com/office/drawing/2010/main" val="FF0000" mc:Ignorable=""/>
-                </a:solidFill>
-              </a:rPr>
-              <a:t>2x</a:t>
-            </a:r>
-            <a:r>
-              <a:rPr lang="en-US" dirty="0" smtClean="0"/>
-              <a:t> slower than </a:t>
-            </a:r>
-            <a:r>
-              <a:rPr lang="en-US" dirty="0" err="1" smtClean="0"/>
-              <a:t>Jruby</a:t>
-            </a:r>
-            <a:endParaRPr lang="en-US" dirty="0" smtClean="0"/>
-          </a:p>
-          <a:p>
-            <a:pPr lvl="1">
-              <a:buFont typeface="Wingdings" pitchFamily="2" charset="2"/>
-              <a:buChar char="v"/>
-            </a:pPr>
-            <a:r>
-              <a:rPr lang="en-US" dirty="0" smtClean="0">
-                <a:solidFill>
-                  <a:srgbClr xmlns:mc="http://schemas.openxmlformats.org/markup-compatibility/2006" xmlns:a14="http://schemas.microsoft.com/office/drawing/2010/main" val="C00000" mc:Ignorable=""/>
-                </a:solidFill>
-              </a:rPr>
-              <a:t> A </a:t>
-            </a:r>
-            <a:r>
-              <a:rPr lang="en-US" u="sng" dirty="0" smtClean="0">
-                <a:solidFill>
-                  <a:srgbClr xmlns:mc="http://schemas.openxmlformats.org/markup-compatibility/2006" xmlns:a14="http://schemas.microsoft.com/office/drawing/2010/main" val="C00000" mc:Ignorable=""/>
-                </a:solidFill>
-              </a:rPr>
-              <a:t>must-fix </a:t>
-            </a:r>
-            <a:r>
-              <a:rPr lang="en-US" dirty="0" smtClean="0">
-                <a:solidFill>
-                  <a:srgbClr xmlns:mc="http://schemas.openxmlformats.org/markup-compatibility/2006" xmlns:a14="http://schemas.microsoft.com/office/drawing/2010/main" val="C00000" mc:Ignorable=""/>
-                </a:solidFill>
-              </a:rPr>
-              <a:t>for 1.0 – must be on par with </a:t>
-            </a:r>
-            <a:r>
-              <a:rPr lang="en-US" dirty="0" err="1" smtClean="0">
-                <a:solidFill>
-                  <a:srgbClr xmlns:mc="http://schemas.openxmlformats.org/markup-compatibility/2006" xmlns:a14="http://schemas.microsoft.com/office/drawing/2010/main" val="C00000" mc:Ignorable=""/>
-                </a:solidFill>
-              </a:rPr>
-              <a:t>JRuby</a:t>
-            </a:r>
-            <a:endParaRPr lang="en-US" u="sng" dirty="0" smtClean="0">
-              <a:solidFill>
-                <a:srgbClr xmlns:mc="http://schemas.openxmlformats.org/markup-compatibility/2006" xmlns:a14="http://schemas.microsoft.com/office/drawing/2010/main" val="C00000" mc:Ignorable=""/>
-              </a:solidFill>
-            </a:endParaRPr>
-          </a:p>
-        </p:txBody>
-      </p:sp>
-    </p:spTree>
-    <p:extLst>
-      <p:ext uri="{BB962C8B-B14F-4D97-AF65-F5344CB8AC3E}">
-        <p14:creationId xmlns:p14="http://schemas.microsoft.com/office/powerpoint/2010/main" val="2690338689"/>
-      </p:ext>
-    </p:extLst>
-  </p:cSld>
-  <p:clrMapOvr>
-    <a:masterClrMapping/>
-  </p:clrMapOvr>
-  <p:timing>
-    <p:tnLst>
-      <p:par>
-        <p:cTn xmlns:p14="http://schemas.microsoft.com/office/powerpoint/2010/main" id="1" dur="indefinite" restart="never" nodeType="tmRoot"/>
-      </p:par>
-    </p:tnLst>
-  </p:timing>
-</p:sld>
-</file>
-
-<file path=ppt/slides/slide22.xml><?xml version="1.0" encoding="utf-8"?>
-<p:sld xmlns:a="http://schemas.openxmlformats.org/drawingml/2006/main" xmlns:r="http://schemas.openxmlformats.org/officeDocument/2006/relationships" xmlns:p="http://schemas.openxmlformats.org/presentationml/2006/main">
-  <p:cSld>
-    <p:spTree>
-      <p:nvGrpSpPr>
-        <p:cNvPr id="1" name=""/>
-        <p:cNvGrpSpPr/>
-        <p:nvPr/>
-      </p:nvGrpSpPr>
-      <p:grpSpPr>
-        <a:xfrm>
-          <a:off x="0" y="0"/>
-          <a:ext cx="0" cy="0"/>
-          <a:chOff x="0" y="0"/>
-          <a:chExt cx="0" cy="0"/>
-        </a:xfrm>
-      </p:grpSpPr>
-      <p:sp>
-        <p:nvSpPr>
-          <p:cNvPr id="3" name="Content Placeholder 2"/>
-          <p:cNvSpPr>
-            <a:spLocks noGrp="1"/>
-          </p:cNvSpPr>
-          <p:nvPr>
-            <p:ph idx="1"/>
-          </p:nvPr>
-        </p:nvSpPr>
-        <p:spPr>
-          <a:xfrm>
-            <a:off x="381000" y="419100"/>
-            <a:ext cx="8382000" cy="6019800"/>
-          </a:xfrm>
-        </p:spPr>
-        <p:txBody>
-          <a:bodyPr anchor="ctr">
-            <a:normAutofit fontScale="85000" lnSpcReduction="20000"/>
-          </a:bodyPr>
-          <a:lstStyle/>
-          <a:p>
-            <a:pPr marL="0" indent="0">
-              <a:buNone/>
-            </a:pPr>
-            <a:r>
-              <a:rPr lang="en-US" sz="4300" dirty="0" smtClean="0"/>
-              <a:t>Compatibility</a:t>
-            </a:r>
-          </a:p>
-          <a:p>
-            <a:pPr lvl="1">
-              <a:buFont typeface="Wingdings" pitchFamily="2" charset="2"/>
-              <a:buChar char="v"/>
-            </a:pPr>
-            <a:r>
-              <a:rPr lang="en-US" sz="3000" dirty="0" smtClean="0"/>
-              <a:t> Goal: </a:t>
-            </a:r>
-            <a:r>
-              <a:rPr lang="en-US" sz="3000" dirty="0" smtClean="0">
-                <a:solidFill>
-                  <a:srgbClr xmlns:mc="http://schemas.openxmlformats.org/markup-compatibility/2006" xmlns:a14="http://schemas.microsoft.com/office/drawing/2010/main" val="00FF00" mc:Ignorable=""/>
-                </a:solidFill>
-              </a:rPr>
-              <a:t>&gt;</a:t>
-            </a:r>
-            <a:r>
-              <a:rPr lang="en-US" sz="3000" dirty="0" smtClean="0"/>
-              <a:t> </a:t>
-            </a:r>
-            <a:r>
-              <a:rPr lang="en-US" sz="3000" dirty="0" smtClean="0">
-                <a:solidFill>
-                  <a:srgbClr xmlns:mc="http://schemas.openxmlformats.org/markup-compatibility/2006" xmlns:a14="http://schemas.microsoft.com/office/drawing/2010/main" val="00FF00" mc:Ignorable=""/>
-                </a:solidFill>
-              </a:rPr>
-              <a:t>90% passing</a:t>
-            </a:r>
-          </a:p>
-          <a:p>
-            <a:pPr lvl="1">
-              <a:buFont typeface="Wingdings" pitchFamily="2" charset="2"/>
-              <a:buChar char="v"/>
-            </a:pPr>
-            <a:r>
-              <a:rPr lang="en-US" sz="3000" dirty="0"/>
-              <a:t> </a:t>
-            </a:r>
-            <a:r>
-              <a:rPr lang="en-US" sz="3000" dirty="0" smtClean="0"/>
-              <a:t>Must have really good reason </a:t>
-            </a:r>
-            <a:r>
-              <a:rPr lang="en-US" sz="3000" dirty="0" err="1" smtClean="0"/>
-              <a:t>foreach</a:t>
-            </a:r>
-            <a:r>
-              <a:rPr lang="en-US" sz="3000" dirty="0" smtClean="0"/>
-              <a:t> failing </a:t>
-            </a:r>
-            <a:r>
-              <a:rPr lang="en-US" sz="3000" dirty="0" err="1" smtClean="0"/>
-              <a:t>RubySpecs</a:t>
-            </a:r>
-            <a:endParaRPr lang="en-US" sz="3000" dirty="0" smtClean="0"/>
-          </a:p>
-          <a:p>
-            <a:pPr marL="0" indent="0">
-              <a:buNone/>
-            </a:pPr>
-            <a:endParaRPr lang="en-US" dirty="0" smtClean="0"/>
-          </a:p>
-          <a:p>
-            <a:pPr marL="0" indent="0">
-              <a:buNone/>
-            </a:pPr>
-            <a:r>
-              <a:rPr lang="en-US" dirty="0" err="1" smtClean="0"/>
-              <a:t>RubySpec</a:t>
-            </a:r>
-            <a:r>
-              <a:rPr lang="en-US" dirty="0" smtClean="0"/>
-              <a:t>:			</a:t>
-            </a:r>
-            <a:r>
-              <a:rPr lang="en-US" b="1" dirty="0" smtClean="0">
-                <a:solidFill>
-                  <a:srgbClr xmlns:mc="http://schemas.openxmlformats.org/markup-compatibility/2006" xmlns:a14="http://schemas.microsoft.com/office/drawing/2010/main" val="00FF00" mc:Ignorable=""/>
-                </a:solidFill>
-              </a:rPr>
-              <a:t>92%</a:t>
-            </a:r>
-            <a:endParaRPr lang="en-US" b="1" dirty="0" smtClean="0">
-              <a:solidFill>
-                <a:srgbClr xmlns:mc="http://schemas.openxmlformats.org/markup-compatibility/2006" xmlns:a14="http://schemas.microsoft.com/office/drawing/2010/main" val="00FF00" mc:Ignorable=""/>
-              </a:solidFill>
-            </a:endParaRPr>
-          </a:p>
-          <a:p>
-            <a:pPr lvl="1">
-              <a:buFont typeface="Wingdings" pitchFamily="2" charset="2"/>
-              <a:buChar char="v"/>
-            </a:pPr>
-            <a:r>
-              <a:rPr lang="en-US" dirty="0"/>
-              <a:t> </a:t>
-            </a:r>
-            <a:r>
-              <a:rPr lang="en-US" dirty="0" smtClean="0"/>
-              <a:t>Language:		</a:t>
-            </a:r>
-            <a:r>
-              <a:rPr lang="en-US" dirty="0" smtClean="0">
-                <a:solidFill>
-                  <a:srgbClr xmlns:mc="http://schemas.openxmlformats.org/markup-compatibility/2006" xmlns:a14="http://schemas.microsoft.com/office/drawing/2010/main" val="00FF00" mc:Ignorable=""/>
-                </a:solidFill>
-              </a:rPr>
-              <a:t>97%</a:t>
-            </a:r>
-            <a:endParaRPr lang="en-US" dirty="0" smtClean="0">
-              <a:solidFill>
-                <a:srgbClr xmlns:mc="http://schemas.openxmlformats.org/markup-compatibility/2006" xmlns:a14="http://schemas.microsoft.com/office/drawing/2010/main" val="00FF00" mc:Ignorable=""/>
-              </a:solidFill>
-            </a:endParaRPr>
-          </a:p>
-          <a:p>
-            <a:pPr lvl="1">
-              <a:buFont typeface="Wingdings" pitchFamily="2" charset="2"/>
-              <a:buChar char="v"/>
-            </a:pPr>
-            <a:r>
-              <a:rPr lang="en-US" dirty="0"/>
-              <a:t> </a:t>
-            </a:r>
-            <a:r>
-              <a:rPr lang="en-US" dirty="0" smtClean="0"/>
-              <a:t>Core:			</a:t>
-            </a:r>
-            <a:r>
-              <a:rPr lang="en-US" dirty="0" smtClean="0">
-                <a:solidFill>
-                  <a:srgbClr xmlns:mc="http://schemas.openxmlformats.org/markup-compatibility/2006" xmlns:a14="http://schemas.microsoft.com/office/drawing/2010/main" val="00FF00" mc:Ignorable=""/>
-                </a:solidFill>
-              </a:rPr>
-              <a:t>91%</a:t>
-            </a:r>
-            <a:endParaRPr lang="en-US" dirty="0" smtClean="0">
-              <a:solidFill>
-                <a:srgbClr xmlns:mc="http://schemas.openxmlformats.org/markup-compatibility/2006" xmlns:a14="http://schemas.microsoft.com/office/drawing/2010/main" val="00FF00" mc:Ignorable=""/>
-              </a:solidFill>
-            </a:endParaRPr>
-          </a:p>
-          <a:p>
-            <a:pPr lvl="1">
-              <a:buFont typeface="Wingdings" pitchFamily="2" charset="2"/>
-              <a:buChar char="v"/>
-            </a:pPr>
-            <a:r>
-              <a:rPr lang="en-US" dirty="0"/>
-              <a:t> </a:t>
-            </a:r>
-            <a:r>
-              <a:rPr lang="en-US" dirty="0" smtClean="0"/>
-              <a:t>Libraries</a:t>
-            </a:r>
-            <a:r>
-              <a:rPr lang="en-US" dirty="0" smtClean="0"/>
-              <a:t>:		</a:t>
-            </a:r>
-            <a:r>
-              <a:rPr lang="en-US" dirty="0" smtClean="0">
-                <a:solidFill>
-                  <a:srgbClr xmlns:mc="http://schemas.openxmlformats.org/markup-compatibility/2006" xmlns:a14="http://schemas.microsoft.com/office/drawing/2010/main" val="00FF00" mc:Ignorable=""/>
-                </a:solidFill>
-              </a:rPr>
-              <a:t>93%</a:t>
-            </a:r>
-            <a:endParaRPr lang="en-US" dirty="0">
-              <a:solidFill>
-                <a:srgbClr xmlns:mc="http://schemas.openxmlformats.org/markup-compatibility/2006" xmlns:a14="http://schemas.microsoft.com/office/drawing/2010/main" val="00FF00" mc:Ignorable=""/>
-              </a:solidFill>
-            </a:endParaRPr>
-          </a:p>
-          <a:p>
-            <a:pPr marL="57150" indent="0">
-              <a:buNone/>
-            </a:pPr>
-            <a:endParaRPr lang="en-US" dirty="0" smtClean="0"/>
-          </a:p>
-          <a:p>
-            <a:pPr marL="57150" indent="0">
-              <a:buNone/>
-            </a:pPr>
-            <a:r>
-              <a:rPr lang="en-US" dirty="0" smtClean="0"/>
-              <a:t>Libraries</a:t>
-            </a:r>
-          </a:p>
-          <a:p>
-            <a:pPr lvl="1">
-              <a:buFont typeface="Wingdings" pitchFamily="2" charset="2"/>
-              <a:buChar char="v"/>
-            </a:pPr>
-            <a:r>
-              <a:rPr lang="en-US" dirty="0"/>
-              <a:t> </a:t>
-            </a:r>
-            <a:r>
-              <a:rPr lang="en-US" dirty="0" err="1" smtClean="0"/>
-              <a:t>RubyGems</a:t>
-            </a:r>
-            <a:r>
-              <a:rPr lang="en-US" dirty="0" smtClean="0"/>
-              <a:t>:		</a:t>
-            </a:r>
-            <a:r>
-              <a:rPr lang="en-US" dirty="0" smtClean="0">
-                <a:solidFill>
-                  <a:srgbClr xmlns:mc="http://schemas.openxmlformats.org/markup-compatibility/2006" xmlns:a14="http://schemas.microsoft.com/office/drawing/2010/main" val="00FF00" mc:Ignorable=""/>
-                </a:solidFill>
-              </a:rPr>
-              <a:t>96%</a:t>
-            </a:r>
-            <a:endParaRPr lang="en-US" dirty="0" smtClean="0">
-              <a:solidFill>
-                <a:srgbClr xmlns:mc="http://schemas.openxmlformats.org/markup-compatibility/2006" xmlns:a14="http://schemas.microsoft.com/office/drawing/2010/main" val="00FF00" mc:Ignorable=""/>
-              </a:solidFill>
-            </a:endParaRPr>
-          </a:p>
-          <a:p>
-            <a:pPr lvl="1">
-              <a:buFont typeface="Wingdings" pitchFamily="2" charset="2"/>
-              <a:buChar char="v"/>
-            </a:pPr>
-            <a:r>
-              <a:rPr lang="en-US" dirty="0"/>
-              <a:t> </a:t>
-            </a:r>
-            <a:r>
-              <a:rPr lang="en-US" dirty="0" err="1" smtClean="0"/>
-              <a:t>ActionPack</a:t>
-            </a:r>
-            <a:r>
-              <a:rPr lang="en-US" dirty="0" smtClean="0"/>
-              <a:t>:		</a:t>
-            </a:r>
-            <a:r>
-              <a:rPr lang="en-US" dirty="0" smtClean="0">
-                <a:solidFill>
-                  <a:srgbClr xmlns:mc="http://schemas.openxmlformats.org/markup-compatibility/2006" xmlns:a14="http://schemas.microsoft.com/office/drawing/2010/main" val="00FF00" mc:Ignorable=""/>
-                </a:solidFill>
-              </a:rPr>
-              <a:t>95%	</a:t>
-            </a:r>
-            <a:endParaRPr lang="en-US" dirty="0" smtClean="0">
-              <a:solidFill>
-                <a:srgbClr xmlns:mc="http://schemas.openxmlformats.org/markup-compatibility/2006" xmlns:a14="http://schemas.microsoft.com/office/drawing/2010/main" val="00FF00" mc:Ignorable=""/>
-              </a:solidFill>
-            </a:endParaRPr>
-          </a:p>
-          <a:p>
-            <a:pPr lvl="1">
-              <a:buFont typeface="Wingdings" pitchFamily="2" charset="2"/>
-              <a:buChar char="v"/>
-            </a:pPr>
-            <a:r>
-              <a:rPr lang="en-US" dirty="0"/>
-              <a:t> </a:t>
-            </a:r>
-            <a:r>
-              <a:rPr lang="en-US" dirty="0" err="1" smtClean="0"/>
-              <a:t>ActiveSupport</a:t>
-            </a:r>
-            <a:r>
-              <a:rPr lang="en-US" dirty="0" smtClean="0"/>
-              <a:t>:		</a:t>
-            </a:r>
-            <a:r>
-              <a:rPr lang="en-US" dirty="0" smtClean="0">
-                <a:solidFill>
-                  <a:srgbClr xmlns:mc="http://schemas.openxmlformats.org/markup-compatibility/2006" xmlns:a14="http://schemas.microsoft.com/office/drawing/2010/main" val="00FF00" mc:Ignorable=""/>
-                </a:solidFill>
-              </a:rPr>
-              <a:t>95%</a:t>
-            </a:r>
-            <a:endParaRPr lang="en-US" dirty="0" smtClean="0">
-              <a:solidFill>
-                <a:srgbClr xmlns:mc="http://schemas.openxmlformats.org/markup-compatibility/2006" xmlns:a14="http://schemas.microsoft.com/office/drawing/2010/main" val="00FF00" mc:Ignorable=""/>
-              </a:solidFill>
-            </a:endParaRPr>
-          </a:p>
-        </p:txBody>
-      </p:sp>
-    </p:spTree>
-    <p:extLst>
-      <p:ext uri="{BB962C8B-B14F-4D97-AF65-F5344CB8AC3E}">
-        <p14:creationId xmlns:p14="http://schemas.microsoft.com/office/powerpoint/2010/main" val="3445922722"/>
-      </p:ext>
-    </p:extLst>
-  </p:cSld>
-  <p:clrMapOvr>
-    <a:masterClrMapping/>
-  </p:clrMapOvr>
-  <p:timing>
-    <p:tnLst>
-      <p:par>
-        <p:cTn xmlns:p14="http://schemas.microsoft.com/office/powerpoint/2010/main" id="1" dur="indefinite" restart="never" nodeType="tmRoot"/>
-      </p:par>
-    </p:tnLst>
-  </p:timing>
-</p:sld>
-</file>
-
-<file path=ppt/slides/slide23.xml><?xml version="1.0" encoding="utf-8"?>
-<p:sld xmlns:a="http://schemas.openxmlformats.org/drawingml/2006/main" xmlns:r="http://schemas.openxmlformats.org/officeDocument/2006/relationships" xmlns:p="http://schemas.openxmlformats.org/presentationml/2006/main">
-  <p:cSld>
-    <p:spTree>
-      <p:nvGrpSpPr>
-        <p:cNvPr id="1" name=""/>
-        <p:cNvGrpSpPr/>
-        <p:nvPr/>
-      </p:nvGrpSpPr>
-      <p:grpSpPr>
-        <a:xfrm>
-          <a:off x="0" y="0"/>
-          <a:ext cx="0" cy="0"/>
-          <a:chOff x="0" y="0"/>
-          <a:chExt cx="0" cy="0"/>
-        </a:xfrm>
-      </p:grpSpPr>
-      <p:sp>
-        <p:nvSpPr>
-          <p:cNvPr id="3" name="Content Placeholder 2"/>
-          <p:cNvSpPr>
-            <a:spLocks noGrp="1"/>
-          </p:cNvSpPr>
-          <p:nvPr>
-            <p:ph idx="1"/>
-          </p:nvPr>
-        </p:nvSpPr>
-        <p:spPr>
-          <a:xfrm>
-            <a:off x="381000" y="419100"/>
-            <a:ext cx="8382000" cy="6019800"/>
-          </a:xfrm>
-        </p:spPr>
-        <p:txBody>
-          <a:bodyPr anchor="ctr">
-            <a:normAutofit/>
-          </a:bodyPr>
-          <a:lstStyle/>
-          <a:p>
-            <a:pPr marL="0" indent="0">
-              <a:buNone/>
-            </a:pPr>
-            <a:r>
-              <a:rPr lang="en-US" sz="4000" dirty="0" smtClean="0"/>
-              <a:t>CLR Integration</a:t>
-            </a:r>
-          </a:p>
-          <a:p>
-            <a:pPr lvl="1">
-              <a:buFont typeface="Wingdings" pitchFamily="2" charset="2"/>
-              <a:buChar char="v"/>
-            </a:pPr>
-            <a:r>
-              <a:rPr lang="en-US" sz="2600" dirty="0" smtClean="0"/>
-              <a:t> Goal: use majority of CLR features from Ruby  without needing C# stubs</a:t>
-            </a:r>
-          </a:p>
-          <a:p>
-            <a:pPr marL="57150" indent="0">
-              <a:buNone/>
-            </a:pPr>
-            <a:endParaRPr lang="en-US" sz="3000" dirty="0" smtClean="0"/>
-          </a:p>
-          <a:p>
-            <a:pPr marL="57150" indent="0">
-              <a:buNone/>
-            </a:pPr>
-            <a:r>
-              <a:rPr lang="en-US" sz="3000" dirty="0" smtClean="0"/>
-              <a:t>Only major missing feature</a:t>
-            </a:r>
-            <a:endParaRPr lang="en-US" sz="3000" dirty="0"/>
-          </a:p>
-          <a:p>
-            <a:pPr lvl="1">
-              <a:buFont typeface="Wingdings" pitchFamily="2" charset="2"/>
-              <a:buChar char="v"/>
-            </a:pPr>
-            <a:r>
-              <a:rPr lang="en-US" dirty="0" smtClean="0"/>
-              <a:t> </a:t>
-            </a:r>
-            <a:r>
-              <a:rPr lang="en-US" sz="2600" dirty="0" smtClean="0"/>
-              <a:t>No support for any CLR feature which depends on a CLR type actually existing (Attributes, property data binding, </a:t>
-            </a:r>
-            <a:r>
-              <a:rPr lang="en-US" sz="2600" dirty="0" err="1" smtClean="0"/>
-              <a:t>etc</a:t>
-            </a:r>
-            <a:r>
-              <a:rPr lang="en-US" sz="2600" dirty="0" smtClean="0"/>
-              <a:t>)</a:t>
-            </a:r>
-          </a:p>
-          <a:p>
-            <a:pPr lvl="1">
-              <a:buFont typeface="Wingdings" pitchFamily="2" charset="2"/>
-              <a:buChar char="v"/>
-            </a:pPr>
-            <a:r>
-              <a:rPr lang="en-US" sz="2600" dirty="0">
-                <a:solidFill>
-                  <a:srgbClr xmlns:mc="http://schemas.openxmlformats.org/markup-compatibility/2006" xmlns:a14="http://schemas.microsoft.com/office/drawing/2010/main" val="00FF00" mc:Ignorable=""/>
-                </a:solidFill>
-              </a:rPr>
-              <a:t> </a:t>
-            </a:r>
-            <a:r>
-              <a:rPr lang="en-US" sz="2600" dirty="0" smtClean="0">
-                <a:solidFill>
-                  <a:srgbClr xmlns:mc="http://schemas.openxmlformats.org/markup-compatibility/2006" xmlns:a14="http://schemas.microsoft.com/office/drawing/2010/main" val="00FF00" mc:Ignorable=""/>
-                </a:solidFill>
-              </a:rPr>
-              <a:t>OK to ship 1.0 without it</a:t>
-            </a:r>
-          </a:p>
-        </p:txBody>
-      </p:sp>
-    </p:spTree>
-    <p:extLst>
-      <p:ext uri="{BB962C8B-B14F-4D97-AF65-F5344CB8AC3E}">
-        <p14:creationId xmlns:p14="http://schemas.microsoft.com/office/powerpoint/2010/main" val="3116064284"/>
-      </p:ext>
-    </p:extLst>
-  </p:cSld>
-  <p:clrMapOvr>
-    <a:masterClrMapping/>
-  </p:clrMapOvr>
-  <p:timing>
-    <p:tnLst>
-      <p:par>
-        <p:cTn xmlns:p14="http://schemas.microsoft.com/office/powerpoint/2010/main" id="1" dur="indefinite" restart="never" nodeType="tmRoot"/>
-      </p:par>
-    </p:tnLst>
-  </p:timing>
-</p:sld>
-</file>
-
-<file path=ppt/slides/slide24.xml><?xml version="1.0" encoding="utf-8"?>
-<p:sld xmlns:a="http://schemas.openxmlformats.org/drawingml/2006/main" xmlns:r="http://schemas.openxmlformats.org/officeDocument/2006/relationships" xmlns:p="http://schemas.openxmlformats.org/presentationml/2006/main">
-  <p:cSld>
-    <p:spTree>
-      <p:nvGrpSpPr>
-        <p:cNvPr id="1" name=""/>
-        <p:cNvGrpSpPr/>
-        <p:nvPr/>
-      </p:nvGrpSpPr>
-      <p:grpSpPr>
-        <a:xfrm>
-          <a:off x="0" y="0"/>
-          <a:ext cx="0" cy="0"/>
-          <a:chOff x="0" y="0"/>
-          <a:chExt cx="0" cy="0"/>
-        </a:xfrm>
-      </p:grpSpPr>
-      <p:sp>
-        <p:nvSpPr>
-          <p:cNvPr id="3" name="Content Placeholder 2"/>
-          <p:cNvSpPr>
-            <a:spLocks noGrp="1"/>
-          </p:cNvSpPr>
-          <p:nvPr>
-            <p:ph idx="1"/>
-          </p:nvPr>
-        </p:nvSpPr>
-        <p:spPr>
-          <a:xfrm>
-            <a:off x="381000" y="419100"/>
-            <a:ext cx="8382000" cy="6019800"/>
-          </a:xfrm>
-        </p:spPr>
-        <p:txBody>
-          <a:bodyPr anchor="ctr">
-            <a:normAutofit/>
-          </a:bodyPr>
-          <a:lstStyle/>
-          <a:p>
-            <a:pPr marL="0" indent="0">
-              <a:buNone/>
-            </a:pPr>
-            <a:r>
-              <a:rPr lang="en-US" sz="4000" dirty="0" smtClean="0"/>
-              <a:t>Roadmap to 1.0</a:t>
-            </a:r>
-          </a:p>
-          <a:p>
-            <a:pPr lvl="1">
-              <a:buFont typeface="Wingdings" pitchFamily="2" charset="2"/>
-              <a:buChar char="v"/>
-            </a:pPr>
-            <a:r>
-              <a:rPr lang="en-US" sz="2600" dirty="0" smtClean="0"/>
-              <a:t> Today: 1.0 RC1</a:t>
-            </a:r>
-          </a:p>
-          <a:p>
-            <a:pPr lvl="1">
-              <a:buFont typeface="Wingdings" pitchFamily="2" charset="2"/>
-              <a:buChar char="v"/>
-            </a:pPr>
-            <a:r>
-              <a:rPr lang="en-US" sz="2600" dirty="0"/>
-              <a:t> </a:t>
-            </a:r>
-            <a:r>
-              <a:rPr lang="en-US" sz="2600" dirty="0" smtClean="0"/>
-              <a:t>RC2, 3, </a:t>
-            </a:r>
-            <a:r>
-              <a:rPr lang="en-US" sz="2600" dirty="0" err="1" smtClean="0"/>
-              <a:t>etc</a:t>
-            </a:r>
-            <a:r>
-              <a:rPr lang="en-US" sz="2600" dirty="0" smtClean="0"/>
-              <a:t>, will come as needed</a:t>
-            </a:r>
-          </a:p>
-          <a:p>
-            <a:pPr lvl="1">
-              <a:buFont typeface="Wingdings" pitchFamily="2" charset="2"/>
-              <a:buChar char="v"/>
-            </a:pPr>
-            <a:r>
-              <a:rPr lang="en-US" sz="2600" dirty="0"/>
-              <a:t> </a:t>
-            </a:r>
-            <a:r>
-              <a:rPr lang="en-US" sz="2600" dirty="0" smtClean="0"/>
-              <a:t>RC build becomes </a:t>
-            </a:r>
-            <a:r>
-              <a:rPr lang="en-US" sz="2600" i="1" dirty="0" smtClean="0"/>
-              <a:t>final</a:t>
-            </a:r>
-            <a:r>
-              <a:rPr lang="en-US" sz="2600" dirty="0" smtClean="0"/>
-              <a:t> if no must-fix-for-RC bugs are accepted for a few weeks.</a:t>
-            </a:r>
-          </a:p>
-          <a:p>
-            <a:pPr marL="57150" indent="0">
-              <a:buNone/>
-            </a:pPr>
-            <a:endParaRPr lang="en-US" sz="3000" dirty="0" smtClean="0"/>
-          </a:p>
-          <a:p>
-            <a:pPr marL="57150" indent="0">
-              <a:buNone/>
-            </a:pPr>
-            <a:r>
-              <a:rPr lang="en-US" sz="3000" dirty="0" smtClean="0"/>
-              <a:t>Work still left to do</a:t>
-            </a:r>
-          </a:p>
-          <a:p>
-            <a:pPr lvl="1">
-              <a:buFont typeface="Wingdings" pitchFamily="2" charset="2"/>
-              <a:buChar char="v"/>
-            </a:pPr>
-            <a:r>
-              <a:rPr lang="en-US" sz="2600" dirty="0" smtClean="0"/>
-              <a:t> Startup </a:t>
-            </a:r>
-            <a:r>
-              <a:rPr lang="en-US" sz="2600" dirty="0" err="1" smtClean="0"/>
-              <a:t>perf</a:t>
-            </a:r>
-            <a:r>
-              <a:rPr lang="en-US" sz="2600" dirty="0" smtClean="0"/>
-              <a:t>: </a:t>
-            </a:r>
-            <a:r>
-              <a:rPr lang="en-US" sz="2600" dirty="0" smtClean="0">
-                <a:solidFill>
-                  <a:schemeClr val="bg1">
-                    <a:lumMod val="75000"/>
-                  </a:schemeClr>
-                </a:solidFill>
-              </a:rPr>
-              <a:t>largest factor in perceived slowness</a:t>
-            </a:r>
-            <a:endParaRPr lang="en-US" sz="2600" dirty="0">
-              <a:solidFill>
-                <a:schemeClr val="bg1">
-                  <a:lumMod val="75000"/>
-                </a:schemeClr>
-              </a:solidFill>
-            </a:endParaRPr>
-          </a:p>
-          <a:p>
-            <a:pPr lvl="1">
-              <a:buFont typeface="Wingdings" pitchFamily="2" charset="2"/>
-              <a:buChar char="v"/>
-            </a:pPr>
-            <a:r>
-              <a:rPr lang="en-US" sz="2600" dirty="0" smtClean="0"/>
-              <a:t> Throughput </a:t>
-            </a:r>
-            <a:r>
-              <a:rPr lang="en-US" sz="2600" dirty="0" err="1" smtClean="0"/>
-              <a:t>perf</a:t>
-            </a:r>
-            <a:r>
-              <a:rPr lang="en-US" sz="2600" dirty="0" smtClean="0"/>
-              <a:t>: </a:t>
-            </a:r>
-            <a:r>
-              <a:rPr lang="en-US" sz="2600" dirty="0" smtClean="0">
-                <a:solidFill>
-                  <a:schemeClr val="bg1">
-                    <a:lumMod val="75000"/>
-                  </a:schemeClr>
-                </a:solidFill>
-              </a:rPr>
-              <a:t>related to startup, but will focus on library implementations.</a:t>
-            </a:r>
-          </a:p>
-          <a:p>
-            <a:pPr lvl="1">
-              <a:buFont typeface="Wingdings" pitchFamily="2" charset="2"/>
-              <a:buChar char="v"/>
-            </a:pPr>
-            <a:r>
-              <a:rPr lang="en-US" sz="2600" dirty="0"/>
-              <a:t> </a:t>
-            </a:r>
-            <a:r>
-              <a:rPr lang="en-US" sz="2600" dirty="0" smtClean="0"/>
-              <a:t>Bugs</a:t>
-            </a:r>
-            <a:r>
-              <a:rPr lang="en-US" sz="2600" dirty="0" smtClean="0">
-                <a:solidFill>
-                  <a:schemeClr val="bg1">
-                    <a:lumMod val="75000"/>
-                  </a:schemeClr>
-                </a:solidFill>
-              </a:rPr>
-              <a:t>: 50 open bugs, plus whatever bump the RC gives</a:t>
-            </a:r>
-          </a:p>
-        </p:txBody>
-      </p:sp>
-    </p:spTree>
-    <p:extLst>
-      <p:ext uri="{BB962C8B-B14F-4D97-AF65-F5344CB8AC3E}">
-        <p14:creationId xmlns:p14="http://schemas.microsoft.com/office/powerpoint/2010/main" val="4071894193"/>
-      </p:ext>
-    </p:extLst>
-  </p:cSld>
-  <p:clrMapOvr>
-    <a:masterClrMapping/>
-  </p:clrMapOvr>
-  <p:timing>
-    <p:tnLst>
-      <p:par>
-        <p:cTn xmlns:p14="http://schemas.microsoft.com/office/powerpoint/2010/main" id="1" dur="indefinite" restart="never" nodeType="tmRoot"/>
-      </p:par>
-    </p:tnLst>
-  </p:timing>
-</p:sld>
-</file>
-
-<file path=ppt/slides/slide25.xml><?xml version="1.0" encoding="utf-8"?>
-<p:sld xmlns:a="http://schemas.openxmlformats.org/drawingml/2006/main" xmlns:r="http://schemas.openxmlformats.org/officeDocument/2006/relationships" xmlns:p="http://schemas.openxmlformats.org/presentationml/2006/main">
-  <p:cSld>
-    <p:spTree>
-      <p:nvGrpSpPr>
-        <p:cNvPr id="1" name=""/>
-        <p:cNvGrpSpPr/>
-        <p:nvPr/>
-      </p:nvGrpSpPr>
-      <p:grpSpPr>
-        <a:xfrm>
-          <a:off x="0" y="0"/>
-          <a:ext cx="0" cy="0"/>
-          <a:chOff x="0" y="0"/>
-          <a:chExt cx="0" cy="0"/>
-        </a:xfrm>
-      </p:grpSpPr>
-      <p:sp>
-        <p:nvSpPr>
-          <p:cNvPr id="2" name="Title 1"/>
-          <p:cNvSpPr>
-            <a:spLocks noGrp="1"/>
-          </p:cNvSpPr>
-          <p:nvPr>
-            <p:ph type="title"/>
-          </p:nvPr>
-        </p:nvSpPr>
-        <p:spPr/>
-        <p:txBody>
-          <a:bodyPr/>
-          <a:lstStyle/>
-          <a:p>
-            <a:r>
-              <a:rPr lang="en-US" dirty="0" smtClean="0"/>
-              <a:t>Post 1.0</a:t>
-            </a:r>
-            <a:endParaRPr lang="en-US" dirty="0"/>
-          </a:p>
-        </p:txBody>
-      </p:sp>
-      <p:sp>
-        <p:nvSpPr>
-          <p:cNvPr id="3" name="Content Placeholder 2"/>
-          <p:cNvSpPr>
-            <a:spLocks noGrp="1"/>
-          </p:cNvSpPr>
-          <p:nvPr>
-            <p:ph idx="1"/>
-          </p:nvPr>
-        </p:nvSpPr>
-        <p:spPr>
-          <a:xfrm>
-            <a:off x="381000" y="990600"/>
-            <a:ext cx="8382000" cy="3886200"/>
-          </a:xfrm>
-        </p:spPr>
-        <p:txBody>
-          <a:bodyPr/>
-          <a:lstStyle/>
-          <a:p>
-            <a:pPr>
-              <a:buFont typeface="Wingdings" pitchFamily="2" charset="2"/>
-              <a:buChar char="v"/>
-            </a:pPr>
-            <a:r>
-              <a:rPr lang="en-US" dirty="0" smtClean="0"/>
-              <a:t> Post 1.0 releases will resume in a 2 month cycle.</a:t>
-            </a:r>
-          </a:p>
-          <a:p>
-            <a:pPr marL="0" indent="0">
-              <a:buNone/>
-            </a:pPr>
-            <a:endParaRPr lang="en-US" dirty="0" smtClean="0"/>
-          </a:p>
-          <a:p>
-            <a:pPr>
-              <a:buFont typeface="Wingdings" pitchFamily="2" charset="2"/>
-              <a:buChar char="v"/>
-            </a:pPr>
-            <a:r>
-              <a:rPr lang="en-US" dirty="0" smtClean="0"/>
-              <a:t> Visual Studio Integration</a:t>
-            </a:r>
-          </a:p>
-          <a:p>
-            <a:pPr lvl="1">
-              <a:buFont typeface="Wingdings" pitchFamily="2" charset="2"/>
-              <a:buChar char="Ø"/>
-            </a:pPr>
-            <a:r>
-              <a:rPr lang="en-US" dirty="0" smtClean="0"/>
-              <a:t> Colorization, code-completion, project system, cleaner debugger, REPL, etc.</a:t>
-            </a:r>
-            <a:endParaRPr lang="en-US" dirty="0"/>
-          </a:p>
-          <a:p>
-            <a:pPr lvl="1">
-              <a:buFont typeface="Wingdings" pitchFamily="2" charset="2"/>
-              <a:buChar char="Ø"/>
-            </a:pPr>
-            <a:r>
-              <a:rPr lang="en-US" dirty="0" smtClean="0"/>
-              <a:t> Largest requested VS2010 feature!</a:t>
-            </a:r>
-          </a:p>
-        </p:txBody>
-      </p:sp>
-    </p:spTree>
-    <p:extLst>
-      <p:ext uri="{BB962C8B-B14F-4D97-AF65-F5344CB8AC3E}">
-        <p14:creationId xmlns:p14="http://schemas.microsoft.com/office/powerpoint/2010/main" val="2449380266"/>
-      </p:ext>
-    </p:extLst>
-  </p:cSld>
-  <p:clrMapOvr>
-    <a:masterClrMapping/>
-  </p:clrMapOvr>
-  <p:timing>
-    <p:tnLst>
-      <p:par>
-        <p:cTn xmlns:p14="http://schemas.microsoft.com/office/powerpoint/2010/main" id="1" dur="indefinite" restart="never" nodeType="tmRoot"/>
-      </p:par>
-    </p:tnLst>
-  </p:timing>
-</p:sld>
-</file>
-
-<file path=ppt/slides/slide26.xml><?xml version="1.0" encoding="utf-8"?>
-<p:sld xmlns:a="http://schemas.openxmlformats.org/drawingml/2006/main" xmlns:r="http://schemas.openxmlformats.org/officeDocument/2006/relationships" xmlns:p="http://schemas.openxmlformats.org/presentationml/2006/main">
-  <p:cSld>
-    <p:spTree>
-      <p:nvGrpSpPr>
-        <p:cNvPr id="1" name=""/>
-        <p:cNvGrpSpPr/>
-        <p:nvPr/>
-      </p:nvGrpSpPr>
-      <p:grpSpPr>
-        <a:xfrm>
-          <a:off x="0" y="0"/>
-          <a:ext cx="0" cy="0"/>
-          <a:chOff x="0" y="0"/>
-          <a:chExt cx="0" cy="0"/>
-        </a:xfrm>
-      </p:grpSpPr>
-      <p:pic>
-        <p:nvPicPr>
-          <p:cNvPr id="4" name="Picture 3"/>
-          <p:cNvPicPr>
-            <a:picLocks noChangeAspect="1" noChangeArrowheads="1"/>
-          </p:cNvPicPr>
-          <p:nvPr/>
-        </p:nvPicPr>
-        <p:blipFill>
-          <a:blip r:embed="rId2">
-            <a:extLst>
-              <a:ext uri="{28A0092B-C50C-407E-A947-70E740481C1C}">
-                <a14:useLocalDpi xmlns:a14="http://schemas.microsoft.com/office/drawing/2010/main" val="0"/>
-              </a:ext>
-            </a:extLst>
-          </a:blip>
-          <a:srcRect/>
-          <a:stretch>
-            <a:fillRect/>
-          </a:stretch>
-        </p:blipFill>
-        <p:spPr bwMode="auto">
-          <a:xfrm>
-            <a:off x="0" y="1371600"/>
-            <a:ext cx="9174271" cy="3886200"/>
-          </a:xfrm>
-          <a:prstGeom prst="rect">
-            <a:avLst/>
-          </a:prstGeom>
-          <a:noFill/>
-          <a:ln>
-            <a:noFill/>
-          </a:ln>
-          <a:effectLst/>
-          <a:extLst>
-            <a:ext uri="{909E8E84-426E-40DD-AFC4-6F175D3DCCD1}">
-              <a14:hiddenFill xmlns:a14="http://schemas.microsoft.com/office/drawing/2010/main">
-                <a:solidFill>
-                  <a:schemeClr val="accent1"/>
-                </a:solidFill>
-              </a14:hiddenFill>
-            </a:ext>
-            <a:ext uri="{91240B29-F687-4F45-9708-019B960494DF}">
-              <a14:hiddenLine xmlns:a14="http://schemas.microsoft.com/office/drawing/2010/main" w="9525">
-                <a:solidFill>
-                  <a:schemeClr val="tx1"/>
-                </a:solidFill>
-                <a:miter lim="800000"/>
-                <a:headEnd/>
-                <a:tailEnd/>
-              </a14:hiddenLine>
-            </a:ext>
-            <a:ext uri="{AF507438-7753-43E0-B8FC-AC1667EBCBE1}">
-              <a14:hiddenEffects xmlns:a14="http://schemas.microsoft.com/office/drawing/2010/main">
-                <a:effectLst>
-                  <a:outerShdw dist="35921" dir="2700000" algn="ctr" rotWithShape="0">
-                    <a:schemeClr val="bg2"/>
-                  </a:outerShdw>
-                </a:effectLst>
-              </a14:hiddenEffects>
-            </a:ext>
-          </a:extLst>
-        </p:spPr>
-      </p:pic>
-    </p:spTree>
-    <p:extLst>
-      <p:ext uri="{BB962C8B-B14F-4D97-AF65-F5344CB8AC3E}">
-        <p14:creationId xmlns:p14="http://schemas.microsoft.com/office/powerpoint/2010/main" val="780564518"/>
-      </p:ext>
-    </p:extLst>
-  </p:cSld>
-  <p:clrMapOvr>
-    <a:masterClrMapping/>
-  </p:clrMapOvr>
-  <p:timing>
-    <p:tnLst>
-      <p:par>
-        <p:cTn xmlns:p14="http://schemas.microsoft.com/office/powerpoint/2010/main" id="1" dur="indefinite" restart="never" nodeType="tmRoot"/>
-      </p:par>
-    </p:tnLst>
-  </p:timing>
-</p:sld>
-</file>
-
-<file path=ppt/slides/slide27.xml><?xml version="1.0" encoding="utf-8"?>
-<p:sld xmlns:a="http://schemas.openxmlformats.org/drawingml/2006/main" xmlns:r="http://schemas.openxmlformats.org/officeDocument/2006/relationships" xmlns:p="http://schemas.openxmlformats.org/presentationml/2006/main">
-  <p:cSld>
-    <p:spTree>
-      <p:nvGrpSpPr>
-        <p:cNvPr id="1" name=""/>
-        <p:cNvGrpSpPr/>
-        <p:nvPr/>
-      </p:nvGrpSpPr>
-      <p:grpSpPr>
-        <a:xfrm>
-          <a:off x="0" y="0"/>
-          <a:ext cx="0" cy="0"/>
-          <a:chOff x="0" y="0"/>
-          <a:chExt cx="0" cy="0"/>
-        </a:xfrm>
-      </p:grpSpPr>
-      <p:sp>
-        <p:nvSpPr>
-          <p:cNvPr id="2" name="Title 1"/>
-          <p:cNvSpPr>
-            <a:spLocks noGrp="1"/>
-          </p:cNvSpPr>
-          <p:nvPr>
-            <p:ph type="title"/>
-          </p:nvPr>
-        </p:nvSpPr>
-        <p:spPr/>
-        <p:txBody>
-          <a:bodyPr/>
-          <a:lstStyle/>
-          <a:p>
-            <a:r>
-              <a:rPr lang="en-US" dirty="0" err="1"/>
-              <a:t>i</a:t>
-            </a:r>
-            <a:r>
-              <a:rPr lang="en-US" dirty="0" err="1" smtClean="0"/>
-              <a:t>ronruby-contrib</a:t>
-            </a:r>
-            <a:endParaRPr lang="en-US" dirty="0"/>
-          </a:p>
-        </p:txBody>
-      </p:sp>
-      <p:sp>
-        <p:nvSpPr>
-          <p:cNvPr id="3" name="Content Placeholder 2"/>
-          <p:cNvSpPr>
-            <a:spLocks noGrp="1"/>
-          </p:cNvSpPr>
-          <p:nvPr>
-            <p:ph idx="1"/>
-          </p:nvPr>
-        </p:nvSpPr>
-        <p:spPr>
-          <a:xfrm>
-            <a:off x="381000" y="1143000"/>
-            <a:ext cx="8382000" cy="5257800"/>
-          </a:xfrm>
-        </p:spPr>
-        <p:txBody>
-          <a:bodyPr>
-            <a:normAutofit lnSpcReduction="10000"/>
-          </a:bodyPr>
-          <a:lstStyle/>
-          <a:p>
-            <a:pPr marL="0" lvl="0" indent="0">
-              <a:buNone/>
-            </a:pPr>
-            <a:r>
-              <a:rPr lang="en-US" dirty="0"/>
-              <a:t>c</a:t>
-            </a:r>
-            <a:r>
-              <a:rPr lang="en-US" dirty="0" smtClean="0"/>
-              <a:t>ucumber </a:t>
-            </a:r>
-            <a:r>
-              <a:rPr lang="en-US" sz="2600" dirty="0">
-                <a:solidFill>
-                  <a:schemeClr val="tx1">
-                    <a:lumMod val="50000"/>
-                    <a:lumOff val="50000"/>
-                  </a:schemeClr>
-                </a:solidFill>
-              </a:rPr>
-              <a:t>on .NET with </a:t>
-            </a:r>
-            <a:r>
-              <a:rPr lang="en-US" sz="2600" dirty="0" err="1">
-                <a:solidFill>
-                  <a:schemeClr val="tx1">
-                    <a:lumMod val="50000"/>
-                    <a:lumOff val="50000"/>
-                  </a:schemeClr>
-                </a:solidFill>
-              </a:rPr>
-              <a:t>IronRuby</a:t>
-            </a:r>
-            <a:endParaRPr lang="en-US" sz="2600" dirty="0">
-              <a:solidFill>
-                <a:schemeClr val="tx1">
-                  <a:lumMod val="50000"/>
-                  <a:lumOff val="50000"/>
-                </a:schemeClr>
-              </a:solidFill>
-            </a:endParaRPr>
-          </a:p>
-          <a:p>
-            <a:pPr marL="0" lvl="0" indent="0">
-              <a:buNone/>
-            </a:pPr>
-            <a:r>
-              <a:rPr lang="en-US" dirty="0"/>
-              <a:t>c</a:t>
-            </a:r>
-            <a:r>
-              <a:rPr lang="en-US" dirty="0" smtClean="0"/>
-              <a:t>aricature </a:t>
-            </a:r>
-            <a:r>
-              <a:rPr lang="en-US" sz="2600" dirty="0" smtClean="0">
-                <a:solidFill>
-                  <a:schemeClr val="tx1">
-                    <a:lumMod val="50000"/>
-                    <a:lumOff val="50000"/>
-                  </a:schemeClr>
-                </a:solidFill>
-              </a:rPr>
-              <a:t> </a:t>
-            </a:r>
-            <a:r>
-              <a:rPr lang="en-US" sz="2600" dirty="0">
-                <a:solidFill>
-                  <a:schemeClr val="tx1">
-                    <a:lumMod val="50000"/>
-                    <a:lumOff val="50000"/>
-                  </a:schemeClr>
-                </a:solidFill>
-              </a:rPr>
-              <a:t>Mocking static types with </a:t>
-            </a:r>
-            <a:r>
-              <a:rPr lang="en-US" sz="2600" dirty="0" err="1">
-                <a:solidFill>
-                  <a:schemeClr val="tx1">
-                    <a:lumMod val="50000"/>
-                    <a:lumOff val="50000"/>
-                  </a:schemeClr>
-                </a:solidFill>
-              </a:rPr>
-              <a:t>IronRuby</a:t>
-            </a:r>
-            <a:endParaRPr lang="en-US" sz="2600" dirty="0">
-              <a:solidFill>
-                <a:schemeClr val="tx1">
-                  <a:lumMod val="50000"/>
-                  <a:lumOff val="50000"/>
-                </a:schemeClr>
-              </a:solidFill>
-            </a:endParaRPr>
-          </a:p>
-          <a:p>
-            <a:pPr marL="0" lvl="0" indent="0">
-              <a:buNone/>
-            </a:pPr>
-            <a:r>
-              <a:rPr lang="en-US" dirty="0" err="1"/>
-              <a:t>i</a:t>
-            </a:r>
-            <a:r>
-              <a:rPr lang="en-US" dirty="0" err="1" smtClean="0"/>
-              <a:t>ronruby.rack</a:t>
-            </a:r>
-            <a:r>
-              <a:rPr lang="en-US" dirty="0" smtClean="0"/>
-              <a:t> </a:t>
-            </a:r>
-            <a:r>
-              <a:rPr lang="en-US" sz="2600" dirty="0" smtClean="0">
-                <a:solidFill>
-                  <a:schemeClr val="tx1">
-                    <a:lumMod val="50000"/>
-                    <a:lumOff val="50000"/>
-                  </a:schemeClr>
-                </a:solidFill>
-              </a:rPr>
-              <a:t>rack-based </a:t>
-            </a:r>
-            <a:r>
-              <a:rPr lang="en-US" sz="2600" dirty="0">
-                <a:solidFill>
-                  <a:schemeClr val="tx1">
-                    <a:lumMod val="50000"/>
-                    <a:lumOff val="50000"/>
-                  </a:schemeClr>
-                </a:solidFill>
-              </a:rPr>
-              <a:t>web apps on IIS</a:t>
-            </a:r>
-          </a:p>
-          <a:p>
-            <a:pPr marL="0" lvl="0" indent="0">
-              <a:buNone/>
-            </a:pPr>
-            <a:r>
-              <a:rPr lang="en-US" dirty="0" err="1"/>
-              <a:t>ironruby-dbi</a:t>
-            </a:r>
-            <a:r>
-              <a:rPr lang="en-US" dirty="0"/>
-              <a:t> </a:t>
-            </a:r>
-            <a:r>
-              <a:rPr lang="en-US" sz="2600" dirty="0" smtClean="0">
-                <a:solidFill>
-                  <a:schemeClr val="tx1">
-                    <a:lumMod val="50000"/>
-                    <a:lumOff val="50000"/>
-                  </a:schemeClr>
-                </a:solidFill>
-              </a:rPr>
-              <a:t> </a:t>
-            </a:r>
-            <a:r>
-              <a:rPr lang="en-US" sz="2600" dirty="0">
-                <a:solidFill>
-                  <a:schemeClr val="tx1">
-                    <a:lumMod val="50000"/>
-                    <a:lumOff val="50000"/>
-                  </a:schemeClr>
-                </a:solidFill>
-              </a:rPr>
-              <a:t>port of </a:t>
-            </a:r>
-            <a:r>
-              <a:rPr lang="en-US" sz="2600" dirty="0" err="1">
-                <a:solidFill>
-                  <a:schemeClr val="tx1">
-                    <a:lumMod val="50000"/>
-                    <a:lumOff val="50000"/>
-                  </a:schemeClr>
-                </a:solidFill>
-              </a:rPr>
-              <a:t>dbi</a:t>
-            </a:r>
-            <a:r>
-              <a:rPr lang="en-US" sz="2600" dirty="0">
-                <a:solidFill>
-                  <a:schemeClr val="tx1">
-                    <a:lumMod val="50000"/>
-                    <a:lumOff val="50000"/>
-                  </a:schemeClr>
-                </a:solidFill>
-              </a:rPr>
-              <a:t> – enables </a:t>
-            </a:r>
-            <a:r>
-              <a:rPr lang="en-US" sz="2600" dirty="0" smtClean="0">
-                <a:solidFill>
-                  <a:schemeClr val="tx1">
-                    <a:lumMod val="50000"/>
-                    <a:lumOff val="50000"/>
-                  </a:schemeClr>
-                </a:solidFill>
-              </a:rPr>
-              <a:t>current </a:t>
-            </a:r>
-            <a:r>
-              <a:rPr lang="en-US" sz="2600" dirty="0" err="1" smtClean="0">
-                <a:solidFill>
-                  <a:schemeClr val="tx1">
-                    <a:lumMod val="50000"/>
-                    <a:lumOff val="50000"/>
-                  </a:schemeClr>
-                </a:solidFill>
-              </a:rPr>
-              <a:t>ActiveRecord</a:t>
-            </a:r>
-            <a:r>
-              <a:rPr lang="en-US" sz="2600" dirty="0" smtClean="0">
-                <a:solidFill>
-                  <a:schemeClr val="tx1">
-                    <a:lumMod val="50000"/>
-                    <a:lumOff val="50000"/>
-                  </a:schemeClr>
-                </a:solidFill>
-              </a:rPr>
-              <a:t>/</a:t>
-            </a:r>
-            <a:r>
-              <a:rPr lang="en-US" sz="2600" dirty="0" err="1" smtClean="0">
-                <a:solidFill>
-                  <a:schemeClr val="tx1">
-                    <a:lumMod val="50000"/>
-                    <a:lumOff val="50000"/>
-                  </a:schemeClr>
-                </a:solidFill>
-              </a:rPr>
-              <a:t>DataMapper</a:t>
-            </a:r>
-            <a:r>
-              <a:rPr lang="en-US" sz="2600" dirty="0" smtClean="0">
-                <a:solidFill>
-                  <a:schemeClr val="tx1">
-                    <a:lumMod val="50000"/>
-                    <a:lumOff val="50000"/>
-                  </a:schemeClr>
-                </a:solidFill>
-              </a:rPr>
-              <a:t> </a:t>
-            </a:r>
-            <a:r>
-              <a:rPr lang="en-US" sz="2600" dirty="0" err="1">
-                <a:solidFill>
-                  <a:schemeClr val="tx1">
-                    <a:lumMod val="50000"/>
-                    <a:lumOff val="50000"/>
-                  </a:schemeClr>
-                </a:solidFill>
-              </a:rPr>
-              <a:t>SQLServer</a:t>
-            </a:r>
-            <a:r>
-              <a:rPr lang="en-US" sz="2600" dirty="0">
-                <a:solidFill>
-                  <a:schemeClr val="tx1">
-                    <a:lumMod val="50000"/>
-                    <a:lumOff val="50000"/>
-                  </a:schemeClr>
-                </a:solidFill>
-              </a:rPr>
-              <a:t>/SQLite# to just work with </a:t>
-            </a:r>
-            <a:r>
-              <a:rPr lang="en-US" sz="2600" dirty="0" err="1">
-                <a:solidFill>
-                  <a:schemeClr val="tx1">
-                    <a:lumMod val="50000"/>
-                    <a:lumOff val="50000"/>
-                  </a:schemeClr>
-                </a:solidFill>
-              </a:rPr>
-              <a:t>IronRuby</a:t>
-            </a:r>
-            <a:endParaRPr lang="en-US" sz="2600" dirty="0">
-              <a:solidFill>
-                <a:schemeClr val="tx1">
-                  <a:lumMod val="50000"/>
-                  <a:lumOff val="50000"/>
-                </a:schemeClr>
-              </a:solidFill>
-            </a:endParaRPr>
-          </a:p>
-          <a:p>
-            <a:pPr marL="0" lvl="0" indent="0">
-              <a:buNone/>
-            </a:pPr>
-            <a:r>
-              <a:rPr lang="en-US" dirty="0" err="1" smtClean="0"/>
-              <a:t>ironmvc</a:t>
-            </a:r>
-            <a:r>
-              <a:rPr lang="en-US" dirty="0" smtClean="0"/>
-              <a:t> </a:t>
-            </a:r>
-            <a:r>
-              <a:rPr lang="en-US" sz="2600" dirty="0" smtClean="0">
-                <a:solidFill>
-                  <a:schemeClr val="tx1">
-                    <a:lumMod val="50000"/>
-                    <a:lumOff val="50000"/>
-                  </a:schemeClr>
-                </a:solidFill>
-              </a:rPr>
-              <a:t> </a:t>
-            </a:r>
-            <a:r>
-              <a:rPr lang="en-US" sz="2600" dirty="0" err="1">
-                <a:solidFill>
-                  <a:schemeClr val="tx1">
-                    <a:lumMod val="50000"/>
-                    <a:lumOff val="50000"/>
-                  </a:schemeClr>
-                </a:solidFill>
-              </a:rPr>
-              <a:t>IronRuby</a:t>
-            </a:r>
-            <a:r>
-              <a:rPr lang="en-US" sz="2600" dirty="0">
-                <a:solidFill>
-                  <a:schemeClr val="tx1">
-                    <a:lumMod val="50000"/>
-                    <a:lumOff val="50000"/>
-                  </a:schemeClr>
-                </a:solidFill>
-              </a:rPr>
-              <a:t> support for ASP.NET </a:t>
-            </a:r>
-            <a:r>
-              <a:rPr lang="en-US" sz="2600" dirty="0" smtClean="0">
-                <a:solidFill>
-                  <a:schemeClr val="tx1">
-                    <a:lumMod val="50000"/>
-                    <a:lumOff val="50000"/>
-                  </a:schemeClr>
-                </a:solidFill>
-              </a:rPr>
-              <a:t>MVC applications</a:t>
-            </a:r>
-            <a:endParaRPr lang="en-US" sz="2600" dirty="0">
-              <a:solidFill>
-                <a:schemeClr val="tx1">
-                  <a:lumMod val="50000"/>
-                  <a:lumOff val="50000"/>
-                </a:schemeClr>
-              </a:solidFill>
-            </a:endParaRPr>
-          </a:p>
-          <a:p>
-            <a:pPr marL="0" lvl="0" indent="0">
-              <a:buNone/>
-            </a:pPr>
-            <a:r>
-              <a:rPr lang="en-US" dirty="0"/>
-              <a:t>g</a:t>
-            </a:r>
-            <a:r>
-              <a:rPr lang="en-US" dirty="0" smtClean="0"/>
-              <a:t>estalt </a:t>
-            </a:r>
-            <a:r>
-              <a:rPr lang="en-US" sz="2400" dirty="0" smtClean="0">
-                <a:solidFill>
-                  <a:schemeClr val="tx1">
-                    <a:lumMod val="50000"/>
-                    <a:lumOff val="50000"/>
-                  </a:schemeClr>
-                </a:solidFill>
-              </a:rPr>
-              <a:t> </a:t>
-            </a:r>
-            <a:r>
-              <a:rPr lang="en-US" sz="2400" dirty="0">
-                <a:solidFill>
-                  <a:schemeClr val="tx1">
-                    <a:lumMod val="50000"/>
-                    <a:lumOff val="50000"/>
-                  </a:schemeClr>
-                </a:solidFill>
-              </a:rPr>
-              <a:t>replacing JavaScript with Ruby (now merged into </a:t>
-            </a:r>
-            <a:r>
-              <a:rPr lang="en-US" sz="2400" dirty="0" err="1">
-                <a:solidFill>
-                  <a:schemeClr val="tx1">
-                    <a:lumMod val="50000"/>
-                    <a:lumOff val="50000"/>
-                  </a:schemeClr>
-                </a:solidFill>
-              </a:rPr>
-              <a:t>IronRuby</a:t>
-            </a:r>
-            <a:r>
-              <a:rPr lang="en-US" sz="2400" dirty="0">
-                <a:solidFill>
-                  <a:schemeClr val="tx1">
-                    <a:lumMod val="50000"/>
-                    <a:lumOff val="50000"/>
-                  </a:schemeClr>
-                </a:solidFill>
-              </a:rPr>
-              <a:t>)</a:t>
-            </a:r>
-          </a:p>
-          <a:p>
-            <a:pPr marL="0" indent="0">
-              <a:buNone/>
-            </a:pPr>
-            <a:r>
-              <a:rPr lang="en-US" dirty="0"/>
-              <a:t>m</a:t>
-            </a:r>
-            <a:r>
-              <a:rPr lang="en-US" dirty="0" smtClean="0"/>
-              <a:t>agic</a:t>
-            </a:r>
-            <a:r>
-              <a:rPr lang="en-US" sz="2400" dirty="0" smtClean="0">
-                <a:solidFill>
-                  <a:schemeClr val="tx1">
-                    <a:lumMod val="50000"/>
-                    <a:lumOff val="50000"/>
-                  </a:schemeClr>
-                </a:solidFill>
-              </a:rPr>
-              <a:t>  </a:t>
-            </a:r>
-            <a:r>
-              <a:rPr lang="en-US" sz="2400" dirty="0">
-                <a:solidFill>
-                  <a:schemeClr val="tx1">
-                    <a:lumMod val="50000"/>
-                    <a:lumOff val="50000"/>
-                  </a:schemeClr>
-                </a:solidFill>
-              </a:rPr>
-              <a:t>a UI framework for </a:t>
-            </a:r>
-            <a:r>
-              <a:rPr lang="en-US" sz="2400" dirty="0" smtClean="0">
-                <a:solidFill>
-                  <a:schemeClr val="tx1">
-                    <a:lumMod val="50000"/>
-                    <a:lumOff val="50000"/>
-                  </a:schemeClr>
-                </a:solidFill>
-              </a:rPr>
-              <a:t>Ruby</a:t>
-            </a:r>
-            <a:endParaRPr lang="en-US" sz="2400" dirty="0">
-              <a:solidFill>
-                <a:schemeClr val="tx1">
-                  <a:lumMod val="50000"/>
-                  <a:lumOff val="50000"/>
-                </a:schemeClr>
-              </a:solidFill>
-            </a:endParaRPr>
-          </a:p>
-        </p:txBody>
-      </p:sp>
-    </p:spTree>
-    <p:extLst>
-      <p:ext uri="{BB962C8B-B14F-4D97-AF65-F5344CB8AC3E}">
-        <p14:creationId xmlns:p14="http://schemas.microsoft.com/office/powerpoint/2010/main" val="472055473"/>
-      </p:ext>
-    </p:extLst>
-  </p:cSld>
-  <p:clrMapOvr>
-    <a:masterClrMapping/>
-  </p:clrMapOvr>
-  <p:timing>
-    <p:tnLst>
-      <p:par>
-        <p:cTn xmlns:p14="http://schemas.microsoft.com/office/powerpoint/2010/main" id="1" dur="indefinite" restart="never" nodeType="tmRoot"/>
-      </p:par>
-    </p:tnLst>
-  </p:timing>
-</p:sld>
-</file>
-
-<file path=ppt/slides/slide28.xml><?xml version="1.0" encoding="utf-8"?>
-<p:sld xmlns:a="http://schemas.openxmlformats.org/drawingml/2006/main" xmlns:r="http://schemas.openxmlformats.org/officeDocument/2006/relationships" xmlns:p="http://schemas.openxmlformats.org/presentationml/2006/main">
-  <p:cSld>
-    <p:spTree>
-      <p:nvGrpSpPr>
-        <p:cNvPr id="1" name=""/>
-        <p:cNvGrpSpPr/>
-        <p:nvPr/>
-      </p:nvGrpSpPr>
-      <p:grpSpPr>
-        <a:xfrm>
-          <a:off x="0" y="0"/>
-          <a:ext cx="0" cy="0"/>
-          <a:chOff x="0" y="0"/>
-          <a:chExt cx="0" cy="0"/>
-        </a:xfrm>
-      </p:grpSpPr>
-      <p:sp>
-        <p:nvSpPr>
-          <p:cNvPr id="2" name="Title 1"/>
-          <p:cNvSpPr>
-            <a:spLocks noGrp="1"/>
-          </p:cNvSpPr>
-          <p:nvPr>
-            <p:ph type="ctrTitle"/>
-          </p:nvPr>
-        </p:nvSpPr>
-        <p:spPr>
-          <a:xfrm>
-            <a:off x="609600" y="2130425"/>
-            <a:ext cx="7924800" cy="1470025"/>
-          </a:xfrm>
-        </p:spPr>
-        <p:txBody>
-          <a:bodyPr>
-            <a:noAutofit/>
-          </a:bodyPr>
-          <a:lstStyle/>
-          <a:p>
-            <a:r>
-              <a:rPr lang="en-US" sz="9600" dirty="0" smtClean="0"/>
-              <a:t>Questions?</a:t>
-            </a:r>
-            <a:endParaRPr lang="en-US" sz="9600" dirty="0"/>
-          </a:p>
-        </p:txBody>
-      </p:sp>
-      <p:sp>
-        <p:nvSpPr>
-          <p:cNvPr id="3" name="Subtitle 2"/>
-          <p:cNvSpPr>
-            <a:spLocks noGrp="1"/>
-          </p:cNvSpPr>
-          <p:nvPr>
-            <p:ph type="subTitle" idx="1"/>
-          </p:nvPr>
-        </p:nvSpPr>
-        <p:spPr>
-          <a:xfrm>
-            <a:off x="609600" y="3886200"/>
-            <a:ext cx="7848600" cy="1752600"/>
-          </a:xfrm>
-        </p:spPr>
-        <p:txBody>
-          <a:bodyPr/>
-          <a:lstStyle/>
-          <a:p>
-            <a:pPr algn="l"/>
-            <a:r>
-              <a:rPr lang="en-US" dirty="0"/>
-              <a:t>i</a:t>
-            </a:r>
-            <a:r>
-              <a:rPr lang="en-US" dirty="0" smtClean="0"/>
-              <a:t>ronruby.net</a:t>
-            </a:r>
-            <a:endParaRPr lang="en-US" dirty="0"/>
-          </a:p>
-          <a:p>
-            <a:pPr algn="l"/>
-            <a:r>
-              <a:rPr lang="en-US" dirty="0" smtClean="0"/>
-              <a:t>jimmy.schementi.com/blog</a:t>
-            </a:r>
-          </a:p>
-          <a:p>
-            <a:pPr algn="r"/>
-            <a:endParaRPr lang="en-US" dirty="0" smtClean="0"/>
-          </a:p>
-        </p:txBody>
-      </p:sp>
-    </p:spTree>
-    <p:extLst>
-      <p:ext uri="{BB962C8B-B14F-4D97-AF65-F5344CB8AC3E}">
-        <p14:creationId xmlns:p14="http://schemas.microsoft.com/office/powerpoint/2010/main" val="96299591"/>
-      </p:ext>
-    </p:extLst>
-  </p:cSld>
-  <p:clrMapOvr>
-    <a:masterClrMapping/>
-  </p:clrMapOvr>
-  <p:timing>
-    <p:tnLst>
-      <p:par>
-        <p:cTn xmlns:p14="http://schemas.microsoft.com/office/powerpoint/2010/main" id="1" dur="indefinite" restart="never" nodeType="tmRoot"/>
-      </p:par>
-    </p:tnLst>
-  </p:timing>
-</p:sld>
-</file>
-
-<file path=ppt/slides/slide3.xml><?xml version="1.0" encoding="utf-8"?>
+<file path=ppt/slides/slide4.xml><?xml version="1.0" encoding="utf-8"?>
 <p:sld xmlns:a="http://schemas.openxmlformats.org/drawingml/2006/main" xmlns:r="http://schemas.openxmlformats.org/officeDocument/2006/relationships" xmlns:p="http://schemas.openxmlformats.org/presentationml/2006/main">
   <p:cSld>
     <p:spTree>
@@ -11701,7 +12440,7 @@
 </p:sld>
 </file>
 
-<file path=ppt/slides/slide4.xml><?xml version="1.0" encoding="utf-8"?>
+<file path=ppt/slides/slide5.xml><?xml version="1.0" encoding="utf-8"?>
 <p:sld xmlns:a="http://schemas.openxmlformats.org/drawingml/2006/main" xmlns:r="http://schemas.openxmlformats.org/officeDocument/2006/relationships" xmlns:p="http://schemas.openxmlformats.org/presentationml/2006/main">
   <p:cSld>
     <p:spTree>
@@ -11779,7 +12518,7 @@
 </p:sld>
 </file>
 
-<file path=ppt/slides/slide5.xml><?xml version="1.0" encoding="utf-8"?>
+<file path=ppt/slides/slide6.xml><?xml version="1.0" encoding="utf-8"?>
 <p:sld xmlns:a="http://schemas.openxmlformats.org/drawingml/2006/main" xmlns:r="http://schemas.openxmlformats.org/officeDocument/2006/relationships" xmlns:p="http://schemas.openxmlformats.org/presentationml/2006/main">
   <p:cSld>
     <p:spTree>
@@ -11857,7 +12596,7 @@
 </p:sld>
 </file>
 
-<file path=ppt/slides/slide6.xml><?xml version="1.0" encoding="utf-8"?>
+<file path=ppt/slides/slide7.xml><?xml version="1.0" encoding="utf-8"?>
 <p:sld xmlns:a="http://schemas.openxmlformats.org/drawingml/2006/main" xmlns:r="http://schemas.openxmlformats.org/officeDocument/2006/relationships" xmlns:p="http://schemas.openxmlformats.org/presentationml/2006/main">
   <p:cSld>
     <p:bg>
@@ -12059,7 +12798,7 @@
 </p:sld>
 </file>
 
-<file path=ppt/slides/slide7.xml><?xml version="1.0" encoding="utf-8"?>
+<file path=ppt/slides/slide8.xml><?xml version="1.0" encoding="utf-8"?>
 <p:sld xmlns:a="http://schemas.openxmlformats.org/drawingml/2006/main" xmlns:r="http://schemas.openxmlformats.org/officeDocument/2006/relationships" xmlns:p="http://schemas.openxmlformats.org/presentationml/2006/main">
   <p:cSld>
     <p:spTree>
@@ -12134,7 +12873,7 @@
 </p:sld>
 </file>
 
-<file path=ppt/slides/slide8.xml><?xml version="1.0" encoding="utf-8"?>
+<file path=ppt/slides/slide9.xml><?xml version="1.0" encoding="utf-8"?>
 <p:sld xmlns:a="http://schemas.openxmlformats.org/drawingml/2006/main" xmlns:r="http://schemas.openxmlformats.org/officeDocument/2006/relationships" xmlns:p="http://schemas.openxmlformats.org/presentationml/2006/main">
   <p:cSld>
     <p:spTree>
@@ -12578,534 +13317,6 @@
     <p:bldLst>
       <p:bldP spid="4" grpId="0" animBg="1"/>
     </p:bldLst>
-  </p:timing>
-</p:sld>
-</file>
-
-<file path=ppt/slides/slide9.xml><?xml version="1.0" encoding="utf-8"?>
-<p:sld xmlns:a="http://schemas.openxmlformats.org/drawingml/2006/main" xmlns:r="http://schemas.openxmlformats.org/officeDocument/2006/relationships" xmlns:p="http://schemas.openxmlformats.org/presentationml/2006/main">
-  <p:cSld>
-    <p:spTree>
-      <p:nvGrpSpPr>
-        <p:cNvPr id="1" name=""/>
-        <p:cNvGrpSpPr/>
-        <p:nvPr/>
-      </p:nvGrpSpPr>
-      <p:grpSpPr>
-        <a:xfrm>
-          <a:off x="0" y="0"/>
-          <a:ext cx="0" cy="0"/>
-          <a:chOff x="0" y="0"/>
-          <a:chExt cx="0" cy="0"/>
-        </a:xfrm>
-      </p:grpSpPr>
-      <p:graphicFrame>
-        <p:nvGraphicFramePr>
-          <p:cNvPr id="4" name="Content Placeholder 3"/>
-          <p:cNvGraphicFramePr>
-            <a:graphicFrameLocks noGrp="1"/>
-          </p:cNvGraphicFramePr>
-          <p:nvPr>
-            <p:ph idx="1"/>
-            <p:extLst>
-              <p:ext uri="{D42A27DB-BD31-4B8C-83A1-F6EECF244321}">
-                <p14:modId xmlns:p14="http://schemas.microsoft.com/office/powerpoint/2010/main" val="832931751"/>
-              </p:ext>
-            </p:extLst>
-          </p:nvPr>
-        </p:nvGraphicFramePr>
-        <p:xfrm>
-          <a:off x="0" y="-1"/>
-          <a:ext cx="9144000" cy="6858000"/>
-        </p:xfrm>
-        <a:graphic>
-          <a:graphicData uri="http://schemas.openxmlformats.org/drawingml/2006/table">
-            <a:tbl>
-              <a:tblPr firstCol="1">
-                <a:tableStyleId>{793D81CF-94F2-401A-BA57-92F5A7B2D0C5}</a:tableStyleId>
-              </a:tblPr>
-              <a:tblGrid>
-                <a:gridCol w="772747"/>
-                <a:gridCol w="8371253"/>
-              </a:tblGrid>
-              <a:tr h="935226">
-                <a:tc>
-                  <a:txBody>
-                    <a:bodyPr/>
-                    <a:lstStyle/>
-                    <a:p>
-                      <a:pPr marL="0" marR="0" algn="ctr">
-                        <a:lnSpc>
-                          <a:spcPct val="115000"/>
-                        </a:lnSpc>
-                        <a:spcBef>
-                          <a:spcPts val="0"/>
-                        </a:spcBef>
-                        <a:spcAft>
-                          <a:spcPts val="0"/>
-                        </a:spcAft>
-                      </a:pPr>
-                      <a:r>
-                        <a:rPr lang="en-US" sz="2400" dirty="0" smtClean="0">
-                          <a:solidFill>
-                            <a:schemeClr val="bg1"/>
-                          </a:solidFill>
-                          <a:effectLst/>
-                        </a:rPr>
-                        <a:t>5 </a:t>
-                      </a:r>
-                      <a:r>
-                        <a:rPr lang="en-US" sz="2400" dirty="0" err="1" smtClean="0">
-                          <a:solidFill>
-                            <a:schemeClr val="bg1"/>
-                          </a:solidFill>
-                          <a:effectLst/>
-                        </a:rPr>
-                        <a:t>mins</a:t>
-                      </a:r>
-                      <a:endParaRPr lang="en-US" sz="2400" dirty="0">
-                        <a:solidFill>
-                          <a:schemeClr val="bg1"/>
-                        </a:solidFill>
-                        <a:effectLst/>
-                        <a:latin typeface="Calibri"/>
-                        <a:ea typeface="Times New Roman"/>
-                        <a:cs typeface="Times New Roman"/>
-                      </a:endParaRPr>
-                    </a:p>
-                  </a:txBody>
-                  <a:tcPr marL="68580" marR="68580" marT="0" marB="0" vert="vert270" anchor="ctr">
-                    <a:solidFill>
-                      <a:schemeClr val="tx1">
-                        <a:lumMod val="85000"/>
-                        <a:lumOff val="15000"/>
-                      </a:schemeClr>
-                    </a:solidFill>
-                  </a:tcPr>
-                </a:tc>
-                <a:tc>
-                  <a:txBody>
-                    <a:bodyPr/>
-                    <a:lstStyle/>
-                    <a:p>
-                      <a:pPr marL="0" marR="0" algn="l">
-                        <a:lnSpc>
-                          <a:spcPct val="115000"/>
-                        </a:lnSpc>
-                        <a:spcBef>
-                          <a:spcPts val="0"/>
-                        </a:spcBef>
-                        <a:spcAft>
-                          <a:spcPts val="0"/>
-                        </a:spcAft>
-                      </a:pPr>
-                      <a:r>
-                        <a:rPr lang="en-US" sz="3600" dirty="0" smtClean="0">
-                          <a:solidFill>
-                            <a:schemeClr val="bg1"/>
-                          </a:solidFill>
-                          <a:effectLst/>
-                        </a:rPr>
-                        <a:t>  What’s </a:t>
-                      </a:r>
-                      <a:r>
-                        <a:rPr lang="en-US" sz="3600" dirty="0" err="1" smtClean="0">
-                          <a:solidFill>
-                            <a:schemeClr val="bg1"/>
-                          </a:solidFill>
-                          <a:effectLst/>
-                        </a:rPr>
-                        <a:t>IronRuby</a:t>
-                      </a:r>
-                      <a:r>
-                        <a:rPr lang="en-US" sz="3600" dirty="0" smtClean="0">
-                          <a:solidFill>
-                            <a:schemeClr val="bg1"/>
-                          </a:solidFill>
-                          <a:effectLst/>
-                        </a:rPr>
-                        <a:t> and what’s it useful</a:t>
-                      </a:r>
-                      <a:r>
-                        <a:rPr lang="en-US" sz="3600" baseline="0" dirty="0" smtClean="0">
-                          <a:solidFill>
-                            <a:schemeClr val="bg1"/>
-                          </a:solidFill>
-                          <a:effectLst/>
-                        </a:rPr>
-                        <a:t> for?</a:t>
-                      </a:r>
-                      <a:endParaRPr lang="en-US" sz="3600" dirty="0">
-                        <a:solidFill>
-                          <a:schemeClr val="bg1"/>
-                        </a:solidFill>
-                        <a:effectLst/>
-                        <a:latin typeface="+mn-lt"/>
-                        <a:ea typeface="Times New Roman"/>
-                        <a:cs typeface="Times New Roman"/>
-                      </a:endParaRPr>
-                    </a:p>
-                  </a:txBody>
-                  <a:tcPr marL="68580" marR="68580" marT="0" marB="0" anchor="ctr">
-                    <a:solidFill>
-                      <a:schemeClr val="tx1"/>
-                    </a:solidFill>
-                  </a:tcPr>
-                </a:tc>
-              </a:tr>
-              <a:tr h="1526514">
-                <a:tc>
-                  <a:txBody>
-                    <a:bodyPr/>
-                    <a:lstStyle/>
-                    <a:p>
-                      <a:pPr marL="0" marR="0" algn="ctr">
-                        <a:lnSpc>
-                          <a:spcPct val="115000"/>
-                        </a:lnSpc>
-                        <a:spcBef>
-                          <a:spcPts val="0"/>
-                        </a:spcBef>
-                        <a:spcAft>
-                          <a:spcPts val="0"/>
-                        </a:spcAft>
-                      </a:pPr>
-                      <a:r>
-                        <a:rPr lang="en-US" sz="2400" dirty="0" smtClean="0">
-                          <a:solidFill>
-                            <a:schemeClr val="bg1"/>
-                          </a:solidFill>
-                          <a:effectLst/>
-                        </a:rPr>
-                        <a:t>10 </a:t>
-                      </a:r>
-                      <a:r>
-                        <a:rPr lang="en-US" sz="2400" baseline="0" dirty="0" err="1" smtClean="0">
-                          <a:solidFill>
-                            <a:schemeClr val="bg1"/>
-                          </a:solidFill>
-                          <a:effectLst/>
-                        </a:rPr>
-                        <a:t>m</a:t>
-                      </a:r>
-                      <a:r>
-                        <a:rPr lang="en-US" sz="2400" dirty="0" err="1" smtClean="0">
-                          <a:solidFill>
-                            <a:schemeClr val="bg1"/>
-                          </a:solidFill>
-                          <a:effectLst/>
-                        </a:rPr>
-                        <a:t>ins</a:t>
-                      </a:r>
-                      <a:endParaRPr lang="en-US" sz="2400" dirty="0">
-                        <a:solidFill>
-                          <a:schemeClr val="bg1"/>
-                        </a:solidFill>
-                        <a:effectLst/>
-                        <a:latin typeface="Calibri"/>
-                        <a:ea typeface="Times New Roman"/>
-                        <a:cs typeface="Times New Roman"/>
-                      </a:endParaRPr>
-                    </a:p>
-                  </a:txBody>
-                  <a:tcPr marL="68580" marR="68580" marT="0" marB="0" vert="vert270" anchor="ctr">
-                    <a:solidFill>
-                      <a:schemeClr val="tx1">
-                        <a:lumMod val="85000"/>
-                        <a:lumOff val="15000"/>
-                      </a:schemeClr>
-                    </a:solidFill>
-                  </a:tcPr>
-                </a:tc>
-                <a:tc>
-                  <a:txBody>
-                    <a:bodyPr/>
-                    <a:lstStyle/>
-                    <a:p>
-                      <a:pPr marL="0" marR="0" algn="l">
-                        <a:lnSpc>
-                          <a:spcPct val="115000"/>
-                        </a:lnSpc>
-                        <a:spcBef>
-                          <a:spcPts val="0"/>
-                        </a:spcBef>
-                        <a:spcAft>
-                          <a:spcPts val="0"/>
-                        </a:spcAft>
-                      </a:pPr>
-                      <a:r>
-                        <a:rPr lang="en-US" sz="3600" dirty="0" smtClean="0">
-                          <a:solidFill>
-                            <a:schemeClr val="bg1"/>
-                          </a:solidFill>
-                          <a:effectLst/>
-                        </a:rPr>
-                        <a:t>  Ruby HTML</a:t>
-                      </a:r>
-                      <a:r>
-                        <a:rPr lang="en-US" sz="3600" baseline="0" dirty="0" smtClean="0">
-                          <a:solidFill>
-                            <a:schemeClr val="bg1"/>
-                          </a:solidFill>
-                          <a:effectLst/>
-                        </a:rPr>
-                        <a:t> script-tags</a:t>
-                      </a:r>
-                      <a:endParaRPr lang="en-US" sz="3600" dirty="0">
-                        <a:solidFill>
-                          <a:schemeClr val="bg1"/>
-                        </a:solidFill>
-                        <a:effectLst/>
-                        <a:latin typeface="Calibri"/>
-                        <a:ea typeface="Times New Roman"/>
-                        <a:cs typeface="Times New Roman"/>
-                      </a:endParaRPr>
-                    </a:p>
-                  </a:txBody>
-                  <a:tcPr marL="68580" marR="68580" marT="0" marB="0" anchor="ctr">
-                    <a:solidFill>
-                      <a:schemeClr val="tx1">
-                        <a:lumMod val="85000"/>
-                        <a:lumOff val="15000"/>
-                      </a:schemeClr>
-                    </a:solidFill>
-                  </a:tcPr>
-                </a:tc>
-              </a:tr>
-              <a:tr h="2852667">
-                <a:tc>
-                  <a:txBody>
-                    <a:bodyPr/>
-                    <a:lstStyle/>
-                    <a:p>
-                      <a:pPr marL="0" marR="0" algn="ctr">
-                        <a:lnSpc>
-                          <a:spcPct val="115000"/>
-                        </a:lnSpc>
-                        <a:spcBef>
-                          <a:spcPts val="0"/>
-                        </a:spcBef>
-                        <a:spcAft>
-                          <a:spcPts val="0"/>
-                        </a:spcAft>
-                      </a:pPr>
-                      <a:r>
-                        <a:rPr lang="en-US" sz="2400" dirty="0" smtClean="0">
-                          <a:solidFill>
-                            <a:schemeClr val="bg1"/>
-                          </a:solidFill>
-                          <a:effectLst/>
-                        </a:rPr>
-                        <a:t>15 </a:t>
-                      </a:r>
-                      <a:r>
-                        <a:rPr lang="en-US" sz="2400" dirty="0" err="1" smtClean="0">
-                          <a:solidFill>
-                            <a:schemeClr val="bg1"/>
-                          </a:solidFill>
-                          <a:effectLst/>
-                        </a:rPr>
-                        <a:t>mins</a:t>
-                      </a:r>
-                      <a:endParaRPr lang="en-US" sz="2400" dirty="0">
-                        <a:solidFill>
-                          <a:schemeClr val="bg1"/>
-                        </a:solidFill>
-                        <a:effectLst/>
-                        <a:latin typeface="Calibri"/>
-                        <a:ea typeface="Times New Roman"/>
-                        <a:cs typeface="Times New Roman"/>
-                      </a:endParaRPr>
-                    </a:p>
-                  </a:txBody>
-                  <a:tcPr marL="68580" marR="68580" marT="0" marB="0" vert="vert270" anchor="ctr">
-                    <a:solidFill>
-                      <a:schemeClr val="tx1">
-                        <a:lumMod val="85000"/>
-                        <a:lumOff val="15000"/>
-                      </a:schemeClr>
-                    </a:solidFill>
-                  </a:tcPr>
-                </a:tc>
-                <a:tc>
-                  <a:txBody>
-                    <a:bodyPr/>
-                    <a:lstStyle/>
-                    <a:p>
-                      <a:pPr marL="0" marR="0">
-                        <a:lnSpc>
-                          <a:spcPct val="115000"/>
-                        </a:lnSpc>
-                        <a:spcBef>
-                          <a:spcPts val="0"/>
-                        </a:spcBef>
-                        <a:spcAft>
-                          <a:spcPts val="0"/>
-                        </a:spcAft>
-                      </a:pPr>
-                      <a:r>
-                        <a:rPr lang="en-US" sz="3600" dirty="0" smtClean="0">
-                          <a:solidFill>
-                            <a:schemeClr val="bg1"/>
-                          </a:solidFill>
-                          <a:effectLst/>
-                        </a:rPr>
-                        <a:t>  Embedding</a:t>
-                      </a:r>
-                      <a:r>
-                        <a:rPr lang="en-US" sz="3600" baseline="0" dirty="0" smtClean="0">
-                          <a:solidFill>
-                            <a:schemeClr val="bg1"/>
-                          </a:solidFill>
-                          <a:effectLst/>
-                        </a:rPr>
-                        <a:t> Ruby – “Scriptable” apps</a:t>
-                      </a:r>
-                      <a:endParaRPr lang="en-US" sz="3600" dirty="0">
-                        <a:solidFill>
-                          <a:schemeClr val="bg1"/>
-                        </a:solidFill>
-                        <a:effectLst/>
-                        <a:latin typeface="Calibri"/>
-                        <a:ea typeface="Times New Roman"/>
-                        <a:cs typeface="Times New Roman"/>
-                      </a:endParaRPr>
-                    </a:p>
-                  </a:txBody>
-                  <a:tcPr marL="68580" marR="68580" marT="0" marB="0" anchor="ctr">
-                    <a:solidFill>
-                      <a:schemeClr val="tx1"/>
-                    </a:solidFill>
-                  </a:tcPr>
-                </a:tc>
-              </a:tr>
-              <a:tr h="1543593">
-                <a:tc>
-                  <a:txBody>
-                    <a:bodyPr/>
-                    <a:lstStyle/>
-                    <a:p>
-                      <a:pPr marL="0" marR="0" algn="ctr">
-                        <a:lnSpc>
-                          <a:spcPct val="115000"/>
-                        </a:lnSpc>
-                        <a:spcBef>
-                          <a:spcPts val="0"/>
-                        </a:spcBef>
-                        <a:spcAft>
-                          <a:spcPts val="0"/>
-                        </a:spcAft>
-                      </a:pPr>
-                      <a:r>
-                        <a:rPr lang="en-US" sz="2400" dirty="0" smtClean="0">
-                          <a:solidFill>
-                            <a:schemeClr val="bg1"/>
-                          </a:solidFill>
-                          <a:effectLst/>
-                        </a:rPr>
-                        <a:t>10 </a:t>
-                      </a:r>
-                      <a:r>
-                        <a:rPr lang="en-US" sz="2400" dirty="0" err="1" smtClean="0">
-                          <a:solidFill>
-                            <a:schemeClr val="bg1"/>
-                          </a:solidFill>
-                          <a:effectLst/>
-                        </a:rPr>
-                        <a:t>mins</a:t>
-                      </a:r>
-                      <a:endParaRPr lang="en-US" sz="2400" dirty="0">
-                        <a:solidFill>
-                          <a:schemeClr val="bg1"/>
-                        </a:solidFill>
-                        <a:effectLst/>
-                        <a:latin typeface="Calibri"/>
-                        <a:ea typeface="Times New Roman"/>
-                        <a:cs typeface="Times New Roman"/>
-                      </a:endParaRPr>
-                    </a:p>
-                  </a:txBody>
-                  <a:tcPr marL="68580" marR="68580" marT="0" marB="0" vert="vert270" anchor="ctr">
-                    <a:solidFill>
-                      <a:schemeClr val="tx1">
-                        <a:lumMod val="85000"/>
-                        <a:lumOff val="15000"/>
-                      </a:schemeClr>
-                    </a:solidFill>
-                  </a:tcPr>
-                </a:tc>
-                <a:tc>
-                  <a:txBody>
-                    <a:bodyPr/>
-                    <a:lstStyle/>
-                    <a:p>
-                      <a:pPr marL="0" marR="0">
-                        <a:lnSpc>
-                          <a:spcPct val="115000"/>
-                        </a:lnSpc>
-                        <a:spcBef>
-                          <a:spcPts val="0"/>
-                        </a:spcBef>
-                        <a:spcAft>
-                          <a:spcPts val="0"/>
-                        </a:spcAft>
-                      </a:pPr>
-                      <a:r>
-                        <a:rPr lang="en-US" sz="3600" dirty="0" smtClean="0">
-                          <a:solidFill>
-                            <a:schemeClr val="bg1"/>
-                          </a:solidFill>
-                          <a:effectLst/>
-                        </a:rPr>
-                        <a:t>  State of </a:t>
-                      </a:r>
-                      <a:r>
-                        <a:rPr lang="en-US" sz="3600" dirty="0" err="1" smtClean="0">
-                          <a:solidFill>
-                            <a:schemeClr val="bg1"/>
-                          </a:solidFill>
-                          <a:effectLst/>
-                        </a:rPr>
-                        <a:t>IronRuby</a:t>
-                      </a:r>
-                      <a:endParaRPr lang="en-US" sz="3600" dirty="0">
-                        <a:solidFill>
-                          <a:schemeClr val="bg1"/>
-                        </a:solidFill>
-                        <a:effectLst/>
-                        <a:latin typeface="Calibri"/>
-                        <a:ea typeface="Times New Roman"/>
-                        <a:cs typeface="Times New Roman"/>
-                      </a:endParaRPr>
-                    </a:p>
-                  </a:txBody>
-                  <a:tcPr marL="68580" marR="68580" marT="0" marB="0" anchor="ctr">
-                    <a:solidFill>
-                      <a:schemeClr val="tx1"/>
-                    </a:solidFill>
-                  </a:tcPr>
-                </a:tc>
-              </a:tr>
-            </a:tbl>
-          </a:graphicData>
-        </a:graphic>
-      </p:graphicFrame>
-    </p:spTree>
-    <p:extLst>
-      <p:ext uri="{BB962C8B-B14F-4D97-AF65-F5344CB8AC3E}">
-        <p14:creationId xmlns:p14="http://schemas.microsoft.com/office/powerpoint/2010/main" val="3968666690"/>
-      </p:ext>
-    </p:extLst>
-  </p:cSld>
-  <p:clrMapOvr>
-    <a:masterClrMapping/>
-  </p:clrMapOvr>
-  <p:timing>
-    <p:tnLst>
-      <p:par>
-        <p:cTn xmlns:p14="http://schemas.microsoft.com/office/powerpoint/2010/main" id="1" dur="indefinite" restart="never" nodeType="tmRoot"/>
-      </p:par>
-    </p:tnLst>
   </p:timing>
 </p:sld>
 </file>

--- a/jimmysch-ironruby.pptx
+++ b/jimmysch-ironruby.pptx
@@ -5,7 +5,7 @@
     <p:sldMasterId id="2147483684" r:id="rId1"/>
   </p:sldMasterIdLst>
   <p:notesMasterIdLst>
-    <p:notesMasterId r:id="rId31"/>
+    <p:notesMasterId r:id="rId30"/>
   </p:notesMasterIdLst>
   <p:sldIdLst>
     <p:sldId id="288" r:id="rId2"/>
@@ -24,19 +24,18 @@
     <p:sldId id="262" r:id="rId15"/>
     <p:sldId id="280" r:id="rId16"/>
     <p:sldId id="281" r:id="rId17"/>
-    <p:sldId id="282" r:id="rId18"/>
-    <p:sldId id="267" r:id="rId19"/>
-    <p:sldId id="279" r:id="rId20"/>
-    <p:sldId id="263" r:id="rId21"/>
-    <p:sldId id="269" r:id="rId22"/>
-    <p:sldId id="270" r:id="rId23"/>
-    <p:sldId id="271" r:id="rId24"/>
-    <p:sldId id="272" r:id="rId25"/>
-    <p:sldId id="273" r:id="rId26"/>
-    <p:sldId id="274" r:id="rId27"/>
-    <p:sldId id="275" r:id="rId28"/>
-    <p:sldId id="286" r:id="rId29"/>
-    <p:sldId id="276" r:id="rId30"/>
+    <p:sldId id="267" r:id="rId18"/>
+    <p:sldId id="279" r:id="rId19"/>
+    <p:sldId id="263" r:id="rId20"/>
+    <p:sldId id="269" r:id="rId21"/>
+    <p:sldId id="270" r:id="rId22"/>
+    <p:sldId id="271" r:id="rId23"/>
+    <p:sldId id="272" r:id="rId24"/>
+    <p:sldId id="273" r:id="rId25"/>
+    <p:sldId id="274" r:id="rId26"/>
+    <p:sldId id="275" r:id="rId27"/>
+    <p:sldId id="286" r:id="rId28"/>
+    <p:sldId id="276" r:id="rId29"/>
   </p:sldIdLst>
   <p:sldSz cx="9144000" cy="6858000" type="screen4x3"/>
   <p:notesSz cx="6858000" cy="9144000"/>
@@ -220,7 +219,7 @@
           <a:p>
             <a:fld id="{FF591605-0622-412E-9A0F-A30D7EFBCC03}" type="datetimeFigureOut">
               <a:rPr lang="en-US" smtClean="0"/>
-              <a:t>11/20/2009</a:t>
+              <a:t>12/15/2009</a:t>
             </a:fld>
             <a:endParaRPr lang="en-US"/>
           </a:p>
@@ -898,7 +897,7 @@
           <a:p>
             <a:fld id="{8A79B42D-FAB0-42F8-B8FC-0BAA5E7F7E3E}" type="slidenum">
               <a:rPr lang="en-US" smtClean="0"/>
-              <a:t>18</a:t>
+              <a:t>17</a:t>
             </a:fld>
             <a:endParaRPr lang="en-US"/>
           </a:p>
@@ -982,7 +981,7 @@
           <a:p>
             <a:fld id="{8A79B42D-FAB0-42F8-B8FC-0BAA5E7F7E3E}" type="slidenum">
               <a:rPr lang="en-US" smtClean="0"/>
-              <a:t>19</a:t>
+              <a:t>18</a:t>
             </a:fld>
             <a:endParaRPr lang="en-US"/>
           </a:p>
@@ -1070,7 +1069,7 @@
           <a:p>
             <a:fld id="{8A79B42D-FAB0-42F8-B8FC-0BAA5E7F7E3E}" type="slidenum">
               <a:rPr lang="en-US" smtClean="0"/>
-              <a:t>20</a:t>
+              <a:t>19</a:t>
             </a:fld>
             <a:endParaRPr lang="en-US"/>
           </a:p>
@@ -1186,7 +1185,7 @@
           <a:p>
             <a:fld id="{8A79B42D-FAB0-42F8-B8FC-0BAA5E7F7E3E}" type="slidenum">
               <a:rPr lang="en-US" smtClean="0"/>
-              <a:t>21</a:t>
+              <a:t>20</a:t>
             </a:fld>
             <a:endParaRPr lang="en-US"/>
           </a:p>
@@ -1327,7 +1326,7 @@
           <a:p>
             <a:fld id="{8A79B42D-FAB0-42F8-B8FC-0BAA5E7F7E3E}" type="slidenum">
               <a:rPr lang="en-US" smtClean="0"/>
-              <a:t>22</a:t>
+              <a:t>21</a:t>
             </a:fld>
             <a:endParaRPr lang="en-US"/>
           </a:p>
@@ -1468,7 +1467,7 @@
           <a:p>
             <a:fld id="{8A79B42D-FAB0-42F8-B8FC-0BAA5E7F7E3E}" type="slidenum">
               <a:rPr lang="en-US" smtClean="0"/>
-              <a:t>23</a:t>
+              <a:t>22</a:t>
             </a:fld>
             <a:endParaRPr lang="en-US"/>
           </a:p>
@@ -1609,7 +1608,7 @@
           <a:p>
             <a:fld id="{8A79B42D-FAB0-42F8-B8FC-0BAA5E7F7E3E}" type="slidenum">
               <a:rPr lang="en-US" smtClean="0"/>
-              <a:t>24</a:t>
+              <a:t>23</a:t>
             </a:fld>
             <a:endParaRPr lang="en-US"/>
           </a:p>
@@ -1750,7 +1749,7 @@
           <a:p>
             <a:fld id="{8A79B42D-FAB0-42F8-B8FC-0BAA5E7F7E3E}" type="slidenum">
               <a:rPr lang="en-US" smtClean="0"/>
-              <a:t>25</a:t>
+              <a:t>24</a:t>
             </a:fld>
             <a:endParaRPr lang="en-US"/>
           </a:p>
@@ -1982,7 +1981,7 @@
           <a:p>
             <a:fld id="{8A79B42D-FAB0-42F8-B8FC-0BAA5E7F7E3E}" type="slidenum">
               <a:rPr lang="en-US" smtClean="0"/>
-              <a:t>29</a:t>
+              <a:t>28</a:t>
             </a:fld>
             <a:endParaRPr lang="en-US"/>
           </a:p>
@@ -2960,7 +2959,7 @@
           <a:p>
             <a:fld id="{B6204BE3-0888-4C92-A3D5-8C39B6D4680B}" type="datetimeFigureOut">
               <a:rPr lang="en-US" smtClean="0"/>
-              <a:t>11/20/2009</a:t>
+              <a:t>12/15/2009</a:t>
             </a:fld>
             <a:endParaRPr lang="en-US"/>
           </a:p>
@@ -3137,7 +3136,7 @@
           <a:p>
             <a:fld id="{B6204BE3-0888-4C92-A3D5-8C39B6D4680B}" type="datetimeFigureOut">
               <a:rPr lang="en-US" smtClean="0"/>
-              <a:t>11/20/2009</a:t>
+              <a:t>12/15/2009</a:t>
             </a:fld>
             <a:endParaRPr lang="en-US"/>
           </a:p>
@@ -3317,7 +3316,7 @@
           <a:p>
             <a:fld id="{B6204BE3-0888-4C92-A3D5-8C39B6D4680B}" type="datetimeFigureOut">
               <a:rPr lang="en-US" smtClean="0"/>
-              <a:t>11/20/2009</a:t>
+              <a:t>12/15/2009</a:t>
             </a:fld>
             <a:endParaRPr lang="en-US"/>
           </a:p>
@@ -3487,7 +3486,7 @@
           <a:p>
             <a:fld id="{B6204BE3-0888-4C92-A3D5-8C39B6D4680B}" type="datetimeFigureOut">
               <a:rPr lang="en-US" smtClean="0"/>
-              <a:t>11/20/2009</a:t>
+              <a:t>12/15/2009</a:t>
             </a:fld>
             <a:endParaRPr lang="en-US"/>
           </a:p>
@@ -3740,7 +3739,7 @@
           <a:p>
             <a:fld id="{B6204BE3-0888-4C92-A3D5-8C39B6D4680B}" type="datetimeFigureOut">
               <a:rPr lang="en-US" smtClean="0"/>
-              <a:t>11/20/2009</a:t>
+              <a:t>12/15/2009</a:t>
             </a:fld>
             <a:endParaRPr lang="en-US"/>
           </a:p>
@@ -4035,7 +4034,7 @@
           <a:p>
             <a:fld id="{B6204BE3-0888-4C92-A3D5-8C39B6D4680B}" type="datetimeFigureOut">
               <a:rPr lang="en-US" smtClean="0"/>
-              <a:t>11/20/2009</a:t>
+              <a:t>12/15/2009</a:t>
             </a:fld>
             <a:endParaRPr lang="en-US"/>
           </a:p>
@@ -4464,7 +4463,7 @@
           <a:p>
             <a:fld id="{B6204BE3-0888-4C92-A3D5-8C39B6D4680B}" type="datetimeFigureOut">
               <a:rPr lang="en-US" smtClean="0"/>
-              <a:t>11/20/2009</a:t>
+              <a:t>12/15/2009</a:t>
             </a:fld>
             <a:endParaRPr lang="en-US"/>
           </a:p>
@@ -4582,7 +4581,7 @@
           <a:p>
             <a:fld id="{B6204BE3-0888-4C92-A3D5-8C39B6D4680B}" type="datetimeFigureOut">
               <a:rPr lang="en-US" smtClean="0"/>
-              <a:t>11/20/2009</a:t>
+              <a:t>12/15/2009</a:t>
             </a:fld>
             <a:endParaRPr lang="en-US"/>
           </a:p>
@@ -4677,7 +4676,7 @@
           <a:p>
             <a:fld id="{B6204BE3-0888-4C92-A3D5-8C39B6D4680B}" type="datetimeFigureOut">
               <a:rPr lang="en-US" smtClean="0"/>
-              <a:t>11/20/2009</a:t>
+              <a:t>12/15/2009</a:t>
             </a:fld>
             <a:endParaRPr lang="en-US"/>
           </a:p>
@@ -4954,7 +4953,7 @@
           <a:p>
             <a:fld id="{B6204BE3-0888-4C92-A3D5-8C39B6D4680B}" type="datetimeFigureOut">
               <a:rPr lang="en-US" smtClean="0"/>
-              <a:t>11/20/2009</a:t>
+              <a:t>12/15/2009</a:t>
             </a:fld>
             <a:endParaRPr lang="en-US"/>
           </a:p>
@@ -5207,7 +5206,7 @@
           <a:p>
             <a:fld id="{B6204BE3-0888-4C92-A3D5-8C39B6D4680B}" type="datetimeFigureOut">
               <a:rPr lang="en-US" smtClean="0"/>
-              <a:t>11/20/2009</a:t>
+              <a:t>12/15/2009</a:t>
             </a:fld>
             <a:endParaRPr lang="en-US"/>
           </a:p>
@@ -5423,7 +5422,7 @@
           <a:p>
             <a:fld id="{B6204BE3-0888-4C92-A3D5-8C39B6D4680B}" type="datetimeFigureOut">
               <a:rPr lang="en-US" smtClean="0"/>
-              <a:t>11/20/2009</a:t>
+              <a:t>12/15/2009</a:t>
             </a:fld>
             <a:endParaRPr lang="en-US"/>
           </a:p>
@@ -6411,7 +6410,7 @@
 </file>
 
 <file path=ppt/slides/slide11.xml><?xml version="1.0" encoding="utf-8"?>
-<p:sld xmlns:a="http://schemas.openxmlformats.org/drawingml/2006/main" xmlns:r="http://schemas.openxmlformats.org/officeDocument/2006/relationships" xmlns:p="http://schemas.openxmlformats.org/presentationml/2006/main" show="0">
+<p:sld xmlns:a="http://schemas.openxmlformats.org/drawingml/2006/main" xmlns:r="http://schemas.openxmlformats.org/officeDocument/2006/relationships" xmlns:p="http://schemas.openxmlformats.org/presentationml/2006/main">
   <p:cSld>
     <p:spTree>
       <p:nvGrpSpPr>
@@ -8314,11 +8313,11 @@
   <p:clrMapOvr>
     <a:masterClrMapping/>
   </p:clrMapOvr>
-  <mc:AlternateContent xmlns:mc="http://schemas.openxmlformats.org/markup-compatibility/2006">
-    <mc:Choice xmlns:p14="http://schemas.microsoft.com/office/powerpoint/2010/main" Requires="p14">
+  <mc:AlternateContent xmlns:mc="http://schemas.openxmlformats.org/markup-compatibility/2006" xmlns:p14="http://schemas.microsoft.com/office/powerpoint/2010/main">
+    <mc:Choice Requires="p14">
       <p:transition spd="slow" p14:dur="2000"/>
     </mc:Choice>
-    <mc:Fallback>
+    <mc:Fallback xmlns="">
       <p:transition xmlns:p14="http://schemas.microsoft.com/office/powerpoint/2010/main" spd="slow"/>
     </mc:Fallback>
   </mc:AlternateContent>
@@ -8438,11 +8437,11 @@
   <p:clrMapOvr>
     <a:masterClrMapping/>
   </p:clrMapOvr>
-  <mc:AlternateContent xmlns:mc="http://schemas.openxmlformats.org/markup-compatibility/2006">
-    <mc:Choice xmlns:p14="http://schemas.microsoft.com/office/powerpoint/2010/main" Requires="p14">
+  <mc:AlternateContent xmlns:mc="http://schemas.openxmlformats.org/markup-compatibility/2006" xmlns:p14="http://schemas.microsoft.com/office/powerpoint/2010/main">
+    <mc:Choice Requires="p14">
       <p:transition spd="slow" p14:dur="2000"/>
     </mc:Choice>
-    <mc:Fallback>
+    <mc:Fallback xmlns="">
       <p:transition xmlns:p14="http://schemas.microsoft.com/office/powerpoint/2010/main" spd="slow"/>
     </mc:Fallback>
   </mc:AlternateContent>
@@ -8457,7 +8456,7 @@
 </file>
 
 <file path=ppt/slides/slide17.xml><?xml version="1.0" encoding="utf-8"?>
-<p:sld xmlns:a="http://schemas.openxmlformats.org/drawingml/2006/main" xmlns:r="http://schemas.openxmlformats.org/officeDocument/2006/relationships" xmlns:p="http://schemas.openxmlformats.org/presentationml/2006/main" show="0">
+<p:sld xmlns:a="http://schemas.openxmlformats.org/drawingml/2006/main" xmlns:r="http://schemas.openxmlformats.org/officeDocument/2006/relationships" xmlns:p="http://schemas.openxmlformats.org/presentationml/2006/main">
   <p:cSld>
     <p:spTree>
       <p:nvGrpSpPr>
@@ -8475,101 +8474,232 @@
       </p:grpSpPr>
       <p:sp>
         <p:nvSpPr>
-          <p:cNvPr id="2" name="Title 1"/>
+          <p:cNvPr id="3" name="Content Placeholder 2"/>
           <p:cNvSpPr>
             <a:spLocks noGrp="1"/>
           </p:cNvSpPr>
           <p:nvPr>
-            <p:ph type="title"/>
-          </p:nvPr>
-        </p:nvSpPr>
-        <p:spPr/>
-        <p:txBody>
-          <a:bodyPr/>
+            <p:ph idx="1"/>
+          </p:nvPr>
+        </p:nvSpPr>
+        <p:spPr>
+          <a:xfrm>
+            <a:off x="381000" y="381000"/>
+            <a:ext cx="8382000" cy="5867400"/>
+          </a:xfrm>
+        </p:spPr>
+        <p:txBody>
+          <a:bodyPr>
+            <a:normAutofit lnSpcReduction="10000"/>
+          </a:bodyPr>
           <a:lstStyle/>
           <a:p>
-            <a:endParaRPr lang="en-US"/>
-          </a:p>
-        </p:txBody>
-      </p:sp>
-      <p:sp>
-        <p:nvSpPr>
-          <p:cNvPr id="3" name="Content Placeholder 2"/>
-          <p:cNvSpPr>
-            <a:spLocks noGrp="1"/>
-          </p:cNvSpPr>
-          <p:nvPr>
-            <p:ph idx="1"/>
-          </p:nvPr>
-        </p:nvSpPr>
-        <p:spPr/>
-        <p:txBody>
-          <a:bodyPr/>
-          <a:lstStyle/>
-          <a:p>
-            <a:endParaRPr lang="en-US"/>
-          </a:p>
-        </p:txBody>
-      </p:sp>
-      <p:pic>
-        <p:nvPicPr>
-          <p:cNvPr id="3074" name="Picture 2" descr="C:\Users\jimmysch\Pictures\1478055489_0eff7c3fac_b.jpg"/>
-          <p:cNvPicPr>
-            <a:picLocks noChangeAspect="1" noChangeArrowheads="1"/>
-          </p:cNvPicPr>
-          <p:nvPr/>
-        </p:nvPicPr>
-        <p:blipFill>
-          <a:blip r:embed="rId2">
-            <a:extLst>
-              <a:ext uri="{28A0092B-C50C-407E-A947-70E740481C1C}">
-                <a14:useLocalDpi xmlns:a14="http://schemas.microsoft.com/office/drawing/2010/main" val="0"/>
-              </a:ext>
-            </a:extLst>
-          </a:blip>
-          <a:srcRect/>
-          <a:stretch>
-            <a:fillRect/>
-          </a:stretch>
-        </p:blipFill>
-        <p:spPr bwMode="auto">
-          <a:xfrm>
-            <a:off x="-76200" y="0"/>
-            <a:ext cx="9753600" cy="7096125"/>
-          </a:xfrm>
-          <a:prstGeom prst="rect">
-            <a:avLst/>
-          </a:prstGeom>
-          <a:noFill/>
-          <a:extLst>
-            <a:ext uri="{909E8E84-426E-40DD-AFC4-6F175D3DCCD1}">
-              <a14:hiddenFill xmlns:a14="http://schemas.microsoft.com/office/drawing/2010/main">
-                <a:solidFill>
-                  <a:srgbClr xmlns:mc="http://schemas.openxmlformats.org/markup-compatibility/2006" val="FFFFFF" mc:Ignorable=""/>
-                </a:solidFill>
-              </a14:hiddenFill>
-            </a:ext>
-          </a:extLst>
-        </p:spPr>
-      </p:pic>
+            <a:pPr marL="0" indent="0">
+              <a:buNone/>
+            </a:pPr>
+            <a:r>
+              <a:rPr lang="en-US" dirty="0" smtClean="0"/>
+              <a:t>Extensibility with scripts</a:t>
+            </a:r>
+          </a:p>
+          <a:p>
+            <a:pPr lvl="1">
+              <a:buFont typeface="Wingdings" pitchFamily="2" charset="2"/>
+              <a:buChar char="v"/>
+            </a:pPr>
+            <a:r>
+              <a:rPr lang="en-US" dirty="0">
+                <a:solidFill>
+                  <a:schemeClr val="bg1">
+                    <a:lumMod val="75000"/>
+                  </a:schemeClr>
+                </a:solidFill>
+              </a:rPr>
+              <a:t> </a:t>
+            </a:r>
+            <a:r>
+              <a:rPr lang="en-US" dirty="0" smtClean="0">
+                <a:solidFill>
+                  <a:schemeClr val="bg1">
+                    <a:lumMod val="75000"/>
+                  </a:schemeClr>
+                </a:solidFill>
+              </a:rPr>
+              <a:t>let everyone make your app great too</a:t>
+            </a:r>
+          </a:p>
+          <a:p>
+            <a:pPr marL="57150" indent="0">
+              <a:buNone/>
+            </a:pPr>
+            <a:endParaRPr lang="en-US" dirty="0" smtClean="0"/>
+          </a:p>
+          <a:p>
+            <a:pPr marL="0" indent="0">
+              <a:buNone/>
+            </a:pPr>
+            <a:r>
+              <a:rPr lang="en-US" dirty="0" smtClean="0"/>
+              <a:t>Ruby is simple enough for non-programmers</a:t>
+            </a:r>
+          </a:p>
+          <a:p>
+            <a:pPr lvl="1">
+              <a:buFont typeface="Wingdings" pitchFamily="2" charset="2"/>
+              <a:buChar char="v"/>
+            </a:pPr>
+            <a:r>
+              <a:rPr lang="en-US" dirty="0">
+                <a:solidFill>
+                  <a:schemeClr val="bg1">
+                    <a:lumMod val="75000"/>
+                  </a:schemeClr>
+                </a:solidFill>
+              </a:rPr>
+              <a:t> </a:t>
+            </a:r>
+            <a:r>
+              <a:rPr lang="en-US" dirty="0" smtClean="0">
+                <a:solidFill>
+                  <a:schemeClr val="bg1">
+                    <a:lumMod val="75000"/>
+                  </a:schemeClr>
+                </a:solidFill>
+              </a:rPr>
+              <a:t>writing tiny scripts for themselves</a:t>
+            </a:r>
+          </a:p>
+          <a:p>
+            <a:pPr marL="57150" indent="0">
+              <a:buNone/>
+            </a:pPr>
+            <a:r>
+              <a:rPr lang="en-US" dirty="0" smtClean="0"/>
+              <a:t>Powerful enough for adding full features</a:t>
+            </a:r>
+          </a:p>
+          <a:p>
+            <a:pPr lvl="1">
+              <a:buFont typeface="Wingdings" pitchFamily="2" charset="2"/>
+              <a:buChar char="v"/>
+            </a:pPr>
+            <a:r>
+              <a:rPr lang="en-US" dirty="0">
+                <a:solidFill>
+                  <a:schemeClr val="bg1">
+                    <a:lumMod val="75000"/>
+                  </a:schemeClr>
+                </a:solidFill>
+              </a:rPr>
+              <a:t> </a:t>
+            </a:r>
+            <a:r>
+              <a:rPr lang="en-US" dirty="0" smtClean="0">
+                <a:solidFill>
+                  <a:schemeClr val="bg1">
+                    <a:lumMod val="75000"/>
+                  </a:schemeClr>
+                </a:solidFill>
+              </a:rPr>
+              <a:t>ecosystem for extensions develops</a:t>
+            </a:r>
+          </a:p>
+          <a:p>
+            <a:pPr lvl="1">
+              <a:buFont typeface="Wingdings" pitchFamily="2" charset="2"/>
+              <a:buChar char="v"/>
+            </a:pPr>
+            <a:r>
+              <a:rPr lang="en-US" dirty="0">
+                <a:solidFill>
+                  <a:schemeClr val="bg1">
+                    <a:lumMod val="75000"/>
+                  </a:schemeClr>
+                </a:solidFill>
+              </a:rPr>
+              <a:t> </a:t>
+            </a:r>
+            <a:r>
+              <a:rPr lang="en-US" dirty="0" smtClean="0">
+                <a:solidFill>
+                  <a:schemeClr val="bg1">
+                    <a:lumMod val="75000"/>
+                  </a:schemeClr>
+                </a:solidFill>
+              </a:rPr>
+              <a:t>deployment of fixes / new features simplified</a:t>
+            </a:r>
+          </a:p>
+          <a:p>
+            <a:pPr marL="57150" indent="0">
+              <a:buNone/>
+            </a:pPr>
+            <a:endParaRPr lang="en-US" dirty="0"/>
+          </a:p>
+          <a:p>
+            <a:pPr marL="57150" indent="0">
+              <a:buNone/>
+            </a:pPr>
+            <a:r>
+              <a:rPr lang="en-US" dirty="0" smtClean="0"/>
+              <a:t>More choices than Ruby</a:t>
+            </a:r>
+          </a:p>
+          <a:p>
+            <a:pPr lvl="1">
+              <a:buFont typeface="Wingdings" pitchFamily="2" charset="2"/>
+              <a:buChar char="v"/>
+            </a:pPr>
+            <a:r>
+              <a:rPr lang="en-US" dirty="0">
+                <a:solidFill>
+                  <a:schemeClr val="bg1">
+                    <a:lumMod val="75000"/>
+                  </a:schemeClr>
+                </a:solidFill>
+              </a:rPr>
+              <a:t> </a:t>
+            </a:r>
+            <a:r>
+              <a:rPr lang="en-US" dirty="0" smtClean="0">
+                <a:solidFill>
+                  <a:schemeClr val="bg1">
+                    <a:lumMod val="75000"/>
+                  </a:schemeClr>
+                </a:solidFill>
+              </a:rPr>
+              <a:t>Python, Scheme, </a:t>
+            </a:r>
+            <a:r>
+              <a:rPr lang="en-US" dirty="0" err="1" smtClean="0">
+                <a:solidFill>
+                  <a:schemeClr val="bg1">
+                    <a:lumMod val="75000"/>
+                  </a:schemeClr>
+                </a:solidFill>
+              </a:rPr>
+              <a:t>Clojure</a:t>
+            </a:r>
+            <a:endParaRPr lang="en-US" dirty="0">
+              <a:solidFill>
+                <a:schemeClr val="bg1">
+                  <a:lumMod val="75000"/>
+                </a:schemeClr>
+              </a:solidFill>
+            </a:endParaRPr>
+          </a:p>
+        </p:txBody>
+      </p:sp>
     </p:spTree>
     <p:extLst>
       <p:ext uri="{BB962C8B-B14F-4D97-AF65-F5344CB8AC3E}">
-        <p14:creationId xmlns:p14="http://schemas.microsoft.com/office/powerpoint/2010/main" val="1296257453"/>
+        <p14:creationId xmlns:p14="http://schemas.microsoft.com/office/powerpoint/2010/main" val="2566796713"/>
       </p:ext>
     </p:extLst>
   </p:cSld>
   <p:clrMapOvr>
     <a:masterClrMapping/>
   </p:clrMapOvr>
-  <mc:AlternateContent xmlns:mc="http://schemas.openxmlformats.org/markup-compatibility/2006">
-    <mc:Choice xmlns:p14="http://schemas.microsoft.com/office/powerpoint/2010/main" Requires="p14">
-      <p:transition spd="slow" p14:dur="2000"/>
-    </mc:Choice>
-    <mc:Fallback>
-      <p:transition xmlns:p14="http://schemas.microsoft.com/office/powerpoint/2010/main" spd="slow"/>
-    </mc:Fallback>
-  </mc:AlternateContent>
   <p:timing>
     <p:tnLst>
       <p:par>
@@ -8599,261 +8729,6 @@
       </p:grpSpPr>
       <p:sp>
         <p:nvSpPr>
-          <p:cNvPr id="3" name="Content Placeholder 2"/>
-          <p:cNvSpPr>
-            <a:spLocks noGrp="1"/>
-          </p:cNvSpPr>
-          <p:nvPr>
-            <p:ph idx="1"/>
-          </p:nvPr>
-        </p:nvSpPr>
-        <p:spPr>
-          <a:xfrm>
-            <a:off x="381000" y="381000"/>
-            <a:ext cx="8382000" cy="5867400"/>
-          </a:xfrm>
-        </p:spPr>
-        <p:txBody>
-          <a:bodyPr>
-            <a:normAutofit lnSpcReduction="10000"/>
-          </a:bodyPr>
-          <a:lstStyle/>
-          <a:p>
-            <a:pPr marL="0" indent="0">
-              <a:buNone/>
-            </a:pPr>
-            <a:r>
-              <a:rPr lang="en-US" dirty="0" smtClean="0"/>
-              <a:t>Extensibility with scripts</a:t>
-            </a:r>
-          </a:p>
-          <a:p>
-            <a:pPr lvl="1">
-              <a:buFont typeface="Wingdings" pitchFamily="2" charset="2"/>
-              <a:buChar char="v"/>
-            </a:pPr>
-            <a:r>
-              <a:rPr lang="en-US" dirty="0">
-                <a:solidFill>
-                  <a:schemeClr val="bg1">
-                    <a:lumMod val="75000"/>
-                  </a:schemeClr>
-                </a:solidFill>
-              </a:rPr>
-              <a:t> </a:t>
-            </a:r>
-            <a:r>
-              <a:rPr lang="en-US" dirty="0" smtClean="0">
-                <a:solidFill>
-                  <a:schemeClr val="bg1">
-                    <a:lumMod val="75000"/>
-                  </a:schemeClr>
-                </a:solidFill>
-              </a:rPr>
-              <a:t>let everyone make your app great too</a:t>
-            </a:r>
-          </a:p>
-          <a:p>
-            <a:pPr marL="57150" indent="0">
-              <a:buNone/>
-            </a:pPr>
-            <a:endParaRPr lang="en-US" dirty="0" smtClean="0"/>
-          </a:p>
-          <a:p>
-            <a:pPr marL="0" indent="0">
-              <a:buNone/>
-            </a:pPr>
-            <a:r>
-              <a:rPr lang="en-US" dirty="0" smtClean="0"/>
-              <a:t>Ruby is simple enough for non-programmers</a:t>
-            </a:r>
-          </a:p>
-          <a:p>
-            <a:pPr lvl="1">
-              <a:buFont typeface="Wingdings" pitchFamily="2" charset="2"/>
-              <a:buChar char="v"/>
-            </a:pPr>
-            <a:r>
-              <a:rPr lang="en-US" dirty="0">
-                <a:solidFill>
-                  <a:schemeClr val="bg1">
-                    <a:lumMod val="75000"/>
-                  </a:schemeClr>
-                </a:solidFill>
-              </a:rPr>
-              <a:t> </a:t>
-            </a:r>
-            <a:r>
-              <a:rPr lang="en-US" dirty="0" smtClean="0">
-                <a:solidFill>
-                  <a:schemeClr val="bg1">
-                    <a:lumMod val="75000"/>
-                  </a:schemeClr>
-                </a:solidFill>
-              </a:rPr>
-              <a:t>writing tiny scripts for themselves</a:t>
-            </a:r>
-          </a:p>
-          <a:p>
-            <a:pPr marL="57150" indent="0">
-              <a:buNone/>
-            </a:pPr>
-            <a:r>
-              <a:rPr lang="en-US" dirty="0" smtClean="0"/>
-              <a:t>Powerful enough for adding full features</a:t>
-            </a:r>
-          </a:p>
-          <a:p>
-            <a:pPr lvl="1">
-              <a:buFont typeface="Wingdings" pitchFamily="2" charset="2"/>
-              <a:buChar char="v"/>
-            </a:pPr>
-            <a:r>
-              <a:rPr lang="en-US" dirty="0">
-                <a:solidFill>
-                  <a:schemeClr val="bg1">
-                    <a:lumMod val="75000"/>
-                  </a:schemeClr>
-                </a:solidFill>
-              </a:rPr>
-              <a:t> </a:t>
-            </a:r>
-            <a:r>
-              <a:rPr lang="en-US" dirty="0" smtClean="0">
-                <a:solidFill>
-                  <a:schemeClr val="bg1">
-                    <a:lumMod val="75000"/>
-                  </a:schemeClr>
-                </a:solidFill>
-              </a:rPr>
-              <a:t>ecosystem for extensions develops</a:t>
-            </a:r>
-          </a:p>
-          <a:p>
-            <a:pPr lvl="1">
-              <a:buFont typeface="Wingdings" pitchFamily="2" charset="2"/>
-              <a:buChar char="v"/>
-            </a:pPr>
-            <a:r>
-              <a:rPr lang="en-US" dirty="0">
-                <a:solidFill>
-                  <a:schemeClr val="bg1">
-                    <a:lumMod val="75000"/>
-                  </a:schemeClr>
-                </a:solidFill>
-              </a:rPr>
-              <a:t> </a:t>
-            </a:r>
-            <a:r>
-              <a:rPr lang="en-US" dirty="0" smtClean="0">
-                <a:solidFill>
-                  <a:schemeClr val="bg1">
-                    <a:lumMod val="75000"/>
-                  </a:schemeClr>
-                </a:solidFill>
-              </a:rPr>
-              <a:t>deployment of fixes / new features simplified</a:t>
-            </a:r>
-          </a:p>
-          <a:p>
-            <a:pPr marL="57150" indent="0">
-              <a:buNone/>
-            </a:pPr>
-            <a:endParaRPr lang="en-US" dirty="0"/>
-          </a:p>
-          <a:p>
-            <a:pPr marL="57150" indent="0">
-              <a:buNone/>
-            </a:pPr>
-            <a:r>
-              <a:rPr lang="en-US" dirty="0" smtClean="0"/>
-              <a:t>More choices than Ruby</a:t>
-            </a:r>
-          </a:p>
-          <a:p>
-            <a:pPr lvl="1">
-              <a:buFont typeface="Wingdings" pitchFamily="2" charset="2"/>
-              <a:buChar char="v"/>
-            </a:pPr>
-            <a:r>
-              <a:rPr lang="en-US" dirty="0">
-                <a:solidFill>
-                  <a:schemeClr val="bg1">
-                    <a:lumMod val="75000"/>
-                  </a:schemeClr>
-                </a:solidFill>
-              </a:rPr>
-              <a:t> </a:t>
-            </a:r>
-            <a:r>
-              <a:rPr lang="en-US" dirty="0" smtClean="0">
-                <a:solidFill>
-                  <a:schemeClr val="bg1">
-                    <a:lumMod val="75000"/>
-                  </a:schemeClr>
-                </a:solidFill>
-              </a:rPr>
-              <a:t>Python, Scheme, </a:t>
-            </a:r>
-            <a:r>
-              <a:rPr lang="en-US" dirty="0" err="1" smtClean="0">
-                <a:solidFill>
-                  <a:schemeClr val="bg1">
-                    <a:lumMod val="75000"/>
-                  </a:schemeClr>
-                </a:solidFill>
-              </a:rPr>
-              <a:t>Clojure</a:t>
-            </a:r>
-            <a:endParaRPr lang="en-US" dirty="0">
-              <a:solidFill>
-                <a:schemeClr val="bg1">
-                  <a:lumMod val="75000"/>
-                </a:schemeClr>
-              </a:solidFill>
-            </a:endParaRPr>
-          </a:p>
-        </p:txBody>
-      </p:sp>
-    </p:spTree>
-    <p:extLst>
-      <p:ext uri="{BB962C8B-B14F-4D97-AF65-F5344CB8AC3E}">
-        <p14:creationId xmlns:p14="http://schemas.microsoft.com/office/powerpoint/2010/main" val="2566796713"/>
-      </p:ext>
-    </p:extLst>
-  </p:cSld>
-  <p:clrMapOvr>
-    <a:masterClrMapping/>
-  </p:clrMapOvr>
-  <p:timing>
-    <p:tnLst>
-      <p:par>
-        <p:cTn xmlns:p14="http://schemas.microsoft.com/office/powerpoint/2010/main" id="1" dur="indefinite" restart="never" nodeType="tmRoot"/>
-      </p:par>
-    </p:tnLst>
-  </p:timing>
-</p:sld>
-</file>
-
-<file path=ppt/slides/slide19.xml><?xml version="1.0" encoding="utf-8"?>
-<p:sld xmlns:a="http://schemas.openxmlformats.org/drawingml/2006/main" xmlns:r="http://schemas.openxmlformats.org/officeDocument/2006/relationships" xmlns:p="http://schemas.openxmlformats.org/presentationml/2006/main">
-  <p:cSld>
-    <p:spTree>
-      <p:nvGrpSpPr>
-        <p:cNvPr id="1" name=""/>
-        <p:cNvGrpSpPr/>
-        <p:nvPr/>
-      </p:nvGrpSpPr>
-      <p:grpSpPr>
-        <a:xfrm>
-          <a:off x="0" y="0"/>
-          <a:ext cx="0" cy="0"/>
-          <a:chOff x="0" y="0"/>
-          <a:chExt cx="0" cy="0"/>
-        </a:xfrm>
-      </p:grpSpPr>
-      <p:sp>
-        <p:nvSpPr>
           <p:cNvPr id="2" name="Title 1"/>
           <p:cNvSpPr>
             <a:spLocks noGrp="1"/>
@@ -8918,143 +8793,7 @@
 </p:sld>
 </file>
 
-<file path=ppt/slides/slide2.xml><?xml version="1.0" encoding="utf-8"?>
-<p:sld xmlns:a="http://schemas.openxmlformats.org/drawingml/2006/main" xmlns:r="http://schemas.openxmlformats.org/officeDocument/2006/relationships" xmlns:p="http://schemas.openxmlformats.org/presentationml/2006/main">
-  <p:cSld>
-    <p:spTree>
-      <p:nvGrpSpPr>
-        <p:cNvPr id="1" name=""/>
-        <p:cNvGrpSpPr/>
-        <p:nvPr/>
-      </p:nvGrpSpPr>
-      <p:grpSpPr>
-        <a:xfrm>
-          <a:off x="0" y="0"/>
-          <a:ext cx="0" cy="0"/>
-          <a:chOff x="0" y="0"/>
-          <a:chExt cx="0" cy="0"/>
-        </a:xfrm>
-      </p:grpSpPr>
-      <p:sp>
-        <p:nvSpPr>
-          <p:cNvPr id="2" name="Title 1"/>
-          <p:cNvSpPr>
-            <a:spLocks noGrp="1"/>
-          </p:cNvSpPr>
-          <p:nvPr>
-            <p:ph type="ctrTitle"/>
-          </p:nvPr>
-        </p:nvSpPr>
-        <p:spPr>
-          <a:xfrm>
-            <a:off x="609600" y="2130425"/>
-            <a:ext cx="7924800" cy="1470025"/>
-          </a:xfrm>
-        </p:spPr>
-        <p:txBody>
-          <a:bodyPr>
-            <a:noAutofit/>
-          </a:bodyPr>
-          <a:lstStyle/>
-          <a:p>
-            <a:r>
-              <a:rPr lang="en-US" sz="9600" dirty="0" err="1" smtClean="0"/>
-              <a:t>IronRuby</a:t>
-            </a:r>
-            <a:endParaRPr lang="en-US" sz="9600" dirty="0"/>
-          </a:p>
-        </p:txBody>
-      </p:sp>
-      <p:sp>
-        <p:nvSpPr>
-          <p:cNvPr id="3" name="Subtitle 2"/>
-          <p:cNvSpPr>
-            <a:spLocks noGrp="1"/>
-          </p:cNvSpPr>
-          <p:nvPr>
-            <p:ph type="subTitle" idx="1"/>
-          </p:nvPr>
-        </p:nvSpPr>
-        <p:spPr>
-          <a:xfrm>
-            <a:off x="609600" y="3886200"/>
-            <a:ext cx="7848600" cy="2209800"/>
-          </a:xfrm>
-        </p:spPr>
-        <p:txBody>
-          <a:bodyPr>
-            <a:normAutofit lnSpcReduction="10000"/>
-          </a:bodyPr>
-          <a:lstStyle/>
-          <a:p>
-            <a:pPr algn="l"/>
-            <a:r>
-              <a:rPr lang="en-US" dirty="0" smtClean="0"/>
-              <a:t>ironruby.net</a:t>
-            </a:r>
-          </a:p>
-          <a:p>
-            <a:pPr algn="l"/>
-            <a:r>
-              <a:rPr lang="en-US" dirty="0" smtClean="0"/>
-              <a:t>github.com/</a:t>
-            </a:r>
-            <a:r>
-              <a:rPr lang="en-US" dirty="0" err="1" smtClean="0"/>
-              <a:t>ironruby</a:t>
-            </a:r>
-            <a:endParaRPr lang="en-US" dirty="0"/>
-          </a:p>
-          <a:p>
-            <a:pPr algn="l"/>
-            <a:r>
-              <a:rPr lang="en-US" dirty="0" smtClean="0"/>
-              <a:t>jimmy.schementi.com/blog</a:t>
-            </a:r>
-          </a:p>
-          <a:p>
-            <a:pPr algn="l"/>
-            <a:r>
-              <a:rPr lang="en-US" dirty="0" smtClean="0"/>
-              <a:t>github.com/</a:t>
-            </a:r>
-            <a:r>
-              <a:rPr lang="en-US" dirty="0" err="1" smtClean="0"/>
-              <a:t>jschementi</a:t>
-            </a:r>
-            <a:r>
-              <a:rPr lang="en-US" dirty="0" smtClean="0"/>
-              <a:t>/rubyconf2009</a:t>
-            </a:r>
-            <a:endParaRPr lang="en-US" dirty="0" smtClean="0"/>
-          </a:p>
-          <a:p>
-            <a:pPr algn="r"/>
-            <a:endParaRPr lang="en-US" dirty="0" smtClean="0"/>
-          </a:p>
-        </p:txBody>
-      </p:sp>
-    </p:spTree>
-    <p:extLst>
-      <p:ext uri="{BB962C8B-B14F-4D97-AF65-F5344CB8AC3E}">
-        <p14:creationId xmlns:p14="http://schemas.microsoft.com/office/powerpoint/2010/main" val="812268048"/>
-      </p:ext>
-    </p:extLst>
-  </p:cSld>
-  <p:clrMapOvr>
-    <a:masterClrMapping/>
-  </p:clrMapOvr>
-  <p:timing>
-    <p:tnLst>
-      <p:par>
-        <p:cTn xmlns:p14="http://schemas.microsoft.com/office/powerpoint/2010/main" id="1" dur="indefinite" restart="never" nodeType="tmRoot"/>
-      </p:par>
-    </p:tnLst>
-  </p:timing>
-</p:sld>
-</file>
-
-<file path=ppt/slides/slide20.xml><?xml version="1.0" encoding="utf-8"?>
+<file path=ppt/slides/slide19.xml><?xml version="1.0" encoding="utf-8"?>
 <p:sld xmlns:a="http://schemas.openxmlformats.org/drawingml/2006/main" xmlns:r="http://schemas.openxmlformats.org/officeDocument/2006/relationships" xmlns:p="http://schemas.openxmlformats.org/presentationml/2006/main">
   <p:cSld>
     <p:spTree>
@@ -9582,6 +9321,241 @@
 </p:sld>
 </file>
 
+<file path=ppt/slides/slide2.xml><?xml version="1.0" encoding="utf-8"?>
+<p:sld xmlns:a="http://schemas.openxmlformats.org/drawingml/2006/main" xmlns:r="http://schemas.openxmlformats.org/officeDocument/2006/relationships" xmlns:p="http://schemas.openxmlformats.org/presentationml/2006/main">
+  <p:cSld>
+    <p:spTree>
+      <p:nvGrpSpPr>
+        <p:cNvPr id="1" name=""/>
+        <p:cNvGrpSpPr/>
+        <p:nvPr/>
+      </p:nvGrpSpPr>
+      <p:grpSpPr>
+        <a:xfrm>
+          <a:off x="0" y="0"/>
+          <a:ext cx="0" cy="0"/>
+          <a:chOff x="0" y="0"/>
+          <a:chExt cx="0" cy="0"/>
+        </a:xfrm>
+      </p:grpSpPr>
+      <p:sp>
+        <p:nvSpPr>
+          <p:cNvPr id="2" name="Title 1"/>
+          <p:cNvSpPr>
+            <a:spLocks noGrp="1"/>
+          </p:cNvSpPr>
+          <p:nvPr>
+            <p:ph type="ctrTitle"/>
+          </p:nvPr>
+        </p:nvSpPr>
+        <p:spPr>
+          <a:xfrm>
+            <a:off x="609600" y="2130425"/>
+            <a:ext cx="7924800" cy="1470025"/>
+          </a:xfrm>
+        </p:spPr>
+        <p:txBody>
+          <a:bodyPr>
+            <a:noAutofit/>
+          </a:bodyPr>
+          <a:lstStyle/>
+          <a:p>
+            <a:r>
+              <a:rPr lang="en-US" sz="9600" dirty="0" err="1" smtClean="0"/>
+              <a:t>IronRuby</a:t>
+            </a:r>
+            <a:endParaRPr lang="en-US" sz="9600" dirty="0"/>
+          </a:p>
+        </p:txBody>
+      </p:sp>
+      <p:sp>
+        <p:nvSpPr>
+          <p:cNvPr id="3" name="Subtitle 2"/>
+          <p:cNvSpPr>
+            <a:spLocks noGrp="1"/>
+          </p:cNvSpPr>
+          <p:nvPr>
+            <p:ph type="subTitle" idx="1"/>
+          </p:nvPr>
+        </p:nvSpPr>
+        <p:spPr>
+          <a:xfrm>
+            <a:off x="609600" y="3886200"/>
+            <a:ext cx="7848600" cy="2209800"/>
+          </a:xfrm>
+        </p:spPr>
+        <p:txBody>
+          <a:bodyPr>
+            <a:normAutofit lnSpcReduction="10000"/>
+          </a:bodyPr>
+          <a:lstStyle/>
+          <a:p>
+            <a:pPr algn="l"/>
+            <a:r>
+              <a:rPr lang="en-US" dirty="0" smtClean="0"/>
+              <a:t>ironruby.net</a:t>
+            </a:r>
+          </a:p>
+          <a:p>
+            <a:pPr algn="l"/>
+            <a:r>
+              <a:rPr lang="en-US" dirty="0" smtClean="0"/>
+              <a:t>github.com/</a:t>
+            </a:r>
+            <a:r>
+              <a:rPr lang="en-US" dirty="0" err="1" smtClean="0"/>
+              <a:t>ironruby</a:t>
+            </a:r>
+            <a:endParaRPr lang="en-US" dirty="0"/>
+          </a:p>
+          <a:p>
+            <a:pPr algn="l"/>
+            <a:r>
+              <a:rPr lang="en-US" dirty="0" smtClean="0"/>
+              <a:t>jimmy.schementi.com/blog</a:t>
+            </a:r>
+          </a:p>
+          <a:p>
+            <a:pPr algn="l"/>
+            <a:r>
+              <a:rPr lang="en-US" dirty="0" smtClean="0"/>
+              <a:t>github.com/</a:t>
+            </a:r>
+            <a:r>
+              <a:rPr lang="en-US" dirty="0" err="1" smtClean="0"/>
+              <a:t>jschementi</a:t>
+            </a:r>
+            <a:r>
+              <a:rPr lang="en-US" dirty="0" smtClean="0"/>
+              <a:t>/rubyconf2009</a:t>
+            </a:r>
+          </a:p>
+          <a:p>
+            <a:pPr algn="r"/>
+            <a:endParaRPr lang="en-US" dirty="0" smtClean="0"/>
+          </a:p>
+        </p:txBody>
+      </p:sp>
+    </p:spTree>
+    <p:extLst>
+      <p:ext uri="{BB962C8B-B14F-4D97-AF65-F5344CB8AC3E}">
+        <p14:creationId xmlns:p14="http://schemas.microsoft.com/office/powerpoint/2010/main" val="812268048"/>
+      </p:ext>
+    </p:extLst>
+  </p:cSld>
+  <p:clrMapOvr>
+    <a:masterClrMapping/>
+  </p:clrMapOvr>
+  <p:timing>
+    <p:tnLst>
+      <p:par>
+        <p:cTn xmlns:p14="http://schemas.microsoft.com/office/powerpoint/2010/main" id="1" dur="indefinite" restart="never" nodeType="tmRoot"/>
+      </p:par>
+    </p:tnLst>
+  </p:timing>
+</p:sld>
+</file>
+
+<file path=ppt/slides/slide20.xml><?xml version="1.0" encoding="utf-8"?>
+<p:sld xmlns:a="http://schemas.openxmlformats.org/drawingml/2006/main" xmlns:r="http://schemas.openxmlformats.org/officeDocument/2006/relationships" xmlns:p="http://schemas.openxmlformats.org/presentationml/2006/main">
+  <p:cSld>
+    <p:spTree>
+      <p:nvGrpSpPr>
+        <p:cNvPr id="1" name=""/>
+        <p:cNvGrpSpPr/>
+        <p:nvPr/>
+      </p:nvGrpSpPr>
+      <p:grpSpPr>
+        <a:xfrm>
+          <a:off x="0" y="0"/>
+          <a:ext cx="0" cy="0"/>
+          <a:chOff x="0" y="0"/>
+          <a:chExt cx="0" cy="0"/>
+        </a:xfrm>
+      </p:grpSpPr>
+      <p:sp>
+        <p:nvSpPr>
+          <p:cNvPr id="2" name="Title 1"/>
+          <p:cNvSpPr>
+            <a:spLocks noGrp="1"/>
+          </p:cNvSpPr>
+          <p:nvPr>
+            <p:ph type="ctrTitle"/>
+          </p:nvPr>
+        </p:nvSpPr>
+        <p:spPr>
+          <a:xfrm>
+            <a:off x="609600" y="2130425"/>
+            <a:ext cx="7924800" cy="1470025"/>
+          </a:xfrm>
+        </p:spPr>
+        <p:txBody>
+          <a:bodyPr>
+            <a:noAutofit/>
+          </a:bodyPr>
+          <a:lstStyle/>
+          <a:p>
+            <a:r>
+              <a:rPr lang="en-US" sz="6600" dirty="0" err="1" smtClean="0"/>
+              <a:t>IronRuby</a:t>
+            </a:r>
+            <a:r>
+              <a:rPr lang="en-US" sz="6600" dirty="0" smtClean="0"/>
+              <a:t> 1.0 RC1</a:t>
+            </a:r>
+            <a:endParaRPr lang="en-US" sz="6600" dirty="0"/>
+          </a:p>
+        </p:txBody>
+      </p:sp>
+      <p:sp>
+        <p:nvSpPr>
+          <p:cNvPr id="4" name="Subtitle 3"/>
+          <p:cNvSpPr>
+            <a:spLocks noGrp="1"/>
+          </p:cNvSpPr>
+          <p:nvPr>
+            <p:ph type="subTitle" idx="1"/>
+          </p:nvPr>
+        </p:nvSpPr>
+        <p:spPr>
+          <a:xfrm>
+            <a:off x="609600" y="3886200"/>
+            <a:ext cx="8534400" cy="1752600"/>
+          </a:xfrm>
+        </p:spPr>
+        <p:txBody>
+          <a:bodyPr/>
+          <a:lstStyle/>
+          <a:p>
+            <a:pPr algn="l"/>
+            <a:r>
+              <a:rPr lang="en-US" dirty="0" smtClean="0"/>
+              <a:t>http://ironruby.net/download</a:t>
+            </a:r>
+            <a:endParaRPr lang="en-US" dirty="0"/>
+          </a:p>
+        </p:txBody>
+      </p:sp>
+    </p:spTree>
+    <p:extLst>
+      <p:ext uri="{BB962C8B-B14F-4D97-AF65-F5344CB8AC3E}">
+        <p14:creationId xmlns:p14="http://schemas.microsoft.com/office/powerpoint/2010/main" val="404952260"/>
+      </p:ext>
+    </p:extLst>
+  </p:cSld>
+  <p:clrMapOvr>
+    <a:masterClrMapping/>
+  </p:clrMapOvr>
+  <p:timing>
+    <p:tnLst>
+      <p:par>
+        <p:cTn xmlns:p14="http://schemas.microsoft.com/office/powerpoint/2010/main" id="1" dur="indefinite" restart="never" nodeType="tmRoot"/>
+      </p:par>
+    </p:tnLst>
+  </p:timing>
+</p:sld>
+</file>
+
 <file path=ppt/slides/slide21.xml><?xml version="1.0" encoding="utf-8"?>
 <p:sld xmlns:a="http://schemas.openxmlformats.org/drawingml/2006/main" xmlns:r="http://schemas.openxmlformats.org/officeDocument/2006/relationships" xmlns:p="http://schemas.openxmlformats.org/presentationml/2006/main">
   <p:cSld>
@@ -9601,71 +9575,335 @@
       </p:grpSpPr>
       <p:sp>
         <p:nvSpPr>
-          <p:cNvPr id="2" name="Title 1"/>
+          <p:cNvPr id="3" name="Content Placeholder 2"/>
           <p:cNvSpPr>
             <a:spLocks noGrp="1"/>
           </p:cNvSpPr>
           <p:nvPr>
-            <p:ph type="ctrTitle"/>
+            <p:ph idx="1"/>
           </p:nvPr>
         </p:nvSpPr>
         <p:spPr>
           <a:xfrm>
-            <a:off x="609600" y="2130425"/>
-            <a:ext cx="7924800" cy="1470025"/>
+            <a:off x="381000" y="0"/>
+            <a:ext cx="8382000" cy="6858000"/>
           </a:xfrm>
         </p:spPr>
         <p:txBody>
-          <a:bodyPr>
-            <a:noAutofit/>
+          <a:bodyPr anchor="ctr">
+            <a:normAutofit fontScale="92500" lnSpcReduction="20000"/>
           </a:bodyPr>
           <a:lstStyle/>
           <a:p>
-            <a:r>
-              <a:rPr lang="en-US" sz="6600" dirty="0" err="1" smtClean="0"/>
-              <a:t>IronRuby</a:t>
-            </a:r>
-            <a:r>
-              <a:rPr lang="en-US" sz="6600" dirty="0" smtClean="0"/>
-              <a:t> 1.0 RC1</a:t>
-            </a:r>
-            <a:endParaRPr lang="en-US" sz="6600" dirty="0"/>
-          </a:p>
-        </p:txBody>
-      </p:sp>
-      <p:sp>
-        <p:nvSpPr>
-          <p:cNvPr id="4" name="Subtitle 3"/>
-          <p:cNvSpPr>
-            <a:spLocks noGrp="1"/>
-          </p:cNvSpPr>
-          <p:nvPr>
-            <p:ph type="subTitle" idx="1"/>
-          </p:nvPr>
-        </p:nvSpPr>
-        <p:spPr>
-          <a:xfrm>
-            <a:off x="609600" y="3886200"/>
-            <a:ext cx="8534400" cy="1752600"/>
-          </a:xfrm>
-        </p:spPr>
-        <p:txBody>
-          <a:bodyPr/>
-          <a:lstStyle/>
-          <a:p>
-            <a:pPr algn="l"/>
+            <a:pPr marL="0" indent="0">
+              <a:buNone/>
+            </a:pPr>
+            <a:r>
+              <a:rPr lang="en-US" sz="4300" dirty="0" smtClean="0"/>
+              <a:t>Performance</a:t>
+            </a:r>
+          </a:p>
+          <a:p>
+            <a:pPr lvl="1">
+              <a:buFont typeface="Wingdings" pitchFamily="2" charset="2"/>
+              <a:buChar char="v"/>
+            </a:pPr>
+            <a:r>
+              <a:rPr lang="en-US" sz="3000" dirty="0" smtClean="0"/>
+              <a:t> Goal: </a:t>
+            </a:r>
+            <a:r>
+              <a:rPr lang="en-US" sz="3000" i="1" dirty="0" smtClean="0"/>
+              <a:t>faster</a:t>
+            </a:r>
+            <a:r>
+              <a:rPr lang="en-US" sz="3000" dirty="0" smtClean="0"/>
+              <a:t> than MRI</a:t>
+            </a:r>
+          </a:p>
+          <a:p>
+            <a:pPr lvl="1">
+              <a:buFont typeface="Wingdings" pitchFamily="2" charset="2"/>
+              <a:buChar char="v"/>
+            </a:pPr>
+            <a:r>
+              <a:rPr lang="en-US" sz="3000" dirty="0"/>
+              <a:t> </a:t>
+            </a:r>
+            <a:r>
+              <a:rPr lang="en-US" sz="3000" dirty="0" smtClean="0"/>
+              <a:t>Goal: within order-of-magnitude of </a:t>
+            </a:r>
+            <a:r>
+              <a:rPr lang="en-US" sz="3000" dirty="0" err="1" smtClean="0"/>
+              <a:t>JRuby</a:t>
+            </a:r>
+            <a:endParaRPr lang="en-US" sz="3000" dirty="0"/>
+          </a:p>
+          <a:p>
+            <a:pPr marL="457200" lvl="1" indent="0">
+              <a:buNone/>
+            </a:pPr>
+            <a:endParaRPr lang="en-US" sz="3000" dirty="0" smtClean="0"/>
+          </a:p>
+          <a:p>
+            <a:pPr marL="0" indent="0">
+              <a:buNone/>
+            </a:pPr>
             <a:r>
               <a:rPr lang="en-US" dirty="0" smtClean="0"/>
-              <a:t>http://ironruby.net/download</a:t>
+              <a:t>Throughput</a:t>
+            </a:r>
+          </a:p>
+          <a:p>
+            <a:pPr lvl="1">
+              <a:buFont typeface="Wingdings" pitchFamily="2" charset="2"/>
+              <a:buChar char="v"/>
+            </a:pPr>
+            <a:r>
+              <a:rPr lang="en-US" dirty="0" smtClean="0"/>
+              <a:t> Example: ruby-benchmark-suite</a:t>
+            </a:r>
+          </a:p>
+          <a:p>
+            <a:pPr lvl="1">
+              <a:buFont typeface="Wingdings" pitchFamily="2" charset="2"/>
+              <a:buChar char="v"/>
+            </a:pPr>
+            <a:r>
+              <a:rPr lang="en-US" dirty="0" smtClean="0"/>
+              <a:t> </a:t>
+            </a:r>
+            <a:r>
+              <a:rPr lang="en-US" dirty="0" smtClean="0">
+                <a:solidFill>
+                  <a:srgbClr xmlns:mc="http://schemas.openxmlformats.org/markup-compatibility/2006" xmlns:a14="http://schemas.microsoft.com/office/drawing/2010/main" val="00FF00" mc:Ignorable=""/>
+                </a:solidFill>
+              </a:rPr>
+              <a:t>2x</a:t>
+            </a:r>
+            <a:r>
+              <a:rPr lang="en-US" dirty="0" smtClean="0"/>
+              <a:t> faster than MRI via </a:t>
+            </a:r>
+            <a:r>
+              <a:rPr lang="en-US" dirty="0" err="1" smtClean="0"/>
+              <a:t>RubyInstaller</a:t>
+            </a:r>
+            <a:endParaRPr lang="en-US" dirty="0" smtClean="0"/>
+          </a:p>
+          <a:p>
+            <a:pPr lvl="1">
+              <a:buFont typeface="Wingdings" pitchFamily="2" charset="2"/>
+              <a:buChar char="v"/>
+            </a:pPr>
+            <a:r>
+              <a:rPr lang="en-US" dirty="0"/>
+              <a:t> </a:t>
+            </a:r>
+            <a:r>
+              <a:rPr lang="en-US" dirty="0" smtClean="0">
+                <a:solidFill>
+                  <a:srgbClr xmlns:mc="http://schemas.openxmlformats.org/markup-compatibility/2006" xmlns:a14="http://schemas.microsoft.com/office/drawing/2010/main" val="00FF00" mc:Ignorable=""/>
+                </a:solidFill>
+              </a:rPr>
+              <a:t>6x</a:t>
+            </a:r>
+            <a:r>
+              <a:rPr lang="en-US" dirty="0" smtClean="0"/>
+              <a:t> faster than MRI via One-Click Installer</a:t>
+            </a:r>
+          </a:p>
+          <a:p>
+            <a:pPr lvl="1">
+              <a:buFont typeface="Wingdings" pitchFamily="2" charset="2"/>
+              <a:buChar char="v"/>
+            </a:pPr>
+            <a:r>
+              <a:rPr lang="en-US" dirty="0"/>
+              <a:t> </a:t>
+            </a:r>
+            <a:r>
+              <a:rPr lang="en-US" dirty="0" smtClean="0">
+                <a:solidFill>
+                  <a:srgbClr xmlns:mc="http://schemas.openxmlformats.org/markup-compatibility/2006" xmlns:a14="http://schemas.microsoft.com/office/drawing/2010/main" val="FF0000" mc:Ignorable=""/>
+                </a:solidFill>
+              </a:rPr>
+              <a:t>-1.5x</a:t>
+            </a:r>
+            <a:r>
+              <a:rPr lang="en-US" dirty="0" smtClean="0"/>
+              <a:t> slower than </a:t>
+            </a:r>
+            <a:r>
+              <a:rPr lang="en-US" dirty="0" err="1" smtClean="0"/>
+              <a:t>JRuby</a:t>
             </a:r>
             <a:endParaRPr lang="en-US" dirty="0"/>
+          </a:p>
+          <a:p>
+            <a:pPr lvl="1">
+              <a:buFont typeface="Wingdings" pitchFamily="2" charset="2"/>
+              <a:buChar char="v"/>
+            </a:pPr>
+            <a:r>
+              <a:rPr lang="en-US" dirty="0" smtClean="0">
+                <a:solidFill>
+                  <a:srgbClr xmlns:mc="http://schemas.openxmlformats.org/markup-compatibility/2006" xmlns:a14="http://schemas.microsoft.com/office/drawing/2010/main" val="FFFF00" mc:Ignorable=""/>
+                </a:solidFill>
+              </a:rPr>
+              <a:t> Need to improve a bit on this by 1.0</a:t>
+            </a:r>
+          </a:p>
+          <a:p>
+            <a:pPr marL="457200" lvl="1" indent="0">
+              <a:buNone/>
+            </a:pPr>
+            <a:endParaRPr lang="en-US" dirty="0" smtClean="0"/>
+          </a:p>
+          <a:p>
+            <a:pPr marL="57150" indent="0">
+              <a:buNone/>
+            </a:pPr>
+            <a:r>
+              <a:rPr lang="en-US" dirty="0" smtClean="0"/>
+              <a:t>Startup</a:t>
+            </a:r>
+          </a:p>
+          <a:p>
+            <a:pPr lvl="1">
+              <a:buFont typeface="Wingdings" pitchFamily="2" charset="2"/>
+              <a:buChar char="v"/>
+            </a:pPr>
+            <a:r>
+              <a:rPr lang="en-US" dirty="0" smtClean="0"/>
+              <a:t> Example:   </a:t>
+            </a:r>
+            <a:r>
+              <a:rPr lang="en-US" dirty="0" smtClean="0">
+                <a:latin typeface="Consolas" pitchFamily="49" charset="0"/>
+                <a:cs typeface="Consolas" pitchFamily="49" charset="0"/>
+              </a:rPr>
+              <a:t>require '</a:t>
+            </a:r>
+            <a:r>
+              <a:rPr lang="en-US" dirty="0" err="1" smtClean="0">
+                <a:latin typeface="Consolas" pitchFamily="49" charset="0"/>
+                <a:cs typeface="Consolas" pitchFamily="49" charset="0"/>
+              </a:rPr>
+              <a:t>activesupport</a:t>
+            </a:r>
+            <a:r>
+              <a:rPr lang="en-US" dirty="0" smtClean="0">
+                <a:latin typeface="Consolas" pitchFamily="49" charset="0"/>
+                <a:cs typeface="Consolas" pitchFamily="49" charset="0"/>
+              </a:rPr>
+              <a:t>'</a:t>
+            </a:r>
+          </a:p>
+          <a:p>
+            <a:pPr lvl="1">
+              <a:buFont typeface="Wingdings" pitchFamily="2" charset="2"/>
+              <a:buChar char="v"/>
+            </a:pPr>
+            <a:r>
+              <a:rPr lang="en-US" dirty="0" smtClean="0"/>
+              <a:t> </a:t>
+            </a:r>
+            <a:r>
+              <a:rPr lang="en-US" dirty="0" smtClean="0">
+                <a:solidFill>
+                  <a:srgbClr xmlns:mc="http://schemas.openxmlformats.org/markup-compatibility/2006" xmlns:a14="http://schemas.microsoft.com/office/drawing/2010/main" val="FF0000" mc:Ignorable=""/>
+                </a:solidFill>
+              </a:rPr>
+              <a:t>4x</a:t>
+            </a:r>
+            <a:r>
+              <a:rPr lang="en-US" dirty="0" smtClean="0"/>
+              <a:t> slower than MRI via </a:t>
+            </a:r>
+            <a:r>
+              <a:rPr lang="en-US" dirty="0" err="1" smtClean="0"/>
+              <a:t>RubyInstaller</a:t>
+            </a:r>
+            <a:endParaRPr lang="en-US" dirty="0" smtClean="0"/>
+          </a:p>
+          <a:p>
+            <a:pPr lvl="1">
+              <a:buFont typeface="Wingdings" pitchFamily="2" charset="2"/>
+              <a:buChar char="v"/>
+            </a:pPr>
+            <a:r>
+              <a:rPr lang="en-US" dirty="0" smtClean="0"/>
+              <a:t> </a:t>
+            </a:r>
+            <a:r>
+              <a:rPr lang="en-US" dirty="0" smtClean="0">
+                <a:solidFill>
+                  <a:srgbClr xmlns:mc="http://schemas.openxmlformats.org/markup-compatibility/2006" xmlns:a14="http://schemas.microsoft.com/office/drawing/2010/main" val="FF0000" mc:Ignorable=""/>
+                </a:solidFill>
+              </a:rPr>
+              <a:t>2x</a:t>
+            </a:r>
+            <a:r>
+              <a:rPr lang="en-US" dirty="0" smtClean="0"/>
+              <a:t> slower than </a:t>
+            </a:r>
+            <a:r>
+              <a:rPr lang="en-US" dirty="0" err="1" smtClean="0"/>
+              <a:t>Jruby</a:t>
+            </a:r>
+            <a:endParaRPr lang="en-US" dirty="0" smtClean="0"/>
+          </a:p>
+          <a:p>
+            <a:pPr lvl="1">
+              <a:buFont typeface="Wingdings" pitchFamily="2" charset="2"/>
+              <a:buChar char="v"/>
+            </a:pPr>
+            <a:r>
+              <a:rPr lang="en-US" dirty="0" smtClean="0">
+                <a:solidFill>
+                  <a:srgbClr xmlns:mc="http://schemas.openxmlformats.org/markup-compatibility/2006" xmlns:a14="http://schemas.microsoft.com/office/drawing/2010/main" val="C00000" mc:Ignorable=""/>
+                </a:solidFill>
+              </a:rPr>
+              <a:t> A </a:t>
+            </a:r>
+            <a:r>
+              <a:rPr lang="en-US" u="sng" dirty="0" smtClean="0">
+                <a:solidFill>
+                  <a:srgbClr xmlns:mc="http://schemas.openxmlformats.org/markup-compatibility/2006" xmlns:a14="http://schemas.microsoft.com/office/drawing/2010/main" val="C00000" mc:Ignorable=""/>
+                </a:solidFill>
+              </a:rPr>
+              <a:t>must-fix </a:t>
+            </a:r>
+            <a:r>
+              <a:rPr lang="en-US" dirty="0" smtClean="0">
+                <a:solidFill>
+                  <a:srgbClr xmlns:mc="http://schemas.openxmlformats.org/markup-compatibility/2006" xmlns:a14="http://schemas.microsoft.com/office/drawing/2010/main" val="C00000" mc:Ignorable=""/>
+                </a:solidFill>
+              </a:rPr>
+              <a:t>for 1.0 – must be on par with </a:t>
+            </a:r>
+            <a:r>
+              <a:rPr lang="en-US" dirty="0" err="1" smtClean="0">
+                <a:solidFill>
+                  <a:srgbClr xmlns:mc="http://schemas.openxmlformats.org/markup-compatibility/2006" xmlns:a14="http://schemas.microsoft.com/office/drawing/2010/main" val="C00000" mc:Ignorable=""/>
+                </a:solidFill>
+              </a:rPr>
+              <a:t>JRuby</a:t>
+            </a:r>
+            <a:endParaRPr lang="en-US" u="sng" dirty="0" smtClean="0">
+              <a:solidFill>
+                <a:srgbClr xmlns:mc="http://schemas.openxmlformats.org/markup-compatibility/2006" xmlns:a14="http://schemas.microsoft.com/office/drawing/2010/main" val="C00000" mc:Ignorable=""/>
+              </a:solidFill>
+            </a:endParaRPr>
           </a:p>
         </p:txBody>
       </p:sp>
     </p:spTree>
     <p:extLst>
       <p:ext uri="{BB962C8B-B14F-4D97-AF65-F5344CB8AC3E}">
-        <p14:creationId xmlns:p14="http://schemas.microsoft.com/office/powerpoint/2010/main" val="404952260"/>
+        <p14:creationId xmlns:p14="http://schemas.microsoft.com/office/powerpoint/2010/main" val="2690338689"/>
       </p:ext>
     </p:extLst>
   </p:cSld>
@@ -9711,13 +9949,13 @@
         </p:nvSpPr>
         <p:spPr>
           <a:xfrm>
-            <a:off x="381000" y="0"/>
-            <a:ext cx="8382000" cy="6858000"/>
+            <a:off x="381000" y="419100"/>
+            <a:ext cx="8382000" cy="6019800"/>
           </a:xfrm>
         </p:spPr>
         <p:txBody>
           <a:bodyPr anchor="ctr">
-            <a:normAutofit fontScale="92500" lnSpcReduction="20000"/>
+            <a:normAutofit fontScale="85000" lnSpcReduction="20000"/>
           </a:bodyPr>
           <a:lstStyle/>
           <a:p>
@@ -9726,7 +9964,7 @@
             </a:pPr>
             <a:r>
               <a:rPr lang="en-US" sz="4300" dirty="0" smtClean="0"/>
-              <a:t>Performance</a:t>
+              <a:t>Compatibility</a:t>
             </a:r>
           </a:p>
           <a:p>
@@ -9739,12 +9977,24 @@
               <a:t> Goal: </a:t>
             </a:r>
             <a:r>
-              <a:rPr lang="en-US" sz="3000" i="1" dirty="0" smtClean="0"/>
-              <a:t>faster</a:t>
+              <a:rPr lang="en-US" sz="3000" dirty="0" smtClean="0">
+                <a:solidFill>
+                  <a:srgbClr xmlns:mc="http://schemas.openxmlformats.org/markup-compatibility/2006" xmlns:a14="http://schemas.microsoft.com/office/drawing/2010/main" val="00FF00" mc:Ignorable=""/>
+                </a:solidFill>
+              </a:rPr>
+              <a:t>&gt;</a:t>
             </a:r>
             <a:r>
               <a:rPr lang="en-US" sz="3000" dirty="0" smtClean="0"/>
-              <a:t> than MRI</a:t>
+              <a:t> </a:t>
+            </a:r>
+            <a:r>
+              <a:rPr lang="en-US" sz="3000" dirty="0" smtClean="0">
+                <a:solidFill>
+                  <a:srgbClr xmlns:mc="http://schemas.openxmlformats.org/markup-compatibility/2006" xmlns:a14="http://schemas.microsoft.com/office/drawing/2010/main" val="00FF00" mc:Ignorable=""/>
+                </a:solidFill>
+              </a:rPr>
+              <a:t>90% passing</a:t>
             </a:r>
           </a:p>
           <a:p>
@@ -9758,27 +10008,47 @@
             </a:r>
             <a:r>
               <a:rPr lang="en-US" sz="3000" dirty="0" smtClean="0"/>
-              <a:t>Goal: within order-of-magnitude of </a:t>
+              <a:t>Must have really good reason </a:t>
             </a:r>
             <a:r>
               <a:rPr lang="en-US" sz="3000" dirty="0" err="1" smtClean="0"/>
-              <a:t>JRuby</a:t>
-            </a:r>
-            <a:endParaRPr lang="en-US" sz="3000" dirty="0"/>
-          </a:p>
-          <a:p>
-            <a:pPr marL="457200" lvl="1" indent="0">
-              <a:buNone/>
-            </a:pPr>
+              <a:t>foreach</a:t>
+            </a:r>
+            <a:r>
+              <a:rPr lang="en-US" sz="3000" dirty="0" smtClean="0"/>
+              <a:t> failing </a:t>
+            </a:r>
+            <a:r>
+              <a:rPr lang="en-US" sz="3000" dirty="0" err="1" smtClean="0"/>
+              <a:t>RubySpecs</a:t>
+            </a:r>
             <a:endParaRPr lang="en-US" sz="3000" dirty="0" smtClean="0"/>
           </a:p>
           <a:p>
             <a:pPr marL="0" indent="0">
               <a:buNone/>
             </a:pPr>
+            <a:endParaRPr lang="en-US" dirty="0" smtClean="0"/>
+          </a:p>
+          <a:p>
+            <a:pPr marL="0" indent="0">
+              <a:buNone/>
+            </a:pPr>
+            <a:r>
+              <a:rPr lang="en-US" dirty="0" err="1" smtClean="0"/>
+              <a:t>RubySpec</a:t>
+            </a:r>
             <a:r>
               <a:rPr lang="en-US" dirty="0" smtClean="0"/>
-              <a:t>Throughput</a:t>
+              <a:t>:			</a:t>
+            </a:r>
+            <a:r>
+              <a:rPr lang="en-US" b="1" dirty="0" smtClean="0">
+                <a:solidFill>
+                  <a:srgbClr xmlns:mc="http://schemas.openxmlformats.org/markup-compatibility/2006" xmlns:a14="http://schemas.microsoft.com/office/drawing/2010/main" val="00FF00" mc:Ignorable=""/>
+                </a:solidFill>
+              </a:rPr>
+              <a:t>92%</a:t>
             </a:r>
           </a:p>
           <a:p>
@@ -9787,8 +10057,20 @@
               <a:buChar char="v"/>
             </a:pPr>
             <a:r>
+              <a:rPr lang="en-US" dirty="0"/>
+              <a:t> </a:t>
+            </a:r>
+            <a:r>
               <a:rPr lang="en-US" dirty="0" smtClean="0"/>
-              <a:t> Example: ruby-benchmark-suite</a:t>
+              <a:t>Language:		</a:t>
+            </a:r>
+            <a:r>
+              <a:rPr lang="en-US" dirty="0" smtClean="0">
+                <a:solidFill>
+                  <a:srgbClr xmlns:mc="http://schemas.openxmlformats.org/markup-compatibility/2006" xmlns:a14="http://schemas.microsoft.com/office/drawing/2010/main" val="00FF00" mc:Ignorable=""/>
+                </a:solidFill>
+              </a:rPr>
+              <a:t>97%</a:t>
             </a:r>
           </a:p>
           <a:p>
@@ -9797,8 +10079,12 @@
               <a:buChar char="v"/>
             </a:pPr>
             <a:r>
+              <a:rPr lang="en-US" dirty="0"/>
+              <a:t> </a:t>
+            </a:r>
+            <a:r>
               <a:rPr lang="en-US" dirty="0" smtClean="0"/>
-              <a:t> </a:t>
+              <a:t>Core:			</a:t>
             </a:r>
             <a:r>
               <a:rPr lang="en-US" dirty="0" smtClean="0">
@@ -9806,17 +10092,8 @@
                   <a:srgbClr xmlns:mc="http://schemas.openxmlformats.org/markup-compatibility/2006" xmlns:a14="http://schemas.microsoft.com/office/drawing/2010/main" val="00FF00" mc:Ignorable=""/>
                 </a:solidFill>
               </a:rPr>
-              <a:t>2x</a:t>
-            </a:r>
-            <a:r>
-              <a:rPr lang="en-US" dirty="0" smtClean="0"/>
-              <a:t> faster than MRI via </a:t>
-            </a:r>
-            <a:r>
-              <a:rPr lang="en-US" dirty="0" err="1" smtClean="0"/>
-              <a:t>RubyInstaller</a:t>
-            </a:r>
-            <a:endParaRPr lang="en-US" dirty="0" smtClean="0"/>
+              <a:t>91%</a:t>
+            </a:r>
           </a:p>
           <a:p>
             <a:pPr lvl="1">
@@ -9828,16 +10105,36 @@
               <a:t> </a:t>
             </a:r>
             <a:r>
+              <a:rPr lang="en-US" dirty="0" smtClean="0"/>
+              <a:t>Libraries:		</a:t>
+            </a:r>
+            <a:r>
               <a:rPr lang="en-US" dirty="0" smtClean="0">
                 <a:solidFill>
                   <a:srgbClr xmlns:mc="http://schemas.openxmlformats.org/markup-compatibility/2006" xmlns:a14="http://schemas.microsoft.com/office/drawing/2010/main" val="00FF00" mc:Ignorable=""/>
                 </a:solidFill>
               </a:rPr>
-              <a:t>6x</a:t>
-            </a:r>
+              <a:t>93%</a:t>
+            </a:r>
+            <a:endParaRPr lang="en-US" dirty="0">
+              <a:solidFill>
+                <a:srgbClr xmlns:mc="http://schemas.openxmlformats.org/markup-compatibility/2006" xmlns:a14="http://schemas.microsoft.com/office/drawing/2010/main" val="00FF00" mc:Ignorable=""/>
+              </a:solidFill>
+            </a:endParaRPr>
+          </a:p>
+          <a:p>
+            <a:pPr marL="57150" indent="0">
+              <a:buNone/>
+            </a:pPr>
+            <a:endParaRPr lang="en-US" dirty="0" smtClean="0"/>
+          </a:p>
+          <a:p>
+            <a:pPr marL="57150" indent="0">
+              <a:buNone/>
+            </a:pPr>
             <a:r>
               <a:rPr lang="en-US" dirty="0" smtClean="0"/>
-              <a:t> faster than MRI via One-Click Installer</a:t>
+              <a:t>Libraries</a:t>
             </a:r>
           </a:p>
           <a:p>
@@ -9850,22 +10147,21 @@
               <a:t> </a:t>
             </a:r>
             <a:r>
+              <a:rPr lang="en-US" dirty="0" err="1" smtClean="0"/>
+              <a:t>RubyGems</a:t>
+            </a:r>
+            <a:r>
+              <a:rPr lang="en-US" dirty="0" smtClean="0"/>
+              <a:t>:		</a:t>
+            </a:r>
+            <a:r>
               <a:rPr lang="en-US" dirty="0" smtClean="0">
                 <a:solidFill>
-                  <a:srgbClr xmlns:mc="http://schemas.openxmlformats.org/markup-compatibility/2006" xmlns:a14="http://schemas.microsoft.com/office/drawing/2010/main" val="FF0000" mc:Ignorable=""/>
-                </a:solidFill>
-              </a:rPr>
-              <a:t>-1.5x</a:t>
-            </a:r>
-            <a:r>
-              <a:rPr lang="en-US" dirty="0" smtClean="0"/>
-              <a:t> slower than </a:t>
-            </a:r>
-            <a:r>
-              <a:rPr lang="en-US" dirty="0" err="1" smtClean="0"/>
-              <a:t>JRuby</a:t>
-            </a:r>
-            <a:endParaRPr lang="en-US" dirty="0"/>
+                  <a:srgbClr xmlns:mc="http://schemas.openxmlformats.org/markup-compatibility/2006" xmlns:a14="http://schemas.microsoft.com/office/drawing/2010/main" val="00FF00" mc:Ignorable=""/>
+                </a:solidFill>
+              </a:rPr>
+              <a:t>96%</a:t>
+            </a:r>
           </a:p>
           <a:p>
             <a:pPr lvl="1">
@@ -9873,27 +10169,24 @@
               <a:buChar char="v"/>
             </a:pPr>
             <a:r>
+              <a:rPr lang="en-US" dirty="0"/>
+              <a:t> </a:t>
+            </a:r>
+            <a:r>
+              <a:rPr lang="en-US" dirty="0" err="1" smtClean="0"/>
+              <a:t>ActionPack</a:t>
+            </a:r>
+            <a:r>
+              <a:rPr lang="en-US" dirty="0" smtClean="0"/>
+              <a:t>:		</a:t>
+            </a:r>
+            <a:r>
               <a:rPr lang="en-US" dirty="0" smtClean="0">
                 <a:solidFill>
-                  <a:srgbClr xmlns:mc="http://schemas.openxmlformats.org/markup-compatibility/2006" xmlns:a14="http://schemas.microsoft.com/office/drawing/2010/main" val="FFFF00" mc:Ignorable=""/>
-                </a:solidFill>
-              </a:rPr>
-              <a:t> Need to improve a bit on this by 1.0</a:t>
-            </a:r>
-          </a:p>
-          <a:p>
-            <a:pPr marL="457200" lvl="1" indent="0">
-              <a:buNone/>
-            </a:pPr>
-            <a:endParaRPr lang="en-US" dirty="0" smtClean="0"/>
-          </a:p>
-          <a:p>
-            <a:pPr marL="57150" indent="0">
-              <a:buNone/>
-            </a:pPr>
-            <a:r>
-              <a:rPr lang="en-US" dirty="0" smtClean="0"/>
-              <a:t>Startup</a:t>
+                  <a:srgbClr xmlns:mc="http://schemas.openxmlformats.org/markup-compatibility/2006" xmlns:a14="http://schemas.microsoft.com/office/drawing/2010/main" val="00FF00" mc:Ignorable=""/>
+                </a:solidFill>
+              </a:rPr>
+              <a:t>95%	</a:t>
             </a:r>
           </a:p>
           <a:p>
@@ -9902,134 +10195,32 @@
               <a:buChar char="v"/>
             </a:pPr>
             <a:r>
+              <a:rPr lang="en-US" dirty="0"/>
+              <a:t> </a:t>
+            </a:r>
+            <a:r>
+              <a:rPr lang="en-US" dirty="0" err="1" smtClean="0"/>
+              <a:t>ActiveSupport</a:t>
+            </a:r>
+            <a:r>
               <a:rPr lang="en-US" dirty="0" smtClean="0"/>
-              <a:t> Example:   </a:t>
+              <a:t>:		</a:t>
             </a:r>
             <a:r>
               <a:rPr lang="en-US" dirty="0" smtClean="0">
-                <a:latin typeface="Consolas" pitchFamily="49" charset="0"/>
-                <a:cs typeface="Consolas" pitchFamily="49" charset="0"/>
-              </a:rPr>
-              <a:t>require '</a:t>
-            </a:r>
-            <a:r>
-              <a:rPr lang="en-US" dirty="0" err="1" smtClean="0">
-                <a:latin typeface="Consolas" pitchFamily="49" charset="0"/>
-                <a:cs typeface="Consolas" pitchFamily="49" charset="0"/>
-              </a:rPr>
-              <a:t>activesupport</a:t>
-            </a:r>
-            <a:r>
-              <a:rPr lang="en-US" dirty="0" smtClean="0">
-                <a:latin typeface="Consolas" pitchFamily="49" charset="0"/>
-                <a:cs typeface="Consolas" pitchFamily="49" charset="0"/>
-              </a:rPr>
-              <a:t>'</a:t>
-            </a:r>
-          </a:p>
-          <a:p>
-            <a:pPr lvl="1">
-              <a:buFont typeface="Wingdings" pitchFamily="2" charset="2"/>
-              <a:buChar char="v"/>
-            </a:pPr>
-            <a:r>
-              <a:rPr lang="en-US" dirty="0" smtClean="0"/>
-              <a:t> </a:t>
-            </a:r>
-            <a:r>
-              <a:rPr lang="en-US" dirty="0" smtClean="0">
-                <a:solidFill>
-                  <a:srgbClr xmlns:mc="http://schemas.openxmlformats.org/markup-compatibility/2006" xmlns:a14="http://schemas.microsoft.com/office/drawing/2010/main" val="FF0000" mc:Ignorable=""/>
-                </a:solidFill>
-              </a:rPr>
-              <a:t>4x</a:t>
-            </a:r>
-            <a:r>
-              <a:rPr lang="en-US" dirty="0" smtClean="0"/>
-              <a:t> slower than MRI via </a:t>
-            </a:r>
-            <a:r>
-              <a:rPr lang="en-US" dirty="0" err="1" smtClean="0"/>
-              <a:t>RubyInstaller</a:t>
-            </a:r>
-            <a:endParaRPr lang="en-US" dirty="0" smtClean="0"/>
-          </a:p>
-          <a:p>
-            <a:pPr lvl="1">
-              <a:buFont typeface="Wingdings" pitchFamily="2" charset="2"/>
-              <a:buChar char="v"/>
-            </a:pPr>
-            <a:r>
-              <a:rPr lang="en-US" dirty="0" smtClean="0"/>
-              <a:t> </a:t>
-            </a:r>
-            <a:r>
-              <a:rPr lang="en-US" dirty="0" smtClean="0">
-                <a:solidFill>
-                  <a:srgbClr xmlns:mc="http://schemas.openxmlformats.org/markup-compatibility/2006" xmlns:a14="http://schemas.microsoft.com/office/drawing/2010/main" val="FF0000" mc:Ignorable=""/>
-                </a:solidFill>
-              </a:rPr>
-              <a:t>2x</a:t>
-            </a:r>
-            <a:r>
-              <a:rPr lang="en-US" dirty="0" smtClean="0"/>
-              <a:t> slower than </a:t>
-            </a:r>
-            <a:r>
-              <a:rPr lang="en-US" dirty="0" err="1" smtClean="0"/>
-              <a:t>Jruby</a:t>
-            </a:r>
-            <a:endParaRPr lang="en-US" dirty="0" smtClean="0"/>
-          </a:p>
-          <a:p>
-            <a:pPr lvl="1">
-              <a:buFont typeface="Wingdings" pitchFamily="2" charset="2"/>
-              <a:buChar char="v"/>
-            </a:pPr>
-            <a:r>
-              <a:rPr lang="en-US" dirty="0" smtClean="0">
-                <a:solidFill>
-                  <a:srgbClr xmlns:mc="http://schemas.openxmlformats.org/markup-compatibility/2006" xmlns:a14="http://schemas.microsoft.com/office/drawing/2010/main" val="C00000" mc:Ignorable=""/>
-                </a:solidFill>
-              </a:rPr>
-              <a:t> A </a:t>
-            </a:r>
-            <a:r>
-              <a:rPr lang="en-US" u="sng" dirty="0" smtClean="0">
-                <a:solidFill>
-                  <a:srgbClr xmlns:mc="http://schemas.openxmlformats.org/markup-compatibility/2006" xmlns:a14="http://schemas.microsoft.com/office/drawing/2010/main" val="C00000" mc:Ignorable=""/>
-                </a:solidFill>
-              </a:rPr>
-              <a:t>must-fix </a:t>
-            </a:r>
-            <a:r>
-              <a:rPr lang="en-US" dirty="0" smtClean="0">
-                <a:solidFill>
-                  <a:srgbClr xmlns:mc="http://schemas.openxmlformats.org/markup-compatibility/2006" xmlns:a14="http://schemas.microsoft.com/office/drawing/2010/main" val="C00000" mc:Ignorable=""/>
-                </a:solidFill>
-              </a:rPr>
-              <a:t>for 1.0 – must be on par with </a:t>
-            </a:r>
-            <a:r>
-              <a:rPr lang="en-US" dirty="0" err="1" smtClean="0">
-                <a:solidFill>
-                  <a:srgbClr xmlns:mc="http://schemas.openxmlformats.org/markup-compatibility/2006" xmlns:a14="http://schemas.microsoft.com/office/drawing/2010/main" val="C00000" mc:Ignorable=""/>
-                </a:solidFill>
-              </a:rPr>
-              <a:t>JRuby</a:t>
-            </a:r>
-            <a:endParaRPr lang="en-US" u="sng" dirty="0" smtClean="0">
-              <a:solidFill>
-                <a:srgbClr xmlns:mc="http://schemas.openxmlformats.org/markup-compatibility/2006" xmlns:a14="http://schemas.microsoft.com/office/drawing/2010/main" val="C00000" mc:Ignorable=""/>
-              </a:solidFill>
-            </a:endParaRPr>
+                <a:solidFill>
+                  <a:srgbClr xmlns:mc="http://schemas.openxmlformats.org/markup-compatibility/2006" xmlns:a14="http://schemas.microsoft.com/office/drawing/2010/main" val="00FF00" mc:Ignorable=""/>
+                </a:solidFill>
+              </a:rPr>
+              <a:t>95%</a:t>
+            </a:r>
           </a:p>
         </p:txBody>
       </p:sp>
     </p:spTree>
     <p:extLst>
       <p:ext uri="{BB962C8B-B14F-4D97-AF65-F5344CB8AC3E}">
-        <p14:creationId xmlns:p14="http://schemas.microsoft.com/office/powerpoint/2010/main" val="2690338689"/>
+        <p14:creationId xmlns:p14="http://schemas.microsoft.com/office/powerpoint/2010/main" val="3445922722"/>
       </p:ext>
     </p:extLst>
   </p:cSld>
@@ -10081,7 +10272,7 @@
         </p:spPr>
         <p:txBody>
           <a:bodyPr anchor="ctr">
-            <a:normAutofit fontScale="85000" lnSpcReduction="20000"/>
+            <a:normAutofit/>
           </a:bodyPr>
           <a:lstStyle/>
           <a:p>
@@ -10089,8 +10280,8 @@
               <a:buNone/>
             </a:pPr>
             <a:r>
-              <a:rPr lang="en-US" sz="4300" dirty="0" smtClean="0"/>
-              <a:t>Compatibility</a:t>
+              <a:rPr lang="en-US" sz="4000" dirty="0" smtClean="0"/>
+              <a:t>CLR Integration</a:t>
             </a:r>
           </a:p>
           <a:p>
@@ -10099,29 +10290,25 @@
               <a:buChar char="v"/>
             </a:pPr>
             <a:r>
+              <a:rPr lang="en-US" sz="2600" dirty="0" smtClean="0"/>
+              <a:t> Goal: use majority of CLR features from Ruby  without needing C# stubs</a:t>
+            </a:r>
+          </a:p>
+          <a:p>
+            <a:pPr marL="57150" indent="0">
+              <a:buNone/>
+            </a:pPr>
+            <a:endParaRPr lang="en-US" sz="3000" dirty="0" smtClean="0"/>
+          </a:p>
+          <a:p>
+            <a:pPr marL="57150" indent="0">
+              <a:buNone/>
+            </a:pPr>
+            <a:r>
               <a:rPr lang="en-US" sz="3000" dirty="0" smtClean="0"/>
-              <a:t> Goal: </a:t>
-            </a:r>
-            <a:r>
-              <a:rPr lang="en-US" sz="3000" dirty="0" smtClean="0">
-                <a:solidFill>
-                  <a:srgbClr xmlns:mc="http://schemas.openxmlformats.org/markup-compatibility/2006" xmlns:a14="http://schemas.microsoft.com/office/drawing/2010/main" val="00FF00" mc:Ignorable=""/>
-                </a:solidFill>
-              </a:rPr>
-              <a:t>&gt;</a:t>
-            </a:r>
-            <a:r>
-              <a:rPr lang="en-US" sz="3000" dirty="0" smtClean="0"/>
-              <a:t> </a:t>
-            </a:r>
-            <a:r>
-              <a:rPr lang="en-US" sz="3000" dirty="0" smtClean="0">
-                <a:solidFill>
-                  <a:srgbClr xmlns:mc="http://schemas.openxmlformats.org/markup-compatibility/2006" xmlns:a14="http://schemas.microsoft.com/office/drawing/2010/main" val="00FF00" mc:Ignorable=""/>
-                </a:solidFill>
-              </a:rPr>
-              <a:t>90% passing</a:t>
-            </a:r>
+              <a:t>Only major missing feature</a:t>
+            </a:r>
+            <a:endParaRPr lang="en-US" sz="3000" dirty="0"/>
           </a:p>
           <a:p>
             <a:pPr lvl="1">
@@ -10129,58 +10316,21 @@
               <a:buChar char="v"/>
             </a:pPr>
             <a:r>
-              <a:rPr lang="en-US" sz="3000" dirty="0"/>
+              <a:rPr lang="en-US" dirty="0" smtClean="0"/>
               <a:t> </a:t>
             </a:r>
             <a:r>
-              <a:rPr lang="en-US" sz="3000" dirty="0" smtClean="0"/>
-              <a:t>Must have really good reason </a:t>
-            </a:r>
-            <a:r>
-              <a:rPr lang="en-US" sz="3000" dirty="0" err="1" smtClean="0"/>
-              <a:t>foreach</a:t>
-            </a:r>
-            <a:r>
-              <a:rPr lang="en-US" sz="3000" dirty="0" smtClean="0"/>
-              <a:t> failing </a:t>
-            </a:r>
-            <a:r>
-              <a:rPr lang="en-US" sz="3000" dirty="0" err="1" smtClean="0"/>
-              <a:t>RubySpecs</a:t>
-            </a:r>
-            <a:endParaRPr lang="en-US" sz="3000" dirty="0" smtClean="0"/>
-          </a:p>
-          <a:p>
-            <a:pPr marL="0" indent="0">
-              <a:buNone/>
-            </a:pPr>
-            <a:endParaRPr lang="en-US" dirty="0" smtClean="0"/>
-          </a:p>
-          <a:p>
-            <a:pPr marL="0" indent="0">
-              <a:buNone/>
-            </a:pPr>
-            <a:r>
-              <a:rPr lang="en-US" dirty="0" err="1" smtClean="0"/>
-              <a:t>RubySpec</a:t>
-            </a:r>
-            <a:r>
-              <a:rPr lang="en-US" dirty="0" smtClean="0"/>
-              <a:t>:			</a:t>
-            </a:r>
-            <a:r>
-              <a:rPr lang="en-US" b="1" dirty="0" smtClean="0">
-                <a:solidFill>
-                  <a:srgbClr xmlns:mc="http://schemas.openxmlformats.org/markup-compatibility/2006" xmlns:a14="http://schemas.microsoft.com/office/drawing/2010/main" val="00FF00" mc:Ignorable=""/>
-                </a:solidFill>
-              </a:rPr>
-              <a:t>92%</a:t>
-            </a:r>
-            <a:endParaRPr lang="en-US" b="1" dirty="0" smtClean="0">
-              <a:solidFill>
-                <a:srgbClr xmlns:mc="http://schemas.openxmlformats.org/markup-compatibility/2006" xmlns:a14="http://schemas.microsoft.com/office/drawing/2010/main" val="00FF00" mc:Ignorable=""/>
-              </a:solidFill>
-            </a:endParaRPr>
+              <a:rPr lang="en-US" sz="2600" dirty="0" smtClean="0"/>
+              <a:t>No support for any CLR feature which depends on a CLR type actually existing (Attributes, property data binding, </a:t>
+            </a:r>
+            <a:r>
+              <a:rPr lang="en-US" sz="2600" dirty="0" err="1" smtClean="0"/>
+              <a:t>etc</a:t>
+            </a:r>
+            <a:r>
+              <a:rPr lang="en-US" sz="2600" dirty="0" smtClean="0"/>
+              <a:t>)</a:t>
+            </a:r>
           </a:p>
           <a:p>
             <a:pPr lvl="1">
@@ -10188,199 +10338,28 @@
               <a:buChar char="v"/>
             </a:pPr>
             <a:r>
-              <a:rPr lang="en-US" dirty="0"/>
+              <a:rPr lang="en-US" sz="2600" dirty="0">
+                <a:solidFill>
+                  <a:srgbClr xmlns:mc="http://schemas.openxmlformats.org/markup-compatibility/2006" xmlns:a14="http://schemas.microsoft.com/office/drawing/2010/main" val="00FF00" mc:Ignorable=""/>
+                </a:solidFill>
+              </a:rPr>
               <a:t> </a:t>
             </a:r>
             <a:r>
-              <a:rPr lang="en-US" dirty="0" smtClean="0"/>
-              <a:t>Language:		</a:t>
-            </a:r>
-            <a:r>
-              <a:rPr lang="en-US" dirty="0" smtClean="0">
+              <a:rPr lang="en-US" sz="2600" dirty="0" smtClean="0">
                 <a:solidFill>
                   <a:srgbClr xmlns:mc="http://schemas.openxmlformats.org/markup-compatibility/2006" xmlns:a14="http://schemas.microsoft.com/office/drawing/2010/main" val="00FF00" mc:Ignorable=""/>
                 </a:solidFill>
               </a:rPr>
-              <a:t>97%</a:t>
-            </a:r>
-            <a:endParaRPr lang="en-US" dirty="0" smtClean="0">
-              <a:solidFill>
-                <a:srgbClr xmlns:mc="http://schemas.openxmlformats.org/markup-compatibility/2006" xmlns:a14="http://schemas.microsoft.com/office/drawing/2010/main" val="00FF00" mc:Ignorable=""/>
-              </a:solidFill>
-            </a:endParaRPr>
-          </a:p>
-          <a:p>
-            <a:pPr lvl="1">
-              <a:buFont typeface="Wingdings" pitchFamily="2" charset="2"/>
-              <a:buChar char="v"/>
-            </a:pPr>
-            <a:r>
-              <a:rPr lang="en-US" dirty="0"/>
-              <a:t> </a:t>
-            </a:r>
-            <a:r>
-              <a:rPr lang="en-US" dirty="0" smtClean="0"/>
-              <a:t>Core:			</a:t>
-            </a:r>
-            <a:r>
-              <a:rPr lang="en-US" dirty="0" smtClean="0">
-                <a:solidFill>
-                  <a:srgbClr xmlns:mc="http://schemas.openxmlformats.org/markup-compatibility/2006" xmlns:a14="http://schemas.microsoft.com/office/drawing/2010/main" val="00FF00" mc:Ignorable=""/>
-                </a:solidFill>
-              </a:rPr>
-              <a:t>91%</a:t>
-            </a:r>
-            <a:endParaRPr lang="en-US" dirty="0" smtClean="0">
-              <a:solidFill>
-                <a:srgbClr xmlns:mc="http://schemas.openxmlformats.org/markup-compatibility/2006" xmlns:a14="http://schemas.microsoft.com/office/drawing/2010/main" val="00FF00" mc:Ignorable=""/>
-              </a:solidFill>
-            </a:endParaRPr>
-          </a:p>
-          <a:p>
-            <a:pPr lvl="1">
-              <a:buFont typeface="Wingdings" pitchFamily="2" charset="2"/>
-              <a:buChar char="v"/>
-            </a:pPr>
-            <a:r>
-              <a:rPr lang="en-US" dirty="0"/>
-              <a:t> </a:t>
-            </a:r>
-            <a:r>
-              <a:rPr lang="en-US" dirty="0" smtClean="0"/>
-              <a:t>Libraries</a:t>
-            </a:r>
-            <a:r>
-              <a:rPr lang="en-US" dirty="0" smtClean="0"/>
-              <a:t>:		</a:t>
-            </a:r>
-            <a:r>
-              <a:rPr lang="en-US" dirty="0" smtClean="0">
-                <a:solidFill>
-                  <a:srgbClr xmlns:mc="http://schemas.openxmlformats.org/markup-compatibility/2006" xmlns:a14="http://schemas.microsoft.com/office/drawing/2010/main" val="00FF00" mc:Ignorable=""/>
-                </a:solidFill>
-              </a:rPr>
-              <a:t>93%</a:t>
-            </a:r>
-            <a:endParaRPr lang="en-US" dirty="0">
-              <a:solidFill>
-                <a:srgbClr xmlns:mc="http://schemas.openxmlformats.org/markup-compatibility/2006" xmlns:a14="http://schemas.microsoft.com/office/drawing/2010/main" val="00FF00" mc:Ignorable=""/>
-              </a:solidFill>
-            </a:endParaRPr>
-          </a:p>
-          <a:p>
-            <a:pPr marL="57150" indent="0">
-              <a:buNone/>
-            </a:pPr>
-            <a:endParaRPr lang="en-US" dirty="0" smtClean="0"/>
-          </a:p>
-          <a:p>
-            <a:pPr marL="57150" indent="0">
-              <a:buNone/>
-            </a:pPr>
-            <a:r>
-              <a:rPr lang="en-US" dirty="0" smtClean="0"/>
-              <a:t>Libraries</a:t>
-            </a:r>
-          </a:p>
-          <a:p>
-            <a:pPr lvl="1">
-              <a:buFont typeface="Wingdings" pitchFamily="2" charset="2"/>
-              <a:buChar char="v"/>
-            </a:pPr>
-            <a:r>
-              <a:rPr lang="en-US" dirty="0"/>
-              <a:t> </a:t>
-            </a:r>
-            <a:r>
-              <a:rPr lang="en-US" dirty="0" err="1" smtClean="0"/>
-              <a:t>RubyGems</a:t>
-            </a:r>
-            <a:r>
-              <a:rPr lang="en-US" dirty="0" smtClean="0"/>
-              <a:t>:		</a:t>
-            </a:r>
-            <a:r>
-              <a:rPr lang="en-US" dirty="0" smtClean="0">
-                <a:solidFill>
-                  <a:srgbClr xmlns:mc="http://schemas.openxmlformats.org/markup-compatibility/2006" xmlns:a14="http://schemas.microsoft.com/office/drawing/2010/main" val="00FF00" mc:Ignorable=""/>
-                </a:solidFill>
-              </a:rPr>
-              <a:t>96%</a:t>
-            </a:r>
-            <a:endParaRPr lang="en-US" dirty="0" smtClean="0">
-              <a:solidFill>
-                <a:srgbClr xmlns:mc="http://schemas.openxmlformats.org/markup-compatibility/2006" xmlns:a14="http://schemas.microsoft.com/office/drawing/2010/main" val="00FF00" mc:Ignorable=""/>
-              </a:solidFill>
-            </a:endParaRPr>
-          </a:p>
-          <a:p>
-            <a:pPr lvl="1">
-              <a:buFont typeface="Wingdings" pitchFamily="2" charset="2"/>
-              <a:buChar char="v"/>
-            </a:pPr>
-            <a:r>
-              <a:rPr lang="en-US" dirty="0"/>
-              <a:t> </a:t>
-            </a:r>
-            <a:r>
-              <a:rPr lang="en-US" dirty="0" err="1" smtClean="0"/>
-              <a:t>ActionPack</a:t>
-            </a:r>
-            <a:r>
-              <a:rPr lang="en-US" dirty="0" smtClean="0"/>
-              <a:t>:		</a:t>
-            </a:r>
-            <a:r>
-              <a:rPr lang="en-US" dirty="0" smtClean="0">
-                <a:solidFill>
-                  <a:srgbClr xmlns:mc="http://schemas.openxmlformats.org/markup-compatibility/2006" xmlns:a14="http://schemas.microsoft.com/office/drawing/2010/main" val="00FF00" mc:Ignorable=""/>
-                </a:solidFill>
-              </a:rPr>
-              <a:t>95%	</a:t>
-            </a:r>
-            <a:endParaRPr lang="en-US" dirty="0" smtClean="0">
-              <a:solidFill>
-                <a:srgbClr xmlns:mc="http://schemas.openxmlformats.org/markup-compatibility/2006" xmlns:a14="http://schemas.microsoft.com/office/drawing/2010/main" val="00FF00" mc:Ignorable=""/>
-              </a:solidFill>
-            </a:endParaRPr>
-          </a:p>
-          <a:p>
-            <a:pPr lvl="1">
-              <a:buFont typeface="Wingdings" pitchFamily="2" charset="2"/>
-              <a:buChar char="v"/>
-            </a:pPr>
-            <a:r>
-              <a:rPr lang="en-US" dirty="0"/>
-              <a:t> </a:t>
-            </a:r>
-            <a:r>
-              <a:rPr lang="en-US" dirty="0" err="1" smtClean="0"/>
-              <a:t>ActiveSupport</a:t>
-            </a:r>
-            <a:r>
-              <a:rPr lang="en-US" dirty="0" smtClean="0"/>
-              <a:t>:		</a:t>
-            </a:r>
-            <a:r>
-              <a:rPr lang="en-US" dirty="0" smtClean="0">
-                <a:solidFill>
-                  <a:srgbClr xmlns:mc="http://schemas.openxmlformats.org/markup-compatibility/2006" xmlns:a14="http://schemas.microsoft.com/office/drawing/2010/main" val="00FF00" mc:Ignorable=""/>
-                </a:solidFill>
-              </a:rPr>
-              <a:t>95%</a:t>
-            </a:r>
-            <a:endParaRPr lang="en-US" dirty="0" smtClean="0">
-              <a:solidFill>
-                <a:srgbClr xmlns:mc="http://schemas.openxmlformats.org/markup-compatibility/2006" xmlns:a14="http://schemas.microsoft.com/office/drawing/2010/main" val="00FF00" mc:Ignorable=""/>
-              </a:solidFill>
-            </a:endParaRPr>
+              <a:t>OK to ship 1.0 without it</a:t>
+            </a:r>
           </a:p>
         </p:txBody>
       </p:sp>
     </p:spTree>
     <p:extLst>
       <p:ext uri="{BB962C8B-B14F-4D97-AF65-F5344CB8AC3E}">
-        <p14:creationId xmlns:p14="http://schemas.microsoft.com/office/powerpoint/2010/main" val="3445922722"/>
+        <p14:creationId xmlns:p14="http://schemas.microsoft.com/office/powerpoint/2010/main" val="3116064284"/>
       </p:ext>
     </p:extLst>
   </p:cSld>
@@ -10441,7 +10420,7 @@
             </a:pPr>
             <a:r>
               <a:rPr lang="en-US" sz="4000" dirty="0" smtClean="0"/>
-              <a:t>CLR Integration</a:t>
+              <a:t>Roadmap to 1.0</a:t>
             </a:r>
           </a:p>
           <a:p>
@@ -10451,7 +10430,51 @@
             </a:pPr>
             <a:r>
               <a:rPr lang="en-US" sz="2600" dirty="0" smtClean="0"/>
-              <a:t> Goal: use majority of CLR features from Ruby  without needing C# stubs</a:t>
+              <a:t> Today: 1.0 RC1</a:t>
+            </a:r>
+          </a:p>
+          <a:p>
+            <a:pPr lvl="1">
+              <a:buFont typeface="Wingdings" pitchFamily="2" charset="2"/>
+              <a:buChar char="v"/>
+            </a:pPr>
+            <a:r>
+              <a:rPr lang="en-US" sz="2600" dirty="0"/>
+              <a:t> </a:t>
+            </a:r>
+            <a:r>
+              <a:rPr lang="en-US" sz="2600" dirty="0" smtClean="0"/>
+              <a:t>RC2, 3, </a:t>
+            </a:r>
+            <a:r>
+              <a:rPr lang="en-US" sz="2600" dirty="0" err="1" smtClean="0"/>
+              <a:t>etc</a:t>
+            </a:r>
+            <a:r>
+              <a:rPr lang="en-US" sz="2600" dirty="0" smtClean="0"/>
+              <a:t>, will come as needed</a:t>
+            </a:r>
+          </a:p>
+          <a:p>
+            <a:pPr lvl="1">
+              <a:buFont typeface="Wingdings" pitchFamily="2" charset="2"/>
+              <a:buChar char="v"/>
+            </a:pPr>
+            <a:r>
+              <a:rPr lang="en-US" sz="2600" dirty="0"/>
+              <a:t> </a:t>
+            </a:r>
+            <a:r>
+              <a:rPr lang="en-US" sz="2600" dirty="0" smtClean="0"/>
+              <a:t>RC build becomes </a:t>
+            </a:r>
+            <a:r>
+              <a:rPr lang="en-US" sz="2600" i="1" dirty="0" smtClean="0"/>
+              <a:t>final</a:t>
+            </a:r>
+            <a:r>
+              <a:rPr lang="en-US" sz="2600" dirty="0" smtClean="0"/>
+              <a:t> if no must-fix-for-RC bugs are accepted for a few weeks.</a:t>
             </a:r>
           </a:p>
           <a:p>
@@ -10466,9 +10489,8 @@
             </a:pPr>
             <a:r>
               <a:rPr lang="en-US" sz="3000" dirty="0" smtClean="0"/>
-              <a:t>Only major missing feature</a:t>
-            </a:r>
-            <a:endParaRPr lang="en-US" sz="3000" dirty="0"/>
+              <a:t>Work still left to do</a:t>
+            </a:r>
           </a:p>
           <a:p>
             <a:pPr lvl="1">
@@ -10476,21 +10498,34 @@
               <a:buChar char="v"/>
             </a:pPr>
             <a:r>
-              <a:rPr lang="en-US" dirty="0" smtClean="0"/>
-              <a:t> </a:t>
-            </a:r>
-            <a:r>
               <a:rPr lang="en-US" sz="2600" dirty="0" smtClean="0"/>
-              <a:t>No support for any CLR feature which depends on a CLR type actually existing (Attributes, property data binding, </a:t>
+              <a:t> Startup </a:t>
             </a:r>
             <a:r>
               <a:rPr lang="en-US" sz="2600" dirty="0" err="1" smtClean="0"/>
-              <a:t>etc</a:t>
+              <a:t>perf</a:t>
             </a:r>
             <a:r>
               <a:rPr lang="en-US" sz="2600" dirty="0" smtClean="0"/>
-              <a:t>)</a:t>
-            </a:r>
+              <a:t>: </a:t>
+            </a:r>
+            <a:r>
+              <a:rPr lang="en-US" sz="2600" dirty="0" smtClean="0">
+                <a:solidFill>
+                  <a:schemeClr val="bg1">
+                    <a:lumMod val="75000"/>
+                  </a:schemeClr>
+                </a:solidFill>
+              </a:rPr>
+              <a:t>largest factor in perceived slowness</a:t>
+            </a:r>
+            <a:endParaRPr lang="en-US" sz="2600" dirty="0">
+              <a:solidFill>
+                <a:schemeClr val="bg1">
+                  <a:lumMod val="75000"/>
+                </a:schemeClr>
+              </a:solidFill>
+            </a:endParaRPr>
           </a:p>
           <a:p>
             <a:pPr lvl="1">
@@ -10498,20 +10533,50 @@
               <a:buChar char="v"/>
             </a:pPr>
             <a:r>
-              <a:rPr lang="en-US" sz="2600" dirty="0">
-                <a:solidFill>
-                  <a:srgbClr xmlns:mc="http://schemas.openxmlformats.org/markup-compatibility/2006" xmlns:a14="http://schemas.microsoft.com/office/drawing/2010/main" val="00FF00" mc:Ignorable=""/>
-                </a:solidFill>
-              </a:rPr>
+              <a:rPr lang="en-US" sz="2600" dirty="0" smtClean="0"/>
+              <a:t> Throughput </a:t>
+            </a:r>
+            <a:r>
+              <a:rPr lang="en-US" sz="2600" dirty="0" err="1" smtClean="0"/>
+              <a:t>perf</a:t>
+            </a:r>
+            <a:r>
+              <a:rPr lang="en-US" sz="2600" dirty="0" smtClean="0"/>
+              <a:t>: </a:t>
+            </a:r>
+            <a:r>
+              <a:rPr lang="en-US" sz="2600" dirty="0" smtClean="0">
+                <a:solidFill>
+                  <a:schemeClr val="bg1">
+                    <a:lumMod val="75000"/>
+                  </a:schemeClr>
+                </a:solidFill>
+              </a:rPr>
+              <a:t>related to startup, but will focus on library implementations.</a:t>
+            </a:r>
+          </a:p>
+          <a:p>
+            <a:pPr lvl="1">
+              <a:buFont typeface="Wingdings" pitchFamily="2" charset="2"/>
+              <a:buChar char="v"/>
+            </a:pPr>
+            <a:r>
+              <a:rPr lang="en-US" sz="2600" dirty="0"/>
               <a:t> </a:t>
             </a:r>
             <a:r>
+              <a:rPr lang="en-US" sz="2600" dirty="0" smtClean="0"/>
+              <a:t>Bugs</a:t>
+            </a:r>
+            <a:r>
               <a:rPr lang="en-US" sz="2600" dirty="0" smtClean="0">
                 <a:solidFill>
-                  <a:srgbClr xmlns:mc="http://schemas.openxmlformats.org/markup-compatibility/2006" xmlns:a14="http://schemas.microsoft.com/office/drawing/2010/main" val="00FF00" mc:Ignorable=""/>
-                </a:solidFill>
-              </a:rPr>
-              <a:t>OK to ship 1.0 without it</a:t>
+                  <a:schemeClr val="bg1">
+                    <a:lumMod val="75000"/>
+                  </a:schemeClr>
+                </a:solidFill>
+              </a:rPr>
+              <a:t>: 50 open bugs, plus whatever bump the RC gives</a:t>
             </a:r>
           </a:p>
         </p:txBody>
@@ -10519,7 +10584,7 @@
     </p:spTree>
     <p:extLst>
       <p:ext uri="{BB962C8B-B14F-4D97-AF65-F5344CB8AC3E}">
-        <p14:creationId xmlns:p14="http://schemas.microsoft.com/office/powerpoint/2010/main" val="3116064284"/>
+        <p14:creationId xmlns:p14="http://schemas.microsoft.com/office/powerpoint/2010/main" val="4071894193"/>
       </p:ext>
     </p:extLst>
   </p:cSld>
@@ -10555,231 +10620,6 @@
       </p:grpSpPr>
       <p:sp>
         <p:nvSpPr>
-          <p:cNvPr id="3" name="Content Placeholder 2"/>
-          <p:cNvSpPr>
-            <a:spLocks noGrp="1"/>
-          </p:cNvSpPr>
-          <p:nvPr>
-            <p:ph idx="1"/>
-          </p:nvPr>
-        </p:nvSpPr>
-        <p:spPr>
-          <a:xfrm>
-            <a:off x="381000" y="419100"/>
-            <a:ext cx="8382000" cy="6019800"/>
-          </a:xfrm>
-        </p:spPr>
-        <p:txBody>
-          <a:bodyPr anchor="ctr">
-            <a:normAutofit/>
-          </a:bodyPr>
-          <a:lstStyle/>
-          <a:p>
-            <a:pPr marL="0" indent="0">
-              <a:buNone/>
-            </a:pPr>
-            <a:r>
-              <a:rPr lang="en-US" sz="4000" dirty="0" smtClean="0"/>
-              <a:t>Roadmap to 1.0</a:t>
-            </a:r>
-          </a:p>
-          <a:p>
-            <a:pPr lvl="1">
-              <a:buFont typeface="Wingdings" pitchFamily="2" charset="2"/>
-              <a:buChar char="v"/>
-            </a:pPr>
-            <a:r>
-              <a:rPr lang="en-US" sz="2600" dirty="0" smtClean="0"/>
-              <a:t> Today: 1.0 RC1</a:t>
-            </a:r>
-          </a:p>
-          <a:p>
-            <a:pPr lvl="1">
-              <a:buFont typeface="Wingdings" pitchFamily="2" charset="2"/>
-              <a:buChar char="v"/>
-            </a:pPr>
-            <a:r>
-              <a:rPr lang="en-US" sz="2600" dirty="0"/>
-              <a:t> </a:t>
-            </a:r>
-            <a:r>
-              <a:rPr lang="en-US" sz="2600" dirty="0" smtClean="0"/>
-              <a:t>RC2, 3, </a:t>
-            </a:r>
-            <a:r>
-              <a:rPr lang="en-US" sz="2600" dirty="0" err="1" smtClean="0"/>
-              <a:t>etc</a:t>
-            </a:r>
-            <a:r>
-              <a:rPr lang="en-US" sz="2600" dirty="0" smtClean="0"/>
-              <a:t>, will come as needed</a:t>
-            </a:r>
-          </a:p>
-          <a:p>
-            <a:pPr lvl="1">
-              <a:buFont typeface="Wingdings" pitchFamily="2" charset="2"/>
-              <a:buChar char="v"/>
-            </a:pPr>
-            <a:r>
-              <a:rPr lang="en-US" sz="2600" dirty="0"/>
-              <a:t> </a:t>
-            </a:r>
-            <a:r>
-              <a:rPr lang="en-US" sz="2600" dirty="0" smtClean="0"/>
-              <a:t>RC build becomes </a:t>
-            </a:r>
-            <a:r>
-              <a:rPr lang="en-US" sz="2600" i="1" dirty="0" smtClean="0"/>
-              <a:t>final</a:t>
-            </a:r>
-            <a:r>
-              <a:rPr lang="en-US" sz="2600" dirty="0" smtClean="0"/>
-              <a:t> if no must-fix-for-RC bugs are accepted for a few weeks.</a:t>
-            </a:r>
-          </a:p>
-          <a:p>
-            <a:pPr marL="57150" indent="0">
-              <a:buNone/>
-            </a:pPr>
-            <a:endParaRPr lang="en-US" sz="3000" dirty="0" smtClean="0"/>
-          </a:p>
-          <a:p>
-            <a:pPr marL="57150" indent="0">
-              <a:buNone/>
-            </a:pPr>
-            <a:r>
-              <a:rPr lang="en-US" sz="3000" dirty="0" smtClean="0"/>
-              <a:t>Work still left to do</a:t>
-            </a:r>
-          </a:p>
-          <a:p>
-            <a:pPr lvl="1">
-              <a:buFont typeface="Wingdings" pitchFamily="2" charset="2"/>
-              <a:buChar char="v"/>
-            </a:pPr>
-            <a:r>
-              <a:rPr lang="en-US" sz="2600" dirty="0" smtClean="0"/>
-              <a:t> Startup </a:t>
-            </a:r>
-            <a:r>
-              <a:rPr lang="en-US" sz="2600" dirty="0" err="1" smtClean="0"/>
-              <a:t>perf</a:t>
-            </a:r>
-            <a:r>
-              <a:rPr lang="en-US" sz="2600" dirty="0" smtClean="0"/>
-              <a:t>: </a:t>
-            </a:r>
-            <a:r>
-              <a:rPr lang="en-US" sz="2600" dirty="0" smtClean="0">
-                <a:solidFill>
-                  <a:schemeClr val="bg1">
-                    <a:lumMod val="75000"/>
-                  </a:schemeClr>
-                </a:solidFill>
-              </a:rPr>
-              <a:t>largest factor in perceived slowness</a:t>
-            </a:r>
-            <a:endParaRPr lang="en-US" sz="2600" dirty="0">
-              <a:solidFill>
-                <a:schemeClr val="bg1">
-                  <a:lumMod val="75000"/>
-                </a:schemeClr>
-              </a:solidFill>
-            </a:endParaRPr>
-          </a:p>
-          <a:p>
-            <a:pPr lvl="1">
-              <a:buFont typeface="Wingdings" pitchFamily="2" charset="2"/>
-              <a:buChar char="v"/>
-            </a:pPr>
-            <a:r>
-              <a:rPr lang="en-US" sz="2600" dirty="0" smtClean="0"/>
-              <a:t> Throughput </a:t>
-            </a:r>
-            <a:r>
-              <a:rPr lang="en-US" sz="2600" dirty="0" err="1" smtClean="0"/>
-              <a:t>perf</a:t>
-            </a:r>
-            <a:r>
-              <a:rPr lang="en-US" sz="2600" dirty="0" smtClean="0"/>
-              <a:t>: </a:t>
-            </a:r>
-            <a:r>
-              <a:rPr lang="en-US" sz="2600" dirty="0" smtClean="0">
-                <a:solidFill>
-                  <a:schemeClr val="bg1">
-                    <a:lumMod val="75000"/>
-                  </a:schemeClr>
-                </a:solidFill>
-              </a:rPr>
-              <a:t>related to startup, but will focus on library implementations.</a:t>
-            </a:r>
-          </a:p>
-          <a:p>
-            <a:pPr lvl="1">
-              <a:buFont typeface="Wingdings" pitchFamily="2" charset="2"/>
-              <a:buChar char="v"/>
-            </a:pPr>
-            <a:r>
-              <a:rPr lang="en-US" sz="2600" dirty="0"/>
-              <a:t> </a:t>
-            </a:r>
-            <a:r>
-              <a:rPr lang="en-US" sz="2600" dirty="0" smtClean="0"/>
-              <a:t>Bugs</a:t>
-            </a:r>
-            <a:r>
-              <a:rPr lang="en-US" sz="2600" dirty="0" smtClean="0">
-                <a:solidFill>
-                  <a:schemeClr val="bg1">
-                    <a:lumMod val="75000"/>
-                  </a:schemeClr>
-                </a:solidFill>
-              </a:rPr>
-              <a:t>: 50 open bugs, plus whatever bump the RC gives</a:t>
-            </a:r>
-          </a:p>
-        </p:txBody>
-      </p:sp>
-    </p:spTree>
-    <p:extLst>
-      <p:ext uri="{BB962C8B-B14F-4D97-AF65-F5344CB8AC3E}">
-        <p14:creationId xmlns:p14="http://schemas.microsoft.com/office/powerpoint/2010/main" val="4071894193"/>
-      </p:ext>
-    </p:extLst>
-  </p:cSld>
-  <p:clrMapOvr>
-    <a:masterClrMapping/>
-  </p:clrMapOvr>
-  <p:timing>
-    <p:tnLst>
-      <p:par>
-        <p:cTn xmlns:p14="http://schemas.microsoft.com/office/powerpoint/2010/main" id="1" dur="indefinite" restart="never" nodeType="tmRoot"/>
-      </p:par>
-    </p:tnLst>
-  </p:timing>
-</p:sld>
-</file>
-
-<file path=ppt/slides/slide26.xml><?xml version="1.0" encoding="utf-8"?>
-<p:sld xmlns:a="http://schemas.openxmlformats.org/drawingml/2006/main" xmlns:r="http://schemas.openxmlformats.org/officeDocument/2006/relationships" xmlns:p="http://schemas.openxmlformats.org/presentationml/2006/main">
-  <p:cSld>
-    <p:spTree>
-      <p:nvGrpSpPr>
-        <p:cNvPr id="1" name=""/>
-        <p:cNvGrpSpPr/>
-        <p:nvPr/>
-      </p:nvGrpSpPr>
-      <p:grpSpPr>
-        <a:xfrm>
-          <a:off x="0" y="0"/>
-          <a:ext cx="0" cy="0"/>
-          <a:chOff x="0" y="0"/>
-          <a:chExt cx="0" cy="0"/>
-        </a:xfrm>
-      </p:grpSpPr>
-      <p:sp>
-        <p:nvSpPr>
           <p:cNvPr id="2" name="Title 1"/>
           <p:cNvSpPr>
             <a:spLocks noGrp="1"/>
@@ -10889,7 +10729,7 @@
 </p:sld>
 </file>
 
-<file path=ppt/slides/slide27.xml><?xml version="1.0" encoding="utf-8"?>
+<file path=ppt/slides/slide26.xml><?xml version="1.0" encoding="utf-8"?>
 <p:sld xmlns:a="http://schemas.openxmlformats.org/drawingml/2006/main" xmlns:r="http://schemas.openxmlformats.org/officeDocument/2006/relationships" xmlns:p="http://schemas.openxmlformats.org/presentationml/2006/main">
   <p:cSld>
     <p:spTree>
@@ -10990,7 +10830,7 @@
 </p:sld>
 </file>
 
-<file path=ppt/slides/slide28.xml><?xml version="1.0" encoding="utf-8"?>
+<file path=ppt/slides/slide27.xml><?xml version="1.0" encoding="utf-8"?>
 <p:sld xmlns:a="http://schemas.openxmlformats.org/drawingml/2006/main" xmlns:r="http://schemas.openxmlformats.org/officeDocument/2006/relationships" xmlns:p="http://schemas.openxmlformats.org/presentationml/2006/main">
   <p:cSld>
     <p:spTree>
@@ -11542,7 +11382,7 @@
 </p:sld>
 </file>
 
-<file path=ppt/slides/slide29.xml><?xml version="1.0" encoding="utf-8"?>
+<file path=ppt/slides/slide28.xml><?xml version="1.0" encoding="utf-8"?>
 <p:sld xmlns:a="http://schemas.openxmlformats.org/drawingml/2006/main" xmlns:r="http://schemas.openxmlformats.org/officeDocument/2006/relationships" xmlns:p="http://schemas.openxmlformats.org/presentationml/2006/main">
   <p:cSld>
     <p:spTree>
@@ -12973,23 +12813,7 @@
             </a:pPr>
             <a:r>
               <a:rPr lang="en-US" dirty="0" smtClean="0"/>
-              <a:t>A p</a:t>
-            </a:r>
-            <a:r>
-              <a:rPr lang="en-US" dirty="0" smtClean="0"/>
-              <a:t>remiere </a:t>
-            </a:r>
-            <a:r>
-              <a:rPr lang="en-US" dirty="0" smtClean="0"/>
-              <a:t>implementation</a:t>
-            </a:r>
-            <a:r>
-              <a:rPr lang="en-US" dirty="0" smtClean="0"/>
-              <a:t> </a:t>
-            </a:r>
-            <a:r>
-              <a:rPr lang="en-US" dirty="0" smtClean="0"/>
-              <a:t>for Windows</a:t>
+              <a:t>A premiere implementation for Windows</a:t>
             </a:r>
           </a:p>
           <a:p>
@@ -13035,17 +12859,7 @@
                   </a:schemeClr>
                 </a:solidFill>
               </a:rPr>
-              <a:t>Systems </a:t>
-            </a:r>
-            <a:r>
-              <a:rPr lang="en-US" dirty="0" smtClean="0">
-                <a:solidFill>
-                  <a:schemeClr val="bg1">
-                    <a:lumMod val="75000"/>
-                  </a:schemeClr>
-                </a:solidFill>
-              </a:rPr>
-              <a:t>management</a:t>
+              <a:t>Systems management</a:t>
             </a:r>
           </a:p>
           <a:p>
